--- a/HANDS/trunk/data/Design.pptx
+++ b/HANDS/trunk/data/Design.pptx
@@ -7,10 +7,11 @@
   <p:sldIdLst>
     <p:sldId id="263" r:id="rId2"/>
     <p:sldId id="269" r:id="rId3"/>
-    <p:sldId id="267" r:id="rId4"/>
-    <p:sldId id="270" r:id="rId5"/>
-    <p:sldId id="268" r:id="rId6"/>
-    <p:sldId id="271" r:id="rId7"/>
+    <p:sldId id="272" r:id="rId4"/>
+    <p:sldId id="267" r:id="rId5"/>
+    <p:sldId id="270" r:id="rId6"/>
+    <p:sldId id="268" r:id="rId7"/>
+    <p:sldId id="271" r:id="rId8"/>
   </p:sldIdLst>
   <p:sldSz cx="9144000" cy="6858000" type="screen4x3"/>
   <p:notesSz cx="6858000" cy="9144000"/>
@@ -146,7 +147,7 @@
           <a:p>
             <a:fld id="{46B0DD1D-ED37-4907-8AD7-C556D0397C4A}" type="datetimeFigureOut">
               <a:rPr lang="en-US" smtClean="0"/>
-              <a:t>3/10/2012</a:t>
+              <a:t>3/12/2012</a:t>
             </a:fld>
             <a:endParaRPr lang="en-US"/>
           </a:p>
@@ -302,7 +303,7 @@
           <a:p>
             <a:fld id="{46B0DD1D-ED37-4907-8AD7-C556D0397C4A}" type="datetimeFigureOut">
               <a:rPr lang="en-US" smtClean="0"/>
-              <a:t>3/10/2012</a:t>
+              <a:t>3/12/2012</a:t>
             </a:fld>
             <a:endParaRPr lang="en-US"/>
           </a:p>
@@ -1294,7 +1295,7 @@
           <a:p>
             <a:fld id="{46B0DD1D-ED37-4907-8AD7-C556D0397C4A}" type="datetimeFigureOut">
               <a:rPr lang="en-US" smtClean="0"/>
-              <a:t>3/10/2012</a:t>
+              <a:t>3/12/2012</a:t>
             </a:fld>
             <a:endParaRPr lang="en-US"/>
           </a:p>
@@ -2039,7 +2040,7 @@
           <a:p>
             <a:fld id="{46B0DD1D-ED37-4907-8AD7-C556D0397C4A}" type="datetimeFigureOut">
               <a:rPr lang="en-US" smtClean="0"/>
-              <a:t>3/10/2012</a:t>
+              <a:t>3/12/2012</a:t>
             </a:fld>
             <a:endParaRPr lang="en-US"/>
           </a:p>
@@ -4607,6 +4608,97 @@
           </a:p>
         </p:txBody>
       </p:sp>
+      <p:sp>
+        <p:nvSpPr>
+          <p:cNvPr id="20" name="TextBox 19"/>
+          <p:cNvSpPr txBox="1"/>
+          <p:nvPr/>
+        </p:nvSpPr>
+        <p:spPr>
+          <a:xfrm>
+            <a:off x="2694483" y="2897414"/>
+            <a:ext cx="633761" cy="215444"/>
+          </a:xfrm>
+          <a:prstGeom prst="rect">
+            <a:avLst/>
+          </a:prstGeom>
+          <a:noFill/>
+        </p:spPr>
+        <p:txBody>
+          <a:bodyPr wrap="square" rtlCol="0">
+            <a:spAutoFit/>
+          </a:bodyPr>
+          <a:lstStyle/>
+          <a:p>
+            <a:r>
+              <a:rPr lang="en-US" sz="800" dirty="0" smtClean="0">
+                <a:latin typeface="Tahoma" pitchFamily="34" charset="0"/>
+                <a:ea typeface="Tahoma" pitchFamily="34" charset="0"/>
+                <a:cs typeface="Tahoma" pitchFamily="34" charset="0"/>
+              </a:rPr>
+              <a:t>Expected:</a:t>
+            </a:r>
+            <a:endParaRPr lang="en-US" sz="800" dirty="0">
+              <a:latin typeface="Tahoma" pitchFamily="34" charset="0"/>
+              <a:ea typeface="Tahoma" pitchFamily="34" charset="0"/>
+              <a:cs typeface="Tahoma" pitchFamily="34" charset="0"/>
+            </a:endParaRPr>
+          </a:p>
+        </p:txBody>
+      </p:sp>
+      <p:sp>
+        <p:nvSpPr>
+          <p:cNvPr id="21" name="Oval 20"/>
+          <p:cNvSpPr/>
+          <p:nvPr/>
+        </p:nvSpPr>
+        <p:spPr>
+          <a:xfrm>
+            <a:off x="3260608" y="2897413"/>
+            <a:ext cx="232109" cy="209552"/>
+          </a:xfrm>
+          <a:prstGeom prst="ellipse">
+            <a:avLst/>
+          </a:prstGeom>
+          <a:solidFill>
+            <a:srgbClr val="50F828"/>
+          </a:solidFill>
+        </p:spPr>
+        <p:style>
+          <a:lnRef idx="0">
+            <a:schemeClr val="accent3"/>
+          </a:lnRef>
+          <a:fillRef idx="3">
+            <a:schemeClr val="accent3"/>
+          </a:fillRef>
+          <a:effectRef idx="3">
+            <a:schemeClr val="accent3"/>
+          </a:effectRef>
+          <a:fontRef idx="minor">
+            <a:schemeClr val="lt1"/>
+          </a:fontRef>
+        </p:style>
+        <p:txBody>
+          <a:bodyPr rtlCol="0" anchor="ctr"/>
+          <a:lstStyle/>
+          <a:p>
+            <a:pPr algn="ctr"/>
+            <a:r>
+              <a:rPr lang="en-US" sz="1000" b="1" dirty="0">
+                <a:solidFill>
+                  <a:schemeClr val="tx1"/>
+                </a:solidFill>
+              </a:rPr>
+              <a:t>5</a:t>
+            </a:r>
+            <a:endParaRPr lang="en-US" sz="1000" b="1" dirty="0">
+              <a:solidFill>
+                <a:schemeClr val="tx1"/>
+              </a:solidFill>
+            </a:endParaRPr>
+          </a:p>
+        </p:txBody>
+      </p:sp>
     </p:spTree>
     <p:extLst>
       <p:ext uri="{BB962C8B-B14F-4D97-AF65-F5344CB8AC3E}">
@@ -4637,6 +4729,2829 @@
           <a:chExt cx="0" cy="0"/>
         </a:xfrm>
       </p:grpSpPr>
+      <p:sp>
+        <p:nvSpPr>
+          <p:cNvPr id="11" name="TextBox 10"/>
+          <p:cNvSpPr txBox="1"/>
+          <p:nvPr/>
+        </p:nvSpPr>
+        <p:spPr>
+          <a:xfrm>
+            <a:off x="5153126" y="2777508"/>
+            <a:ext cx="633761" cy="215444"/>
+          </a:xfrm>
+          <a:prstGeom prst="rect">
+            <a:avLst/>
+          </a:prstGeom>
+          <a:noFill/>
+        </p:spPr>
+        <p:txBody>
+          <a:bodyPr wrap="square" rtlCol="0">
+            <a:spAutoFit/>
+          </a:bodyPr>
+          <a:lstStyle/>
+          <a:p>
+            <a:r>
+              <a:rPr lang="en-US" sz="800" dirty="0" smtClean="0">
+                <a:latin typeface="Tahoma" pitchFamily="34" charset="0"/>
+                <a:ea typeface="Tahoma" pitchFamily="34" charset="0"/>
+                <a:cs typeface="Tahoma" pitchFamily="34" charset="0"/>
+              </a:rPr>
+              <a:t>Projected</a:t>
+            </a:r>
+            <a:endParaRPr lang="en-US" sz="800" dirty="0">
+              <a:latin typeface="Tahoma" pitchFamily="34" charset="0"/>
+              <a:ea typeface="Tahoma" pitchFamily="34" charset="0"/>
+              <a:cs typeface="Tahoma" pitchFamily="34" charset="0"/>
+            </a:endParaRPr>
+          </a:p>
+        </p:txBody>
+      </p:sp>
+      <p:sp>
+        <p:nvSpPr>
+          <p:cNvPr id="13" name="TextBox 12"/>
+          <p:cNvSpPr txBox="1"/>
+          <p:nvPr/>
+        </p:nvSpPr>
+        <p:spPr>
+          <a:xfrm>
+            <a:off x="3100174" y="3944779"/>
+            <a:ext cx="3150870" cy="246221"/>
+          </a:xfrm>
+          <a:prstGeom prst="rect">
+            <a:avLst/>
+          </a:prstGeom>
+          <a:noFill/>
+        </p:spPr>
+        <p:txBody>
+          <a:bodyPr wrap="square" rtlCol="0">
+            <a:spAutoFit/>
+          </a:bodyPr>
+          <a:lstStyle/>
+          <a:p>
+            <a:pPr algn="ctr"/>
+            <a:r>
+              <a:rPr lang="en-US" sz="1000" dirty="0" smtClean="0">
+                <a:latin typeface="Tahoma" pitchFamily="34" charset="0"/>
+                <a:ea typeface="Tahoma" pitchFamily="34" charset="0"/>
+                <a:cs typeface="Tahoma" pitchFamily="34" charset="0"/>
+              </a:rPr>
+              <a:t>Hours since admission</a:t>
+            </a:r>
+            <a:endParaRPr lang="en-US" sz="1000" dirty="0">
+              <a:latin typeface="Tahoma" pitchFamily="34" charset="0"/>
+              <a:ea typeface="Tahoma" pitchFamily="34" charset="0"/>
+              <a:cs typeface="Tahoma" pitchFamily="34" charset="0"/>
+            </a:endParaRPr>
+          </a:p>
+        </p:txBody>
+      </p:sp>
+      <p:sp>
+        <p:nvSpPr>
+          <p:cNvPr id="14" name="TextBox 13"/>
+          <p:cNvSpPr txBox="1"/>
+          <p:nvPr/>
+        </p:nvSpPr>
+        <p:spPr>
+          <a:xfrm rot="16200000">
+            <a:off x="2259342" y="3368517"/>
+            <a:ext cx="934879" cy="246221"/>
+          </a:xfrm>
+          <a:prstGeom prst="rect">
+            <a:avLst/>
+          </a:prstGeom>
+          <a:noFill/>
+        </p:spPr>
+        <p:txBody>
+          <a:bodyPr wrap="square" rtlCol="0">
+            <a:spAutoFit/>
+          </a:bodyPr>
+          <a:lstStyle/>
+          <a:p>
+            <a:pPr algn="ctr"/>
+            <a:r>
+              <a:rPr lang="en-US" sz="1000" dirty="0" smtClean="0">
+                <a:latin typeface="Tahoma" pitchFamily="34" charset="0"/>
+                <a:ea typeface="Tahoma" pitchFamily="34" charset="0"/>
+                <a:cs typeface="Tahoma" pitchFamily="34" charset="0"/>
+              </a:rPr>
+              <a:t>NOC Level</a:t>
+            </a:r>
+            <a:endParaRPr lang="en-US" sz="1000" dirty="0">
+              <a:latin typeface="Tahoma" pitchFamily="34" charset="0"/>
+              <a:ea typeface="Tahoma" pitchFamily="34" charset="0"/>
+              <a:cs typeface="Tahoma" pitchFamily="34" charset="0"/>
+            </a:endParaRPr>
+          </a:p>
+        </p:txBody>
+      </p:sp>
+      <p:grpSp>
+        <p:nvGrpSpPr>
+          <p:cNvPr id="39" name="Group 38"/>
+          <p:cNvGrpSpPr/>
+          <p:nvPr/>
+        </p:nvGrpSpPr>
+        <p:grpSpPr>
+          <a:xfrm>
+            <a:off x="2694483" y="5105400"/>
+            <a:ext cx="559099" cy="228600"/>
+            <a:chOff x="2717501" y="4546743"/>
+            <a:chExt cx="3226099" cy="1320657"/>
+          </a:xfrm>
+        </p:grpSpPr>
+        <p:cxnSp>
+          <p:nvCxnSpPr>
+            <p:cNvPr id="27" name="Straight Connector 26"/>
+            <p:cNvCxnSpPr/>
+            <p:nvPr/>
+          </p:nvCxnSpPr>
+          <p:spPr>
+            <a:xfrm>
+              <a:off x="2731475" y="4546743"/>
+              <a:ext cx="3150870" cy="0"/>
+            </a:xfrm>
+            <a:prstGeom prst="line">
+              <a:avLst/>
+            </a:prstGeom>
+            <a:ln w="38100">
+              <a:solidFill>
+                <a:schemeClr val="tx1"/>
+              </a:solidFill>
+              <a:prstDash val="sysDot"/>
+            </a:ln>
+          </p:spPr>
+          <p:style>
+            <a:lnRef idx="1">
+              <a:schemeClr val="accent1"/>
+            </a:lnRef>
+            <a:fillRef idx="0">
+              <a:schemeClr val="accent1"/>
+            </a:fillRef>
+            <a:effectRef idx="0">
+              <a:schemeClr val="accent1"/>
+            </a:effectRef>
+            <a:fontRef idx="minor">
+              <a:schemeClr val="tx1"/>
+            </a:fontRef>
+          </p:style>
+        </p:cxnSp>
+        <p:cxnSp>
+          <p:nvCxnSpPr>
+            <p:cNvPr id="28" name="Straight Connector 27"/>
+            <p:cNvCxnSpPr/>
+            <p:nvPr/>
+          </p:nvCxnSpPr>
+          <p:spPr>
+            <a:xfrm>
+              <a:off x="2731475" y="4546743"/>
+              <a:ext cx="0" cy="1320657"/>
+            </a:xfrm>
+            <a:prstGeom prst="line">
+              <a:avLst/>
+            </a:prstGeom>
+            <a:ln w="19050">
+              <a:solidFill>
+                <a:schemeClr val="tx1"/>
+              </a:solidFill>
+              <a:prstDash val="solid"/>
+            </a:ln>
+          </p:spPr>
+          <p:style>
+            <a:lnRef idx="1">
+              <a:schemeClr val="accent1"/>
+            </a:lnRef>
+            <a:fillRef idx="0">
+              <a:schemeClr val="accent1"/>
+            </a:fillRef>
+            <a:effectRef idx="0">
+              <a:schemeClr val="accent1"/>
+            </a:effectRef>
+            <a:fontRef idx="minor">
+              <a:schemeClr val="tx1"/>
+            </a:fontRef>
+          </p:style>
+        </p:cxnSp>
+        <p:cxnSp>
+          <p:nvCxnSpPr>
+            <p:cNvPr id="31" name="Straight Connector 30"/>
+            <p:cNvCxnSpPr/>
+            <p:nvPr/>
+          </p:nvCxnSpPr>
+          <p:spPr>
+            <a:xfrm flipH="1">
+              <a:off x="2731475" y="5867400"/>
+              <a:ext cx="3212125" cy="0"/>
+            </a:xfrm>
+            <a:prstGeom prst="line">
+              <a:avLst/>
+            </a:prstGeom>
+            <a:ln w="19050">
+              <a:solidFill>
+                <a:schemeClr val="tx1"/>
+              </a:solidFill>
+              <a:prstDash val="solid"/>
+            </a:ln>
+          </p:spPr>
+          <p:style>
+            <a:lnRef idx="1">
+              <a:schemeClr val="accent1"/>
+            </a:lnRef>
+            <a:fillRef idx="0">
+              <a:schemeClr val="accent1"/>
+            </a:fillRef>
+            <a:effectRef idx="0">
+              <a:schemeClr val="accent1"/>
+            </a:effectRef>
+            <a:fontRef idx="minor">
+              <a:schemeClr val="tx1"/>
+            </a:fontRef>
+          </p:style>
+        </p:cxnSp>
+        <p:cxnSp>
+          <p:nvCxnSpPr>
+            <p:cNvPr id="19" name="Straight Connector 18"/>
+            <p:cNvCxnSpPr/>
+            <p:nvPr/>
+          </p:nvCxnSpPr>
+          <p:spPr>
+            <a:xfrm>
+              <a:off x="3235661" y="5439394"/>
+              <a:ext cx="510540" cy="361950"/>
+            </a:xfrm>
+            <a:prstGeom prst="line">
+              <a:avLst/>
+            </a:prstGeom>
+            <a:ln w="57150"/>
+          </p:spPr>
+          <p:style>
+            <a:lnRef idx="1">
+              <a:schemeClr val="accent1"/>
+            </a:lnRef>
+            <a:fillRef idx="0">
+              <a:schemeClr val="accent1"/>
+            </a:fillRef>
+            <a:effectRef idx="0">
+              <a:schemeClr val="accent1"/>
+            </a:effectRef>
+            <a:fontRef idx="minor">
+              <a:schemeClr val="tx1"/>
+            </a:fontRef>
+          </p:style>
+        </p:cxnSp>
+        <p:cxnSp>
+          <p:nvCxnSpPr>
+            <p:cNvPr id="18" name="Straight Connector 17"/>
+            <p:cNvCxnSpPr/>
+            <p:nvPr/>
+          </p:nvCxnSpPr>
+          <p:spPr>
+            <a:xfrm>
+              <a:off x="2717501" y="5063474"/>
+              <a:ext cx="518160" cy="375920"/>
+            </a:xfrm>
+            <a:prstGeom prst="line">
+              <a:avLst/>
+            </a:prstGeom>
+            <a:ln w="57150"/>
+          </p:spPr>
+          <p:style>
+            <a:lnRef idx="1">
+              <a:schemeClr val="accent1"/>
+            </a:lnRef>
+            <a:fillRef idx="0">
+              <a:schemeClr val="accent1"/>
+            </a:fillRef>
+            <a:effectRef idx="0">
+              <a:schemeClr val="accent1"/>
+            </a:effectRef>
+            <a:fontRef idx="minor">
+              <a:schemeClr val="tx1"/>
+            </a:fontRef>
+          </p:style>
+        </p:cxnSp>
+      </p:grpSp>
+      <p:cxnSp>
+        <p:nvCxnSpPr>
+          <p:cNvPr id="3" name="Straight Connector 2"/>
+          <p:cNvCxnSpPr/>
+          <p:nvPr/>
+        </p:nvCxnSpPr>
+        <p:spPr>
+          <a:xfrm>
+            <a:off x="4435764" y="3002058"/>
+            <a:ext cx="2015510" cy="0"/>
+          </a:xfrm>
+          <a:prstGeom prst="line">
+            <a:avLst/>
+          </a:prstGeom>
+          <a:ln w="19050"/>
+        </p:spPr>
+        <p:style>
+          <a:lnRef idx="2">
+            <a:schemeClr val="dk1"/>
+          </a:lnRef>
+          <a:fillRef idx="0">
+            <a:schemeClr val="dk1"/>
+          </a:fillRef>
+          <a:effectRef idx="1">
+            <a:schemeClr val="dk1"/>
+          </a:effectRef>
+          <a:fontRef idx="minor">
+            <a:schemeClr val="tx1"/>
+          </a:fontRef>
+        </p:style>
+      </p:cxnSp>
+      <p:sp>
+        <p:nvSpPr>
+          <p:cNvPr id="22" name="Oval 21"/>
+          <p:cNvSpPr/>
+          <p:nvPr/>
+        </p:nvSpPr>
+        <p:spPr>
+          <a:xfrm>
+            <a:off x="2873707" y="2133597"/>
+            <a:ext cx="232109" cy="209552"/>
+          </a:xfrm>
+          <a:prstGeom prst="ellipse">
+            <a:avLst/>
+          </a:prstGeom>
+          <a:solidFill>
+            <a:srgbClr val="BACF51"/>
+          </a:solidFill>
+        </p:spPr>
+        <p:style>
+          <a:lnRef idx="0">
+            <a:schemeClr val="accent3"/>
+          </a:lnRef>
+          <a:fillRef idx="3">
+            <a:schemeClr val="accent3"/>
+          </a:fillRef>
+          <a:effectRef idx="3">
+            <a:schemeClr val="accent3"/>
+          </a:effectRef>
+          <a:fontRef idx="minor">
+            <a:schemeClr val="lt1"/>
+          </a:fontRef>
+        </p:style>
+        <p:txBody>
+          <a:bodyPr rtlCol="0" anchor="ctr"/>
+          <a:lstStyle/>
+          <a:p>
+            <a:pPr algn="ctr"/>
+            <a:r>
+              <a:rPr lang="en-US" sz="1000" b="1" dirty="0" smtClean="0">
+                <a:solidFill>
+                  <a:schemeClr val="tx1"/>
+                </a:solidFill>
+              </a:rPr>
+              <a:t>3</a:t>
+            </a:r>
+            <a:endParaRPr lang="en-US" sz="1000" b="1" dirty="0">
+              <a:solidFill>
+                <a:schemeClr val="tx1"/>
+              </a:solidFill>
+            </a:endParaRPr>
+          </a:p>
+        </p:txBody>
+      </p:sp>
+      <p:sp>
+        <p:nvSpPr>
+          <p:cNvPr id="29" name="Oval 28"/>
+          <p:cNvSpPr/>
+          <p:nvPr/>
+        </p:nvSpPr>
+        <p:spPr>
+          <a:xfrm>
+            <a:off x="3344400" y="2133599"/>
+            <a:ext cx="232109" cy="209552"/>
+          </a:xfrm>
+          <a:prstGeom prst="ellipse">
+            <a:avLst/>
+          </a:prstGeom>
+          <a:solidFill>
+            <a:srgbClr val="D2994E"/>
+          </a:solidFill>
+        </p:spPr>
+        <p:style>
+          <a:lnRef idx="0">
+            <a:schemeClr val="accent6"/>
+          </a:lnRef>
+          <a:fillRef idx="3">
+            <a:schemeClr val="accent6"/>
+          </a:fillRef>
+          <a:effectRef idx="3">
+            <a:schemeClr val="accent6"/>
+          </a:effectRef>
+          <a:fontRef idx="minor">
+            <a:schemeClr val="lt1"/>
+          </a:fontRef>
+        </p:style>
+        <p:txBody>
+          <a:bodyPr rtlCol="0" anchor="ctr"/>
+          <a:lstStyle/>
+          <a:p>
+            <a:pPr algn="ctr"/>
+            <a:r>
+              <a:rPr lang="en-US" sz="1000" b="1" dirty="0" smtClean="0">
+                <a:solidFill>
+                  <a:schemeClr val="tx1"/>
+                </a:solidFill>
+              </a:rPr>
+              <a:t>2</a:t>
+            </a:r>
+            <a:endParaRPr lang="en-US" sz="1000" b="1" dirty="0">
+              <a:solidFill>
+                <a:schemeClr val="tx1"/>
+              </a:solidFill>
+            </a:endParaRPr>
+          </a:p>
+        </p:txBody>
+      </p:sp>
+      <p:sp>
+        <p:nvSpPr>
+          <p:cNvPr id="30" name="Oval 29"/>
+          <p:cNvSpPr/>
+          <p:nvPr/>
+        </p:nvSpPr>
+        <p:spPr>
+          <a:xfrm>
+            <a:off x="3863512" y="2133597"/>
+            <a:ext cx="232109" cy="209552"/>
+          </a:xfrm>
+          <a:prstGeom prst="ellipse">
+            <a:avLst/>
+          </a:prstGeom>
+          <a:solidFill>
+            <a:srgbClr val="D44C4C"/>
+          </a:solidFill>
+        </p:spPr>
+        <p:style>
+          <a:lnRef idx="0">
+            <a:schemeClr val="accent2"/>
+          </a:lnRef>
+          <a:fillRef idx="3">
+            <a:schemeClr val="accent2"/>
+          </a:fillRef>
+          <a:effectRef idx="3">
+            <a:schemeClr val="accent2"/>
+          </a:effectRef>
+          <a:fontRef idx="minor">
+            <a:schemeClr val="lt1"/>
+          </a:fontRef>
+        </p:style>
+        <p:txBody>
+          <a:bodyPr rtlCol="0" anchor="ctr"/>
+          <a:lstStyle/>
+          <a:p>
+            <a:pPr algn="ctr"/>
+            <a:r>
+              <a:rPr lang="en-US" sz="1000" b="1" dirty="0" smtClean="0">
+                <a:solidFill>
+                  <a:schemeClr val="tx1"/>
+                </a:solidFill>
+              </a:rPr>
+              <a:t>1</a:t>
+            </a:r>
+            <a:endParaRPr lang="en-US" sz="1000" b="1" dirty="0">
+              <a:solidFill>
+                <a:schemeClr val="tx1"/>
+              </a:solidFill>
+            </a:endParaRPr>
+          </a:p>
+        </p:txBody>
+      </p:sp>
+      <p:sp>
+        <p:nvSpPr>
+          <p:cNvPr id="32" name="Oval 31"/>
+          <p:cNvSpPr/>
+          <p:nvPr/>
+        </p:nvSpPr>
+        <p:spPr>
+          <a:xfrm>
+            <a:off x="4411788" y="2133597"/>
+            <a:ext cx="232109" cy="209552"/>
+          </a:xfrm>
+          <a:prstGeom prst="ellipse">
+            <a:avLst/>
+          </a:prstGeom>
+          <a:solidFill>
+            <a:srgbClr val="D16E4F"/>
+          </a:solidFill>
+        </p:spPr>
+        <p:style>
+          <a:lnRef idx="0">
+            <a:schemeClr val="accent2"/>
+          </a:lnRef>
+          <a:fillRef idx="3">
+            <a:schemeClr val="accent2"/>
+          </a:fillRef>
+          <a:effectRef idx="3">
+            <a:schemeClr val="accent2"/>
+          </a:effectRef>
+          <a:fontRef idx="minor">
+            <a:schemeClr val="lt1"/>
+          </a:fontRef>
+        </p:style>
+        <p:txBody>
+          <a:bodyPr rtlCol="0" anchor="ctr"/>
+          <a:lstStyle/>
+          <a:p>
+            <a:pPr algn="ctr"/>
+            <a:endParaRPr lang="en-US" sz="300" dirty="0">
+              <a:solidFill>
+                <a:schemeClr val="tx1"/>
+              </a:solidFill>
+            </a:endParaRPr>
+          </a:p>
+        </p:txBody>
+      </p:sp>
+      <p:sp>
+        <p:nvSpPr>
+          <p:cNvPr id="33" name="Oval 32"/>
+          <p:cNvSpPr/>
+          <p:nvPr/>
+        </p:nvSpPr>
+        <p:spPr>
+          <a:xfrm>
+            <a:off x="4945188" y="2133599"/>
+            <a:ext cx="232109" cy="209552"/>
+          </a:xfrm>
+          <a:prstGeom prst="ellipse">
+            <a:avLst/>
+          </a:prstGeom>
+          <a:solidFill>
+            <a:srgbClr val="D34D4D"/>
+          </a:solidFill>
+        </p:spPr>
+        <p:style>
+          <a:lnRef idx="0">
+            <a:schemeClr val="accent2"/>
+          </a:lnRef>
+          <a:fillRef idx="3">
+            <a:schemeClr val="accent2"/>
+          </a:fillRef>
+          <a:effectRef idx="3">
+            <a:schemeClr val="accent2"/>
+          </a:effectRef>
+          <a:fontRef idx="minor">
+            <a:schemeClr val="lt1"/>
+          </a:fontRef>
+        </p:style>
+        <p:txBody>
+          <a:bodyPr rtlCol="0" anchor="ctr"/>
+          <a:lstStyle/>
+          <a:p>
+            <a:pPr algn="ctr"/>
+            <a:r>
+              <a:rPr lang="en-US" sz="1000" b="1" dirty="0" smtClean="0">
+                <a:solidFill>
+                  <a:schemeClr val="tx1"/>
+                </a:solidFill>
+              </a:rPr>
+              <a:t>1</a:t>
+            </a:r>
+            <a:endParaRPr lang="en-US" sz="1000" b="1" dirty="0">
+              <a:solidFill>
+                <a:schemeClr val="tx1"/>
+              </a:solidFill>
+            </a:endParaRPr>
+          </a:p>
+        </p:txBody>
+      </p:sp>
+      <p:sp>
+        <p:nvSpPr>
+          <p:cNvPr id="35" name="Oval 34"/>
+          <p:cNvSpPr/>
+          <p:nvPr/>
+        </p:nvSpPr>
+        <p:spPr>
+          <a:xfrm>
+            <a:off x="5987223" y="2133599"/>
+            <a:ext cx="232109" cy="209552"/>
+          </a:xfrm>
+          <a:prstGeom prst="ellipse">
+            <a:avLst/>
+          </a:prstGeom>
+          <a:solidFill>
+            <a:srgbClr val="E7EB35"/>
+          </a:solidFill>
+        </p:spPr>
+        <p:style>
+          <a:lnRef idx="0">
+            <a:schemeClr val="accent6"/>
+          </a:lnRef>
+          <a:fillRef idx="3">
+            <a:schemeClr val="accent6"/>
+          </a:fillRef>
+          <a:effectRef idx="3">
+            <a:schemeClr val="accent6"/>
+          </a:effectRef>
+          <a:fontRef idx="minor">
+            <a:schemeClr val="lt1"/>
+          </a:fontRef>
+        </p:style>
+        <p:txBody>
+          <a:bodyPr rtlCol="0" anchor="ctr"/>
+          <a:lstStyle/>
+          <a:p>
+            <a:pPr algn="ctr"/>
+            <a:r>
+              <a:rPr lang="en-US" sz="1000" b="1" dirty="0" smtClean="0">
+                <a:solidFill>
+                  <a:schemeClr val="tx1"/>
+                </a:solidFill>
+              </a:rPr>
+              <a:t>3</a:t>
+            </a:r>
+            <a:endParaRPr lang="en-US" sz="1000" b="1" dirty="0">
+              <a:solidFill>
+                <a:schemeClr val="tx1"/>
+              </a:solidFill>
+            </a:endParaRPr>
+          </a:p>
+        </p:txBody>
+      </p:sp>
+      <p:sp>
+        <p:nvSpPr>
+          <p:cNvPr id="36" name="Oval 35"/>
+          <p:cNvSpPr/>
+          <p:nvPr/>
+        </p:nvSpPr>
+        <p:spPr>
+          <a:xfrm>
+            <a:off x="5482763" y="2133599"/>
+            <a:ext cx="232109" cy="209552"/>
+          </a:xfrm>
+          <a:prstGeom prst="ellipse">
+            <a:avLst/>
+          </a:prstGeom>
+          <a:solidFill>
+            <a:srgbClr val="D2994E"/>
+          </a:solidFill>
+        </p:spPr>
+        <p:style>
+          <a:lnRef idx="0">
+            <a:schemeClr val="accent6"/>
+          </a:lnRef>
+          <a:fillRef idx="3">
+            <a:schemeClr val="accent6"/>
+          </a:fillRef>
+          <a:effectRef idx="3">
+            <a:schemeClr val="accent6"/>
+          </a:effectRef>
+          <a:fontRef idx="minor">
+            <a:schemeClr val="lt1"/>
+          </a:fontRef>
+        </p:style>
+        <p:txBody>
+          <a:bodyPr rtlCol="0" anchor="ctr"/>
+          <a:lstStyle/>
+          <a:p>
+            <a:pPr algn="ctr"/>
+            <a:r>
+              <a:rPr lang="en-US" sz="1000" b="1" dirty="0" smtClean="0">
+                <a:solidFill>
+                  <a:schemeClr val="tx1"/>
+                </a:solidFill>
+              </a:rPr>
+              <a:t>2</a:t>
+            </a:r>
+            <a:endParaRPr lang="en-US" sz="1000" b="1" dirty="0">
+              <a:solidFill>
+                <a:schemeClr val="tx1"/>
+              </a:solidFill>
+            </a:endParaRPr>
+          </a:p>
+        </p:txBody>
+      </p:sp>
+      <p:sp>
+        <p:nvSpPr>
+          <p:cNvPr id="23" name="TextBox 22"/>
+          <p:cNvSpPr txBox="1"/>
+          <p:nvPr/>
+        </p:nvSpPr>
+        <p:spPr>
+          <a:xfrm>
+            <a:off x="4367335" y="2121845"/>
+            <a:ext cx="330540" cy="230832"/>
+          </a:xfrm>
+          <a:prstGeom prst="rect">
+            <a:avLst/>
+          </a:prstGeom>
+          <a:noFill/>
+        </p:spPr>
+        <p:txBody>
+          <a:bodyPr wrap="none" rtlCol="0">
+            <a:spAutoFit/>
+          </a:bodyPr>
+          <a:lstStyle/>
+          <a:p>
+            <a:r>
+              <a:rPr lang="en-US" sz="900" b="1" dirty="0" smtClean="0"/>
+              <a:t>1.5</a:t>
+            </a:r>
+            <a:endParaRPr lang="en-US" sz="900" b="1" dirty="0"/>
+          </a:p>
+        </p:txBody>
+      </p:sp>
+      <p:sp>
+        <p:nvSpPr>
+          <p:cNvPr id="20" name="TextBox 19"/>
+          <p:cNvSpPr txBox="1"/>
+          <p:nvPr/>
+        </p:nvSpPr>
+        <p:spPr>
+          <a:xfrm>
+            <a:off x="2239001" y="1878239"/>
+            <a:ext cx="633761" cy="215444"/>
+          </a:xfrm>
+          <a:prstGeom prst="rect">
+            <a:avLst/>
+          </a:prstGeom>
+          <a:noFill/>
+        </p:spPr>
+        <p:txBody>
+          <a:bodyPr wrap="square" rtlCol="0">
+            <a:spAutoFit/>
+          </a:bodyPr>
+          <a:lstStyle/>
+          <a:p>
+            <a:r>
+              <a:rPr lang="en-US" sz="800" dirty="0" smtClean="0">
+                <a:latin typeface="Tahoma" pitchFamily="34" charset="0"/>
+                <a:ea typeface="Tahoma" pitchFamily="34" charset="0"/>
+                <a:cs typeface="Tahoma" pitchFamily="34" charset="0"/>
+              </a:rPr>
+              <a:t>Expected:</a:t>
+            </a:r>
+            <a:endParaRPr lang="en-US" sz="800" dirty="0">
+              <a:latin typeface="Tahoma" pitchFamily="34" charset="0"/>
+              <a:ea typeface="Tahoma" pitchFamily="34" charset="0"/>
+              <a:cs typeface="Tahoma" pitchFamily="34" charset="0"/>
+            </a:endParaRPr>
+          </a:p>
+        </p:txBody>
+      </p:sp>
+      <p:sp>
+        <p:nvSpPr>
+          <p:cNvPr id="21" name="Oval 20"/>
+          <p:cNvSpPr/>
+          <p:nvPr/>
+        </p:nvSpPr>
+        <p:spPr>
+          <a:xfrm>
+            <a:off x="2805126" y="1878238"/>
+            <a:ext cx="232109" cy="209552"/>
+          </a:xfrm>
+          <a:prstGeom prst="ellipse">
+            <a:avLst/>
+          </a:prstGeom>
+          <a:solidFill>
+            <a:srgbClr val="50F828"/>
+          </a:solidFill>
+        </p:spPr>
+        <p:style>
+          <a:lnRef idx="0">
+            <a:schemeClr val="accent3"/>
+          </a:lnRef>
+          <a:fillRef idx="3">
+            <a:schemeClr val="accent3"/>
+          </a:fillRef>
+          <a:effectRef idx="3">
+            <a:schemeClr val="accent3"/>
+          </a:effectRef>
+          <a:fontRef idx="minor">
+            <a:schemeClr val="lt1"/>
+          </a:fontRef>
+        </p:style>
+        <p:txBody>
+          <a:bodyPr rtlCol="0" anchor="ctr"/>
+          <a:lstStyle/>
+          <a:p>
+            <a:pPr algn="ctr"/>
+            <a:r>
+              <a:rPr lang="en-US" sz="1000" b="1" dirty="0">
+                <a:solidFill>
+                  <a:schemeClr val="tx1"/>
+                </a:solidFill>
+              </a:rPr>
+              <a:t>5</a:t>
+            </a:r>
+            <a:endParaRPr lang="en-US" sz="1000" b="1" dirty="0">
+              <a:solidFill>
+                <a:schemeClr val="tx1"/>
+              </a:solidFill>
+            </a:endParaRPr>
+          </a:p>
+        </p:txBody>
+      </p:sp>
+      <p:grpSp>
+        <p:nvGrpSpPr>
+          <p:cNvPr id="5" name="Group 4"/>
+          <p:cNvGrpSpPr/>
+          <p:nvPr/>
+        </p:nvGrpSpPr>
+        <p:grpSpPr>
+          <a:xfrm>
+            <a:off x="2809121" y="3269813"/>
+            <a:ext cx="585417" cy="415050"/>
+            <a:chOff x="2818647" y="3269813"/>
+            <a:chExt cx="585417" cy="415050"/>
+          </a:xfrm>
+        </p:grpSpPr>
+        <p:sp>
+          <p:nvSpPr>
+            <p:cNvPr id="2" name="Rounded Rectangle 1"/>
+            <p:cNvSpPr/>
+            <p:nvPr/>
+          </p:nvSpPr>
+          <p:spPr>
+            <a:xfrm>
+              <a:off x="2878313" y="3269813"/>
+              <a:ext cx="466087" cy="415050"/>
+            </a:xfrm>
+            <a:prstGeom prst="roundRect">
+              <a:avLst>
+                <a:gd name="adj" fmla="val 6952"/>
+              </a:avLst>
+            </a:prstGeom>
+          </p:spPr>
+          <p:style>
+            <a:lnRef idx="1">
+              <a:schemeClr val="accent3"/>
+            </a:lnRef>
+            <a:fillRef idx="3">
+              <a:schemeClr val="accent3"/>
+            </a:fillRef>
+            <a:effectRef idx="2">
+              <a:schemeClr val="accent3"/>
+            </a:effectRef>
+            <a:fontRef idx="minor">
+              <a:schemeClr val="lt1"/>
+            </a:fontRef>
+          </p:style>
+          <p:txBody>
+            <a:bodyPr rtlCol="0" anchor="ctr"/>
+            <a:lstStyle/>
+            <a:p>
+              <a:pPr algn="ctr"/>
+              <a:endParaRPr lang="en-US" sz="1200" dirty="0"/>
+            </a:p>
+          </p:txBody>
+        </p:sp>
+        <p:sp>
+          <p:nvSpPr>
+            <p:cNvPr id="4" name="TextBox 3"/>
+            <p:cNvSpPr txBox="1"/>
+            <p:nvPr/>
+          </p:nvSpPr>
+          <p:spPr>
+            <a:xfrm>
+              <a:off x="2818647" y="3292672"/>
+              <a:ext cx="585417" cy="369332"/>
+            </a:xfrm>
+            <a:prstGeom prst="rect">
+              <a:avLst/>
+            </a:prstGeom>
+            <a:noFill/>
+          </p:spPr>
+          <p:txBody>
+            <a:bodyPr wrap="none" rtlCol="0">
+              <a:spAutoFit/>
+            </a:bodyPr>
+            <a:lstStyle/>
+            <a:p>
+              <a:pPr algn="ctr"/>
+              <a:r>
+                <a:rPr lang="en-US" dirty="0"/>
+                <a:t>3 </a:t>
+              </a:r>
+              <a:r>
+                <a:rPr lang="en-US" dirty="0">
+                  <a:sym typeface="Webdings"/>
+                </a:rPr>
+                <a:t></a:t>
+              </a:r>
+              <a:endParaRPr lang="en-US" dirty="0"/>
+            </a:p>
+          </p:txBody>
+        </p:sp>
+      </p:grpSp>
+      <p:grpSp>
+        <p:nvGrpSpPr>
+          <p:cNvPr id="34" name="Group 33"/>
+          <p:cNvGrpSpPr/>
+          <p:nvPr/>
+        </p:nvGrpSpPr>
+        <p:grpSpPr>
+          <a:xfrm>
+            <a:off x="3328987" y="3269813"/>
+            <a:ext cx="585417" cy="415050"/>
+            <a:chOff x="2818647" y="3269813"/>
+            <a:chExt cx="585417" cy="415050"/>
+          </a:xfrm>
+        </p:grpSpPr>
+        <p:sp>
+          <p:nvSpPr>
+            <p:cNvPr id="37" name="Rounded Rectangle 36"/>
+            <p:cNvSpPr/>
+            <p:nvPr/>
+          </p:nvSpPr>
+          <p:spPr>
+            <a:xfrm>
+              <a:off x="2878313" y="3269813"/>
+              <a:ext cx="466087" cy="415050"/>
+            </a:xfrm>
+            <a:prstGeom prst="roundRect">
+              <a:avLst>
+                <a:gd name="adj" fmla="val 6952"/>
+              </a:avLst>
+            </a:prstGeom>
+          </p:spPr>
+          <p:style>
+            <a:lnRef idx="1">
+              <a:schemeClr val="accent3"/>
+            </a:lnRef>
+            <a:fillRef idx="3">
+              <a:schemeClr val="accent3"/>
+            </a:fillRef>
+            <a:effectRef idx="2">
+              <a:schemeClr val="accent3"/>
+            </a:effectRef>
+            <a:fontRef idx="minor">
+              <a:schemeClr val="lt1"/>
+            </a:fontRef>
+          </p:style>
+          <p:txBody>
+            <a:bodyPr rtlCol="0" anchor="ctr"/>
+            <a:lstStyle/>
+            <a:p>
+              <a:pPr algn="ctr"/>
+              <a:endParaRPr lang="en-US" sz="1200" dirty="0"/>
+            </a:p>
+          </p:txBody>
+        </p:sp>
+        <p:sp>
+          <p:nvSpPr>
+            <p:cNvPr id="38" name="TextBox 37"/>
+            <p:cNvSpPr txBox="1"/>
+            <p:nvPr/>
+          </p:nvSpPr>
+          <p:spPr>
+            <a:xfrm>
+              <a:off x="2818647" y="3292672"/>
+              <a:ext cx="585417" cy="369332"/>
+            </a:xfrm>
+            <a:prstGeom prst="rect">
+              <a:avLst/>
+            </a:prstGeom>
+            <a:noFill/>
+          </p:spPr>
+          <p:txBody>
+            <a:bodyPr wrap="none" rtlCol="0">
+              <a:spAutoFit/>
+            </a:bodyPr>
+            <a:lstStyle/>
+            <a:p>
+              <a:pPr algn="ctr"/>
+              <a:r>
+                <a:rPr lang="en-US" dirty="0"/>
+                <a:t>3 </a:t>
+              </a:r>
+              <a:r>
+                <a:rPr lang="en-US" dirty="0">
+                  <a:sym typeface="Webdings"/>
+                </a:rPr>
+                <a:t></a:t>
+              </a:r>
+              <a:endParaRPr lang="en-US" dirty="0"/>
+            </a:p>
+          </p:txBody>
+        </p:sp>
+      </p:grpSp>
+      <p:grpSp>
+        <p:nvGrpSpPr>
+          <p:cNvPr id="40" name="Group 39"/>
+          <p:cNvGrpSpPr/>
+          <p:nvPr/>
+        </p:nvGrpSpPr>
+        <p:grpSpPr>
+          <a:xfrm>
+            <a:off x="3850348" y="3270888"/>
+            <a:ext cx="585417" cy="415050"/>
+            <a:chOff x="2818647" y="3269813"/>
+            <a:chExt cx="585417" cy="415050"/>
+          </a:xfrm>
+        </p:grpSpPr>
+        <p:sp>
+          <p:nvSpPr>
+            <p:cNvPr id="41" name="Rounded Rectangle 40"/>
+            <p:cNvSpPr/>
+            <p:nvPr/>
+          </p:nvSpPr>
+          <p:spPr>
+            <a:xfrm>
+              <a:off x="2878313" y="3269813"/>
+              <a:ext cx="466087" cy="415050"/>
+            </a:xfrm>
+            <a:prstGeom prst="roundRect">
+              <a:avLst>
+                <a:gd name="adj" fmla="val 6952"/>
+              </a:avLst>
+            </a:prstGeom>
+          </p:spPr>
+          <p:style>
+            <a:lnRef idx="1">
+              <a:schemeClr val="accent3"/>
+            </a:lnRef>
+            <a:fillRef idx="3">
+              <a:schemeClr val="accent3"/>
+            </a:fillRef>
+            <a:effectRef idx="2">
+              <a:schemeClr val="accent3"/>
+            </a:effectRef>
+            <a:fontRef idx="minor">
+              <a:schemeClr val="lt1"/>
+            </a:fontRef>
+          </p:style>
+          <p:txBody>
+            <a:bodyPr rtlCol="0" anchor="ctr"/>
+            <a:lstStyle/>
+            <a:p>
+              <a:pPr algn="ctr"/>
+              <a:endParaRPr lang="en-US" sz="1200" dirty="0"/>
+            </a:p>
+          </p:txBody>
+        </p:sp>
+        <p:sp>
+          <p:nvSpPr>
+            <p:cNvPr id="42" name="TextBox 41"/>
+            <p:cNvSpPr txBox="1"/>
+            <p:nvPr/>
+          </p:nvSpPr>
+          <p:spPr>
+            <a:xfrm>
+              <a:off x="2818647" y="3292672"/>
+              <a:ext cx="585417" cy="369332"/>
+            </a:xfrm>
+            <a:prstGeom prst="rect">
+              <a:avLst/>
+            </a:prstGeom>
+            <a:noFill/>
+          </p:spPr>
+          <p:txBody>
+            <a:bodyPr wrap="none" rtlCol="0">
+              <a:spAutoFit/>
+            </a:bodyPr>
+            <a:lstStyle/>
+            <a:p>
+              <a:pPr algn="ctr"/>
+              <a:r>
+                <a:rPr lang="en-US" dirty="0"/>
+                <a:t>3 </a:t>
+              </a:r>
+              <a:r>
+                <a:rPr lang="en-US" dirty="0">
+                  <a:sym typeface="Webdings"/>
+                </a:rPr>
+                <a:t></a:t>
+              </a:r>
+              <a:endParaRPr lang="en-US" dirty="0"/>
+            </a:p>
+          </p:txBody>
+        </p:sp>
+      </p:grpSp>
+      <p:grpSp>
+        <p:nvGrpSpPr>
+          <p:cNvPr id="43" name="Group 42"/>
+          <p:cNvGrpSpPr/>
+          <p:nvPr/>
+        </p:nvGrpSpPr>
+        <p:grpSpPr>
+          <a:xfrm>
+            <a:off x="4378823" y="3266125"/>
+            <a:ext cx="585417" cy="415050"/>
+            <a:chOff x="2818647" y="3269813"/>
+            <a:chExt cx="585417" cy="415050"/>
+          </a:xfrm>
+        </p:grpSpPr>
+        <p:sp>
+          <p:nvSpPr>
+            <p:cNvPr id="44" name="Rounded Rectangle 43"/>
+            <p:cNvSpPr/>
+            <p:nvPr/>
+          </p:nvSpPr>
+          <p:spPr>
+            <a:xfrm>
+              <a:off x="2878313" y="3269813"/>
+              <a:ext cx="466087" cy="415050"/>
+            </a:xfrm>
+            <a:prstGeom prst="roundRect">
+              <a:avLst>
+                <a:gd name="adj" fmla="val 6952"/>
+              </a:avLst>
+            </a:prstGeom>
+          </p:spPr>
+          <p:style>
+            <a:lnRef idx="1">
+              <a:schemeClr val="accent3"/>
+            </a:lnRef>
+            <a:fillRef idx="3">
+              <a:schemeClr val="accent3"/>
+            </a:fillRef>
+            <a:effectRef idx="2">
+              <a:schemeClr val="accent3"/>
+            </a:effectRef>
+            <a:fontRef idx="minor">
+              <a:schemeClr val="lt1"/>
+            </a:fontRef>
+          </p:style>
+          <p:txBody>
+            <a:bodyPr rtlCol="0" anchor="ctr"/>
+            <a:lstStyle/>
+            <a:p>
+              <a:pPr algn="ctr"/>
+              <a:endParaRPr lang="en-US" sz="1200" dirty="0"/>
+            </a:p>
+          </p:txBody>
+        </p:sp>
+        <p:sp>
+          <p:nvSpPr>
+            <p:cNvPr id="45" name="TextBox 44"/>
+            <p:cNvSpPr txBox="1"/>
+            <p:nvPr/>
+          </p:nvSpPr>
+          <p:spPr>
+            <a:xfrm>
+              <a:off x="2818647" y="3292672"/>
+              <a:ext cx="585417" cy="369332"/>
+            </a:xfrm>
+            <a:prstGeom prst="rect">
+              <a:avLst/>
+            </a:prstGeom>
+            <a:noFill/>
+          </p:spPr>
+          <p:txBody>
+            <a:bodyPr wrap="none" rtlCol="0">
+              <a:spAutoFit/>
+            </a:bodyPr>
+            <a:lstStyle/>
+            <a:p>
+              <a:pPr algn="ctr"/>
+              <a:r>
+                <a:rPr lang="en-US" dirty="0"/>
+                <a:t>3 </a:t>
+              </a:r>
+              <a:r>
+                <a:rPr lang="en-US" dirty="0">
+                  <a:sym typeface="Webdings"/>
+                </a:rPr>
+                <a:t></a:t>
+              </a:r>
+              <a:endParaRPr lang="en-US" dirty="0"/>
+            </a:p>
+          </p:txBody>
+        </p:sp>
+      </p:grpSp>
+      <p:grpSp>
+        <p:nvGrpSpPr>
+          <p:cNvPr id="46" name="Group 45"/>
+          <p:cNvGrpSpPr/>
+          <p:nvPr/>
+        </p:nvGrpSpPr>
+        <p:grpSpPr>
+          <a:xfrm>
+            <a:off x="4903640" y="3270888"/>
+            <a:ext cx="585417" cy="415050"/>
+            <a:chOff x="2818647" y="3269813"/>
+            <a:chExt cx="585417" cy="415050"/>
+          </a:xfrm>
+        </p:grpSpPr>
+        <p:sp>
+          <p:nvSpPr>
+            <p:cNvPr id="47" name="Rounded Rectangle 46"/>
+            <p:cNvSpPr/>
+            <p:nvPr/>
+          </p:nvSpPr>
+          <p:spPr>
+            <a:xfrm>
+              <a:off x="2878313" y="3269813"/>
+              <a:ext cx="466087" cy="415050"/>
+            </a:xfrm>
+            <a:prstGeom prst="roundRect">
+              <a:avLst>
+                <a:gd name="adj" fmla="val 6952"/>
+              </a:avLst>
+            </a:prstGeom>
+          </p:spPr>
+          <p:style>
+            <a:lnRef idx="1">
+              <a:schemeClr val="accent3"/>
+            </a:lnRef>
+            <a:fillRef idx="3">
+              <a:schemeClr val="accent3"/>
+            </a:fillRef>
+            <a:effectRef idx="2">
+              <a:schemeClr val="accent3"/>
+            </a:effectRef>
+            <a:fontRef idx="minor">
+              <a:schemeClr val="lt1"/>
+            </a:fontRef>
+          </p:style>
+          <p:txBody>
+            <a:bodyPr rtlCol="0" anchor="ctr"/>
+            <a:lstStyle/>
+            <a:p>
+              <a:pPr algn="ctr"/>
+              <a:endParaRPr lang="en-US" sz="1200" dirty="0"/>
+            </a:p>
+          </p:txBody>
+        </p:sp>
+        <p:sp>
+          <p:nvSpPr>
+            <p:cNvPr id="48" name="TextBox 47"/>
+            <p:cNvSpPr txBox="1"/>
+            <p:nvPr/>
+          </p:nvSpPr>
+          <p:spPr>
+            <a:xfrm>
+              <a:off x="2818647" y="3292672"/>
+              <a:ext cx="585417" cy="369332"/>
+            </a:xfrm>
+            <a:prstGeom prst="rect">
+              <a:avLst/>
+            </a:prstGeom>
+            <a:noFill/>
+          </p:spPr>
+          <p:txBody>
+            <a:bodyPr wrap="none" rtlCol="0">
+              <a:spAutoFit/>
+            </a:bodyPr>
+            <a:lstStyle/>
+            <a:p>
+              <a:pPr algn="ctr"/>
+              <a:r>
+                <a:rPr lang="en-US" dirty="0"/>
+                <a:t>3 </a:t>
+              </a:r>
+              <a:r>
+                <a:rPr lang="en-US" dirty="0">
+                  <a:sym typeface="Webdings"/>
+                </a:rPr>
+                <a:t></a:t>
+              </a:r>
+              <a:endParaRPr lang="en-US" dirty="0"/>
+            </a:p>
+          </p:txBody>
+        </p:sp>
+      </p:grpSp>
+      <p:grpSp>
+        <p:nvGrpSpPr>
+          <p:cNvPr id="49" name="Group 48"/>
+          <p:cNvGrpSpPr/>
+          <p:nvPr/>
+        </p:nvGrpSpPr>
+        <p:grpSpPr>
+          <a:xfrm>
+            <a:off x="5429393" y="3266125"/>
+            <a:ext cx="585417" cy="415050"/>
+            <a:chOff x="2818647" y="3269813"/>
+            <a:chExt cx="585417" cy="415050"/>
+          </a:xfrm>
+        </p:grpSpPr>
+        <p:sp>
+          <p:nvSpPr>
+            <p:cNvPr id="50" name="Rounded Rectangle 49"/>
+            <p:cNvSpPr/>
+            <p:nvPr/>
+          </p:nvSpPr>
+          <p:spPr>
+            <a:xfrm>
+              <a:off x="2878313" y="3269813"/>
+              <a:ext cx="466087" cy="415050"/>
+            </a:xfrm>
+            <a:prstGeom prst="roundRect">
+              <a:avLst>
+                <a:gd name="adj" fmla="val 6952"/>
+              </a:avLst>
+            </a:prstGeom>
+          </p:spPr>
+          <p:style>
+            <a:lnRef idx="1">
+              <a:schemeClr val="accent3"/>
+            </a:lnRef>
+            <a:fillRef idx="3">
+              <a:schemeClr val="accent3"/>
+            </a:fillRef>
+            <a:effectRef idx="2">
+              <a:schemeClr val="accent3"/>
+            </a:effectRef>
+            <a:fontRef idx="minor">
+              <a:schemeClr val="lt1"/>
+            </a:fontRef>
+          </p:style>
+          <p:txBody>
+            <a:bodyPr rtlCol="0" anchor="ctr"/>
+            <a:lstStyle/>
+            <a:p>
+              <a:pPr algn="ctr"/>
+              <a:endParaRPr lang="en-US" sz="1200" dirty="0"/>
+            </a:p>
+          </p:txBody>
+        </p:sp>
+        <p:sp>
+          <p:nvSpPr>
+            <p:cNvPr id="51" name="TextBox 50"/>
+            <p:cNvSpPr txBox="1"/>
+            <p:nvPr/>
+          </p:nvSpPr>
+          <p:spPr>
+            <a:xfrm>
+              <a:off x="2818647" y="3292672"/>
+              <a:ext cx="585417" cy="369332"/>
+            </a:xfrm>
+            <a:prstGeom prst="rect">
+              <a:avLst/>
+            </a:prstGeom>
+            <a:noFill/>
+          </p:spPr>
+          <p:txBody>
+            <a:bodyPr wrap="none" rtlCol="0">
+              <a:spAutoFit/>
+            </a:bodyPr>
+            <a:lstStyle/>
+            <a:p>
+              <a:pPr algn="ctr"/>
+              <a:r>
+                <a:rPr lang="en-US" dirty="0"/>
+                <a:t>3 </a:t>
+              </a:r>
+              <a:r>
+                <a:rPr lang="en-US" dirty="0">
+                  <a:sym typeface="Webdings"/>
+                </a:rPr>
+                <a:t></a:t>
+              </a:r>
+              <a:endParaRPr lang="en-US" dirty="0"/>
+            </a:p>
+          </p:txBody>
+        </p:sp>
+      </p:grpSp>
+      <p:grpSp>
+        <p:nvGrpSpPr>
+          <p:cNvPr id="52" name="Group 51"/>
+          <p:cNvGrpSpPr/>
+          <p:nvPr/>
+        </p:nvGrpSpPr>
+        <p:grpSpPr>
+          <a:xfrm>
+            <a:off x="5953882" y="3270769"/>
+            <a:ext cx="585417" cy="415050"/>
+            <a:chOff x="2818647" y="3269813"/>
+            <a:chExt cx="585417" cy="415050"/>
+          </a:xfrm>
+        </p:grpSpPr>
+        <p:sp>
+          <p:nvSpPr>
+            <p:cNvPr id="53" name="Rounded Rectangle 52"/>
+            <p:cNvSpPr/>
+            <p:nvPr/>
+          </p:nvSpPr>
+          <p:spPr>
+            <a:xfrm>
+              <a:off x="2878313" y="3269813"/>
+              <a:ext cx="466087" cy="415050"/>
+            </a:xfrm>
+            <a:prstGeom prst="roundRect">
+              <a:avLst>
+                <a:gd name="adj" fmla="val 6952"/>
+              </a:avLst>
+            </a:prstGeom>
+          </p:spPr>
+          <p:style>
+            <a:lnRef idx="1">
+              <a:schemeClr val="accent3"/>
+            </a:lnRef>
+            <a:fillRef idx="3">
+              <a:schemeClr val="accent3"/>
+            </a:fillRef>
+            <a:effectRef idx="2">
+              <a:schemeClr val="accent3"/>
+            </a:effectRef>
+            <a:fontRef idx="minor">
+              <a:schemeClr val="lt1"/>
+            </a:fontRef>
+          </p:style>
+          <p:txBody>
+            <a:bodyPr rtlCol="0" anchor="ctr"/>
+            <a:lstStyle/>
+            <a:p>
+              <a:pPr algn="ctr"/>
+              <a:endParaRPr lang="en-US" sz="1200" dirty="0"/>
+            </a:p>
+          </p:txBody>
+        </p:sp>
+        <p:sp>
+          <p:nvSpPr>
+            <p:cNvPr id="54" name="TextBox 53"/>
+            <p:cNvSpPr txBox="1"/>
+            <p:nvPr/>
+          </p:nvSpPr>
+          <p:spPr>
+            <a:xfrm>
+              <a:off x="2818647" y="3292672"/>
+              <a:ext cx="585417" cy="369332"/>
+            </a:xfrm>
+            <a:prstGeom prst="rect">
+              <a:avLst/>
+            </a:prstGeom>
+            <a:noFill/>
+          </p:spPr>
+          <p:txBody>
+            <a:bodyPr wrap="none" rtlCol="0">
+              <a:spAutoFit/>
+            </a:bodyPr>
+            <a:lstStyle/>
+            <a:p>
+              <a:pPr algn="ctr"/>
+              <a:r>
+                <a:rPr lang="en-US" dirty="0"/>
+                <a:t>3 </a:t>
+              </a:r>
+              <a:r>
+                <a:rPr lang="en-US" dirty="0">
+                  <a:sym typeface="Webdings"/>
+                </a:rPr>
+                <a:t></a:t>
+              </a:r>
+              <a:endParaRPr lang="en-US" dirty="0"/>
+            </a:p>
+          </p:txBody>
+        </p:sp>
+      </p:grpSp>
+      <p:grpSp>
+        <p:nvGrpSpPr>
+          <p:cNvPr id="55" name="Group 54"/>
+          <p:cNvGrpSpPr/>
+          <p:nvPr/>
+        </p:nvGrpSpPr>
+        <p:grpSpPr>
+          <a:xfrm>
+            <a:off x="7087357" y="1937627"/>
+            <a:ext cx="585417" cy="415050"/>
+            <a:chOff x="2818647" y="3269813"/>
+            <a:chExt cx="585417" cy="415050"/>
+          </a:xfrm>
+        </p:grpSpPr>
+        <p:sp>
+          <p:nvSpPr>
+            <p:cNvPr id="56" name="Rounded Rectangle 55"/>
+            <p:cNvSpPr/>
+            <p:nvPr/>
+          </p:nvSpPr>
+          <p:spPr>
+            <a:xfrm>
+              <a:off x="2878313" y="3269813"/>
+              <a:ext cx="466087" cy="415050"/>
+            </a:xfrm>
+            <a:prstGeom prst="roundRect">
+              <a:avLst>
+                <a:gd name="adj" fmla="val 6952"/>
+              </a:avLst>
+            </a:prstGeom>
+          </p:spPr>
+          <p:style>
+            <a:lnRef idx="1">
+              <a:schemeClr val="accent3"/>
+            </a:lnRef>
+            <a:fillRef idx="3">
+              <a:schemeClr val="accent3"/>
+            </a:fillRef>
+            <a:effectRef idx="2">
+              <a:schemeClr val="accent3"/>
+            </a:effectRef>
+            <a:fontRef idx="minor">
+              <a:schemeClr val="lt1"/>
+            </a:fontRef>
+          </p:style>
+          <p:txBody>
+            <a:bodyPr rtlCol="0" anchor="ctr"/>
+            <a:lstStyle/>
+            <a:p>
+              <a:pPr algn="ctr"/>
+              <a:endParaRPr lang="en-US" sz="1200" dirty="0"/>
+            </a:p>
+          </p:txBody>
+        </p:sp>
+        <p:sp>
+          <p:nvSpPr>
+            <p:cNvPr id="57" name="TextBox 56"/>
+            <p:cNvSpPr txBox="1"/>
+            <p:nvPr/>
+          </p:nvSpPr>
+          <p:spPr>
+            <a:xfrm>
+              <a:off x="2818647" y="3292672"/>
+              <a:ext cx="585417" cy="369332"/>
+            </a:xfrm>
+            <a:prstGeom prst="rect">
+              <a:avLst/>
+            </a:prstGeom>
+            <a:noFill/>
+          </p:spPr>
+          <p:txBody>
+            <a:bodyPr wrap="none" rtlCol="0">
+              <a:spAutoFit/>
+            </a:bodyPr>
+            <a:lstStyle/>
+            <a:p>
+              <a:pPr algn="ctr"/>
+              <a:r>
+                <a:rPr lang="en-US" dirty="0"/>
+                <a:t>3 </a:t>
+              </a:r>
+              <a:r>
+                <a:rPr lang="en-US" dirty="0">
+                  <a:sym typeface="Webdings"/>
+                </a:rPr>
+                <a:t></a:t>
+              </a:r>
+              <a:endParaRPr lang="en-US" dirty="0"/>
+            </a:p>
+          </p:txBody>
+        </p:sp>
+      </p:grpSp>
+      <p:grpSp>
+        <p:nvGrpSpPr>
+          <p:cNvPr id="58" name="Group 57"/>
+          <p:cNvGrpSpPr/>
+          <p:nvPr/>
+        </p:nvGrpSpPr>
+        <p:grpSpPr>
+          <a:xfrm>
+            <a:off x="7085227" y="2391976"/>
+            <a:ext cx="585417" cy="415050"/>
+            <a:chOff x="2818647" y="3269813"/>
+            <a:chExt cx="585417" cy="415050"/>
+          </a:xfrm>
+        </p:grpSpPr>
+        <p:sp>
+          <p:nvSpPr>
+            <p:cNvPr id="59" name="Rounded Rectangle 58"/>
+            <p:cNvSpPr/>
+            <p:nvPr/>
+          </p:nvSpPr>
+          <p:spPr>
+            <a:xfrm>
+              <a:off x="2878313" y="3269813"/>
+              <a:ext cx="466087" cy="415050"/>
+            </a:xfrm>
+            <a:prstGeom prst="roundRect">
+              <a:avLst>
+                <a:gd name="adj" fmla="val 6952"/>
+              </a:avLst>
+            </a:prstGeom>
+            <a:gradFill>
+              <a:gsLst>
+                <a:gs pos="0">
+                  <a:srgbClr val="BBB713"/>
+                </a:gs>
+                <a:gs pos="80000">
+                  <a:srgbClr val="E7E729"/>
+                </a:gs>
+                <a:gs pos="100000">
+                  <a:srgbClr val="EFEA24"/>
+                </a:gs>
+              </a:gsLst>
+            </a:gradFill>
+            <a:ln>
+              <a:solidFill>
+                <a:srgbClr val="C4C14B"/>
+              </a:solidFill>
+            </a:ln>
+          </p:spPr>
+          <p:style>
+            <a:lnRef idx="1">
+              <a:schemeClr val="accent3"/>
+            </a:lnRef>
+            <a:fillRef idx="3">
+              <a:schemeClr val="accent3"/>
+            </a:fillRef>
+            <a:effectRef idx="2">
+              <a:schemeClr val="accent3"/>
+            </a:effectRef>
+            <a:fontRef idx="minor">
+              <a:schemeClr val="lt1"/>
+            </a:fontRef>
+          </p:style>
+          <p:txBody>
+            <a:bodyPr rtlCol="0" anchor="ctr"/>
+            <a:lstStyle/>
+            <a:p>
+              <a:pPr algn="ctr"/>
+              <a:endParaRPr lang="en-US" sz="1200" dirty="0"/>
+            </a:p>
+          </p:txBody>
+        </p:sp>
+        <p:sp>
+          <p:nvSpPr>
+            <p:cNvPr id="60" name="TextBox 59"/>
+            <p:cNvSpPr txBox="1"/>
+            <p:nvPr/>
+          </p:nvSpPr>
+          <p:spPr>
+            <a:xfrm>
+              <a:off x="2818647" y="3292672"/>
+              <a:ext cx="585417" cy="369332"/>
+            </a:xfrm>
+            <a:prstGeom prst="rect">
+              <a:avLst/>
+            </a:prstGeom>
+            <a:noFill/>
+          </p:spPr>
+          <p:txBody>
+            <a:bodyPr wrap="none" rtlCol="0">
+              <a:spAutoFit/>
+            </a:bodyPr>
+            <a:lstStyle/>
+            <a:p>
+              <a:pPr algn="ctr"/>
+              <a:r>
+                <a:rPr lang="en-US" dirty="0"/>
+                <a:t>3 </a:t>
+              </a:r>
+              <a:r>
+                <a:rPr lang="en-US" dirty="0" smtClean="0">
+                  <a:sym typeface="Webdings"/>
+                </a:rPr>
+                <a:t></a:t>
+              </a:r>
+              <a:endParaRPr lang="en-US" dirty="0"/>
+            </a:p>
+          </p:txBody>
+        </p:sp>
+      </p:grpSp>
+      <p:grpSp>
+        <p:nvGrpSpPr>
+          <p:cNvPr id="61" name="Group 60"/>
+          <p:cNvGrpSpPr/>
+          <p:nvPr/>
+        </p:nvGrpSpPr>
+        <p:grpSpPr>
+          <a:xfrm>
+            <a:off x="6016355" y="3271250"/>
+            <a:ext cx="466087" cy="415050"/>
+            <a:chOff x="2878313" y="3269813"/>
+            <a:chExt cx="466087" cy="415050"/>
+          </a:xfrm>
+        </p:grpSpPr>
+        <p:sp>
+          <p:nvSpPr>
+            <p:cNvPr id="62" name="Rounded Rectangle 61"/>
+            <p:cNvSpPr/>
+            <p:nvPr/>
+          </p:nvSpPr>
+          <p:spPr>
+            <a:xfrm>
+              <a:off x="2878313" y="3269813"/>
+              <a:ext cx="466087" cy="415050"/>
+            </a:xfrm>
+            <a:prstGeom prst="roundRect">
+              <a:avLst>
+                <a:gd name="adj" fmla="val 6952"/>
+              </a:avLst>
+            </a:prstGeom>
+            <a:gradFill>
+              <a:gsLst>
+                <a:gs pos="0">
+                  <a:srgbClr val="CC9A1C"/>
+                </a:gs>
+                <a:gs pos="80000">
+                  <a:srgbClr val="FFA92B"/>
+                </a:gs>
+                <a:gs pos="100000">
+                  <a:srgbClr val="FEB228"/>
+                </a:gs>
+              </a:gsLst>
+            </a:gradFill>
+          </p:spPr>
+          <p:style>
+            <a:lnRef idx="1">
+              <a:schemeClr val="accent6"/>
+            </a:lnRef>
+            <a:fillRef idx="3">
+              <a:schemeClr val="accent6"/>
+            </a:fillRef>
+            <a:effectRef idx="2">
+              <a:schemeClr val="accent6"/>
+            </a:effectRef>
+            <a:fontRef idx="minor">
+              <a:schemeClr val="lt1"/>
+            </a:fontRef>
+          </p:style>
+          <p:txBody>
+            <a:bodyPr rtlCol="0" anchor="ctr"/>
+            <a:lstStyle/>
+            <a:p>
+              <a:pPr algn="ctr"/>
+              <a:endParaRPr lang="en-US" sz="1200" dirty="0"/>
+            </a:p>
+          </p:txBody>
+        </p:sp>
+        <p:sp>
+          <p:nvSpPr>
+            <p:cNvPr id="63" name="TextBox 62"/>
+            <p:cNvSpPr txBox="1"/>
+            <p:nvPr/>
+          </p:nvSpPr>
+          <p:spPr>
+            <a:xfrm>
+              <a:off x="2960512" y="3292672"/>
+              <a:ext cx="301685" cy="369332"/>
+            </a:xfrm>
+            <a:prstGeom prst="rect">
+              <a:avLst/>
+            </a:prstGeom>
+            <a:noFill/>
+          </p:spPr>
+          <p:txBody>
+            <a:bodyPr wrap="none" rtlCol="0">
+              <a:spAutoFit/>
+            </a:bodyPr>
+            <a:lstStyle/>
+            <a:p>
+              <a:pPr algn="ctr"/>
+              <a:r>
+                <a:rPr lang="en-US" dirty="0" smtClean="0"/>
+                <a:t>3</a:t>
+              </a:r>
+              <a:endParaRPr lang="en-US" dirty="0"/>
+            </a:p>
+          </p:txBody>
+        </p:sp>
+      </p:grpSp>
+      <p:grpSp>
+        <p:nvGrpSpPr>
+          <p:cNvPr id="64" name="Group 63"/>
+          <p:cNvGrpSpPr/>
+          <p:nvPr/>
+        </p:nvGrpSpPr>
+        <p:grpSpPr>
+          <a:xfrm>
+            <a:off x="7082974" y="3299470"/>
+            <a:ext cx="585417" cy="415050"/>
+            <a:chOff x="2818647" y="3269813"/>
+            <a:chExt cx="585417" cy="415050"/>
+          </a:xfrm>
+        </p:grpSpPr>
+        <p:sp>
+          <p:nvSpPr>
+            <p:cNvPr id="65" name="Rounded Rectangle 64"/>
+            <p:cNvSpPr/>
+            <p:nvPr/>
+          </p:nvSpPr>
+          <p:spPr>
+            <a:xfrm>
+              <a:off x="2878313" y="3269813"/>
+              <a:ext cx="466087" cy="415050"/>
+            </a:xfrm>
+            <a:prstGeom prst="roundRect">
+              <a:avLst>
+                <a:gd name="adj" fmla="val 6952"/>
+              </a:avLst>
+            </a:prstGeom>
+            <a:gradFill>
+              <a:gsLst>
+                <a:gs pos="0">
+                  <a:srgbClr val="CD451B"/>
+                </a:gs>
+                <a:gs pos="80000">
+                  <a:srgbClr val="FF492B"/>
+                </a:gs>
+                <a:gs pos="100000">
+                  <a:srgbClr val="FF4627"/>
+                </a:gs>
+              </a:gsLst>
+            </a:gradFill>
+            <a:ln>
+              <a:solidFill>
+                <a:srgbClr val="FF4627"/>
+              </a:solidFill>
+            </a:ln>
+          </p:spPr>
+          <p:style>
+            <a:lnRef idx="1">
+              <a:schemeClr val="accent6"/>
+            </a:lnRef>
+            <a:fillRef idx="3">
+              <a:schemeClr val="accent6"/>
+            </a:fillRef>
+            <a:effectRef idx="2">
+              <a:schemeClr val="accent6"/>
+            </a:effectRef>
+            <a:fontRef idx="minor">
+              <a:schemeClr val="lt1"/>
+            </a:fontRef>
+          </p:style>
+          <p:txBody>
+            <a:bodyPr rtlCol="0" anchor="ctr"/>
+            <a:lstStyle/>
+            <a:p>
+              <a:pPr algn="ctr"/>
+              <a:endParaRPr lang="en-US" sz="1200" dirty="0"/>
+            </a:p>
+          </p:txBody>
+        </p:sp>
+        <p:sp>
+          <p:nvSpPr>
+            <p:cNvPr id="66" name="TextBox 65"/>
+            <p:cNvSpPr txBox="1"/>
+            <p:nvPr/>
+          </p:nvSpPr>
+          <p:spPr>
+            <a:xfrm>
+              <a:off x="2818647" y="3292672"/>
+              <a:ext cx="585417" cy="369332"/>
+            </a:xfrm>
+            <a:prstGeom prst="rect">
+              <a:avLst/>
+            </a:prstGeom>
+            <a:noFill/>
+          </p:spPr>
+          <p:txBody>
+            <a:bodyPr wrap="none" rtlCol="0">
+              <a:spAutoFit/>
+            </a:bodyPr>
+            <a:lstStyle/>
+            <a:p>
+              <a:pPr algn="ctr"/>
+              <a:r>
+                <a:rPr lang="en-US" dirty="0"/>
+                <a:t>3 </a:t>
+              </a:r>
+              <a:r>
+                <a:rPr lang="en-US" dirty="0">
+                  <a:sym typeface="Webdings"/>
+                </a:rPr>
+                <a:t></a:t>
+              </a:r>
+              <a:endParaRPr lang="en-US" dirty="0"/>
+            </a:p>
+          </p:txBody>
+        </p:sp>
+      </p:grpSp>
+      <p:grpSp>
+        <p:nvGrpSpPr>
+          <p:cNvPr id="67" name="Group 66"/>
+          <p:cNvGrpSpPr/>
+          <p:nvPr/>
+        </p:nvGrpSpPr>
+        <p:grpSpPr>
+          <a:xfrm>
+            <a:off x="7082973" y="3751542"/>
+            <a:ext cx="585417" cy="415050"/>
+            <a:chOff x="2818647" y="3269813"/>
+            <a:chExt cx="585417" cy="415050"/>
+          </a:xfrm>
+        </p:grpSpPr>
+        <p:sp>
+          <p:nvSpPr>
+            <p:cNvPr id="68" name="Rounded Rectangle 67"/>
+            <p:cNvSpPr/>
+            <p:nvPr/>
+          </p:nvSpPr>
+          <p:spPr>
+            <a:xfrm>
+              <a:off x="2878313" y="3269813"/>
+              <a:ext cx="466087" cy="415050"/>
+            </a:xfrm>
+            <a:prstGeom prst="roundRect">
+              <a:avLst>
+                <a:gd name="adj" fmla="val 6952"/>
+              </a:avLst>
+            </a:prstGeom>
+          </p:spPr>
+          <p:style>
+            <a:lnRef idx="1">
+              <a:schemeClr val="accent2"/>
+            </a:lnRef>
+            <a:fillRef idx="3">
+              <a:schemeClr val="accent2"/>
+            </a:fillRef>
+            <a:effectRef idx="2">
+              <a:schemeClr val="accent2"/>
+            </a:effectRef>
+            <a:fontRef idx="minor">
+              <a:schemeClr val="lt1"/>
+            </a:fontRef>
+          </p:style>
+          <p:txBody>
+            <a:bodyPr rtlCol="0" anchor="ctr"/>
+            <a:lstStyle/>
+            <a:p>
+              <a:pPr algn="ctr"/>
+              <a:endParaRPr lang="en-US" sz="1200" dirty="0"/>
+            </a:p>
+          </p:txBody>
+        </p:sp>
+        <p:sp>
+          <p:nvSpPr>
+            <p:cNvPr id="69" name="TextBox 68"/>
+            <p:cNvSpPr txBox="1"/>
+            <p:nvPr/>
+          </p:nvSpPr>
+          <p:spPr>
+            <a:xfrm>
+              <a:off x="2818647" y="3292672"/>
+              <a:ext cx="585417" cy="369332"/>
+            </a:xfrm>
+            <a:prstGeom prst="rect">
+              <a:avLst/>
+            </a:prstGeom>
+            <a:noFill/>
+            <a:ln>
+              <a:noFill/>
+            </a:ln>
+            <a:effectLst/>
+          </p:spPr>
+          <p:style>
+            <a:lnRef idx="1">
+              <a:schemeClr val="accent2"/>
+            </a:lnRef>
+            <a:fillRef idx="3">
+              <a:schemeClr val="accent2"/>
+            </a:fillRef>
+            <a:effectRef idx="2">
+              <a:schemeClr val="accent2"/>
+            </a:effectRef>
+            <a:fontRef idx="minor">
+              <a:schemeClr val="lt1"/>
+            </a:fontRef>
+          </p:style>
+          <p:txBody>
+            <a:bodyPr wrap="none" rtlCol="0">
+              <a:spAutoFit/>
+            </a:bodyPr>
+            <a:lstStyle/>
+            <a:p>
+              <a:pPr algn="ctr"/>
+              <a:r>
+                <a:rPr lang="en-US" dirty="0">
+                  <a:solidFill>
+                    <a:sysClr val="windowText" lastClr="000000"/>
+                  </a:solidFill>
+                </a:rPr>
+                <a:t>3 </a:t>
+              </a:r>
+              <a:r>
+                <a:rPr lang="en-US" dirty="0">
+                  <a:solidFill>
+                    <a:sysClr val="windowText" lastClr="000000"/>
+                  </a:solidFill>
+                  <a:sym typeface="Webdings"/>
+                </a:rPr>
+                <a:t></a:t>
+              </a:r>
+              <a:endParaRPr lang="en-US" dirty="0">
+                <a:solidFill>
+                  <a:sysClr val="windowText" lastClr="000000"/>
+                </a:solidFill>
+              </a:endParaRPr>
+            </a:p>
+          </p:txBody>
+        </p:sp>
+      </p:grpSp>
+      <p:grpSp>
+        <p:nvGrpSpPr>
+          <p:cNvPr id="70" name="Group 69"/>
+          <p:cNvGrpSpPr/>
+          <p:nvPr/>
+        </p:nvGrpSpPr>
+        <p:grpSpPr>
+          <a:xfrm>
+            <a:off x="2806041" y="3269939"/>
+            <a:ext cx="585418" cy="415050"/>
+            <a:chOff x="2818647" y="3269813"/>
+            <a:chExt cx="585418" cy="415050"/>
+          </a:xfrm>
+        </p:grpSpPr>
+        <p:sp>
+          <p:nvSpPr>
+            <p:cNvPr id="71" name="Rounded Rectangle 70"/>
+            <p:cNvSpPr/>
+            <p:nvPr/>
+          </p:nvSpPr>
+          <p:spPr>
+            <a:xfrm>
+              <a:off x="2878313" y="3269813"/>
+              <a:ext cx="466087" cy="415050"/>
+            </a:xfrm>
+            <a:prstGeom prst="roundRect">
+              <a:avLst>
+                <a:gd name="adj" fmla="val 6952"/>
+              </a:avLst>
+            </a:prstGeom>
+            <a:gradFill>
+              <a:gsLst>
+                <a:gs pos="0">
+                  <a:srgbClr val="CC9A1C"/>
+                </a:gs>
+                <a:gs pos="80000">
+                  <a:srgbClr val="FFA92B"/>
+                </a:gs>
+                <a:gs pos="100000">
+                  <a:srgbClr val="FEB228"/>
+                </a:gs>
+              </a:gsLst>
+            </a:gradFill>
+          </p:spPr>
+          <p:style>
+            <a:lnRef idx="1">
+              <a:schemeClr val="accent6"/>
+            </a:lnRef>
+            <a:fillRef idx="3">
+              <a:schemeClr val="accent6"/>
+            </a:fillRef>
+            <a:effectRef idx="2">
+              <a:schemeClr val="accent6"/>
+            </a:effectRef>
+            <a:fontRef idx="minor">
+              <a:schemeClr val="lt1"/>
+            </a:fontRef>
+          </p:style>
+          <p:txBody>
+            <a:bodyPr rtlCol="0" anchor="ctr"/>
+            <a:lstStyle/>
+            <a:p>
+              <a:pPr algn="ctr"/>
+              <a:endParaRPr lang="en-US" sz="1200" dirty="0"/>
+            </a:p>
+          </p:txBody>
+        </p:sp>
+        <p:sp>
+          <p:nvSpPr>
+            <p:cNvPr id="72" name="TextBox 71"/>
+            <p:cNvSpPr txBox="1"/>
+            <p:nvPr/>
+          </p:nvSpPr>
+          <p:spPr>
+            <a:xfrm>
+              <a:off x="2818647" y="3292672"/>
+              <a:ext cx="585418" cy="369332"/>
+            </a:xfrm>
+            <a:prstGeom prst="rect">
+              <a:avLst/>
+            </a:prstGeom>
+            <a:noFill/>
+          </p:spPr>
+          <p:txBody>
+            <a:bodyPr wrap="none" rtlCol="0">
+              <a:spAutoFit/>
+            </a:bodyPr>
+            <a:lstStyle/>
+            <a:p>
+              <a:pPr algn="ctr"/>
+              <a:r>
+                <a:rPr lang="en-US" dirty="0" smtClean="0"/>
+                <a:t>3 </a:t>
+              </a:r>
+              <a:r>
+                <a:rPr lang="en-US" dirty="0" smtClean="0">
+                  <a:sym typeface="Webdings"/>
+                </a:rPr>
+                <a:t></a:t>
+              </a:r>
+              <a:endParaRPr lang="en-US" dirty="0"/>
+            </a:p>
+          </p:txBody>
+        </p:sp>
+      </p:grpSp>
+      <p:grpSp>
+        <p:nvGrpSpPr>
+          <p:cNvPr id="73" name="Group 72"/>
+          <p:cNvGrpSpPr/>
+          <p:nvPr/>
+        </p:nvGrpSpPr>
+        <p:grpSpPr>
+          <a:xfrm>
+            <a:off x="3328986" y="3270888"/>
+            <a:ext cx="585418" cy="415050"/>
+            <a:chOff x="2818646" y="3269813"/>
+            <a:chExt cx="585418" cy="415050"/>
+          </a:xfrm>
+        </p:grpSpPr>
+        <p:sp>
+          <p:nvSpPr>
+            <p:cNvPr id="74" name="Rounded Rectangle 73"/>
+            <p:cNvSpPr/>
+            <p:nvPr/>
+          </p:nvSpPr>
+          <p:spPr>
+            <a:xfrm>
+              <a:off x="2878313" y="3269813"/>
+              <a:ext cx="466087" cy="415050"/>
+            </a:xfrm>
+            <a:prstGeom prst="roundRect">
+              <a:avLst>
+                <a:gd name="adj" fmla="val 6952"/>
+              </a:avLst>
+            </a:prstGeom>
+            <a:gradFill>
+              <a:gsLst>
+                <a:gs pos="0">
+                  <a:srgbClr val="CD451B"/>
+                </a:gs>
+                <a:gs pos="80000">
+                  <a:srgbClr val="FF492B"/>
+                </a:gs>
+                <a:gs pos="100000">
+                  <a:srgbClr val="FF4627"/>
+                </a:gs>
+              </a:gsLst>
+            </a:gradFill>
+            <a:ln>
+              <a:solidFill>
+                <a:srgbClr val="FF4627"/>
+              </a:solidFill>
+            </a:ln>
+          </p:spPr>
+          <p:style>
+            <a:lnRef idx="1">
+              <a:schemeClr val="accent6"/>
+            </a:lnRef>
+            <a:fillRef idx="3">
+              <a:schemeClr val="accent6"/>
+            </a:fillRef>
+            <a:effectRef idx="2">
+              <a:schemeClr val="accent6"/>
+            </a:effectRef>
+            <a:fontRef idx="minor">
+              <a:schemeClr val="lt1"/>
+            </a:fontRef>
+          </p:style>
+          <p:txBody>
+            <a:bodyPr rtlCol="0" anchor="ctr"/>
+            <a:lstStyle/>
+            <a:p>
+              <a:pPr algn="ctr"/>
+              <a:endParaRPr lang="en-US" sz="1200" dirty="0"/>
+            </a:p>
+          </p:txBody>
+        </p:sp>
+        <p:sp>
+          <p:nvSpPr>
+            <p:cNvPr id="75" name="TextBox 74"/>
+            <p:cNvSpPr txBox="1"/>
+            <p:nvPr/>
+          </p:nvSpPr>
+          <p:spPr>
+            <a:xfrm>
+              <a:off x="2818646" y="3292672"/>
+              <a:ext cx="585418" cy="369332"/>
+            </a:xfrm>
+            <a:prstGeom prst="rect">
+              <a:avLst/>
+            </a:prstGeom>
+            <a:noFill/>
+          </p:spPr>
+          <p:txBody>
+            <a:bodyPr wrap="none" rtlCol="0">
+              <a:spAutoFit/>
+            </a:bodyPr>
+            <a:lstStyle/>
+            <a:p>
+              <a:pPr algn="ctr"/>
+              <a:r>
+                <a:rPr lang="en-US" dirty="0" smtClean="0"/>
+                <a:t>2 </a:t>
+              </a:r>
+              <a:r>
+                <a:rPr lang="en-US" dirty="0">
+                  <a:sym typeface="Webdings"/>
+                </a:rPr>
+                <a:t></a:t>
+              </a:r>
+              <a:endParaRPr lang="en-US" dirty="0"/>
+            </a:p>
+          </p:txBody>
+        </p:sp>
+      </p:grpSp>
+      <p:grpSp>
+        <p:nvGrpSpPr>
+          <p:cNvPr id="76" name="Group 75"/>
+          <p:cNvGrpSpPr/>
+          <p:nvPr/>
+        </p:nvGrpSpPr>
+        <p:grpSpPr>
+          <a:xfrm>
+            <a:off x="3850346" y="3265530"/>
+            <a:ext cx="585418" cy="415050"/>
+            <a:chOff x="2818646" y="3269813"/>
+            <a:chExt cx="585418" cy="415050"/>
+          </a:xfrm>
+        </p:grpSpPr>
+        <p:sp>
+          <p:nvSpPr>
+            <p:cNvPr id="77" name="Rounded Rectangle 76"/>
+            <p:cNvSpPr/>
+            <p:nvPr/>
+          </p:nvSpPr>
+          <p:spPr>
+            <a:xfrm>
+              <a:off x="2878313" y="3269813"/>
+              <a:ext cx="466087" cy="415050"/>
+            </a:xfrm>
+            <a:prstGeom prst="roundRect">
+              <a:avLst>
+                <a:gd name="adj" fmla="val 6952"/>
+              </a:avLst>
+            </a:prstGeom>
+          </p:spPr>
+          <p:style>
+            <a:lnRef idx="1">
+              <a:schemeClr val="accent2"/>
+            </a:lnRef>
+            <a:fillRef idx="3">
+              <a:schemeClr val="accent2"/>
+            </a:fillRef>
+            <a:effectRef idx="2">
+              <a:schemeClr val="accent2"/>
+            </a:effectRef>
+            <a:fontRef idx="minor">
+              <a:schemeClr val="lt1"/>
+            </a:fontRef>
+          </p:style>
+          <p:txBody>
+            <a:bodyPr rtlCol="0" anchor="ctr"/>
+            <a:lstStyle/>
+            <a:p>
+              <a:pPr algn="ctr"/>
+              <a:endParaRPr lang="en-US" sz="1200" dirty="0"/>
+            </a:p>
+          </p:txBody>
+        </p:sp>
+        <p:sp>
+          <p:nvSpPr>
+            <p:cNvPr id="78" name="TextBox 77"/>
+            <p:cNvSpPr txBox="1"/>
+            <p:nvPr/>
+          </p:nvSpPr>
+          <p:spPr>
+            <a:xfrm>
+              <a:off x="2818646" y="3292672"/>
+              <a:ext cx="585418" cy="369332"/>
+            </a:xfrm>
+            <a:prstGeom prst="rect">
+              <a:avLst/>
+            </a:prstGeom>
+            <a:noFill/>
+            <a:ln>
+              <a:noFill/>
+            </a:ln>
+            <a:effectLst/>
+          </p:spPr>
+          <p:style>
+            <a:lnRef idx="1">
+              <a:schemeClr val="accent2"/>
+            </a:lnRef>
+            <a:fillRef idx="3">
+              <a:schemeClr val="accent2"/>
+            </a:fillRef>
+            <a:effectRef idx="2">
+              <a:schemeClr val="accent2"/>
+            </a:effectRef>
+            <a:fontRef idx="minor">
+              <a:schemeClr val="lt1"/>
+            </a:fontRef>
+          </p:style>
+          <p:txBody>
+            <a:bodyPr wrap="none" rtlCol="0">
+              <a:spAutoFit/>
+            </a:bodyPr>
+            <a:lstStyle/>
+            <a:p>
+              <a:pPr algn="ctr"/>
+              <a:r>
+                <a:rPr lang="en-US" dirty="0" smtClean="0">
+                  <a:solidFill>
+                    <a:sysClr val="windowText" lastClr="000000"/>
+                  </a:solidFill>
+                </a:rPr>
+                <a:t>1 </a:t>
+              </a:r>
+              <a:r>
+                <a:rPr lang="en-US" dirty="0">
+                  <a:solidFill>
+                    <a:schemeClr val="tx1"/>
+                  </a:solidFill>
+                  <a:sym typeface="Webdings"/>
+                </a:rPr>
+                <a:t></a:t>
+              </a:r>
+              <a:endParaRPr lang="en-US" dirty="0">
+                <a:solidFill>
+                  <a:schemeClr val="tx1"/>
+                </a:solidFill>
+              </a:endParaRPr>
+            </a:p>
+          </p:txBody>
+        </p:sp>
+      </p:grpSp>
+      <p:grpSp>
+        <p:nvGrpSpPr>
+          <p:cNvPr id="79" name="Group 78"/>
+          <p:cNvGrpSpPr/>
+          <p:nvPr/>
+        </p:nvGrpSpPr>
+        <p:grpSpPr>
+          <a:xfrm>
+            <a:off x="4345829" y="3266125"/>
+            <a:ext cx="649537" cy="415050"/>
+            <a:chOff x="2786587" y="3269813"/>
+            <a:chExt cx="649537" cy="415050"/>
+          </a:xfrm>
+        </p:grpSpPr>
+        <p:sp>
+          <p:nvSpPr>
+            <p:cNvPr id="80" name="Rounded Rectangle 79"/>
+            <p:cNvSpPr/>
+            <p:nvPr/>
+          </p:nvSpPr>
+          <p:spPr>
+            <a:xfrm>
+              <a:off x="2878313" y="3269813"/>
+              <a:ext cx="466087" cy="415050"/>
+            </a:xfrm>
+            <a:prstGeom prst="roundRect">
+              <a:avLst>
+                <a:gd name="adj" fmla="val 6952"/>
+              </a:avLst>
+            </a:prstGeom>
+            <a:gradFill>
+              <a:gsLst>
+                <a:gs pos="0">
+                  <a:srgbClr val="CD451B"/>
+                </a:gs>
+                <a:gs pos="80000">
+                  <a:srgbClr val="FF492B"/>
+                </a:gs>
+                <a:gs pos="100000">
+                  <a:srgbClr val="FF4627"/>
+                </a:gs>
+              </a:gsLst>
+            </a:gradFill>
+            <a:ln>
+              <a:solidFill>
+                <a:srgbClr val="FF4627"/>
+              </a:solidFill>
+            </a:ln>
+          </p:spPr>
+          <p:style>
+            <a:lnRef idx="1">
+              <a:schemeClr val="accent6"/>
+            </a:lnRef>
+            <a:fillRef idx="3">
+              <a:schemeClr val="accent6"/>
+            </a:fillRef>
+            <a:effectRef idx="2">
+              <a:schemeClr val="accent6"/>
+            </a:effectRef>
+            <a:fontRef idx="minor">
+              <a:schemeClr val="lt1"/>
+            </a:fontRef>
+          </p:style>
+          <p:txBody>
+            <a:bodyPr rtlCol="0" anchor="ctr"/>
+            <a:lstStyle/>
+            <a:p>
+              <a:pPr algn="ctr"/>
+              <a:endParaRPr lang="en-US" sz="1200" dirty="0"/>
+            </a:p>
+          </p:txBody>
+        </p:sp>
+        <p:sp>
+          <p:nvSpPr>
+            <p:cNvPr id="81" name="TextBox 80"/>
+            <p:cNvSpPr txBox="1"/>
+            <p:nvPr/>
+          </p:nvSpPr>
+          <p:spPr>
+            <a:xfrm>
+              <a:off x="2786587" y="3292672"/>
+              <a:ext cx="649537" cy="338554"/>
+            </a:xfrm>
+            <a:prstGeom prst="rect">
+              <a:avLst/>
+            </a:prstGeom>
+            <a:noFill/>
+          </p:spPr>
+          <p:txBody>
+            <a:bodyPr wrap="none" rtlCol="0">
+              <a:spAutoFit/>
+            </a:bodyPr>
+            <a:lstStyle/>
+            <a:p>
+              <a:pPr algn="ctr"/>
+              <a:r>
+                <a:rPr lang="en-US" sz="1600" dirty="0" smtClean="0"/>
+                <a:t>1.5</a:t>
+              </a:r>
+              <a:r>
+                <a:rPr lang="en-US" sz="1600" dirty="0" smtClean="0">
+                  <a:sym typeface="Webdings"/>
+                </a:rPr>
+                <a:t></a:t>
+              </a:r>
+              <a:endParaRPr lang="en-US" dirty="0"/>
+            </a:p>
+          </p:txBody>
+        </p:sp>
+      </p:grpSp>
+      <p:grpSp>
+        <p:nvGrpSpPr>
+          <p:cNvPr id="82" name="Group 81"/>
+          <p:cNvGrpSpPr/>
+          <p:nvPr/>
+        </p:nvGrpSpPr>
+        <p:grpSpPr>
+          <a:xfrm>
+            <a:off x="4901889" y="3274100"/>
+            <a:ext cx="585418" cy="415050"/>
+            <a:chOff x="2818646" y="3269813"/>
+            <a:chExt cx="585418" cy="415050"/>
+          </a:xfrm>
+        </p:grpSpPr>
+        <p:sp>
+          <p:nvSpPr>
+            <p:cNvPr id="83" name="Rounded Rectangle 82"/>
+            <p:cNvSpPr/>
+            <p:nvPr/>
+          </p:nvSpPr>
+          <p:spPr>
+            <a:xfrm>
+              <a:off x="2878313" y="3269813"/>
+              <a:ext cx="466087" cy="415050"/>
+            </a:xfrm>
+            <a:prstGeom prst="roundRect">
+              <a:avLst>
+                <a:gd name="adj" fmla="val 6952"/>
+              </a:avLst>
+            </a:prstGeom>
+          </p:spPr>
+          <p:style>
+            <a:lnRef idx="1">
+              <a:schemeClr val="accent2"/>
+            </a:lnRef>
+            <a:fillRef idx="3">
+              <a:schemeClr val="accent2"/>
+            </a:fillRef>
+            <a:effectRef idx="2">
+              <a:schemeClr val="accent2"/>
+            </a:effectRef>
+            <a:fontRef idx="minor">
+              <a:schemeClr val="lt1"/>
+            </a:fontRef>
+          </p:style>
+          <p:txBody>
+            <a:bodyPr rtlCol="0" anchor="ctr"/>
+            <a:lstStyle/>
+            <a:p>
+              <a:pPr algn="ctr"/>
+              <a:endParaRPr lang="en-US" sz="1200" dirty="0"/>
+            </a:p>
+          </p:txBody>
+        </p:sp>
+        <p:sp>
+          <p:nvSpPr>
+            <p:cNvPr id="84" name="TextBox 83"/>
+            <p:cNvSpPr txBox="1"/>
+            <p:nvPr/>
+          </p:nvSpPr>
+          <p:spPr>
+            <a:xfrm>
+              <a:off x="2818646" y="3292672"/>
+              <a:ext cx="585418" cy="369332"/>
+            </a:xfrm>
+            <a:prstGeom prst="rect">
+              <a:avLst/>
+            </a:prstGeom>
+            <a:noFill/>
+            <a:ln>
+              <a:noFill/>
+            </a:ln>
+            <a:effectLst/>
+          </p:spPr>
+          <p:style>
+            <a:lnRef idx="1">
+              <a:schemeClr val="accent2"/>
+            </a:lnRef>
+            <a:fillRef idx="3">
+              <a:schemeClr val="accent2"/>
+            </a:fillRef>
+            <a:effectRef idx="2">
+              <a:schemeClr val="accent2"/>
+            </a:effectRef>
+            <a:fontRef idx="minor">
+              <a:schemeClr val="lt1"/>
+            </a:fontRef>
+          </p:style>
+          <p:txBody>
+            <a:bodyPr wrap="none" rtlCol="0">
+              <a:spAutoFit/>
+            </a:bodyPr>
+            <a:lstStyle/>
+            <a:p>
+              <a:pPr algn="ctr"/>
+              <a:r>
+                <a:rPr lang="en-US" dirty="0" smtClean="0">
+                  <a:solidFill>
+                    <a:sysClr val="windowText" lastClr="000000"/>
+                  </a:solidFill>
+                </a:rPr>
+                <a:t>1 </a:t>
+              </a:r>
+              <a:r>
+                <a:rPr lang="en-US" dirty="0">
+                  <a:solidFill>
+                    <a:schemeClr val="tx1"/>
+                  </a:solidFill>
+                  <a:sym typeface="Webdings"/>
+                </a:rPr>
+                <a:t></a:t>
+              </a:r>
+              <a:endParaRPr lang="en-US" dirty="0">
+                <a:solidFill>
+                  <a:schemeClr val="tx1"/>
+                </a:solidFill>
+              </a:endParaRPr>
+            </a:p>
+          </p:txBody>
+        </p:sp>
+      </p:grpSp>
+      <p:grpSp>
+        <p:nvGrpSpPr>
+          <p:cNvPr id="85" name="Group 84"/>
+          <p:cNvGrpSpPr/>
+          <p:nvPr/>
+        </p:nvGrpSpPr>
+        <p:grpSpPr>
+          <a:xfrm>
+            <a:off x="5429392" y="3266125"/>
+            <a:ext cx="585418" cy="415050"/>
+            <a:chOff x="2818646" y="3269813"/>
+            <a:chExt cx="585418" cy="415050"/>
+          </a:xfrm>
+        </p:grpSpPr>
+        <p:sp>
+          <p:nvSpPr>
+            <p:cNvPr id="86" name="Rounded Rectangle 85"/>
+            <p:cNvSpPr/>
+            <p:nvPr/>
+          </p:nvSpPr>
+          <p:spPr>
+            <a:xfrm>
+              <a:off x="2878313" y="3269813"/>
+              <a:ext cx="466087" cy="415050"/>
+            </a:xfrm>
+            <a:prstGeom prst="roundRect">
+              <a:avLst>
+                <a:gd name="adj" fmla="val 6952"/>
+              </a:avLst>
+            </a:prstGeom>
+            <a:gradFill>
+              <a:gsLst>
+                <a:gs pos="0">
+                  <a:srgbClr val="CD451B"/>
+                </a:gs>
+                <a:gs pos="80000">
+                  <a:srgbClr val="FF492B"/>
+                </a:gs>
+                <a:gs pos="100000">
+                  <a:srgbClr val="FF4627"/>
+                </a:gs>
+              </a:gsLst>
+            </a:gradFill>
+            <a:ln>
+              <a:solidFill>
+                <a:srgbClr val="FF4627"/>
+              </a:solidFill>
+            </a:ln>
+          </p:spPr>
+          <p:style>
+            <a:lnRef idx="1">
+              <a:schemeClr val="accent6"/>
+            </a:lnRef>
+            <a:fillRef idx="3">
+              <a:schemeClr val="accent6"/>
+            </a:fillRef>
+            <a:effectRef idx="2">
+              <a:schemeClr val="accent6"/>
+            </a:effectRef>
+            <a:fontRef idx="minor">
+              <a:schemeClr val="lt1"/>
+            </a:fontRef>
+          </p:style>
+          <p:txBody>
+            <a:bodyPr rtlCol="0" anchor="ctr"/>
+            <a:lstStyle/>
+            <a:p>
+              <a:pPr algn="ctr"/>
+              <a:endParaRPr lang="en-US" sz="1200" dirty="0"/>
+            </a:p>
+          </p:txBody>
+        </p:sp>
+        <p:sp>
+          <p:nvSpPr>
+            <p:cNvPr id="87" name="TextBox 86"/>
+            <p:cNvSpPr txBox="1"/>
+            <p:nvPr/>
+          </p:nvSpPr>
+          <p:spPr>
+            <a:xfrm>
+              <a:off x="2818646" y="3292672"/>
+              <a:ext cx="585418" cy="369332"/>
+            </a:xfrm>
+            <a:prstGeom prst="rect">
+              <a:avLst/>
+            </a:prstGeom>
+            <a:noFill/>
+          </p:spPr>
+          <p:txBody>
+            <a:bodyPr wrap="none" rtlCol="0">
+              <a:spAutoFit/>
+            </a:bodyPr>
+            <a:lstStyle/>
+            <a:p>
+              <a:pPr algn="ctr"/>
+              <a:r>
+                <a:rPr lang="en-US" dirty="0" smtClean="0"/>
+                <a:t>2 </a:t>
+              </a:r>
+              <a:r>
+                <a:rPr lang="en-US" dirty="0">
+                  <a:sym typeface="Webdings"/>
+                </a:rPr>
+                <a:t></a:t>
+              </a:r>
+              <a:endParaRPr lang="en-US" dirty="0"/>
+            </a:p>
+          </p:txBody>
+        </p:sp>
+      </p:grpSp>
+      <p:sp>
+        <p:nvSpPr>
+          <p:cNvPr id="88" name="TextBox 87"/>
+          <p:cNvSpPr txBox="1"/>
+          <p:nvPr/>
+        </p:nvSpPr>
+        <p:spPr>
+          <a:xfrm>
+            <a:off x="2533011" y="2808743"/>
+            <a:ext cx="633761" cy="215444"/>
+          </a:xfrm>
+          <a:prstGeom prst="rect">
+            <a:avLst/>
+          </a:prstGeom>
+          <a:noFill/>
+        </p:spPr>
+        <p:txBody>
+          <a:bodyPr wrap="square" rtlCol="0">
+            <a:spAutoFit/>
+          </a:bodyPr>
+          <a:lstStyle/>
+          <a:p>
+            <a:r>
+              <a:rPr lang="en-US" sz="800" dirty="0" smtClean="0">
+                <a:latin typeface="Tahoma" pitchFamily="34" charset="0"/>
+                <a:ea typeface="Tahoma" pitchFamily="34" charset="0"/>
+                <a:cs typeface="Tahoma" pitchFamily="34" charset="0"/>
+              </a:rPr>
+              <a:t>Expected:</a:t>
+            </a:r>
+            <a:endParaRPr lang="en-US" sz="800" dirty="0">
+              <a:latin typeface="Tahoma" pitchFamily="34" charset="0"/>
+              <a:ea typeface="Tahoma" pitchFamily="34" charset="0"/>
+              <a:cs typeface="Tahoma" pitchFamily="34" charset="0"/>
+            </a:endParaRPr>
+          </a:p>
+        </p:txBody>
+      </p:sp>
+      <p:grpSp>
+        <p:nvGrpSpPr>
+          <p:cNvPr id="89" name="Group 88"/>
+          <p:cNvGrpSpPr/>
+          <p:nvPr/>
+        </p:nvGrpSpPr>
+        <p:grpSpPr>
+          <a:xfrm>
+            <a:off x="3121106" y="2708940"/>
+            <a:ext cx="466087" cy="415050"/>
+            <a:chOff x="2878313" y="3269813"/>
+            <a:chExt cx="466087" cy="415050"/>
+          </a:xfrm>
+        </p:grpSpPr>
+        <p:sp>
+          <p:nvSpPr>
+            <p:cNvPr id="90" name="Rounded Rectangle 89"/>
+            <p:cNvSpPr/>
+            <p:nvPr/>
+          </p:nvSpPr>
+          <p:spPr>
+            <a:xfrm>
+              <a:off x="2878313" y="3269813"/>
+              <a:ext cx="466087" cy="415050"/>
+            </a:xfrm>
+            <a:prstGeom prst="roundRect">
+              <a:avLst>
+                <a:gd name="adj" fmla="val 6952"/>
+              </a:avLst>
+            </a:prstGeom>
+          </p:spPr>
+          <p:style>
+            <a:lnRef idx="1">
+              <a:schemeClr val="accent3"/>
+            </a:lnRef>
+            <a:fillRef idx="3">
+              <a:schemeClr val="accent3"/>
+            </a:fillRef>
+            <a:effectRef idx="2">
+              <a:schemeClr val="accent3"/>
+            </a:effectRef>
+            <a:fontRef idx="minor">
+              <a:schemeClr val="lt1"/>
+            </a:fontRef>
+          </p:style>
+          <p:txBody>
+            <a:bodyPr rtlCol="0" anchor="ctr"/>
+            <a:lstStyle/>
+            <a:p>
+              <a:pPr algn="ctr"/>
+              <a:endParaRPr lang="en-US" sz="1200" dirty="0"/>
+            </a:p>
+          </p:txBody>
+        </p:sp>
+        <p:sp>
+          <p:nvSpPr>
+            <p:cNvPr id="91" name="TextBox 90"/>
+            <p:cNvSpPr txBox="1"/>
+            <p:nvPr/>
+          </p:nvSpPr>
+          <p:spPr>
+            <a:xfrm>
+              <a:off x="2960512" y="3292672"/>
+              <a:ext cx="301685" cy="369332"/>
+            </a:xfrm>
+            <a:prstGeom prst="rect">
+              <a:avLst/>
+            </a:prstGeom>
+            <a:noFill/>
+          </p:spPr>
+          <p:txBody>
+            <a:bodyPr wrap="none" rtlCol="0">
+              <a:spAutoFit/>
+            </a:bodyPr>
+            <a:lstStyle/>
+            <a:p>
+              <a:pPr algn="ctr"/>
+              <a:r>
+                <a:rPr lang="en-US" dirty="0" smtClean="0"/>
+                <a:t>3</a:t>
+              </a:r>
+              <a:endParaRPr lang="en-US" dirty="0"/>
+            </a:p>
+          </p:txBody>
+        </p:sp>
+      </p:grpSp>
+    </p:spTree>
+    <p:extLst>
+      <p:ext uri="{BB962C8B-B14F-4D97-AF65-F5344CB8AC3E}">
+        <p14:creationId xmlns:p14="http://schemas.microsoft.com/office/powerpoint/2010/main" val="3325992267"/>
+      </p:ext>
+    </p:extLst>
+  </p:cSld>
+  <p:clrMapOvr>
+    <a:masterClrMapping/>
+  </p:clrMapOvr>
+</p:sld>
+</file>
+
+<file path=ppt/slides/slide4.xml><?xml version="1.0" encoding="utf-8"?>
+<p:sld xmlns:a="http://schemas.openxmlformats.org/drawingml/2006/main" xmlns:r="http://schemas.openxmlformats.org/officeDocument/2006/relationships" xmlns:p="http://schemas.openxmlformats.org/presentationml/2006/main">
+  <p:cSld>
+    <p:spTree>
+      <p:nvGrpSpPr>
+        <p:cNvPr id="1" name=""/>
+        <p:cNvGrpSpPr/>
+        <p:nvPr/>
+      </p:nvGrpSpPr>
+      <p:grpSpPr>
+        <a:xfrm>
+          <a:off x="0" y="0"/>
+          <a:ext cx="0" cy="0"/>
+          <a:chOff x="0" y="0"/>
+          <a:chExt cx="0" cy="0"/>
+        </a:xfrm>
+      </p:grpSpPr>
       <p:cxnSp>
         <p:nvCxnSpPr>
           <p:cNvPr id="4" name="Straight Connector 3"/>
@@ -4898,7 +7813,7 @@
 </p:sld>
 </file>
 
-<file path=ppt/slides/slide4.xml><?xml version="1.0" encoding="utf-8"?>
+<file path=ppt/slides/slide5.xml><?xml version="1.0" encoding="utf-8"?>
 <p:sld xmlns:a="http://schemas.openxmlformats.org/drawingml/2006/main" xmlns:r="http://schemas.openxmlformats.org/officeDocument/2006/relationships" xmlns:p="http://schemas.openxmlformats.org/presentationml/2006/main">
   <p:cSld>
     <p:spTree>
@@ -5486,7 +8401,7 @@
 </p:sld>
 </file>
 
-<file path=ppt/slides/slide5.xml><?xml version="1.0" encoding="utf-8"?>
+<file path=ppt/slides/slide6.xml><?xml version="1.0" encoding="utf-8"?>
 <p:sld xmlns:a="http://schemas.openxmlformats.org/drawingml/2006/main" xmlns:r="http://schemas.openxmlformats.org/officeDocument/2006/relationships" xmlns:p="http://schemas.openxmlformats.org/presentationml/2006/main">
   <p:cSld>
     <p:spTree>
@@ -5767,7 +8682,7 @@
 </p:sld>
 </file>
 
-<file path=ppt/slides/slide6.xml><?xml version="1.0" encoding="utf-8"?>
+<file path=ppt/slides/slide7.xml><?xml version="1.0" encoding="utf-8"?>
 <p:sld xmlns:a="http://schemas.openxmlformats.org/drawingml/2006/main" xmlns:r="http://schemas.openxmlformats.org/officeDocument/2006/relationships" xmlns:p="http://schemas.openxmlformats.org/presentationml/2006/main">
   <p:cSld>
     <p:spTree>

--- a/HANDS/trunk/data/Design.pptx
+++ b/HANDS/trunk/data/Design.pptx
@@ -147,7 +147,7 @@
           <a:p>
             <a:fld id="{46B0DD1D-ED37-4907-8AD7-C556D0397C4A}" type="datetimeFigureOut">
               <a:rPr lang="en-US" smtClean="0"/>
-              <a:t>3/12/2012</a:t>
+              <a:t>3/16/2012</a:t>
             </a:fld>
             <a:endParaRPr lang="en-US"/>
           </a:p>
@@ -303,7 +303,7 @@
           <a:p>
             <a:fld id="{46B0DD1D-ED37-4907-8AD7-C556D0397C4A}" type="datetimeFigureOut">
               <a:rPr lang="en-US" smtClean="0"/>
-              <a:t>3/12/2012</a:t>
+              <a:t>3/16/2012</a:t>
             </a:fld>
             <a:endParaRPr lang="en-US"/>
           </a:p>
@@ -1295,7 +1295,7 @@
           <a:p>
             <a:fld id="{46B0DD1D-ED37-4907-8AD7-C556D0397C4A}" type="datetimeFigureOut">
               <a:rPr lang="en-US" smtClean="0"/>
-              <a:t>3/12/2012</a:t>
+              <a:t>3/16/2012</a:t>
             </a:fld>
             <a:endParaRPr lang="en-US"/>
           </a:p>
@@ -2040,7 +2040,7 @@
           <a:p>
             <a:fld id="{46B0DD1D-ED37-4907-8AD7-C556D0397C4A}" type="datetimeFigureOut">
               <a:rPr lang="en-US" smtClean="0"/>
-              <a:t>3/12/2012</a:t>
+              <a:t>3/16/2012</a:t>
             </a:fld>
             <a:endParaRPr lang="en-US"/>
           </a:p>
@@ -2421,17 +2421,20 @@
           <a:prstGeom prst="line">
             <a:avLst/>
           </a:prstGeom>
-          <a:ln w="38100"/>
+          <a:ln>
+            <a:headEnd type="oval"/>
+            <a:tailEnd type="oval"/>
+          </a:ln>
         </p:spPr>
         <p:style>
-          <a:lnRef idx="1">
-            <a:schemeClr val="accent1"/>
+          <a:lnRef idx="3">
+            <a:schemeClr val="dk1"/>
           </a:lnRef>
           <a:fillRef idx="0">
-            <a:schemeClr val="accent1"/>
+            <a:schemeClr val="dk1"/>
           </a:fillRef>
-          <a:effectRef idx="0">
-            <a:schemeClr val="accent1"/>
+          <a:effectRef idx="2">
+            <a:schemeClr val="dk1"/>
           </a:effectRef>
           <a:fontRef idx="minor">
             <a:schemeClr val="tx1"/>
@@ -2452,17 +2455,20 @@
           <a:prstGeom prst="line">
             <a:avLst/>
           </a:prstGeom>
-          <a:ln w="38100"/>
+          <a:ln>
+            <a:headEnd type="oval"/>
+            <a:tailEnd type="oval"/>
+          </a:ln>
         </p:spPr>
         <p:style>
-          <a:lnRef idx="1">
-            <a:schemeClr val="accent1"/>
+          <a:lnRef idx="3">
+            <a:schemeClr val="dk1"/>
           </a:lnRef>
           <a:fillRef idx="0">
-            <a:schemeClr val="accent1"/>
+            <a:schemeClr val="dk1"/>
           </a:fillRef>
-          <a:effectRef idx="0">
-            <a:schemeClr val="accent1"/>
+          <a:effectRef idx="2">
+            <a:schemeClr val="dk1"/>
           </a:effectRef>
           <a:fontRef idx="minor">
             <a:schemeClr val="tx1"/>
@@ -2483,19 +2489,21 @@
           <a:prstGeom prst="line">
             <a:avLst/>
           </a:prstGeom>
-          <a:ln w="38100">
+          <a:ln>
             <a:prstDash val="sysDot"/>
+            <a:headEnd type="oval"/>
+            <a:tailEnd type="oval"/>
           </a:ln>
         </p:spPr>
         <p:style>
-          <a:lnRef idx="1">
-            <a:schemeClr val="accent1"/>
+          <a:lnRef idx="3">
+            <a:schemeClr val="dk1"/>
           </a:lnRef>
           <a:fillRef idx="0">
-            <a:schemeClr val="accent1"/>
+            <a:schemeClr val="dk1"/>
           </a:fillRef>
-          <a:effectRef idx="0">
-            <a:schemeClr val="accent1"/>
+          <a:effectRef idx="2">
+            <a:schemeClr val="dk1"/>
           </a:effectRef>
           <a:fontRef idx="minor">
             <a:schemeClr val="tx1"/>
@@ -2516,19 +2524,21 @@
           <a:prstGeom prst="line">
             <a:avLst/>
           </a:prstGeom>
-          <a:ln w="38100">
+          <a:ln>
             <a:prstDash val="sysDot"/>
+            <a:headEnd type="oval"/>
+            <a:tailEnd type="oval"/>
           </a:ln>
         </p:spPr>
         <p:style>
-          <a:lnRef idx="1">
-            <a:schemeClr val="accent1"/>
+          <a:lnRef idx="3">
+            <a:schemeClr val="dk1"/>
           </a:lnRef>
           <a:fillRef idx="0">
-            <a:schemeClr val="accent1"/>
+            <a:schemeClr val="dk1"/>
           </a:fillRef>
-          <a:effectRef idx="0">
-            <a:schemeClr val="accent1"/>
+          <a:effectRef idx="2">
+            <a:schemeClr val="dk1"/>
           </a:effectRef>
           <a:fontRef idx="minor">
             <a:schemeClr val="tx1"/>
@@ -2543,25 +2553,27 @@
         </p:nvCxnSpPr>
         <p:spPr>
           <a:xfrm flipV="1">
-            <a:off x="5189041" y="3407251"/>
-            <a:ext cx="518160" cy="361950"/>
+            <a:off x="5204460" y="3407251"/>
+            <a:ext cx="502741" cy="361950"/>
           </a:xfrm>
           <a:prstGeom prst="line">
             <a:avLst/>
           </a:prstGeom>
-          <a:ln w="38100">
+          <a:ln>
             <a:prstDash val="sysDot"/>
+            <a:headEnd type="oval"/>
+            <a:tailEnd type="oval"/>
           </a:ln>
         </p:spPr>
         <p:style>
-          <a:lnRef idx="1">
-            <a:schemeClr val="accent1"/>
+          <a:lnRef idx="3">
+            <a:schemeClr val="dk1"/>
           </a:lnRef>
           <a:fillRef idx="0">
-            <a:schemeClr val="accent1"/>
+            <a:schemeClr val="dk1"/>
           </a:fillRef>
-          <a:effectRef idx="0">
-            <a:schemeClr val="accent1"/>
+          <a:effectRef idx="2">
+            <a:schemeClr val="dk1"/>
           </a:effectRef>
           <a:fontRef idx="minor">
             <a:schemeClr val="tx1"/>
@@ -2582,19 +2594,21 @@
           <a:prstGeom prst="line">
             <a:avLst/>
           </a:prstGeom>
-          <a:ln w="38100">
+          <a:ln>
             <a:prstDash val="sysDot"/>
+            <a:headEnd type="oval"/>
+            <a:tailEnd type="oval"/>
           </a:ln>
         </p:spPr>
         <p:style>
-          <a:lnRef idx="1">
-            <a:schemeClr val="accent1"/>
+          <a:lnRef idx="3">
+            <a:schemeClr val="dk1"/>
           </a:lnRef>
           <a:fillRef idx="0">
-            <a:schemeClr val="accent1"/>
+            <a:schemeClr val="dk1"/>
           </a:fillRef>
-          <a:effectRef idx="0">
-            <a:schemeClr val="accent1"/>
+          <a:effectRef idx="2">
+            <a:schemeClr val="dk1"/>
           </a:effectRef>
           <a:fontRef idx="minor">
             <a:schemeClr val="tx1"/>
@@ -2620,14 +2634,14 @@
           </a:ln>
         </p:spPr>
         <p:style>
-          <a:lnRef idx="3">
-            <a:schemeClr val="accent2"/>
+          <a:lnRef idx="2">
+            <a:schemeClr val="accent1"/>
           </a:lnRef>
           <a:fillRef idx="0">
-            <a:schemeClr val="accent2"/>
+            <a:schemeClr val="accent1"/>
           </a:fillRef>
-          <a:effectRef idx="2">
-            <a:schemeClr val="accent2"/>
+          <a:effectRef idx="1">
+            <a:schemeClr val="accent1"/>
           </a:effectRef>
           <a:fontRef idx="minor">
             <a:schemeClr val="tx1"/>
@@ -2642,7 +2656,7 @@
         </p:nvSpPr>
         <p:spPr>
           <a:xfrm>
-            <a:off x="4186995" y="2522097"/>
+            <a:off x="4153654" y="2522097"/>
             <a:ext cx="633761" cy="215444"/>
           </a:xfrm>
           <a:prstGeom prst="rect">
@@ -2669,847 +2683,6 @@
               <a:ea typeface="Tahoma" pitchFamily="34" charset="0"/>
               <a:cs typeface="Tahoma" pitchFamily="34" charset="0"/>
             </a:endParaRPr>
-          </a:p>
-        </p:txBody>
-      </p:sp>
-      <p:sp>
-        <p:nvSpPr>
-          <p:cNvPr id="12" name="Rectangle 1"/>
-          <p:cNvSpPr/>
-          <p:nvPr/>
-        </p:nvSpPr>
-        <p:spPr>
-          <a:xfrm>
-            <a:off x="4201459" y="2844657"/>
-            <a:ext cx="2087585" cy="965343"/>
-          </a:xfrm>
-          <a:custGeom>
-            <a:avLst/>
-            <a:gdLst>
-              <a:gd name="connsiteX0" fmla="*/ 0 w 1545627"/>
-              <a:gd name="connsiteY0" fmla="*/ 0 h 912461"/>
-              <a:gd name="connsiteX1" fmla="*/ 1545627 w 1545627"/>
-              <a:gd name="connsiteY1" fmla="*/ 0 h 912461"/>
-              <a:gd name="connsiteX2" fmla="*/ 1545627 w 1545627"/>
-              <a:gd name="connsiteY2" fmla="*/ 912461 h 912461"/>
-              <a:gd name="connsiteX3" fmla="*/ 0 w 1545627"/>
-              <a:gd name="connsiteY3" fmla="*/ 912461 h 912461"/>
-              <a:gd name="connsiteX4" fmla="*/ 0 w 1545627"/>
-              <a:gd name="connsiteY4" fmla="*/ 0 h 912461"/>
-              <a:gd name="connsiteX0" fmla="*/ 0 w 1545627"/>
-              <a:gd name="connsiteY0" fmla="*/ 2 h 912463"/>
-              <a:gd name="connsiteX1" fmla="*/ 445981 w 1545627"/>
-              <a:gd name="connsiteY1" fmla="*/ 726585 h 912463"/>
-              <a:gd name="connsiteX2" fmla="*/ 1545627 w 1545627"/>
-              <a:gd name="connsiteY2" fmla="*/ 2 h 912463"/>
-              <a:gd name="connsiteX3" fmla="*/ 1545627 w 1545627"/>
-              <a:gd name="connsiteY3" fmla="*/ 912463 h 912463"/>
-              <a:gd name="connsiteX4" fmla="*/ 0 w 1545627"/>
-              <a:gd name="connsiteY4" fmla="*/ 912463 h 912463"/>
-              <a:gd name="connsiteX5" fmla="*/ 0 w 1545627"/>
-              <a:gd name="connsiteY5" fmla="*/ 2 h 912463"/>
-              <a:gd name="connsiteX0" fmla="*/ 25400 w 1571027"/>
-              <a:gd name="connsiteY0" fmla="*/ 2 h 912463"/>
-              <a:gd name="connsiteX1" fmla="*/ 471381 w 1571027"/>
-              <a:gd name="connsiteY1" fmla="*/ 726585 h 912463"/>
-              <a:gd name="connsiteX2" fmla="*/ 1571027 w 1571027"/>
-              <a:gd name="connsiteY2" fmla="*/ 2 h 912463"/>
-              <a:gd name="connsiteX3" fmla="*/ 1571027 w 1571027"/>
-              <a:gd name="connsiteY3" fmla="*/ 912463 h 912463"/>
-              <a:gd name="connsiteX4" fmla="*/ 0 w 1571027"/>
-              <a:gd name="connsiteY4" fmla="*/ 744823 h 912463"/>
-              <a:gd name="connsiteX5" fmla="*/ 25400 w 1571027"/>
-              <a:gd name="connsiteY5" fmla="*/ 2 h 912463"/>
-              <a:gd name="connsiteX0" fmla="*/ 5080 w 1571027"/>
-              <a:gd name="connsiteY0" fmla="*/ 721360 h 912461"/>
-              <a:gd name="connsiteX1" fmla="*/ 471381 w 1571027"/>
-              <a:gd name="connsiteY1" fmla="*/ 726583 h 912461"/>
-              <a:gd name="connsiteX2" fmla="*/ 1571027 w 1571027"/>
-              <a:gd name="connsiteY2" fmla="*/ 0 h 912461"/>
-              <a:gd name="connsiteX3" fmla="*/ 1571027 w 1571027"/>
-              <a:gd name="connsiteY3" fmla="*/ 912461 h 912461"/>
-              <a:gd name="connsiteX4" fmla="*/ 0 w 1571027"/>
-              <a:gd name="connsiteY4" fmla="*/ 744821 h 912461"/>
-              <a:gd name="connsiteX5" fmla="*/ 5080 w 1571027"/>
-              <a:gd name="connsiteY5" fmla="*/ 721360 h 912461"/>
-              <a:gd name="connsiteX0" fmla="*/ 5080 w 1571027"/>
-              <a:gd name="connsiteY0" fmla="*/ 721360 h 943829"/>
-              <a:gd name="connsiteX1" fmla="*/ 471381 w 1571027"/>
-              <a:gd name="connsiteY1" fmla="*/ 726583 h 943829"/>
-              <a:gd name="connsiteX2" fmla="*/ 1571027 w 1571027"/>
-              <a:gd name="connsiteY2" fmla="*/ 0 h 943829"/>
-              <a:gd name="connsiteX3" fmla="*/ 1571027 w 1571027"/>
-              <a:gd name="connsiteY3" fmla="*/ 912461 h 943829"/>
-              <a:gd name="connsiteX4" fmla="*/ 471381 w 1571027"/>
-              <a:gd name="connsiteY4" fmla="*/ 934863 h 943829"/>
-              <a:gd name="connsiteX5" fmla="*/ 0 w 1571027"/>
-              <a:gd name="connsiteY5" fmla="*/ 744821 h 943829"/>
-              <a:gd name="connsiteX6" fmla="*/ 5080 w 1571027"/>
-              <a:gd name="connsiteY6" fmla="*/ 721360 h 943829"/>
-              <a:gd name="connsiteX0" fmla="*/ 5080 w 1571027"/>
-              <a:gd name="connsiteY0" fmla="*/ 721360 h 943829"/>
-              <a:gd name="connsiteX1" fmla="*/ 481541 w 1571027"/>
-              <a:gd name="connsiteY1" fmla="*/ 812943 h 943829"/>
-              <a:gd name="connsiteX2" fmla="*/ 1571027 w 1571027"/>
-              <a:gd name="connsiteY2" fmla="*/ 0 h 943829"/>
-              <a:gd name="connsiteX3" fmla="*/ 1571027 w 1571027"/>
-              <a:gd name="connsiteY3" fmla="*/ 912461 h 943829"/>
-              <a:gd name="connsiteX4" fmla="*/ 471381 w 1571027"/>
-              <a:gd name="connsiteY4" fmla="*/ 934863 h 943829"/>
-              <a:gd name="connsiteX5" fmla="*/ 0 w 1571027"/>
-              <a:gd name="connsiteY5" fmla="*/ 744821 h 943829"/>
-              <a:gd name="connsiteX6" fmla="*/ 5080 w 1571027"/>
-              <a:gd name="connsiteY6" fmla="*/ 721360 h 943829"/>
-              <a:gd name="connsiteX0" fmla="*/ 5080 w 1571027"/>
-              <a:gd name="connsiteY0" fmla="*/ 721360 h 954436"/>
-              <a:gd name="connsiteX1" fmla="*/ 481541 w 1571027"/>
-              <a:gd name="connsiteY1" fmla="*/ 812943 h 954436"/>
-              <a:gd name="connsiteX2" fmla="*/ 1571027 w 1571027"/>
-              <a:gd name="connsiteY2" fmla="*/ 0 h 954436"/>
-              <a:gd name="connsiteX3" fmla="*/ 1571027 w 1571027"/>
-              <a:gd name="connsiteY3" fmla="*/ 912461 h 954436"/>
-              <a:gd name="connsiteX4" fmla="*/ 1035261 w 1571027"/>
-              <a:gd name="connsiteY4" fmla="*/ 746903 h 954436"/>
-              <a:gd name="connsiteX5" fmla="*/ 471381 w 1571027"/>
-              <a:gd name="connsiteY5" fmla="*/ 934863 h 954436"/>
-              <a:gd name="connsiteX6" fmla="*/ 0 w 1571027"/>
-              <a:gd name="connsiteY6" fmla="*/ 744821 h 954436"/>
-              <a:gd name="connsiteX7" fmla="*/ 5080 w 1571027"/>
-              <a:gd name="connsiteY7" fmla="*/ 721360 h 954436"/>
-              <a:gd name="connsiteX0" fmla="*/ 5080 w 1571027"/>
-              <a:gd name="connsiteY0" fmla="*/ 721360 h 943223"/>
-              <a:gd name="connsiteX1" fmla="*/ 481541 w 1571027"/>
-              <a:gd name="connsiteY1" fmla="*/ 812943 h 943223"/>
-              <a:gd name="connsiteX2" fmla="*/ 1571027 w 1571027"/>
-              <a:gd name="connsiteY2" fmla="*/ 0 h 943223"/>
-              <a:gd name="connsiteX3" fmla="*/ 1571027 w 1571027"/>
-              <a:gd name="connsiteY3" fmla="*/ 912461 h 943223"/>
-              <a:gd name="connsiteX4" fmla="*/ 1035261 w 1571027"/>
-              <a:gd name="connsiteY4" fmla="*/ 746903 h 943223"/>
-              <a:gd name="connsiteX5" fmla="*/ 471381 w 1571027"/>
-              <a:gd name="connsiteY5" fmla="*/ 934863 h 943223"/>
-              <a:gd name="connsiteX6" fmla="*/ 0 w 1571027"/>
-              <a:gd name="connsiteY6" fmla="*/ 744821 h 943223"/>
-              <a:gd name="connsiteX7" fmla="*/ 5080 w 1571027"/>
-              <a:gd name="connsiteY7" fmla="*/ 721360 h 943223"/>
-              <a:gd name="connsiteX0" fmla="*/ 5080 w 1571027"/>
-              <a:gd name="connsiteY0" fmla="*/ 721360 h 951309"/>
-              <a:gd name="connsiteX1" fmla="*/ 481541 w 1571027"/>
-              <a:gd name="connsiteY1" fmla="*/ 812943 h 951309"/>
-              <a:gd name="connsiteX2" fmla="*/ 1571027 w 1571027"/>
-              <a:gd name="connsiteY2" fmla="*/ 0 h 951309"/>
-              <a:gd name="connsiteX3" fmla="*/ 1571027 w 1571027"/>
-              <a:gd name="connsiteY3" fmla="*/ 912461 h 951309"/>
-              <a:gd name="connsiteX4" fmla="*/ 1035261 w 1571027"/>
-              <a:gd name="connsiteY4" fmla="*/ 746903 h 951309"/>
-              <a:gd name="connsiteX5" fmla="*/ 471381 w 1571027"/>
-              <a:gd name="connsiteY5" fmla="*/ 934863 h 951309"/>
-              <a:gd name="connsiteX6" fmla="*/ 0 w 1571027"/>
-              <a:gd name="connsiteY6" fmla="*/ 744821 h 951309"/>
-              <a:gd name="connsiteX7" fmla="*/ 5080 w 1571027"/>
-              <a:gd name="connsiteY7" fmla="*/ 721360 h 951309"/>
-              <a:gd name="connsiteX0" fmla="*/ 5080 w 1571027"/>
-              <a:gd name="connsiteY0" fmla="*/ 721360 h 951309"/>
-              <a:gd name="connsiteX1" fmla="*/ 481541 w 1571027"/>
-              <a:gd name="connsiteY1" fmla="*/ 812943 h 951309"/>
-              <a:gd name="connsiteX2" fmla="*/ 1571027 w 1571027"/>
-              <a:gd name="connsiteY2" fmla="*/ 0 h 951309"/>
-              <a:gd name="connsiteX3" fmla="*/ 1571027 w 1571027"/>
-              <a:gd name="connsiteY3" fmla="*/ 912461 h 951309"/>
-              <a:gd name="connsiteX4" fmla="*/ 1035261 w 1571027"/>
-              <a:gd name="connsiteY4" fmla="*/ 746903 h 951309"/>
-              <a:gd name="connsiteX5" fmla="*/ 471381 w 1571027"/>
-              <a:gd name="connsiteY5" fmla="*/ 934863 h 951309"/>
-              <a:gd name="connsiteX6" fmla="*/ 0 w 1571027"/>
-              <a:gd name="connsiteY6" fmla="*/ 744821 h 951309"/>
-              <a:gd name="connsiteX7" fmla="*/ 5080 w 1571027"/>
-              <a:gd name="connsiteY7" fmla="*/ 721360 h 951309"/>
-              <a:gd name="connsiteX0" fmla="*/ 5080 w 1571027"/>
-              <a:gd name="connsiteY0" fmla="*/ 721360 h 944817"/>
-              <a:gd name="connsiteX1" fmla="*/ 481541 w 1571027"/>
-              <a:gd name="connsiteY1" fmla="*/ 812943 h 944817"/>
-              <a:gd name="connsiteX2" fmla="*/ 1571027 w 1571027"/>
-              <a:gd name="connsiteY2" fmla="*/ 0 h 944817"/>
-              <a:gd name="connsiteX3" fmla="*/ 1571027 w 1571027"/>
-              <a:gd name="connsiteY3" fmla="*/ 912461 h 944817"/>
-              <a:gd name="connsiteX4" fmla="*/ 1035261 w 1571027"/>
-              <a:gd name="connsiteY4" fmla="*/ 746903 h 944817"/>
-              <a:gd name="connsiteX5" fmla="*/ 471381 w 1571027"/>
-              <a:gd name="connsiteY5" fmla="*/ 934863 h 944817"/>
-              <a:gd name="connsiteX6" fmla="*/ 0 w 1571027"/>
-              <a:gd name="connsiteY6" fmla="*/ 744821 h 944817"/>
-              <a:gd name="connsiteX7" fmla="*/ 5080 w 1571027"/>
-              <a:gd name="connsiteY7" fmla="*/ 721360 h 944817"/>
-              <a:gd name="connsiteX0" fmla="*/ 62414 w 1628361"/>
-              <a:gd name="connsiteY0" fmla="*/ 721360 h 944817"/>
-              <a:gd name="connsiteX1" fmla="*/ 538875 w 1628361"/>
-              <a:gd name="connsiteY1" fmla="*/ 812943 h 944817"/>
-              <a:gd name="connsiteX2" fmla="*/ 1628361 w 1628361"/>
-              <a:gd name="connsiteY2" fmla="*/ 0 h 944817"/>
-              <a:gd name="connsiteX3" fmla="*/ 1628361 w 1628361"/>
-              <a:gd name="connsiteY3" fmla="*/ 912461 h 944817"/>
-              <a:gd name="connsiteX4" fmla="*/ 1092595 w 1628361"/>
-              <a:gd name="connsiteY4" fmla="*/ 746903 h 944817"/>
-              <a:gd name="connsiteX5" fmla="*/ 528715 w 1628361"/>
-              <a:gd name="connsiteY5" fmla="*/ 934863 h 944817"/>
-              <a:gd name="connsiteX6" fmla="*/ 57334 w 1628361"/>
-              <a:gd name="connsiteY6" fmla="*/ 744821 h 944817"/>
-              <a:gd name="connsiteX7" fmla="*/ 62414 w 1628361"/>
-              <a:gd name="connsiteY7" fmla="*/ 721360 h 944817"/>
-              <a:gd name="connsiteX0" fmla="*/ 62414 w 1732734"/>
-              <a:gd name="connsiteY0" fmla="*/ 721360 h 944817"/>
-              <a:gd name="connsiteX1" fmla="*/ 538875 w 1732734"/>
-              <a:gd name="connsiteY1" fmla="*/ 812943 h 944817"/>
-              <a:gd name="connsiteX2" fmla="*/ 1628361 w 1732734"/>
-              <a:gd name="connsiteY2" fmla="*/ 0 h 944817"/>
-              <a:gd name="connsiteX3" fmla="*/ 1628361 w 1732734"/>
-              <a:gd name="connsiteY3" fmla="*/ 912461 h 944817"/>
-              <a:gd name="connsiteX4" fmla="*/ 1092595 w 1732734"/>
-              <a:gd name="connsiteY4" fmla="*/ 746903 h 944817"/>
-              <a:gd name="connsiteX5" fmla="*/ 528715 w 1732734"/>
-              <a:gd name="connsiteY5" fmla="*/ 934863 h 944817"/>
-              <a:gd name="connsiteX6" fmla="*/ 57334 w 1732734"/>
-              <a:gd name="connsiteY6" fmla="*/ 744821 h 944817"/>
-              <a:gd name="connsiteX7" fmla="*/ 62414 w 1732734"/>
-              <a:gd name="connsiteY7" fmla="*/ 721360 h 944817"/>
-              <a:gd name="connsiteX0" fmla="*/ 62414 w 1732734"/>
-              <a:gd name="connsiteY0" fmla="*/ 721360 h 944817"/>
-              <a:gd name="connsiteX1" fmla="*/ 538875 w 1732734"/>
-              <a:gd name="connsiteY1" fmla="*/ 812943 h 944817"/>
-              <a:gd name="connsiteX2" fmla="*/ 1628361 w 1732734"/>
-              <a:gd name="connsiteY2" fmla="*/ 0 h 944817"/>
-              <a:gd name="connsiteX3" fmla="*/ 1628361 w 1732734"/>
-              <a:gd name="connsiteY3" fmla="*/ 912461 h 944817"/>
-              <a:gd name="connsiteX4" fmla="*/ 1092595 w 1732734"/>
-              <a:gd name="connsiteY4" fmla="*/ 746903 h 944817"/>
-              <a:gd name="connsiteX5" fmla="*/ 528715 w 1732734"/>
-              <a:gd name="connsiteY5" fmla="*/ 934863 h 944817"/>
-              <a:gd name="connsiteX6" fmla="*/ 57334 w 1732734"/>
-              <a:gd name="connsiteY6" fmla="*/ 744821 h 944817"/>
-              <a:gd name="connsiteX7" fmla="*/ 62414 w 1732734"/>
-              <a:gd name="connsiteY7" fmla="*/ 721360 h 944817"/>
-              <a:gd name="connsiteX0" fmla="*/ 62414 w 1709063"/>
-              <a:gd name="connsiteY0" fmla="*/ 721360 h 944817"/>
-              <a:gd name="connsiteX1" fmla="*/ 538875 w 1709063"/>
-              <a:gd name="connsiteY1" fmla="*/ 812943 h 944817"/>
-              <a:gd name="connsiteX2" fmla="*/ 1628361 w 1709063"/>
-              <a:gd name="connsiteY2" fmla="*/ 0 h 944817"/>
-              <a:gd name="connsiteX3" fmla="*/ 1628361 w 1709063"/>
-              <a:gd name="connsiteY3" fmla="*/ 912461 h 944817"/>
-              <a:gd name="connsiteX4" fmla="*/ 1092595 w 1709063"/>
-              <a:gd name="connsiteY4" fmla="*/ 746903 h 944817"/>
-              <a:gd name="connsiteX5" fmla="*/ 528715 w 1709063"/>
-              <a:gd name="connsiteY5" fmla="*/ 934863 h 944817"/>
-              <a:gd name="connsiteX6" fmla="*/ 57334 w 1709063"/>
-              <a:gd name="connsiteY6" fmla="*/ 744821 h 944817"/>
-              <a:gd name="connsiteX7" fmla="*/ 62414 w 1709063"/>
-              <a:gd name="connsiteY7" fmla="*/ 721360 h 944817"/>
-              <a:gd name="connsiteX0" fmla="*/ 62414 w 1709063"/>
-              <a:gd name="connsiteY0" fmla="*/ 721360 h 944817"/>
-              <a:gd name="connsiteX1" fmla="*/ 538875 w 1709063"/>
-              <a:gd name="connsiteY1" fmla="*/ 812943 h 944817"/>
-              <a:gd name="connsiteX2" fmla="*/ 1628361 w 1709063"/>
-              <a:gd name="connsiteY2" fmla="*/ 0 h 944817"/>
-              <a:gd name="connsiteX3" fmla="*/ 1628361 w 1709063"/>
-              <a:gd name="connsiteY3" fmla="*/ 912461 h 944817"/>
-              <a:gd name="connsiteX4" fmla="*/ 1092595 w 1709063"/>
-              <a:gd name="connsiteY4" fmla="*/ 746903 h 944817"/>
-              <a:gd name="connsiteX5" fmla="*/ 528715 w 1709063"/>
-              <a:gd name="connsiteY5" fmla="*/ 934863 h 944817"/>
-              <a:gd name="connsiteX6" fmla="*/ 57334 w 1709063"/>
-              <a:gd name="connsiteY6" fmla="*/ 744821 h 944817"/>
-              <a:gd name="connsiteX7" fmla="*/ 62414 w 1709063"/>
-              <a:gd name="connsiteY7" fmla="*/ 721360 h 944817"/>
-              <a:gd name="connsiteX0" fmla="*/ 62414 w 1630041"/>
-              <a:gd name="connsiteY0" fmla="*/ 721360 h 944817"/>
-              <a:gd name="connsiteX1" fmla="*/ 538875 w 1630041"/>
-              <a:gd name="connsiteY1" fmla="*/ 812943 h 944817"/>
-              <a:gd name="connsiteX2" fmla="*/ 1628361 w 1630041"/>
-              <a:gd name="connsiteY2" fmla="*/ 0 h 944817"/>
-              <a:gd name="connsiteX3" fmla="*/ 1628361 w 1630041"/>
-              <a:gd name="connsiteY3" fmla="*/ 912461 h 944817"/>
-              <a:gd name="connsiteX4" fmla="*/ 1092595 w 1630041"/>
-              <a:gd name="connsiteY4" fmla="*/ 746903 h 944817"/>
-              <a:gd name="connsiteX5" fmla="*/ 528715 w 1630041"/>
-              <a:gd name="connsiteY5" fmla="*/ 934863 h 944817"/>
-              <a:gd name="connsiteX6" fmla="*/ 57334 w 1630041"/>
-              <a:gd name="connsiteY6" fmla="*/ 744821 h 944817"/>
-              <a:gd name="connsiteX7" fmla="*/ 62414 w 1630041"/>
-              <a:gd name="connsiteY7" fmla="*/ 721360 h 944817"/>
-              <a:gd name="connsiteX0" fmla="*/ 62414 w 1630041"/>
-              <a:gd name="connsiteY0" fmla="*/ 721360 h 944817"/>
-              <a:gd name="connsiteX1" fmla="*/ 538875 w 1630041"/>
-              <a:gd name="connsiteY1" fmla="*/ 812943 h 944817"/>
-              <a:gd name="connsiteX2" fmla="*/ 1021475 w 1630041"/>
-              <a:gd name="connsiteY2" fmla="*/ 391303 h 944817"/>
-              <a:gd name="connsiteX3" fmla="*/ 1628361 w 1630041"/>
-              <a:gd name="connsiteY3" fmla="*/ 0 h 944817"/>
-              <a:gd name="connsiteX4" fmla="*/ 1628361 w 1630041"/>
-              <a:gd name="connsiteY4" fmla="*/ 912461 h 944817"/>
-              <a:gd name="connsiteX5" fmla="*/ 1092595 w 1630041"/>
-              <a:gd name="connsiteY5" fmla="*/ 746903 h 944817"/>
-              <a:gd name="connsiteX6" fmla="*/ 528715 w 1630041"/>
-              <a:gd name="connsiteY6" fmla="*/ 934863 h 944817"/>
-              <a:gd name="connsiteX7" fmla="*/ 57334 w 1630041"/>
-              <a:gd name="connsiteY7" fmla="*/ 744821 h 944817"/>
-              <a:gd name="connsiteX8" fmla="*/ 62414 w 1630041"/>
-              <a:gd name="connsiteY8" fmla="*/ 721360 h 944817"/>
-              <a:gd name="connsiteX0" fmla="*/ 62414 w 1633441"/>
-              <a:gd name="connsiteY0" fmla="*/ 721360 h 944817"/>
-              <a:gd name="connsiteX1" fmla="*/ 538875 w 1633441"/>
-              <a:gd name="connsiteY1" fmla="*/ 812943 h 944817"/>
-              <a:gd name="connsiteX2" fmla="*/ 1021475 w 1633441"/>
-              <a:gd name="connsiteY2" fmla="*/ 391303 h 944817"/>
-              <a:gd name="connsiteX3" fmla="*/ 1628361 w 1633441"/>
-              <a:gd name="connsiteY3" fmla="*/ 0 h 944817"/>
-              <a:gd name="connsiteX4" fmla="*/ 1633441 w 1633441"/>
-              <a:gd name="connsiteY4" fmla="*/ 765141 h 944817"/>
-              <a:gd name="connsiteX5" fmla="*/ 1092595 w 1633441"/>
-              <a:gd name="connsiteY5" fmla="*/ 746903 h 944817"/>
-              <a:gd name="connsiteX6" fmla="*/ 528715 w 1633441"/>
-              <a:gd name="connsiteY6" fmla="*/ 934863 h 944817"/>
-              <a:gd name="connsiteX7" fmla="*/ 57334 w 1633441"/>
-              <a:gd name="connsiteY7" fmla="*/ 744821 h 944817"/>
-              <a:gd name="connsiteX8" fmla="*/ 62414 w 1633441"/>
-              <a:gd name="connsiteY8" fmla="*/ 721360 h 944817"/>
-              <a:gd name="connsiteX0" fmla="*/ 62414 w 1633441"/>
-              <a:gd name="connsiteY0" fmla="*/ 721360 h 944817"/>
-              <a:gd name="connsiteX1" fmla="*/ 538875 w 1633441"/>
-              <a:gd name="connsiteY1" fmla="*/ 812943 h 944817"/>
-              <a:gd name="connsiteX2" fmla="*/ 1021475 w 1633441"/>
-              <a:gd name="connsiteY2" fmla="*/ 391303 h 944817"/>
-              <a:gd name="connsiteX3" fmla="*/ 1628361 w 1633441"/>
-              <a:gd name="connsiteY3" fmla="*/ 0 h 944817"/>
-              <a:gd name="connsiteX4" fmla="*/ 1633441 w 1633441"/>
-              <a:gd name="connsiteY4" fmla="*/ 765141 h 944817"/>
-              <a:gd name="connsiteX5" fmla="*/ 1092595 w 1633441"/>
-              <a:gd name="connsiteY5" fmla="*/ 746903 h 944817"/>
-              <a:gd name="connsiteX6" fmla="*/ 528715 w 1633441"/>
-              <a:gd name="connsiteY6" fmla="*/ 934863 h 944817"/>
-              <a:gd name="connsiteX7" fmla="*/ 57334 w 1633441"/>
-              <a:gd name="connsiteY7" fmla="*/ 744821 h 944817"/>
-              <a:gd name="connsiteX8" fmla="*/ 62414 w 1633441"/>
-              <a:gd name="connsiteY8" fmla="*/ 721360 h 944817"/>
-              <a:gd name="connsiteX0" fmla="*/ 62414 w 1638521"/>
-              <a:gd name="connsiteY0" fmla="*/ 721360 h 944817"/>
-              <a:gd name="connsiteX1" fmla="*/ 538875 w 1638521"/>
-              <a:gd name="connsiteY1" fmla="*/ 812943 h 944817"/>
-              <a:gd name="connsiteX2" fmla="*/ 1021475 w 1638521"/>
-              <a:gd name="connsiteY2" fmla="*/ 391303 h 944817"/>
-              <a:gd name="connsiteX3" fmla="*/ 1628361 w 1638521"/>
-              <a:gd name="connsiteY3" fmla="*/ 0 h 944817"/>
-              <a:gd name="connsiteX4" fmla="*/ 1638521 w 1638521"/>
-              <a:gd name="connsiteY4" fmla="*/ 826101 h 944817"/>
-              <a:gd name="connsiteX5" fmla="*/ 1092595 w 1638521"/>
-              <a:gd name="connsiteY5" fmla="*/ 746903 h 944817"/>
-              <a:gd name="connsiteX6" fmla="*/ 528715 w 1638521"/>
-              <a:gd name="connsiteY6" fmla="*/ 934863 h 944817"/>
-              <a:gd name="connsiteX7" fmla="*/ 57334 w 1638521"/>
-              <a:gd name="connsiteY7" fmla="*/ 744821 h 944817"/>
-              <a:gd name="connsiteX8" fmla="*/ 62414 w 1638521"/>
-              <a:gd name="connsiteY8" fmla="*/ 721360 h 944817"/>
-              <a:gd name="connsiteX0" fmla="*/ 62414 w 1638521"/>
-              <a:gd name="connsiteY0" fmla="*/ 721360 h 944817"/>
-              <a:gd name="connsiteX1" fmla="*/ 538875 w 1638521"/>
-              <a:gd name="connsiteY1" fmla="*/ 812943 h 944817"/>
-              <a:gd name="connsiteX2" fmla="*/ 1021475 w 1638521"/>
-              <a:gd name="connsiteY2" fmla="*/ 391303 h 944817"/>
-              <a:gd name="connsiteX3" fmla="*/ 1628361 w 1638521"/>
-              <a:gd name="connsiteY3" fmla="*/ 0 h 944817"/>
-              <a:gd name="connsiteX4" fmla="*/ 1638521 w 1638521"/>
-              <a:gd name="connsiteY4" fmla="*/ 826101 h 944817"/>
-              <a:gd name="connsiteX5" fmla="*/ 1092595 w 1638521"/>
-              <a:gd name="connsiteY5" fmla="*/ 746903 h 944817"/>
-              <a:gd name="connsiteX6" fmla="*/ 528715 w 1638521"/>
-              <a:gd name="connsiteY6" fmla="*/ 934863 h 944817"/>
-              <a:gd name="connsiteX7" fmla="*/ 57334 w 1638521"/>
-              <a:gd name="connsiteY7" fmla="*/ 744821 h 944817"/>
-              <a:gd name="connsiteX8" fmla="*/ 62414 w 1638521"/>
-              <a:gd name="connsiteY8" fmla="*/ 721360 h 944817"/>
-              <a:gd name="connsiteX0" fmla="*/ 62414 w 1638521"/>
-              <a:gd name="connsiteY0" fmla="*/ 721360 h 943467"/>
-              <a:gd name="connsiteX1" fmla="*/ 538875 w 1638521"/>
-              <a:gd name="connsiteY1" fmla="*/ 812943 h 943467"/>
-              <a:gd name="connsiteX2" fmla="*/ 1021475 w 1638521"/>
-              <a:gd name="connsiteY2" fmla="*/ 391303 h 943467"/>
-              <a:gd name="connsiteX3" fmla="*/ 1628361 w 1638521"/>
-              <a:gd name="connsiteY3" fmla="*/ 0 h 943467"/>
-              <a:gd name="connsiteX4" fmla="*/ 1638521 w 1638521"/>
-              <a:gd name="connsiteY4" fmla="*/ 826101 h 943467"/>
-              <a:gd name="connsiteX5" fmla="*/ 1092595 w 1638521"/>
-              <a:gd name="connsiteY5" fmla="*/ 746903 h 943467"/>
-              <a:gd name="connsiteX6" fmla="*/ 528715 w 1638521"/>
-              <a:gd name="connsiteY6" fmla="*/ 934863 h 943467"/>
-              <a:gd name="connsiteX7" fmla="*/ 57334 w 1638521"/>
-              <a:gd name="connsiteY7" fmla="*/ 744821 h 943467"/>
-              <a:gd name="connsiteX8" fmla="*/ 62414 w 1638521"/>
-              <a:gd name="connsiteY8" fmla="*/ 721360 h 943467"/>
-              <a:gd name="connsiteX0" fmla="*/ 62414 w 1638521"/>
-              <a:gd name="connsiteY0" fmla="*/ 721360 h 943467"/>
-              <a:gd name="connsiteX1" fmla="*/ 538875 w 1638521"/>
-              <a:gd name="connsiteY1" fmla="*/ 812943 h 943467"/>
-              <a:gd name="connsiteX2" fmla="*/ 1021475 w 1638521"/>
-              <a:gd name="connsiteY2" fmla="*/ 391303 h 943467"/>
-              <a:gd name="connsiteX3" fmla="*/ 1628361 w 1638521"/>
-              <a:gd name="connsiteY3" fmla="*/ 0 h 943467"/>
-              <a:gd name="connsiteX4" fmla="*/ 1638521 w 1638521"/>
-              <a:gd name="connsiteY4" fmla="*/ 826101 h 943467"/>
-              <a:gd name="connsiteX5" fmla="*/ 1092595 w 1638521"/>
-              <a:gd name="connsiteY5" fmla="*/ 746903 h 943467"/>
-              <a:gd name="connsiteX6" fmla="*/ 528715 w 1638521"/>
-              <a:gd name="connsiteY6" fmla="*/ 934863 h 943467"/>
-              <a:gd name="connsiteX7" fmla="*/ 57334 w 1638521"/>
-              <a:gd name="connsiteY7" fmla="*/ 744821 h 943467"/>
-              <a:gd name="connsiteX8" fmla="*/ 62414 w 1638521"/>
-              <a:gd name="connsiteY8" fmla="*/ 721360 h 943467"/>
-              <a:gd name="connsiteX0" fmla="*/ 62414 w 1638521"/>
-              <a:gd name="connsiteY0" fmla="*/ 721360 h 934863"/>
-              <a:gd name="connsiteX1" fmla="*/ 538875 w 1638521"/>
-              <a:gd name="connsiteY1" fmla="*/ 812943 h 934863"/>
-              <a:gd name="connsiteX2" fmla="*/ 1021475 w 1638521"/>
-              <a:gd name="connsiteY2" fmla="*/ 391303 h 934863"/>
-              <a:gd name="connsiteX3" fmla="*/ 1628361 w 1638521"/>
-              <a:gd name="connsiteY3" fmla="*/ 0 h 934863"/>
-              <a:gd name="connsiteX4" fmla="*/ 1638521 w 1638521"/>
-              <a:gd name="connsiteY4" fmla="*/ 826101 h 934863"/>
-              <a:gd name="connsiteX5" fmla="*/ 1092595 w 1638521"/>
-              <a:gd name="connsiteY5" fmla="*/ 746903 h 934863"/>
-              <a:gd name="connsiteX6" fmla="*/ 528715 w 1638521"/>
-              <a:gd name="connsiteY6" fmla="*/ 934863 h 934863"/>
-              <a:gd name="connsiteX7" fmla="*/ 57334 w 1638521"/>
-              <a:gd name="connsiteY7" fmla="*/ 744821 h 934863"/>
-              <a:gd name="connsiteX8" fmla="*/ 62414 w 1638521"/>
-              <a:gd name="connsiteY8" fmla="*/ 721360 h 934863"/>
-              <a:gd name="connsiteX0" fmla="*/ 62414 w 1638521"/>
-              <a:gd name="connsiteY0" fmla="*/ 721360 h 934863"/>
-              <a:gd name="connsiteX1" fmla="*/ 538875 w 1638521"/>
-              <a:gd name="connsiteY1" fmla="*/ 812943 h 934863"/>
-              <a:gd name="connsiteX2" fmla="*/ 1021475 w 1638521"/>
-              <a:gd name="connsiteY2" fmla="*/ 391303 h 934863"/>
-              <a:gd name="connsiteX3" fmla="*/ 1628361 w 1638521"/>
-              <a:gd name="connsiteY3" fmla="*/ 0 h 934863"/>
-              <a:gd name="connsiteX4" fmla="*/ 1638521 w 1638521"/>
-              <a:gd name="connsiteY4" fmla="*/ 826101 h 934863"/>
-              <a:gd name="connsiteX5" fmla="*/ 1092595 w 1638521"/>
-              <a:gd name="connsiteY5" fmla="*/ 746903 h 934863"/>
-              <a:gd name="connsiteX6" fmla="*/ 528715 w 1638521"/>
-              <a:gd name="connsiteY6" fmla="*/ 934863 h 934863"/>
-              <a:gd name="connsiteX7" fmla="*/ 57334 w 1638521"/>
-              <a:gd name="connsiteY7" fmla="*/ 744821 h 934863"/>
-              <a:gd name="connsiteX8" fmla="*/ 62414 w 1638521"/>
-              <a:gd name="connsiteY8" fmla="*/ 721360 h 934863"/>
-              <a:gd name="connsiteX0" fmla="*/ 62414 w 1638521"/>
-              <a:gd name="connsiteY0" fmla="*/ 721360 h 934863"/>
-              <a:gd name="connsiteX1" fmla="*/ 538875 w 1638521"/>
-              <a:gd name="connsiteY1" fmla="*/ 812943 h 934863"/>
-              <a:gd name="connsiteX2" fmla="*/ 1021475 w 1638521"/>
-              <a:gd name="connsiteY2" fmla="*/ 391303 h 934863"/>
-              <a:gd name="connsiteX3" fmla="*/ 1628361 w 1638521"/>
-              <a:gd name="connsiteY3" fmla="*/ 0 h 934863"/>
-              <a:gd name="connsiteX4" fmla="*/ 1638521 w 1638521"/>
-              <a:gd name="connsiteY4" fmla="*/ 826101 h 934863"/>
-              <a:gd name="connsiteX5" fmla="*/ 1092595 w 1638521"/>
-              <a:gd name="connsiteY5" fmla="*/ 746903 h 934863"/>
-              <a:gd name="connsiteX6" fmla="*/ 528715 w 1638521"/>
-              <a:gd name="connsiteY6" fmla="*/ 934863 h 934863"/>
-              <a:gd name="connsiteX7" fmla="*/ 57334 w 1638521"/>
-              <a:gd name="connsiteY7" fmla="*/ 744821 h 934863"/>
-              <a:gd name="connsiteX8" fmla="*/ 62414 w 1638521"/>
-              <a:gd name="connsiteY8" fmla="*/ 721360 h 934863"/>
-              <a:gd name="connsiteX0" fmla="*/ 61167 w 1637274"/>
-              <a:gd name="connsiteY0" fmla="*/ 721360 h 965343"/>
-              <a:gd name="connsiteX1" fmla="*/ 537628 w 1637274"/>
-              <a:gd name="connsiteY1" fmla="*/ 812943 h 965343"/>
-              <a:gd name="connsiteX2" fmla="*/ 1020228 w 1637274"/>
-              <a:gd name="connsiteY2" fmla="*/ 391303 h 965343"/>
-              <a:gd name="connsiteX3" fmla="*/ 1627114 w 1637274"/>
-              <a:gd name="connsiteY3" fmla="*/ 0 h 965343"/>
-              <a:gd name="connsiteX4" fmla="*/ 1637274 w 1637274"/>
-              <a:gd name="connsiteY4" fmla="*/ 826101 h 965343"/>
-              <a:gd name="connsiteX5" fmla="*/ 1091348 w 1637274"/>
-              <a:gd name="connsiteY5" fmla="*/ 746903 h 965343"/>
-              <a:gd name="connsiteX6" fmla="*/ 517308 w 1637274"/>
-              <a:gd name="connsiteY6" fmla="*/ 965343 h 965343"/>
-              <a:gd name="connsiteX7" fmla="*/ 56087 w 1637274"/>
-              <a:gd name="connsiteY7" fmla="*/ 744821 h 965343"/>
-              <a:gd name="connsiteX8" fmla="*/ 61167 w 1637274"/>
-              <a:gd name="connsiteY8" fmla="*/ 721360 h 965343"/>
-              <a:gd name="connsiteX0" fmla="*/ 10004 w 2096064"/>
-              <a:gd name="connsiteY0" fmla="*/ 897206 h 965343"/>
-              <a:gd name="connsiteX1" fmla="*/ 996418 w 2096064"/>
-              <a:gd name="connsiteY1" fmla="*/ 812943 h 965343"/>
-              <a:gd name="connsiteX2" fmla="*/ 1479018 w 2096064"/>
-              <a:gd name="connsiteY2" fmla="*/ 391303 h 965343"/>
-              <a:gd name="connsiteX3" fmla="*/ 2085904 w 2096064"/>
-              <a:gd name="connsiteY3" fmla="*/ 0 h 965343"/>
-              <a:gd name="connsiteX4" fmla="*/ 2096064 w 2096064"/>
-              <a:gd name="connsiteY4" fmla="*/ 826101 h 965343"/>
-              <a:gd name="connsiteX5" fmla="*/ 1550138 w 2096064"/>
-              <a:gd name="connsiteY5" fmla="*/ 746903 h 965343"/>
-              <a:gd name="connsiteX6" fmla="*/ 976098 w 2096064"/>
-              <a:gd name="connsiteY6" fmla="*/ 965343 h 965343"/>
-              <a:gd name="connsiteX7" fmla="*/ 514877 w 2096064"/>
-              <a:gd name="connsiteY7" fmla="*/ 744821 h 965343"/>
-              <a:gd name="connsiteX8" fmla="*/ 10004 w 2096064"/>
-              <a:gd name="connsiteY8" fmla="*/ 897206 h 965343"/>
-              <a:gd name="connsiteX0" fmla="*/ 10779 w 2096839"/>
-              <a:gd name="connsiteY0" fmla="*/ 897206 h 965343"/>
-              <a:gd name="connsiteX1" fmla="*/ 997193 w 2096839"/>
-              <a:gd name="connsiteY1" fmla="*/ 812943 h 965343"/>
-              <a:gd name="connsiteX2" fmla="*/ 1479793 w 2096839"/>
-              <a:gd name="connsiteY2" fmla="*/ 391303 h 965343"/>
-              <a:gd name="connsiteX3" fmla="*/ 2086679 w 2096839"/>
-              <a:gd name="connsiteY3" fmla="*/ 0 h 965343"/>
-              <a:gd name="connsiteX4" fmla="*/ 2096839 w 2096839"/>
-              <a:gd name="connsiteY4" fmla="*/ 826101 h 965343"/>
-              <a:gd name="connsiteX5" fmla="*/ 1550913 w 2096839"/>
-              <a:gd name="connsiteY5" fmla="*/ 746903 h 965343"/>
-              <a:gd name="connsiteX6" fmla="*/ 976873 w 2096839"/>
-              <a:gd name="connsiteY6" fmla="*/ 965343 h 965343"/>
-              <a:gd name="connsiteX7" fmla="*/ 480483 w 2096839"/>
-              <a:gd name="connsiteY7" fmla="*/ 709652 h 965343"/>
-              <a:gd name="connsiteX8" fmla="*/ 10779 w 2096839"/>
-              <a:gd name="connsiteY8" fmla="*/ 897206 h 965343"/>
-              <a:gd name="connsiteX0" fmla="*/ 11578 w 2097638"/>
-              <a:gd name="connsiteY0" fmla="*/ 897206 h 965343"/>
-              <a:gd name="connsiteX1" fmla="*/ 997992 w 2097638"/>
-              <a:gd name="connsiteY1" fmla="*/ 812943 h 965343"/>
-              <a:gd name="connsiteX2" fmla="*/ 1480592 w 2097638"/>
-              <a:gd name="connsiteY2" fmla="*/ 391303 h 965343"/>
-              <a:gd name="connsiteX3" fmla="*/ 2087478 w 2097638"/>
-              <a:gd name="connsiteY3" fmla="*/ 0 h 965343"/>
-              <a:gd name="connsiteX4" fmla="*/ 2097638 w 2097638"/>
-              <a:gd name="connsiteY4" fmla="*/ 826101 h 965343"/>
-              <a:gd name="connsiteX5" fmla="*/ 1551712 w 2097638"/>
-              <a:gd name="connsiteY5" fmla="*/ 746903 h 965343"/>
-              <a:gd name="connsiteX6" fmla="*/ 977672 w 2097638"/>
-              <a:gd name="connsiteY6" fmla="*/ 965343 h 965343"/>
-              <a:gd name="connsiteX7" fmla="*/ 481282 w 2097638"/>
-              <a:gd name="connsiteY7" fmla="*/ 709652 h 965343"/>
-              <a:gd name="connsiteX8" fmla="*/ 463029 w 2097638"/>
-              <a:gd name="connsiteY8" fmla="*/ 885235 h 965343"/>
-              <a:gd name="connsiteX9" fmla="*/ 11578 w 2097638"/>
-              <a:gd name="connsiteY9" fmla="*/ 897206 h 965343"/>
-              <a:gd name="connsiteX0" fmla="*/ 11578 w 2097638"/>
-              <a:gd name="connsiteY0" fmla="*/ 897206 h 965343"/>
-              <a:gd name="connsiteX1" fmla="*/ 997992 w 2097638"/>
-              <a:gd name="connsiteY1" fmla="*/ 812943 h 965343"/>
-              <a:gd name="connsiteX2" fmla="*/ 1480592 w 2097638"/>
-              <a:gd name="connsiteY2" fmla="*/ 391303 h 965343"/>
-              <a:gd name="connsiteX3" fmla="*/ 2087478 w 2097638"/>
-              <a:gd name="connsiteY3" fmla="*/ 0 h 965343"/>
-              <a:gd name="connsiteX4" fmla="*/ 2097638 w 2097638"/>
-              <a:gd name="connsiteY4" fmla="*/ 826101 h 965343"/>
-              <a:gd name="connsiteX5" fmla="*/ 1551712 w 2097638"/>
-              <a:gd name="connsiteY5" fmla="*/ 746903 h 965343"/>
-              <a:gd name="connsiteX6" fmla="*/ 977672 w 2097638"/>
-              <a:gd name="connsiteY6" fmla="*/ 965343 h 965343"/>
-              <a:gd name="connsiteX7" fmla="*/ 633682 w 2097638"/>
-              <a:gd name="connsiteY7" fmla="*/ 903083 h 965343"/>
-              <a:gd name="connsiteX8" fmla="*/ 463029 w 2097638"/>
-              <a:gd name="connsiteY8" fmla="*/ 885235 h 965343"/>
-              <a:gd name="connsiteX9" fmla="*/ 11578 w 2097638"/>
-              <a:gd name="connsiteY9" fmla="*/ 897206 h 965343"/>
-              <a:gd name="connsiteX0" fmla="*/ 11578 w 2097638"/>
-              <a:gd name="connsiteY0" fmla="*/ 897206 h 965343"/>
-              <a:gd name="connsiteX1" fmla="*/ 997992 w 2097638"/>
-              <a:gd name="connsiteY1" fmla="*/ 812943 h 965343"/>
-              <a:gd name="connsiteX2" fmla="*/ 1480592 w 2097638"/>
-              <a:gd name="connsiteY2" fmla="*/ 391303 h 965343"/>
-              <a:gd name="connsiteX3" fmla="*/ 2087478 w 2097638"/>
-              <a:gd name="connsiteY3" fmla="*/ 0 h 965343"/>
-              <a:gd name="connsiteX4" fmla="*/ 2097638 w 2097638"/>
-              <a:gd name="connsiteY4" fmla="*/ 826101 h 965343"/>
-              <a:gd name="connsiteX5" fmla="*/ 1551712 w 2097638"/>
-              <a:gd name="connsiteY5" fmla="*/ 746903 h 965343"/>
-              <a:gd name="connsiteX6" fmla="*/ 977672 w 2097638"/>
-              <a:gd name="connsiteY6" fmla="*/ 965343 h 965343"/>
-              <a:gd name="connsiteX7" fmla="*/ 633682 w 2097638"/>
-              <a:gd name="connsiteY7" fmla="*/ 903083 h 965343"/>
-              <a:gd name="connsiteX8" fmla="*/ 463029 w 2097638"/>
-              <a:gd name="connsiteY8" fmla="*/ 691804 h 965343"/>
-              <a:gd name="connsiteX9" fmla="*/ 11578 w 2097638"/>
-              <a:gd name="connsiteY9" fmla="*/ 897206 h 965343"/>
-              <a:gd name="connsiteX0" fmla="*/ 11578 w 2097638"/>
-              <a:gd name="connsiteY0" fmla="*/ 897206 h 965343"/>
-              <a:gd name="connsiteX1" fmla="*/ 997992 w 2097638"/>
-              <a:gd name="connsiteY1" fmla="*/ 812943 h 965343"/>
-              <a:gd name="connsiteX2" fmla="*/ 1480592 w 2097638"/>
-              <a:gd name="connsiteY2" fmla="*/ 391303 h 965343"/>
-              <a:gd name="connsiteX3" fmla="*/ 2087478 w 2097638"/>
-              <a:gd name="connsiteY3" fmla="*/ 0 h 965343"/>
-              <a:gd name="connsiteX4" fmla="*/ 2097638 w 2097638"/>
-              <a:gd name="connsiteY4" fmla="*/ 826101 h 965343"/>
-              <a:gd name="connsiteX5" fmla="*/ 1551712 w 2097638"/>
-              <a:gd name="connsiteY5" fmla="*/ 746903 h 965343"/>
-              <a:gd name="connsiteX6" fmla="*/ 977672 w 2097638"/>
-              <a:gd name="connsiteY6" fmla="*/ 965343 h 965343"/>
-              <a:gd name="connsiteX7" fmla="*/ 633682 w 2097638"/>
-              <a:gd name="connsiteY7" fmla="*/ 785852 h 965343"/>
-              <a:gd name="connsiteX8" fmla="*/ 463029 w 2097638"/>
-              <a:gd name="connsiteY8" fmla="*/ 691804 h 965343"/>
-              <a:gd name="connsiteX9" fmla="*/ 11578 w 2097638"/>
-              <a:gd name="connsiteY9" fmla="*/ 897206 h 965343"/>
-              <a:gd name="connsiteX0" fmla="*/ 11975 w 2098035"/>
-              <a:gd name="connsiteY0" fmla="*/ 897206 h 965343"/>
-              <a:gd name="connsiteX1" fmla="*/ 998389 w 2098035"/>
-              <a:gd name="connsiteY1" fmla="*/ 812943 h 965343"/>
-              <a:gd name="connsiteX2" fmla="*/ 1480989 w 2098035"/>
-              <a:gd name="connsiteY2" fmla="*/ 391303 h 965343"/>
-              <a:gd name="connsiteX3" fmla="*/ 2087875 w 2098035"/>
-              <a:gd name="connsiteY3" fmla="*/ 0 h 965343"/>
-              <a:gd name="connsiteX4" fmla="*/ 2098035 w 2098035"/>
-              <a:gd name="connsiteY4" fmla="*/ 826101 h 965343"/>
-              <a:gd name="connsiteX5" fmla="*/ 1552109 w 2098035"/>
-              <a:gd name="connsiteY5" fmla="*/ 746903 h 965343"/>
-              <a:gd name="connsiteX6" fmla="*/ 978069 w 2098035"/>
-              <a:gd name="connsiteY6" fmla="*/ 965343 h 965343"/>
-              <a:gd name="connsiteX7" fmla="*/ 634079 w 2098035"/>
-              <a:gd name="connsiteY7" fmla="*/ 785852 h 965343"/>
-              <a:gd name="connsiteX8" fmla="*/ 445842 w 2098035"/>
-              <a:gd name="connsiteY8" fmla="*/ 879373 h 965343"/>
-              <a:gd name="connsiteX9" fmla="*/ 11975 w 2098035"/>
-              <a:gd name="connsiteY9" fmla="*/ 897206 h 965343"/>
-              <a:gd name="connsiteX0" fmla="*/ 11975 w 2098035"/>
-              <a:gd name="connsiteY0" fmla="*/ 897206 h 965343"/>
-              <a:gd name="connsiteX1" fmla="*/ 998389 w 2098035"/>
-              <a:gd name="connsiteY1" fmla="*/ 812943 h 965343"/>
-              <a:gd name="connsiteX2" fmla="*/ 1480989 w 2098035"/>
-              <a:gd name="connsiteY2" fmla="*/ 391303 h 965343"/>
-              <a:gd name="connsiteX3" fmla="*/ 2087875 w 2098035"/>
-              <a:gd name="connsiteY3" fmla="*/ 0 h 965343"/>
-              <a:gd name="connsiteX4" fmla="*/ 2098035 w 2098035"/>
-              <a:gd name="connsiteY4" fmla="*/ 826101 h 965343"/>
-              <a:gd name="connsiteX5" fmla="*/ 1552109 w 2098035"/>
-              <a:gd name="connsiteY5" fmla="*/ 746903 h 965343"/>
-              <a:gd name="connsiteX6" fmla="*/ 978069 w 2098035"/>
-              <a:gd name="connsiteY6" fmla="*/ 965343 h 965343"/>
-              <a:gd name="connsiteX7" fmla="*/ 634079 w 2098035"/>
-              <a:gd name="connsiteY7" fmla="*/ 885498 h 965343"/>
-              <a:gd name="connsiteX8" fmla="*/ 445842 w 2098035"/>
-              <a:gd name="connsiteY8" fmla="*/ 879373 h 965343"/>
-              <a:gd name="connsiteX9" fmla="*/ 11975 w 2098035"/>
-              <a:gd name="connsiteY9" fmla="*/ 897206 h 965343"/>
-              <a:gd name="connsiteX0" fmla="*/ 11975 w 2098035"/>
-              <a:gd name="connsiteY0" fmla="*/ 897206 h 965343"/>
-              <a:gd name="connsiteX1" fmla="*/ 457565 w 2098035"/>
-              <a:gd name="connsiteY1" fmla="*/ 697666 h 965343"/>
-              <a:gd name="connsiteX2" fmla="*/ 998389 w 2098035"/>
-              <a:gd name="connsiteY2" fmla="*/ 812943 h 965343"/>
-              <a:gd name="connsiteX3" fmla="*/ 1480989 w 2098035"/>
-              <a:gd name="connsiteY3" fmla="*/ 391303 h 965343"/>
-              <a:gd name="connsiteX4" fmla="*/ 2087875 w 2098035"/>
-              <a:gd name="connsiteY4" fmla="*/ 0 h 965343"/>
-              <a:gd name="connsiteX5" fmla="*/ 2098035 w 2098035"/>
-              <a:gd name="connsiteY5" fmla="*/ 826101 h 965343"/>
-              <a:gd name="connsiteX6" fmla="*/ 1552109 w 2098035"/>
-              <a:gd name="connsiteY6" fmla="*/ 746903 h 965343"/>
-              <a:gd name="connsiteX7" fmla="*/ 978069 w 2098035"/>
-              <a:gd name="connsiteY7" fmla="*/ 965343 h 965343"/>
-              <a:gd name="connsiteX8" fmla="*/ 634079 w 2098035"/>
-              <a:gd name="connsiteY8" fmla="*/ 885498 h 965343"/>
-              <a:gd name="connsiteX9" fmla="*/ 445842 w 2098035"/>
-              <a:gd name="connsiteY9" fmla="*/ 879373 h 965343"/>
-              <a:gd name="connsiteX10" fmla="*/ 11975 w 2098035"/>
-              <a:gd name="connsiteY10" fmla="*/ 897206 h 965343"/>
-              <a:gd name="connsiteX0" fmla="*/ 11975 w 2098035"/>
-              <a:gd name="connsiteY0" fmla="*/ 897206 h 965343"/>
-              <a:gd name="connsiteX1" fmla="*/ 475149 w 2098035"/>
-              <a:gd name="connsiteY1" fmla="*/ 709389 h 965343"/>
-              <a:gd name="connsiteX2" fmla="*/ 998389 w 2098035"/>
-              <a:gd name="connsiteY2" fmla="*/ 812943 h 965343"/>
-              <a:gd name="connsiteX3" fmla="*/ 1480989 w 2098035"/>
-              <a:gd name="connsiteY3" fmla="*/ 391303 h 965343"/>
-              <a:gd name="connsiteX4" fmla="*/ 2087875 w 2098035"/>
-              <a:gd name="connsiteY4" fmla="*/ 0 h 965343"/>
-              <a:gd name="connsiteX5" fmla="*/ 2098035 w 2098035"/>
-              <a:gd name="connsiteY5" fmla="*/ 826101 h 965343"/>
-              <a:gd name="connsiteX6" fmla="*/ 1552109 w 2098035"/>
-              <a:gd name="connsiteY6" fmla="*/ 746903 h 965343"/>
-              <a:gd name="connsiteX7" fmla="*/ 978069 w 2098035"/>
-              <a:gd name="connsiteY7" fmla="*/ 965343 h 965343"/>
-              <a:gd name="connsiteX8" fmla="*/ 634079 w 2098035"/>
-              <a:gd name="connsiteY8" fmla="*/ 885498 h 965343"/>
-              <a:gd name="connsiteX9" fmla="*/ 445842 w 2098035"/>
-              <a:gd name="connsiteY9" fmla="*/ 879373 h 965343"/>
-              <a:gd name="connsiteX10" fmla="*/ 11975 w 2098035"/>
-              <a:gd name="connsiteY10" fmla="*/ 897206 h 965343"/>
-              <a:gd name="connsiteX0" fmla="*/ 1525 w 2087585"/>
-              <a:gd name="connsiteY0" fmla="*/ 897206 h 965343"/>
-              <a:gd name="connsiteX1" fmla="*/ 464699 w 2087585"/>
-              <a:gd name="connsiteY1" fmla="*/ 709389 h 965343"/>
-              <a:gd name="connsiteX2" fmla="*/ 987939 w 2087585"/>
-              <a:gd name="connsiteY2" fmla="*/ 812943 h 965343"/>
-              <a:gd name="connsiteX3" fmla="*/ 1470539 w 2087585"/>
-              <a:gd name="connsiteY3" fmla="*/ 391303 h 965343"/>
-              <a:gd name="connsiteX4" fmla="*/ 2077425 w 2087585"/>
-              <a:gd name="connsiteY4" fmla="*/ 0 h 965343"/>
-              <a:gd name="connsiteX5" fmla="*/ 2087585 w 2087585"/>
-              <a:gd name="connsiteY5" fmla="*/ 826101 h 965343"/>
-              <a:gd name="connsiteX6" fmla="*/ 1541659 w 2087585"/>
-              <a:gd name="connsiteY6" fmla="*/ 746903 h 965343"/>
-              <a:gd name="connsiteX7" fmla="*/ 967619 w 2087585"/>
-              <a:gd name="connsiteY7" fmla="*/ 965343 h 965343"/>
-              <a:gd name="connsiteX8" fmla="*/ 623629 w 2087585"/>
-              <a:gd name="connsiteY8" fmla="*/ 885498 h 965343"/>
-              <a:gd name="connsiteX9" fmla="*/ 1525 w 2087585"/>
-              <a:gd name="connsiteY9" fmla="*/ 897206 h 965343"/>
-              <a:gd name="connsiteX0" fmla="*/ 1525 w 2087585"/>
-              <a:gd name="connsiteY0" fmla="*/ 897206 h 965343"/>
-              <a:gd name="connsiteX1" fmla="*/ 464699 w 2087585"/>
-              <a:gd name="connsiteY1" fmla="*/ 709389 h 965343"/>
-              <a:gd name="connsiteX2" fmla="*/ 987939 w 2087585"/>
-              <a:gd name="connsiteY2" fmla="*/ 812943 h 965343"/>
-              <a:gd name="connsiteX3" fmla="*/ 1470539 w 2087585"/>
-              <a:gd name="connsiteY3" fmla="*/ 391303 h 965343"/>
-              <a:gd name="connsiteX4" fmla="*/ 2077425 w 2087585"/>
-              <a:gd name="connsiteY4" fmla="*/ 0 h 965343"/>
-              <a:gd name="connsiteX5" fmla="*/ 2087585 w 2087585"/>
-              <a:gd name="connsiteY5" fmla="*/ 826101 h 965343"/>
-              <a:gd name="connsiteX6" fmla="*/ 1541659 w 2087585"/>
-              <a:gd name="connsiteY6" fmla="*/ 746903 h 965343"/>
-              <a:gd name="connsiteX7" fmla="*/ 967619 w 2087585"/>
-              <a:gd name="connsiteY7" fmla="*/ 965343 h 965343"/>
-              <a:gd name="connsiteX8" fmla="*/ 453645 w 2087585"/>
-              <a:gd name="connsiteY8" fmla="*/ 791713 h 965343"/>
-              <a:gd name="connsiteX9" fmla="*/ 1525 w 2087585"/>
-              <a:gd name="connsiteY9" fmla="*/ 897206 h 965343"/>
-              <a:gd name="connsiteX0" fmla="*/ 1525 w 2087585"/>
-              <a:gd name="connsiteY0" fmla="*/ 897206 h 965343"/>
-              <a:gd name="connsiteX1" fmla="*/ 464699 w 2087585"/>
-              <a:gd name="connsiteY1" fmla="*/ 709389 h 965343"/>
-              <a:gd name="connsiteX2" fmla="*/ 1005523 w 2087585"/>
-              <a:gd name="connsiteY2" fmla="*/ 748466 h 965343"/>
-              <a:gd name="connsiteX3" fmla="*/ 1470539 w 2087585"/>
-              <a:gd name="connsiteY3" fmla="*/ 391303 h 965343"/>
-              <a:gd name="connsiteX4" fmla="*/ 2077425 w 2087585"/>
-              <a:gd name="connsiteY4" fmla="*/ 0 h 965343"/>
-              <a:gd name="connsiteX5" fmla="*/ 2087585 w 2087585"/>
-              <a:gd name="connsiteY5" fmla="*/ 826101 h 965343"/>
-              <a:gd name="connsiteX6" fmla="*/ 1541659 w 2087585"/>
-              <a:gd name="connsiteY6" fmla="*/ 746903 h 965343"/>
-              <a:gd name="connsiteX7" fmla="*/ 967619 w 2087585"/>
-              <a:gd name="connsiteY7" fmla="*/ 965343 h 965343"/>
-              <a:gd name="connsiteX8" fmla="*/ 453645 w 2087585"/>
-              <a:gd name="connsiteY8" fmla="*/ 791713 h 965343"/>
-              <a:gd name="connsiteX9" fmla="*/ 1525 w 2087585"/>
-              <a:gd name="connsiteY9" fmla="*/ 897206 h 965343"/>
-            </a:gdLst>
-            <a:ahLst/>
-            <a:cxnLst>
-              <a:cxn ang="0">
-                <a:pos x="connsiteX0" y="connsiteY0"/>
-              </a:cxn>
-              <a:cxn ang="0">
-                <a:pos x="connsiteX1" y="connsiteY1"/>
-              </a:cxn>
-              <a:cxn ang="0">
-                <a:pos x="connsiteX2" y="connsiteY2"/>
-              </a:cxn>
-              <a:cxn ang="0">
-                <a:pos x="connsiteX3" y="connsiteY3"/>
-              </a:cxn>
-              <a:cxn ang="0">
-                <a:pos x="connsiteX4" y="connsiteY4"/>
-              </a:cxn>
-              <a:cxn ang="0">
-                <a:pos x="connsiteX5" y="connsiteY5"/>
-              </a:cxn>
-              <a:cxn ang="0">
-                <a:pos x="connsiteX6" y="connsiteY6"/>
-              </a:cxn>
-              <a:cxn ang="0">
-                <a:pos x="connsiteX7" y="connsiteY7"/>
-              </a:cxn>
-              <a:cxn ang="0">
-                <a:pos x="connsiteX8" y="connsiteY8"/>
-              </a:cxn>
-              <a:cxn ang="0">
-                <a:pos x="connsiteX9" y="connsiteY9"/>
-              </a:cxn>
-            </a:cxnLst>
-            <a:rect l="l" t="t" r="r" b="b"/>
-            <a:pathLst>
-              <a:path w="2087585" h="965343">
-                <a:moveTo>
-                  <a:pt x="1525" y="897206"/>
-                </a:moveTo>
-                <a:cubicBezTo>
-                  <a:pt x="-24963" y="867855"/>
-                  <a:pt x="300297" y="723433"/>
-                  <a:pt x="464699" y="709389"/>
-                </a:cubicBezTo>
-                <a:cubicBezTo>
-                  <a:pt x="629101" y="695345"/>
-                  <a:pt x="864260" y="821996"/>
-                  <a:pt x="1005523" y="748466"/>
-                </a:cubicBezTo>
-                <a:lnTo>
-                  <a:pt x="1470539" y="391303"/>
-                </a:lnTo>
-                <a:lnTo>
-                  <a:pt x="2077425" y="0"/>
-                </a:lnTo>
-                <a:cubicBezTo>
-                  <a:pt x="2081206" y="179146"/>
-                  <a:pt x="2087585" y="369870"/>
-                  <a:pt x="2087585" y="826101"/>
-                </a:cubicBezTo>
-                <a:cubicBezTo>
-                  <a:pt x="1861131" y="782945"/>
-                  <a:pt x="1735093" y="773649"/>
-                  <a:pt x="1541659" y="746903"/>
-                </a:cubicBezTo>
-                <a:cubicBezTo>
-                  <a:pt x="1363465" y="776037"/>
-                  <a:pt x="1181874" y="900145"/>
-                  <a:pt x="967619" y="965343"/>
-                </a:cubicBezTo>
-                <a:cubicBezTo>
-                  <a:pt x="800461" y="923223"/>
-                  <a:pt x="542349" y="806041"/>
-                  <a:pt x="453645" y="791713"/>
-                </a:cubicBezTo>
-                <a:cubicBezTo>
-                  <a:pt x="292629" y="780357"/>
-                  <a:pt x="28013" y="926557"/>
-                  <a:pt x="1525" y="897206"/>
-                </a:cubicBezTo>
-                <a:close/>
-              </a:path>
-            </a:pathLst>
-          </a:custGeom>
-          <a:solidFill>
-            <a:srgbClr val="FFC000">
-              <a:alpha val="38824"/>
-            </a:srgbClr>
-          </a:solidFill>
-          <a:ln>
-            <a:noFill/>
-          </a:ln>
-        </p:spPr>
-        <p:style>
-          <a:lnRef idx="2">
-            <a:schemeClr val="accent1">
-              <a:shade val="50000"/>
-            </a:schemeClr>
-          </a:lnRef>
-          <a:fillRef idx="1">
-            <a:schemeClr val="accent1"/>
-          </a:fillRef>
-          <a:effectRef idx="0">
-            <a:schemeClr val="accent1"/>
-          </a:effectRef>
-          <a:fontRef idx="minor">
-            <a:schemeClr val="lt1"/>
-          </a:fontRef>
-        </p:style>
-        <p:txBody>
-          <a:bodyPr rtlCol="0" anchor="ctr"/>
-          <a:lstStyle/>
-          <a:p>
-            <a:pPr algn="ctr"/>
-            <a:endParaRPr lang="en-US"/>
           </a:p>
         </p:txBody>
       </p:sp>
@@ -3854,6 +3027,45 @@
           </p:style>
         </p:cxnSp>
       </p:grpSp>
+      <p:sp>
+        <p:nvSpPr>
+          <p:cNvPr id="21" name="TextBox 20"/>
+          <p:cNvSpPr txBox="1"/>
+          <p:nvPr/>
+        </p:nvSpPr>
+        <p:spPr>
+          <a:xfrm>
+            <a:off x="3642360" y="2522097"/>
+            <a:ext cx="510540" cy="215444"/>
+          </a:xfrm>
+          <a:prstGeom prst="rect">
+            <a:avLst/>
+          </a:prstGeom>
+          <a:noFill/>
+        </p:spPr>
+        <p:txBody>
+          <a:bodyPr wrap="square" rtlCol="0">
+            <a:spAutoFit/>
+          </a:bodyPr>
+          <a:lstStyle/>
+          <a:p>
+            <a:pPr algn="r"/>
+            <a:r>
+              <a:rPr lang="en-US" sz="800" dirty="0" smtClean="0">
+                <a:latin typeface="Tahoma" pitchFamily="34" charset="0"/>
+                <a:ea typeface="Tahoma" pitchFamily="34" charset="0"/>
+                <a:cs typeface="Tahoma" pitchFamily="34" charset="0"/>
+              </a:rPr>
+              <a:t>Actual</a:t>
+            </a:r>
+            <a:endParaRPr lang="en-US" sz="800" dirty="0">
+              <a:latin typeface="Tahoma" pitchFamily="34" charset="0"/>
+              <a:ea typeface="Tahoma" pitchFamily="34" charset="0"/>
+              <a:cs typeface="Tahoma" pitchFamily="34" charset="0"/>
+            </a:endParaRPr>
+          </a:p>
+        </p:txBody>
+      </p:sp>
     </p:spTree>
     <p:extLst>
       <p:ext uri="{BB962C8B-B14F-4D97-AF65-F5344CB8AC3E}">
@@ -4691,11 +3903,6 @@
               </a:rPr>
               <a:t>5</a:t>
             </a:r>
-            <a:endParaRPr lang="en-US" sz="1000" b="1" dirty="0">
-              <a:solidFill>
-                <a:schemeClr val="tx1"/>
-              </a:solidFill>
-            </a:endParaRPr>
           </a:p>
         </p:txBody>
       </p:sp>
@@ -5537,11 +4744,6 @@
               </a:rPr>
               <a:t>5</a:t>
             </a:r>
-            <a:endParaRPr lang="en-US" sz="1000" b="1" dirty="0">
-              <a:solidFill>
-                <a:schemeClr val="tx1"/>
-              </a:solidFill>
-            </a:endParaRPr>
           </a:p>
         </p:txBody>
       </p:sp>
@@ -7566,17 +6768,20 @@
           <a:prstGeom prst="line">
             <a:avLst/>
           </a:prstGeom>
-          <a:ln w="38100"/>
+          <a:ln>
+            <a:headEnd type="oval" w="med" len="med"/>
+            <a:tailEnd type="oval" w="med" len="med"/>
+          </a:ln>
         </p:spPr>
         <p:style>
-          <a:lnRef idx="1">
-            <a:schemeClr val="accent1"/>
+          <a:lnRef idx="3">
+            <a:schemeClr val="dk1"/>
           </a:lnRef>
           <a:fillRef idx="0">
-            <a:schemeClr val="accent1"/>
+            <a:schemeClr val="dk1"/>
           </a:fillRef>
-          <a:effectRef idx="0">
-            <a:schemeClr val="accent1"/>
+          <a:effectRef idx="2">
+            <a:schemeClr val="dk1"/>
           </a:effectRef>
           <a:fontRef idx="minor">
             <a:schemeClr val="tx1"/>
@@ -7597,17 +6802,20 @@
           <a:prstGeom prst="line">
             <a:avLst/>
           </a:prstGeom>
-          <a:ln w="38100"/>
+          <a:ln>
+            <a:headEnd type="oval" w="med" len="med"/>
+            <a:tailEnd type="oval" w="med" len="med"/>
+          </a:ln>
         </p:spPr>
         <p:style>
-          <a:lnRef idx="1">
-            <a:schemeClr val="accent1"/>
+          <a:lnRef idx="3">
+            <a:schemeClr val="dk1"/>
           </a:lnRef>
           <a:fillRef idx="0">
-            <a:schemeClr val="accent1"/>
+            <a:schemeClr val="dk1"/>
           </a:fillRef>
-          <a:effectRef idx="0">
-            <a:schemeClr val="accent1"/>
+          <a:effectRef idx="2">
+            <a:schemeClr val="dk1"/>
           </a:effectRef>
           <a:fontRef idx="minor">
             <a:schemeClr val="tx1"/>
@@ -7633,14 +6841,14 @@
           </a:ln>
         </p:spPr>
         <p:style>
-          <a:lnRef idx="3">
-            <a:schemeClr val="accent2"/>
+          <a:lnRef idx="2">
+            <a:schemeClr val="accent1"/>
           </a:lnRef>
           <a:fillRef idx="0">
-            <a:schemeClr val="accent2"/>
+            <a:schemeClr val="accent1"/>
           </a:fillRef>
-          <a:effectRef idx="2">
-            <a:schemeClr val="accent2"/>
+          <a:effectRef idx="1">
+            <a:schemeClr val="accent1"/>
           </a:effectRef>
           <a:fontRef idx="minor">
             <a:schemeClr val="tx1"/>
@@ -8471,17 +7679,20 @@
           <a:prstGeom prst="line">
             <a:avLst/>
           </a:prstGeom>
-          <a:ln w="38100"/>
+          <a:ln>
+            <a:headEnd type="oval" w="med" len="med"/>
+            <a:tailEnd type="oval" w="med" len="med"/>
+          </a:ln>
         </p:spPr>
         <p:style>
-          <a:lnRef idx="1">
-            <a:schemeClr val="accent1"/>
+          <a:lnRef idx="3">
+            <a:schemeClr val="dk1"/>
           </a:lnRef>
           <a:fillRef idx="0">
-            <a:schemeClr val="accent1"/>
+            <a:schemeClr val="dk1"/>
           </a:fillRef>
-          <a:effectRef idx="0">
-            <a:schemeClr val="accent1"/>
+          <a:effectRef idx="2">
+            <a:schemeClr val="dk1"/>
           </a:effectRef>
           <a:fontRef idx="minor">
             <a:schemeClr val="tx1"/>
@@ -8507,14 +7718,14 @@
           </a:ln>
         </p:spPr>
         <p:style>
-          <a:lnRef idx="3">
-            <a:schemeClr val="accent2"/>
+          <a:lnRef idx="2">
+            <a:schemeClr val="accent1"/>
           </a:lnRef>
           <a:fillRef idx="0">
-            <a:schemeClr val="accent2"/>
+            <a:schemeClr val="accent1"/>
           </a:fillRef>
-          <a:effectRef idx="2">
-            <a:schemeClr val="accent2"/>
+          <a:effectRef idx="1">
+            <a:schemeClr val="accent1"/>
           </a:effectRef>
           <a:fontRef idx="minor">
             <a:schemeClr val="tx1"/>
@@ -8652,17 +7863,20 @@
           <a:prstGeom prst="line">
             <a:avLst/>
           </a:prstGeom>
-          <a:ln w="38100"/>
+          <a:ln>
+            <a:headEnd type="oval" w="med" len="med"/>
+            <a:tailEnd type="oval" w="med" len="med"/>
+          </a:ln>
         </p:spPr>
         <p:style>
-          <a:lnRef idx="1">
-            <a:schemeClr val="accent1"/>
+          <a:lnRef idx="3">
+            <a:schemeClr val="dk1"/>
           </a:lnRef>
           <a:fillRef idx="0">
-            <a:schemeClr val="accent1"/>
+            <a:schemeClr val="dk1"/>
           </a:fillRef>
-          <a:effectRef idx="0">
-            <a:schemeClr val="accent1"/>
+          <a:effectRef idx="2">
+            <a:schemeClr val="dk1"/>
           </a:effectRef>
           <a:fontRef idx="minor">
             <a:schemeClr val="tx1"/>

--- a/HANDS/trunk/data/Design.pptx
+++ b/HANDS/trunk/data/Design.pptx
@@ -147,7 +147,7 @@
           <a:p>
             <a:fld id="{46B0DD1D-ED37-4907-8AD7-C556D0397C4A}" type="datetimeFigureOut">
               <a:rPr lang="en-US" smtClean="0"/>
-              <a:t>3/16/2012</a:t>
+              <a:t>9/6/2012</a:t>
             </a:fld>
             <a:endParaRPr lang="en-US"/>
           </a:p>
@@ -303,7 +303,7 @@
           <a:p>
             <a:fld id="{46B0DD1D-ED37-4907-8AD7-C556D0397C4A}" type="datetimeFigureOut">
               <a:rPr lang="en-US" smtClean="0"/>
-              <a:t>3/16/2012</a:t>
+              <a:t>9/6/2012</a:t>
             </a:fld>
             <a:endParaRPr lang="en-US"/>
           </a:p>
@@ -1295,7 +1295,7 @@
           <a:p>
             <a:fld id="{46B0DD1D-ED37-4907-8AD7-C556D0397C4A}" type="datetimeFigureOut">
               <a:rPr lang="en-US" smtClean="0"/>
-              <a:t>3/16/2012</a:t>
+              <a:t>9/6/2012</a:t>
             </a:fld>
             <a:endParaRPr lang="en-US"/>
           </a:p>
@@ -2040,7 +2040,7 @@
           <a:p>
             <a:fld id="{46B0DD1D-ED37-4907-8AD7-C556D0397C4A}" type="datetimeFigureOut">
               <a:rPr lang="en-US" smtClean="0"/>
-              <a:t>3/16/2012</a:t>
+              <a:t>9/6/2012</a:t>
             </a:fld>
             <a:endParaRPr lang="en-US"/>
           </a:p>
@@ -7672,9 +7672,9 @@
           <p:nvPr/>
         </p:nvCxnSpPr>
         <p:spPr>
-          <a:xfrm flipV="1">
-            <a:off x="3124200" y="2521641"/>
-            <a:ext cx="457200" cy="885610"/>
+          <a:xfrm>
+            <a:off x="3124200" y="3147961"/>
+            <a:ext cx="457200" cy="271514"/>
           </a:xfrm>
           <a:prstGeom prst="line">
             <a:avLst/>
@@ -7857,7 +7857,7 @@
         </p:nvCxnSpPr>
         <p:spPr>
           <a:xfrm>
-            <a:off x="3581400" y="2521641"/>
+            <a:off x="3581400" y="3419019"/>
             <a:ext cx="571500" cy="456"/>
           </a:xfrm>
           <a:prstGeom prst="line">
@@ -7883,6 +7883,93 @@
           </a:fontRef>
         </p:style>
       </p:cxnSp>
+      <p:cxnSp>
+        <p:nvCxnSpPr>
+          <p:cNvPr id="9" name="Straight Connector 8"/>
+          <p:cNvCxnSpPr/>
+          <p:nvPr/>
+        </p:nvCxnSpPr>
+        <p:spPr>
+          <a:xfrm flipV="1">
+            <a:off x="6265545" y="2824163"/>
+            <a:ext cx="0" cy="919249"/>
+          </a:xfrm>
+          <a:prstGeom prst="line">
+            <a:avLst/>
+          </a:prstGeom>
+          <a:ln>
+            <a:headEnd type="diamond" w="lg" len="lg"/>
+          </a:ln>
+        </p:spPr>
+        <p:style>
+          <a:lnRef idx="3">
+            <a:schemeClr val="accent6"/>
+          </a:lnRef>
+          <a:fillRef idx="0">
+            <a:schemeClr val="accent6"/>
+          </a:fillRef>
+          <a:effectRef idx="2">
+            <a:schemeClr val="accent6"/>
+          </a:effectRef>
+          <a:fontRef idx="minor">
+            <a:schemeClr val="tx1"/>
+          </a:fontRef>
+        </p:style>
+      </p:cxnSp>
+      <p:sp>
+        <p:nvSpPr>
+          <p:cNvPr id="8" name="Rectangle 7"/>
+          <p:cNvSpPr/>
+          <p:nvPr/>
+        </p:nvSpPr>
+        <p:spPr>
+          <a:xfrm>
+            <a:off x="4699635" y="2590800"/>
+            <a:ext cx="1575435" cy="828219"/>
+          </a:xfrm>
+          <a:prstGeom prst="rect">
+            <a:avLst/>
+          </a:prstGeom>
+          <a:ln>
+            <a:solidFill>
+              <a:schemeClr val="tx1"/>
+            </a:solidFill>
+          </a:ln>
+        </p:spPr>
+        <p:style>
+          <a:lnRef idx="1">
+            <a:schemeClr val="accent6"/>
+          </a:lnRef>
+          <a:fillRef idx="3">
+            <a:schemeClr val="accent6"/>
+          </a:fillRef>
+          <a:effectRef idx="2">
+            <a:schemeClr val="accent6"/>
+          </a:effectRef>
+          <a:fontRef idx="minor">
+            <a:schemeClr val="lt1"/>
+          </a:fontRef>
+        </p:style>
+        <p:txBody>
+          <a:bodyPr rtlCol="0" anchor="ctr"/>
+          <a:lstStyle/>
+          <a:p>
+            <a:r>
+              <a:rPr lang="en-US" sz="1000" b="1" dirty="0" smtClean="0">
+                <a:solidFill>
+                  <a:schemeClr val="tx1"/>
+                </a:solidFill>
+              </a:rPr>
+              <a:t>If comfortable death outcome is not achieved in first 3 days of hospitalization, expected LOS will double</a:t>
+            </a:r>
+            <a:endParaRPr lang="en-US" sz="1000" b="1" dirty="0">
+              <a:solidFill>
+                <a:schemeClr val="tx1"/>
+              </a:solidFill>
+            </a:endParaRPr>
+          </a:p>
+        </p:txBody>
+      </p:sp>
     </p:spTree>
     <p:extLst>
       <p:ext uri="{BB962C8B-B14F-4D97-AF65-F5344CB8AC3E}">

--- a/HANDS/trunk/data/Design.pptx
+++ b/HANDS/trunk/data/Design.pptx
@@ -9,9 +9,10 @@
     <p:sldId id="269" r:id="rId3"/>
     <p:sldId id="272" r:id="rId4"/>
     <p:sldId id="267" r:id="rId5"/>
-    <p:sldId id="270" r:id="rId6"/>
-    <p:sldId id="268" r:id="rId7"/>
-    <p:sldId id="271" r:id="rId8"/>
+    <p:sldId id="273" r:id="rId6"/>
+    <p:sldId id="270" r:id="rId7"/>
+    <p:sldId id="268" r:id="rId8"/>
+    <p:sldId id="271" r:id="rId9"/>
   </p:sldIdLst>
   <p:sldSz cx="9144000" cy="6858000" type="screen4x3"/>
   <p:notesSz cx="6858000" cy="9144000"/>
@@ -147,7 +148,7 @@
           <a:p>
             <a:fld id="{46B0DD1D-ED37-4907-8AD7-C556D0397C4A}" type="datetimeFigureOut">
               <a:rPr lang="en-US" smtClean="0"/>
-              <a:t>9/6/2012</a:t>
+              <a:t>9/14/2012</a:t>
             </a:fld>
             <a:endParaRPr lang="en-US"/>
           </a:p>
@@ -303,7 +304,7 @@
           <a:p>
             <a:fld id="{46B0DD1D-ED37-4907-8AD7-C556D0397C4A}" type="datetimeFigureOut">
               <a:rPr lang="en-US" smtClean="0"/>
-              <a:t>9/6/2012</a:t>
+              <a:t>9/14/2012</a:t>
             </a:fld>
             <a:endParaRPr lang="en-US"/>
           </a:p>
@@ -1295,7 +1296,7 @@
           <a:p>
             <a:fld id="{46B0DD1D-ED37-4907-8AD7-C556D0397C4A}" type="datetimeFigureOut">
               <a:rPr lang="en-US" smtClean="0"/>
-              <a:t>9/6/2012</a:t>
+              <a:t>9/14/2012</a:t>
             </a:fld>
             <a:endParaRPr lang="en-US"/>
           </a:p>
@@ -2040,7 +2041,7 @@
           <a:p>
             <a:fld id="{46B0DD1D-ED37-4907-8AD7-C556D0397C4A}" type="datetimeFigureOut">
               <a:rPr lang="en-US" smtClean="0"/>
-              <a:t>9/6/2012</a:t>
+              <a:t>9/14/2012</a:t>
             </a:fld>
             <a:endParaRPr lang="en-US"/>
           </a:p>
@@ -2754,7 +2755,15 @@
                 <a:ea typeface="Tahoma" pitchFamily="34" charset="0"/>
                 <a:cs typeface="Tahoma" pitchFamily="34" charset="0"/>
               </a:rPr>
-              <a:t>NOC Level</a:t>
+              <a:t>NOC </a:t>
+            </a:r>
+            <a:r>
+              <a:rPr lang="en-US" sz="1000" dirty="0" smtClean="0">
+                <a:latin typeface="Tahoma" pitchFamily="34" charset="0"/>
+                <a:ea typeface="Tahoma" pitchFamily="34" charset="0"/>
+                <a:cs typeface="Tahoma" pitchFamily="34" charset="0"/>
+              </a:rPr>
+              <a:t>Rating</a:t>
             </a:r>
             <a:endParaRPr lang="en-US" sz="1000" dirty="0">
               <a:latin typeface="Tahoma" pitchFamily="34" charset="0"/>
@@ -6923,7 +6932,15 @@
                 <a:ea typeface="Tahoma" pitchFamily="34" charset="0"/>
                 <a:cs typeface="Tahoma" pitchFamily="34" charset="0"/>
               </a:rPr>
-              <a:t>NOC Level</a:t>
+              <a:t>NOC </a:t>
+            </a:r>
+            <a:r>
+              <a:rPr lang="en-US" sz="1000" dirty="0" smtClean="0">
+                <a:latin typeface="Tahoma" pitchFamily="34" charset="0"/>
+                <a:ea typeface="Tahoma" pitchFamily="34" charset="0"/>
+                <a:cs typeface="Tahoma" pitchFamily="34" charset="0"/>
+              </a:rPr>
+              <a:t>Rating</a:t>
             </a:r>
             <a:endParaRPr lang="en-US" sz="1000" dirty="0">
               <a:latin typeface="Tahoma" pitchFamily="34" charset="0"/>
@@ -7022,6 +7039,230 @@
 </file>
 
 <file path=ppt/slides/slide5.xml><?xml version="1.0" encoding="utf-8"?>
+<p:sld xmlns:a="http://schemas.openxmlformats.org/drawingml/2006/main" xmlns:r="http://schemas.openxmlformats.org/officeDocument/2006/relationships" xmlns:p="http://schemas.openxmlformats.org/presentationml/2006/main">
+  <p:cSld>
+    <p:spTree>
+      <p:nvGrpSpPr>
+        <p:cNvPr id="1" name=""/>
+        <p:cNvGrpSpPr/>
+        <p:nvPr/>
+      </p:nvGrpSpPr>
+      <p:grpSpPr>
+        <a:xfrm>
+          <a:off x="0" y="0"/>
+          <a:ext cx="0" cy="0"/>
+          <a:chOff x="0" y="0"/>
+          <a:chExt cx="0" cy="0"/>
+        </a:xfrm>
+      </p:grpSpPr>
+      <p:cxnSp>
+        <p:nvCxnSpPr>
+          <p:cNvPr id="10" name="Straight Connector 9"/>
+          <p:cNvCxnSpPr/>
+          <p:nvPr/>
+        </p:nvCxnSpPr>
+        <p:spPr>
+          <a:xfrm flipV="1">
+            <a:off x="4152900" y="2521641"/>
+            <a:ext cx="0" cy="1252640"/>
+          </a:xfrm>
+          <a:prstGeom prst="line">
+            <a:avLst/>
+          </a:prstGeom>
+          <a:ln>
+            <a:headEnd type="diamond" w="lg" len="lg"/>
+          </a:ln>
+        </p:spPr>
+        <p:style>
+          <a:lnRef idx="2">
+            <a:schemeClr val="accent1"/>
+          </a:lnRef>
+          <a:fillRef idx="0">
+            <a:schemeClr val="accent1"/>
+          </a:fillRef>
+          <a:effectRef idx="1">
+            <a:schemeClr val="accent1"/>
+          </a:effectRef>
+          <a:fontRef idx="minor">
+            <a:schemeClr val="tx1"/>
+          </a:fontRef>
+        </p:style>
+      </p:cxnSp>
+      <p:sp>
+        <p:nvSpPr>
+          <p:cNvPr id="6" name="TextBox 5"/>
+          <p:cNvSpPr txBox="1"/>
+          <p:nvPr/>
+        </p:nvSpPr>
+        <p:spPr>
+          <a:xfrm>
+            <a:off x="3124200" y="3944779"/>
+            <a:ext cx="3150870" cy="246221"/>
+          </a:xfrm>
+          <a:prstGeom prst="rect">
+            <a:avLst/>
+          </a:prstGeom>
+          <a:noFill/>
+        </p:spPr>
+        <p:txBody>
+          <a:bodyPr wrap="square" rtlCol="0">
+            <a:spAutoFit/>
+          </a:bodyPr>
+          <a:lstStyle/>
+          <a:p>
+            <a:pPr algn="ctr"/>
+            <a:r>
+              <a:rPr lang="en-US" sz="1000" dirty="0" smtClean="0">
+                <a:latin typeface="Tahoma" pitchFamily="34" charset="0"/>
+                <a:ea typeface="Tahoma" pitchFamily="34" charset="0"/>
+                <a:cs typeface="Tahoma" pitchFamily="34" charset="0"/>
+              </a:rPr>
+              <a:t>Hours since admission</a:t>
+            </a:r>
+            <a:endParaRPr lang="en-US" sz="1000" dirty="0">
+              <a:latin typeface="Tahoma" pitchFamily="34" charset="0"/>
+              <a:ea typeface="Tahoma" pitchFamily="34" charset="0"/>
+              <a:cs typeface="Tahoma" pitchFamily="34" charset="0"/>
+            </a:endParaRPr>
+          </a:p>
+        </p:txBody>
+      </p:sp>
+      <p:sp>
+        <p:nvSpPr>
+          <p:cNvPr id="7" name="TextBox 6"/>
+          <p:cNvSpPr txBox="1"/>
+          <p:nvPr/>
+        </p:nvSpPr>
+        <p:spPr>
+          <a:xfrm rot="16200000">
+            <a:off x="2202244" y="3040169"/>
+            <a:ext cx="1297357" cy="246221"/>
+          </a:xfrm>
+          <a:prstGeom prst="rect">
+            <a:avLst/>
+          </a:prstGeom>
+          <a:noFill/>
+        </p:spPr>
+        <p:txBody>
+          <a:bodyPr wrap="square" rtlCol="0">
+            <a:spAutoFit/>
+          </a:bodyPr>
+          <a:lstStyle/>
+          <a:p>
+            <a:pPr algn="ctr"/>
+            <a:r>
+              <a:rPr lang="en-US" sz="1000" dirty="0" smtClean="0">
+                <a:latin typeface="Tahoma" pitchFamily="34" charset="0"/>
+                <a:ea typeface="Tahoma" pitchFamily="34" charset="0"/>
+                <a:cs typeface="Tahoma" pitchFamily="34" charset="0"/>
+              </a:rPr>
+              <a:t>NOC </a:t>
+            </a:r>
+            <a:r>
+              <a:rPr lang="en-US" sz="1000" dirty="0" smtClean="0">
+                <a:latin typeface="Tahoma" pitchFamily="34" charset="0"/>
+                <a:ea typeface="Tahoma" pitchFamily="34" charset="0"/>
+                <a:cs typeface="Tahoma" pitchFamily="34" charset="0"/>
+              </a:rPr>
+              <a:t>Rating</a:t>
+            </a:r>
+            <a:endParaRPr lang="en-US" sz="1000" dirty="0">
+              <a:latin typeface="Tahoma" pitchFamily="34" charset="0"/>
+              <a:ea typeface="Tahoma" pitchFamily="34" charset="0"/>
+              <a:cs typeface="Tahoma" pitchFamily="34" charset="0"/>
+            </a:endParaRPr>
+          </a:p>
+        </p:txBody>
+      </p:sp>
+      <p:sp>
+        <p:nvSpPr>
+          <p:cNvPr id="8" name="TextBox 7"/>
+          <p:cNvSpPr txBox="1"/>
+          <p:nvPr/>
+        </p:nvSpPr>
+        <p:spPr>
+          <a:xfrm>
+            <a:off x="2588567" y="2390745"/>
+            <a:ext cx="459433" cy="200055"/>
+          </a:xfrm>
+          <a:prstGeom prst="rect">
+            <a:avLst/>
+          </a:prstGeom>
+          <a:noFill/>
+        </p:spPr>
+        <p:txBody>
+          <a:bodyPr wrap="square" rtlCol="0">
+            <a:spAutoFit/>
+          </a:bodyPr>
+          <a:lstStyle/>
+          <a:p>
+            <a:pPr algn="ctr"/>
+            <a:r>
+              <a:rPr lang="en-US" sz="700" b="1" dirty="0" smtClean="0">
+                <a:latin typeface="Tahoma" pitchFamily="34" charset="0"/>
+                <a:ea typeface="Tahoma" pitchFamily="34" charset="0"/>
+                <a:cs typeface="Tahoma" pitchFamily="34" charset="0"/>
+              </a:rPr>
+              <a:t>Better</a:t>
+            </a:r>
+            <a:endParaRPr lang="en-US" sz="700" b="1" dirty="0">
+              <a:latin typeface="Tahoma" pitchFamily="34" charset="0"/>
+              <a:ea typeface="Tahoma" pitchFamily="34" charset="0"/>
+              <a:cs typeface="Tahoma" pitchFamily="34" charset="0"/>
+            </a:endParaRPr>
+          </a:p>
+        </p:txBody>
+      </p:sp>
+      <p:cxnSp>
+        <p:nvCxnSpPr>
+          <p:cNvPr id="9" name="Straight Connector 8"/>
+          <p:cNvCxnSpPr/>
+          <p:nvPr/>
+        </p:nvCxnSpPr>
+        <p:spPr>
+          <a:xfrm>
+            <a:off x="3124200" y="3125578"/>
+            <a:ext cx="3150870" cy="0"/>
+          </a:xfrm>
+          <a:prstGeom prst="line">
+            <a:avLst/>
+          </a:prstGeom>
+          <a:ln w="38100" cap="rnd">
+            <a:solidFill>
+              <a:schemeClr val="tx1"/>
+            </a:solidFill>
+            <a:prstDash val="dash"/>
+          </a:ln>
+        </p:spPr>
+        <p:style>
+          <a:lnRef idx="1">
+            <a:schemeClr val="accent1"/>
+          </a:lnRef>
+          <a:fillRef idx="0">
+            <a:schemeClr val="accent1"/>
+          </a:fillRef>
+          <a:effectRef idx="0">
+            <a:schemeClr val="accent1"/>
+          </a:effectRef>
+          <a:fontRef idx="minor">
+            <a:schemeClr val="tx1"/>
+          </a:fontRef>
+        </p:style>
+      </p:cxnSp>
+    </p:spTree>
+    <p:extLst>
+      <p:ext uri="{BB962C8B-B14F-4D97-AF65-F5344CB8AC3E}">
+        <p14:creationId xmlns:p14="http://schemas.microsoft.com/office/powerpoint/2010/main" val="3285608515"/>
+      </p:ext>
+    </p:extLst>
+  </p:cSld>
+  <p:clrMapOvr>
+    <a:masterClrMapping/>
+  </p:clrMapOvr>
+</p:sld>
+</file>
+
+<file path=ppt/slides/slide6.xml><?xml version="1.0" encoding="utf-8"?>
 <p:sld xmlns:a="http://schemas.openxmlformats.org/drawingml/2006/main" xmlns:r="http://schemas.openxmlformats.org/officeDocument/2006/relationships" xmlns:p="http://schemas.openxmlformats.org/presentationml/2006/main">
   <p:cSld>
     <p:spTree>
@@ -7609,7 +7850,7 @@
 </p:sld>
 </file>
 
-<file path=ppt/slides/slide6.xml><?xml version="1.0" encoding="utf-8"?>
+<file path=ppt/slides/slide7.xml><?xml version="1.0" encoding="utf-8"?>
 <p:sld xmlns:a="http://schemas.openxmlformats.org/drawingml/2006/main" xmlns:r="http://schemas.openxmlformats.org/officeDocument/2006/relationships" xmlns:p="http://schemas.openxmlformats.org/presentationml/2006/main">
   <p:cSld>
     <p:spTree>
@@ -7761,7 +8002,15 @@
                 <a:ea typeface="Tahoma" pitchFamily="34" charset="0"/>
                 <a:cs typeface="Tahoma" pitchFamily="34" charset="0"/>
               </a:rPr>
-              <a:t>NOC Level</a:t>
+              <a:t>NOC </a:t>
+            </a:r>
+            <a:r>
+              <a:rPr lang="en-US" sz="1000" dirty="0" smtClean="0">
+                <a:latin typeface="Tahoma" pitchFamily="34" charset="0"/>
+                <a:ea typeface="Tahoma" pitchFamily="34" charset="0"/>
+                <a:cs typeface="Tahoma" pitchFamily="34" charset="0"/>
+              </a:rPr>
+              <a:t>Rating</a:t>
             </a:r>
             <a:endParaRPr lang="en-US" sz="1000" dirty="0">
               <a:latin typeface="Tahoma" pitchFamily="34" charset="0"/>
@@ -7898,6 +8147,9 @@
             <a:avLst/>
           </a:prstGeom>
           <a:ln>
+            <a:solidFill>
+              <a:srgbClr val="FF0000"/>
+            </a:solidFill>
             <a:headEnd type="diamond" w="lg" len="lg"/>
           </a:ln>
         </p:spPr>
@@ -7930,9 +8182,12 @@
           <a:prstGeom prst="rect">
             <a:avLst/>
           </a:prstGeom>
-          <a:ln>
+          <a:solidFill>
+            <a:srgbClr val="FFFF99"/>
+          </a:solidFill>
+          <a:ln w="28575">
             <a:solidFill>
-              <a:schemeClr val="tx1"/>
+              <a:srgbClr val="FF0000"/>
             </a:solidFill>
           </a:ln>
         </p:spPr>
@@ -7960,7 +8215,7 @@
                   <a:schemeClr val="tx1"/>
                 </a:solidFill>
               </a:rPr>
-              <a:t>If comfortable death outcome is not achieved in first 3 days of hospitalization, expected LOS will double</a:t>
+              <a:t>If expected NOC rating is not met within 72 hours of admission, LOS will double</a:t>
             </a:r>
             <a:endParaRPr lang="en-US" sz="1000" b="1" dirty="0">
               <a:solidFill>
@@ -7983,7 +8238,7 @@
 </p:sld>
 </file>
 
-<file path=ppt/slides/slide7.xml><?xml version="1.0" encoding="utf-8"?>
+<file path=ppt/slides/slide8.xml><?xml version="1.0" encoding="utf-8"?>
 <p:sld xmlns:a="http://schemas.openxmlformats.org/drawingml/2006/main" xmlns:r="http://schemas.openxmlformats.org/officeDocument/2006/relationships" xmlns:p="http://schemas.openxmlformats.org/presentationml/2006/main">
   <p:cSld>
     <p:spTree>

--- a/HANDS/trunk/data/Design.pptx
+++ b/HANDS/trunk/data/Design.pptx
@@ -148,7 +148,7 @@
           <a:p>
             <a:fld id="{46B0DD1D-ED37-4907-8AD7-C556D0397C4A}" type="datetimeFigureOut">
               <a:rPr lang="en-US" smtClean="0"/>
-              <a:t>9/14/2012</a:t>
+              <a:t>11/8/2012</a:t>
             </a:fld>
             <a:endParaRPr lang="en-US"/>
           </a:p>
@@ -304,7 +304,7 @@
           <a:p>
             <a:fld id="{46B0DD1D-ED37-4907-8AD7-C556D0397C4A}" type="datetimeFigureOut">
               <a:rPr lang="en-US" smtClean="0"/>
-              <a:t>9/14/2012</a:t>
+              <a:t>11/8/2012</a:t>
             </a:fld>
             <a:endParaRPr lang="en-US"/>
           </a:p>
@@ -1296,7 +1296,7 @@
           <a:p>
             <a:fld id="{46B0DD1D-ED37-4907-8AD7-C556D0397C4A}" type="datetimeFigureOut">
               <a:rPr lang="en-US" smtClean="0"/>
-              <a:t>9/14/2012</a:t>
+              <a:t>11/8/2012</a:t>
             </a:fld>
             <a:endParaRPr lang="en-US"/>
           </a:p>
@@ -2041,7 +2041,7 @@
           <a:p>
             <a:fld id="{46B0DD1D-ED37-4907-8AD7-C556D0397C4A}" type="datetimeFigureOut">
               <a:rPr lang="en-US" smtClean="0"/>
-              <a:t>9/14/2012</a:t>
+              <a:t>11/8/2012</a:t>
             </a:fld>
             <a:endParaRPr lang="en-US"/>
           </a:p>
@@ -2755,15 +2755,7 @@
                 <a:ea typeface="Tahoma" pitchFamily="34" charset="0"/>
                 <a:cs typeface="Tahoma" pitchFamily="34" charset="0"/>
               </a:rPr>
-              <a:t>NOC </a:t>
-            </a:r>
-            <a:r>
-              <a:rPr lang="en-US" sz="1000" dirty="0" smtClean="0">
-                <a:latin typeface="Tahoma" pitchFamily="34" charset="0"/>
-                <a:ea typeface="Tahoma" pitchFamily="34" charset="0"/>
-                <a:cs typeface="Tahoma" pitchFamily="34" charset="0"/>
-              </a:rPr>
-              <a:t>Rating</a:t>
+              <a:t>NOC Rating</a:t>
             </a:r>
             <a:endParaRPr lang="en-US" sz="1000" dirty="0">
               <a:latin typeface="Tahoma" pitchFamily="34" charset="0"/>
@@ -3068,6 +3060,45 @@
               <a:t>Actual</a:t>
             </a:r>
             <a:endParaRPr lang="en-US" sz="800" dirty="0">
+              <a:latin typeface="Tahoma" pitchFamily="34" charset="0"/>
+              <a:ea typeface="Tahoma" pitchFamily="34" charset="0"/>
+              <a:cs typeface="Tahoma" pitchFamily="34" charset="0"/>
+            </a:endParaRPr>
+          </a:p>
+        </p:txBody>
+      </p:sp>
+      <p:sp>
+        <p:nvSpPr>
+          <p:cNvPr id="22" name="TextBox 21"/>
+          <p:cNvSpPr txBox="1"/>
+          <p:nvPr/>
+        </p:nvSpPr>
+        <p:spPr>
+          <a:xfrm>
+            <a:off x="3138174" y="2244546"/>
+            <a:ext cx="3150870" cy="246221"/>
+          </a:xfrm>
+          <a:prstGeom prst="rect">
+            <a:avLst/>
+          </a:prstGeom>
+          <a:noFill/>
+        </p:spPr>
+        <p:txBody>
+          <a:bodyPr wrap="square" rtlCol="0">
+            <a:spAutoFit/>
+          </a:bodyPr>
+          <a:lstStyle/>
+          <a:p>
+            <a:pPr algn="ctr"/>
+            <a:r>
+              <a:rPr lang="en-US" sz="1000" b="1" dirty="0" smtClean="0">
+                <a:latin typeface="Tahoma" pitchFamily="34" charset="0"/>
+                <a:ea typeface="Tahoma" pitchFamily="34" charset="0"/>
+                <a:cs typeface="Tahoma" pitchFamily="34" charset="0"/>
+              </a:rPr>
+              <a:t>Pain Level</a:t>
+            </a:r>
+            <a:endParaRPr lang="en-US" sz="1000" b="1" dirty="0">
               <a:latin typeface="Tahoma" pitchFamily="34" charset="0"/>
               <a:ea typeface="Tahoma" pitchFamily="34" charset="0"/>
               <a:cs typeface="Tahoma" pitchFamily="34" charset="0"/>
@@ -6932,15 +6963,7 @@
                 <a:ea typeface="Tahoma" pitchFamily="34" charset="0"/>
                 <a:cs typeface="Tahoma" pitchFamily="34" charset="0"/>
               </a:rPr>
-              <a:t>NOC </a:t>
-            </a:r>
-            <a:r>
-              <a:rPr lang="en-US" sz="1000" dirty="0" smtClean="0">
-                <a:latin typeface="Tahoma" pitchFamily="34" charset="0"/>
-                <a:ea typeface="Tahoma" pitchFamily="34" charset="0"/>
-                <a:cs typeface="Tahoma" pitchFamily="34" charset="0"/>
-              </a:rPr>
-              <a:t>Rating</a:t>
+              <a:t>NOC Rating</a:t>
             </a:r>
             <a:endParaRPr lang="en-US" sz="1000" dirty="0">
               <a:latin typeface="Tahoma" pitchFamily="34" charset="0"/>
@@ -7025,6 +7048,45 @@
           </a:fontRef>
         </p:style>
       </p:cxnSp>
+      <p:sp>
+        <p:nvSpPr>
+          <p:cNvPr id="11" name="TextBox 10"/>
+          <p:cNvSpPr txBox="1"/>
+          <p:nvPr/>
+        </p:nvSpPr>
+        <p:spPr>
+          <a:xfrm>
+            <a:off x="3138174" y="2244546"/>
+            <a:ext cx="3150870" cy="246221"/>
+          </a:xfrm>
+          <a:prstGeom prst="rect">
+            <a:avLst/>
+          </a:prstGeom>
+          <a:noFill/>
+        </p:spPr>
+        <p:txBody>
+          <a:bodyPr wrap="square" rtlCol="0">
+            <a:spAutoFit/>
+          </a:bodyPr>
+          <a:lstStyle/>
+          <a:p>
+            <a:pPr algn="ctr"/>
+            <a:r>
+              <a:rPr lang="en-US" sz="1000" b="1" dirty="0" smtClean="0">
+                <a:latin typeface="Tahoma" pitchFamily="34" charset="0"/>
+                <a:ea typeface="Tahoma" pitchFamily="34" charset="0"/>
+                <a:cs typeface="Tahoma" pitchFamily="34" charset="0"/>
+              </a:rPr>
+              <a:t>Anxiety Level</a:t>
+            </a:r>
+            <a:endParaRPr lang="en-US" sz="1000" b="1" dirty="0">
+              <a:latin typeface="Tahoma" pitchFamily="34" charset="0"/>
+              <a:ea typeface="Tahoma" pitchFamily="34" charset="0"/>
+              <a:cs typeface="Tahoma" pitchFamily="34" charset="0"/>
+            </a:endParaRPr>
+          </a:p>
+        </p:txBody>
+      </p:sp>
     </p:spTree>
     <p:extLst>
       <p:ext uri="{BB962C8B-B14F-4D97-AF65-F5344CB8AC3E}">
@@ -7156,15 +7218,7 @@
                 <a:ea typeface="Tahoma" pitchFamily="34" charset="0"/>
                 <a:cs typeface="Tahoma" pitchFamily="34" charset="0"/>
               </a:rPr>
-              <a:t>NOC </a:t>
-            </a:r>
-            <a:r>
-              <a:rPr lang="en-US" sz="1000" dirty="0" smtClean="0">
-                <a:latin typeface="Tahoma" pitchFamily="34" charset="0"/>
-                <a:ea typeface="Tahoma" pitchFamily="34" charset="0"/>
-                <a:cs typeface="Tahoma" pitchFamily="34" charset="0"/>
-              </a:rPr>
-              <a:t>Rating</a:t>
+              <a:t>NOC Rating</a:t>
             </a:r>
             <a:endParaRPr lang="en-US" sz="1000" dirty="0">
               <a:latin typeface="Tahoma" pitchFamily="34" charset="0"/>
@@ -8002,15 +8056,7 @@
                 <a:ea typeface="Tahoma" pitchFamily="34" charset="0"/>
                 <a:cs typeface="Tahoma" pitchFamily="34" charset="0"/>
               </a:rPr>
-              <a:t>NOC </a:t>
-            </a:r>
-            <a:r>
-              <a:rPr lang="en-US" sz="1000" dirty="0" smtClean="0">
-                <a:latin typeface="Tahoma" pitchFamily="34" charset="0"/>
-                <a:ea typeface="Tahoma" pitchFamily="34" charset="0"/>
-                <a:cs typeface="Tahoma" pitchFamily="34" charset="0"/>
-              </a:rPr>
-              <a:t>Rating</a:t>
+              <a:t>NOC Rating</a:t>
             </a:r>
             <a:endParaRPr lang="en-US" sz="1000" dirty="0">
               <a:latin typeface="Tahoma" pitchFamily="34" charset="0"/>
@@ -8221,6 +8267,45 @@
               <a:solidFill>
                 <a:schemeClr val="tx1"/>
               </a:solidFill>
+            </a:endParaRPr>
+          </a:p>
+        </p:txBody>
+      </p:sp>
+      <p:sp>
+        <p:nvSpPr>
+          <p:cNvPr id="13" name="TextBox 12"/>
+          <p:cNvSpPr txBox="1"/>
+          <p:nvPr/>
+        </p:nvSpPr>
+        <p:spPr>
+          <a:xfrm>
+            <a:off x="3138174" y="2244546"/>
+            <a:ext cx="3150870" cy="246221"/>
+          </a:xfrm>
+          <a:prstGeom prst="rect">
+            <a:avLst/>
+          </a:prstGeom>
+          <a:noFill/>
+        </p:spPr>
+        <p:txBody>
+          <a:bodyPr wrap="square" rtlCol="0">
+            <a:spAutoFit/>
+          </a:bodyPr>
+          <a:lstStyle/>
+          <a:p>
+            <a:pPr algn="ctr"/>
+            <a:r>
+              <a:rPr lang="en-US" sz="1000" b="1" dirty="0" smtClean="0">
+                <a:latin typeface="Tahoma" pitchFamily="34" charset="0"/>
+                <a:ea typeface="Tahoma" pitchFamily="34" charset="0"/>
+                <a:cs typeface="Tahoma" pitchFamily="34" charset="0"/>
+              </a:rPr>
+              <a:t>Anxiety Level</a:t>
+            </a:r>
+            <a:endParaRPr lang="en-US" sz="1000" b="1" dirty="0">
+              <a:latin typeface="Tahoma" pitchFamily="34" charset="0"/>
+              <a:ea typeface="Tahoma" pitchFamily="34" charset="0"/>
+              <a:cs typeface="Tahoma" pitchFamily="34" charset="0"/>
             </a:endParaRPr>
           </a:p>
         </p:txBody>

--- a/HANDS/trunk/data/Design.pptx
+++ b/HANDS/trunk/data/Design.pptx
@@ -148,7 +148,7 @@
           <a:p>
             <a:fld id="{46B0DD1D-ED37-4907-8AD7-C556D0397C4A}" type="datetimeFigureOut">
               <a:rPr lang="en-US" smtClean="0"/>
-              <a:t>11/8/2012</a:t>
+              <a:t>11/9/2012</a:t>
             </a:fld>
             <a:endParaRPr lang="en-US"/>
           </a:p>
@@ -304,7 +304,7 @@
           <a:p>
             <a:fld id="{46B0DD1D-ED37-4907-8AD7-C556D0397C4A}" type="datetimeFigureOut">
               <a:rPr lang="en-US" smtClean="0"/>
-              <a:t>11/8/2012</a:t>
+              <a:t>11/9/2012</a:t>
             </a:fld>
             <a:endParaRPr lang="en-US"/>
           </a:p>
@@ -1296,7 +1296,7 @@
           <a:p>
             <a:fld id="{46B0DD1D-ED37-4907-8AD7-C556D0397C4A}" type="datetimeFigureOut">
               <a:rPr lang="en-US" smtClean="0"/>
-              <a:t>11/8/2012</a:t>
+              <a:t>11/9/2012</a:t>
             </a:fld>
             <a:endParaRPr lang="en-US"/>
           </a:p>
@@ -2041,7 +2041,7 @@
           <a:p>
             <a:fld id="{46B0DD1D-ED37-4907-8AD7-C556D0397C4A}" type="datetimeFigureOut">
               <a:rPr lang="en-US" smtClean="0"/>
-              <a:t>11/8/2012</a:t>
+              <a:t>11/9/2012</a:t>
             </a:fld>
             <a:endParaRPr lang="en-US"/>
           </a:p>
@@ -8300,13 +8300,8 @@
                 <a:ea typeface="Tahoma" pitchFamily="34" charset="0"/>
                 <a:cs typeface="Tahoma" pitchFamily="34" charset="0"/>
               </a:rPr>
-              <a:t>Anxiety Level</a:t>
+              <a:t>Comfortable Death</a:t>
             </a:r>
-            <a:endParaRPr lang="en-US" sz="1000" b="1" dirty="0">
-              <a:latin typeface="Tahoma" pitchFamily="34" charset="0"/>
-              <a:ea typeface="Tahoma" pitchFamily="34" charset="0"/>
-              <a:cs typeface="Tahoma" pitchFamily="34" charset="0"/>
-            </a:endParaRPr>
           </a:p>
         </p:txBody>
       </p:sp>

--- a/HANDS/trunk/data/Design.pptx
+++ b/HANDS/trunk/data/Design.pptx
@@ -10,6 +10,7 @@
     <p:sldId id="273" r:id="rId4"/>
     <p:sldId id="268" r:id="rId5"/>
     <p:sldId id="274" r:id="rId6"/>
+    <p:sldId id="275" r:id="rId7"/>
   </p:sldIdLst>
   <p:sldSz cx="9144000" cy="6858000" type="screen4x3"/>
   <p:notesSz cx="6858000" cy="9144000"/>
@@ -145,7 +146,7 @@
           <a:p>
             <a:fld id="{46B0DD1D-ED37-4907-8AD7-C556D0397C4A}" type="datetimeFigureOut">
               <a:rPr lang="en-US" smtClean="0"/>
-              <a:t>2/6/2013</a:t>
+              <a:t>2/11/2013</a:t>
             </a:fld>
             <a:endParaRPr lang="en-US"/>
           </a:p>
@@ -301,7 +302,7 @@
           <a:p>
             <a:fld id="{46B0DD1D-ED37-4907-8AD7-C556D0397C4A}" type="datetimeFigureOut">
               <a:rPr lang="en-US" smtClean="0"/>
-              <a:t>2/6/2013</a:t>
+              <a:t>2/11/2013</a:t>
             </a:fld>
             <a:endParaRPr lang="en-US"/>
           </a:p>
@@ -1293,7 +1294,7 @@
           <a:p>
             <a:fld id="{46B0DD1D-ED37-4907-8AD7-C556D0397C4A}" type="datetimeFigureOut">
               <a:rPr lang="en-US" smtClean="0"/>
-              <a:t>2/6/2013</a:t>
+              <a:t>2/11/2013</a:t>
             </a:fld>
             <a:endParaRPr lang="en-US"/>
           </a:p>
@@ -2038,7 +2039,7 @@
           <a:p>
             <a:fld id="{46B0DD1D-ED37-4907-8AD7-C556D0397C4A}" type="datetimeFigureOut">
               <a:rPr lang="en-US" smtClean="0"/>
-              <a:t>2/6/2013</a:t>
+              <a:t>2/11/2013</a:t>
             </a:fld>
             <a:endParaRPr lang="en-US"/>
           </a:p>
@@ -4088,6 +4089,199 @@
       </p:grpSpPr>
       <p:sp>
         <p:nvSpPr>
+          <p:cNvPr id="8" name="Oval 7"/>
+          <p:cNvSpPr/>
+          <p:nvPr/>
+        </p:nvSpPr>
+        <p:spPr>
+          <a:xfrm>
+            <a:off x="990600" y="1524000"/>
+            <a:ext cx="762000" cy="762000"/>
+          </a:xfrm>
+          <a:prstGeom prst="ellipse">
+            <a:avLst/>
+          </a:prstGeom>
+          <a:solidFill>
+            <a:srgbClr val="0D32CD"/>
+          </a:solidFill>
+          <a:ln>
+            <a:noFill/>
+          </a:ln>
+        </p:spPr>
+        <p:style>
+          <a:lnRef idx="2">
+            <a:schemeClr val="accent1">
+              <a:shade val="50000"/>
+            </a:schemeClr>
+          </a:lnRef>
+          <a:fillRef idx="1">
+            <a:schemeClr val="accent1"/>
+          </a:fillRef>
+          <a:effectRef idx="0">
+            <a:schemeClr val="accent1"/>
+          </a:effectRef>
+          <a:fontRef idx="minor">
+            <a:schemeClr val="lt1"/>
+          </a:fontRef>
+        </p:style>
+        <p:txBody>
+          <a:bodyPr rtlCol="0" anchor="ctr"/>
+          <a:lstStyle/>
+          <a:p>
+            <a:pPr algn="ctr"/>
+            <a:r>
+              <a:rPr lang="en-US" sz="7200" b="1" dirty="0" err="1" smtClean="0"/>
+              <a:t>i</a:t>
+            </a:r>
+            <a:endParaRPr lang="en-US" b="1" dirty="0"/>
+          </a:p>
+        </p:txBody>
+      </p:sp>
+      <p:sp>
+        <p:nvSpPr>
+          <p:cNvPr id="23" name="Oval 22"/>
+          <p:cNvSpPr/>
+          <p:nvPr/>
+        </p:nvSpPr>
+        <p:spPr>
+          <a:xfrm>
+            <a:off x="2209800" y="1524000"/>
+            <a:ext cx="762000" cy="762000"/>
+          </a:xfrm>
+          <a:prstGeom prst="ellipse">
+            <a:avLst/>
+          </a:prstGeom>
+          <a:solidFill>
+            <a:schemeClr val="tx1">
+              <a:lumMod val="75000"/>
+              <a:lumOff val="25000"/>
+            </a:schemeClr>
+          </a:solidFill>
+          <a:ln>
+            <a:noFill/>
+          </a:ln>
+        </p:spPr>
+        <p:style>
+          <a:lnRef idx="2">
+            <a:schemeClr val="accent1">
+              <a:shade val="50000"/>
+            </a:schemeClr>
+          </a:lnRef>
+          <a:fillRef idx="1">
+            <a:schemeClr val="accent1"/>
+          </a:fillRef>
+          <a:effectRef idx="0">
+            <a:schemeClr val="accent1"/>
+          </a:effectRef>
+          <a:fontRef idx="minor">
+            <a:schemeClr val="lt1"/>
+          </a:fontRef>
+        </p:style>
+        <p:txBody>
+          <a:bodyPr rtlCol="0" anchor="ctr"/>
+          <a:lstStyle/>
+          <a:p>
+            <a:pPr algn="ctr"/>
+            <a:r>
+              <a:rPr lang="en-US" sz="7200" b="1" dirty="0" err="1"/>
+              <a:t>S</a:t>
+            </a:r>
+            <a:endParaRPr lang="en-US" b="1" dirty="0"/>
+          </a:p>
+        </p:txBody>
+      </p:sp>
+      <p:sp>
+        <p:nvSpPr>
+          <p:cNvPr id="29" name="Oval 28"/>
+          <p:cNvSpPr/>
+          <p:nvPr/>
+        </p:nvSpPr>
+        <p:spPr>
+          <a:xfrm>
+            <a:off x="3657600" y="1508760"/>
+            <a:ext cx="762000" cy="762000"/>
+          </a:xfrm>
+          <a:prstGeom prst="ellipse">
+            <a:avLst/>
+          </a:prstGeom>
+          <a:solidFill>
+            <a:schemeClr val="bg1"/>
+          </a:solidFill>
+          <a:ln w="57150">
+            <a:solidFill>
+              <a:schemeClr val="tx1"/>
+            </a:solidFill>
+          </a:ln>
+        </p:spPr>
+        <p:style>
+          <a:lnRef idx="2">
+            <a:schemeClr val="accent1">
+              <a:shade val="50000"/>
+            </a:schemeClr>
+          </a:lnRef>
+          <a:fillRef idx="1">
+            <a:schemeClr val="accent1"/>
+          </a:fillRef>
+          <a:effectRef idx="0">
+            <a:schemeClr val="accent1"/>
+          </a:effectRef>
+          <a:fontRef idx="minor">
+            <a:schemeClr val="lt1"/>
+          </a:fontRef>
+        </p:style>
+        <p:txBody>
+          <a:bodyPr rtlCol="0" anchor="ctr"/>
+          <a:lstStyle/>
+          <a:p>
+            <a:pPr algn="ctr"/>
+            <a:r>
+              <a:rPr lang="en-US" sz="7200" b="1" dirty="0" err="1">
+                <a:solidFill>
+                  <a:schemeClr val="tx1"/>
+                </a:solidFill>
+              </a:rPr>
+              <a:t>T</a:t>
+            </a:r>
+            <a:endParaRPr lang="en-US" b="1" dirty="0">
+              <a:solidFill>
+                <a:schemeClr val="tx1"/>
+              </a:solidFill>
+            </a:endParaRPr>
+          </a:p>
+        </p:txBody>
+      </p:sp>
+    </p:spTree>
+    <p:extLst>
+      <p:ext uri="{BB962C8B-B14F-4D97-AF65-F5344CB8AC3E}">
+        <p14:creationId xmlns:p14="http://schemas.microsoft.com/office/powerpoint/2010/main" val="1641399486"/>
+      </p:ext>
+    </p:extLst>
+  </p:cSld>
+  <p:clrMapOvr>
+    <a:masterClrMapping/>
+  </p:clrMapOvr>
+</p:sld>
+</file>
+
+<file path=ppt/slides/slide6.xml><?xml version="1.0" encoding="utf-8"?>
+<p:sld xmlns:a="http://schemas.openxmlformats.org/drawingml/2006/main" xmlns:r="http://schemas.openxmlformats.org/officeDocument/2006/relationships" xmlns:p="http://schemas.openxmlformats.org/presentationml/2006/main">
+  <p:cSld>
+    <p:spTree>
+      <p:nvGrpSpPr>
+        <p:cNvPr id="1" name=""/>
+        <p:cNvGrpSpPr/>
+        <p:nvPr/>
+      </p:nvGrpSpPr>
+      <p:grpSpPr>
+        <a:xfrm>
+          <a:off x="0" y="0"/>
+          <a:ext cx="0" cy="0"/>
+          <a:chOff x="0" y="0"/>
+          <a:chExt cx="0" cy="0"/>
+        </a:xfrm>
+      </p:grpSpPr>
+      <p:sp>
+        <p:nvSpPr>
           <p:cNvPr id="2" name="TextBox 1"/>
           <p:cNvSpPr txBox="1"/>
           <p:nvPr/>
@@ -4771,10 +4965,196 @@
           </a:fontRef>
         </p:style>
       </p:cxnSp>
+      <p:pic>
+        <p:nvPicPr>
+          <p:cNvPr id="1026" name="Picture 2"/>
+          <p:cNvPicPr>
+            <a:picLocks noChangeAspect="1" noChangeArrowheads="1"/>
+          </p:cNvPicPr>
+          <p:nvPr/>
+        </p:nvPicPr>
+        <p:blipFill rotWithShape="1">
+          <a:blip r:embed="rId8" cstate="print">
+            <a:extLst>
+              <a:ext uri="{28A0092B-C50C-407E-A947-70E740481C1C}">
+                <a14:useLocalDpi xmlns:a14="http://schemas.microsoft.com/office/drawing/2010/main" val="0"/>
+              </a:ext>
+            </a:extLst>
+          </a:blip>
+          <a:srcRect l="3714" t="9559" r="18215" b="27542"/>
+          <a:stretch/>
+        </p:blipFill>
+        <p:spPr bwMode="auto">
+          <a:xfrm>
+            <a:off x="-76200" y="-16159"/>
+            <a:ext cx="600713" cy="701959"/>
+          </a:xfrm>
+          <a:prstGeom prst="rect">
+            <a:avLst/>
+          </a:prstGeom>
+          <a:noFill/>
+          <a:ln>
+            <a:noFill/>
+          </a:ln>
+          <a:effectLst/>
+          <a:extLst>
+            <a:ext uri="{909E8E84-426E-40DD-AFC4-6F175D3DCCD1}">
+              <a14:hiddenFill xmlns:a14="http://schemas.microsoft.com/office/drawing/2010/main">
+                <a:solidFill>
+                  <a:schemeClr val="accent1"/>
+                </a:solidFill>
+              </a14:hiddenFill>
+            </a:ext>
+            <a:ext uri="{91240B29-F687-4F45-9708-019B960494DF}">
+              <a14:hiddenLine xmlns:a14="http://schemas.microsoft.com/office/drawing/2010/main" w="9525">
+                <a:solidFill>
+                  <a:schemeClr val="tx1"/>
+                </a:solidFill>
+                <a:miter lim="800000"/>
+                <a:headEnd/>
+                <a:tailEnd/>
+              </a14:hiddenLine>
+            </a:ext>
+            <a:ext uri="{AF507438-7753-43E0-B8FC-AC1667EBCBE1}">
+              <a14:hiddenEffects xmlns:a14="http://schemas.microsoft.com/office/drawing/2010/main">
+                <a:effectLst>
+                  <a:outerShdw dist="35921" dir="2700000" algn="ctr" rotWithShape="0">
+                    <a:schemeClr val="bg2"/>
+                  </a:outerShdw>
+                </a:effectLst>
+              </a14:hiddenEffects>
+            </a:ext>
+          </a:extLst>
+        </p:spPr>
+      </p:pic>
+      <p:pic>
+        <p:nvPicPr>
+          <p:cNvPr id="1027" name="Picture 3"/>
+          <p:cNvPicPr>
+            <a:picLocks noChangeAspect="1" noChangeArrowheads="1"/>
+          </p:cNvPicPr>
+          <p:nvPr/>
+        </p:nvPicPr>
+        <p:blipFill rotWithShape="1">
+          <a:blip r:embed="rId9" cstate="print">
+            <a:extLst>
+              <a:ext uri="{28A0092B-C50C-407E-A947-70E740481C1C}">
+                <a14:useLocalDpi xmlns:a14="http://schemas.microsoft.com/office/drawing/2010/main" val="0"/>
+              </a:ext>
+            </a:extLst>
+          </a:blip>
+          <a:srcRect l="23223" t="23361" r="23719" b="34728"/>
+          <a:stretch/>
+        </p:blipFill>
+        <p:spPr bwMode="auto">
+          <a:xfrm>
+            <a:off x="53166" y="676275"/>
+            <a:ext cx="522314" cy="517433"/>
+          </a:xfrm>
+          <a:prstGeom prst="rect">
+            <a:avLst/>
+          </a:prstGeom>
+          <a:noFill/>
+          <a:ln>
+            <a:noFill/>
+          </a:ln>
+          <a:effectLst/>
+          <a:extLst>
+            <a:ext uri="{909E8E84-426E-40DD-AFC4-6F175D3DCCD1}">
+              <a14:hiddenFill xmlns:a14="http://schemas.microsoft.com/office/drawing/2010/main">
+                <a:solidFill>
+                  <a:schemeClr val="accent1"/>
+                </a:solidFill>
+              </a14:hiddenFill>
+            </a:ext>
+            <a:ext uri="{91240B29-F687-4F45-9708-019B960494DF}">
+              <a14:hiddenLine xmlns:a14="http://schemas.microsoft.com/office/drawing/2010/main" w="9525">
+                <a:solidFill>
+                  <a:schemeClr val="tx1"/>
+                </a:solidFill>
+                <a:miter lim="800000"/>
+                <a:headEnd/>
+                <a:tailEnd/>
+              </a14:hiddenLine>
+            </a:ext>
+            <a:ext uri="{AF507438-7753-43E0-B8FC-AC1667EBCBE1}">
+              <a14:hiddenEffects xmlns:a14="http://schemas.microsoft.com/office/drawing/2010/main">
+                <a:effectLst>
+                  <a:outerShdw dist="35921" dir="2700000" algn="ctr" rotWithShape="0">
+                    <a:schemeClr val="bg2"/>
+                  </a:outerShdw>
+                </a:effectLst>
+              </a14:hiddenEffects>
+            </a:ext>
+          </a:extLst>
+        </p:spPr>
+      </p:pic>
+      <p:pic>
+        <p:nvPicPr>
+          <p:cNvPr id="1028" name="Picture 4"/>
+          <p:cNvPicPr>
+            <a:picLocks noChangeAspect="1" noChangeArrowheads="1"/>
+          </p:cNvPicPr>
+          <p:nvPr/>
+        </p:nvPicPr>
+        <p:blipFill rotWithShape="1">
+          <a:blip r:embed="rId10" cstate="print">
+            <a:extLst>
+              <a:ext uri="{28A0092B-C50C-407E-A947-70E740481C1C}">
+                <a14:useLocalDpi xmlns:a14="http://schemas.microsoft.com/office/drawing/2010/main" val="0"/>
+              </a:ext>
+            </a:extLst>
+          </a:blip>
+          <a:srcRect l="23085" t="20321" r="22002" b="35074"/>
+          <a:stretch/>
+        </p:blipFill>
+        <p:spPr bwMode="auto">
+          <a:xfrm>
+            <a:off x="69722" y="1242403"/>
+            <a:ext cx="508195" cy="510197"/>
+          </a:xfrm>
+          <a:prstGeom prst="rect">
+            <a:avLst/>
+          </a:prstGeom>
+          <a:noFill/>
+          <a:ln>
+            <a:noFill/>
+          </a:ln>
+          <a:effectLst/>
+          <a:extLst>
+            <a:ext uri="{909E8E84-426E-40DD-AFC4-6F175D3DCCD1}">
+              <a14:hiddenFill xmlns:a14="http://schemas.microsoft.com/office/drawing/2010/main">
+                <a:solidFill>
+                  <a:schemeClr val="accent1"/>
+                </a:solidFill>
+              </a14:hiddenFill>
+            </a:ext>
+            <a:ext uri="{91240B29-F687-4F45-9708-019B960494DF}">
+              <a14:hiddenLine xmlns:a14="http://schemas.microsoft.com/office/drawing/2010/main" w="9525">
+                <a:solidFill>
+                  <a:schemeClr val="tx1"/>
+                </a:solidFill>
+                <a:miter lim="800000"/>
+                <a:headEnd/>
+                <a:tailEnd/>
+              </a14:hiddenLine>
+            </a:ext>
+            <a:ext uri="{AF507438-7753-43E0-B8FC-AC1667EBCBE1}">
+              <a14:hiddenEffects xmlns:a14="http://schemas.microsoft.com/office/drawing/2010/main">
+                <a:effectLst>
+                  <a:outerShdw dist="35921" dir="2700000" algn="ctr" rotWithShape="0">
+                    <a:schemeClr val="bg2"/>
+                  </a:outerShdw>
+                </a:effectLst>
+              </a14:hiddenEffects>
+            </a:ext>
+          </a:extLst>
+        </p:spPr>
+      </p:pic>
     </p:spTree>
     <p:extLst>
       <p:ext uri="{BB962C8B-B14F-4D97-AF65-F5344CB8AC3E}">
-        <p14:creationId xmlns:p14="http://schemas.microsoft.com/office/powerpoint/2010/main" val="1641399486"/>
+        <p14:creationId xmlns:p14="http://schemas.microsoft.com/office/powerpoint/2010/main" val="3780149972"/>
       </p:ext>
     </p:extLst>
   </p:cSld>

--- a/HANDS/trunk/data/Design.pptx
+++ b/HANDS/trunk/data/Design.pptx
@@ -146,7 +146,7 @@
           <a:p>
             <a:fld id="{46B0DD1D-ED37-4907-8AD7-C556D0397C4A}" type="datetimeFigureOut">
               <a:rPr lang="en-US" smtClean="0"/>
-              <a:t>2/11/2013</a:t>
+              <a:t>2/18/2013</a:t>
             </a:fld>
             <a:endParaRPr lang="en-US"/>
           </a:p>
@@ -302,7 +302,7 @@
           <a:p>
             <a:fld id="{46B0DD1D-ED37-4907-8AD7-C556D0397C4A}" type="datetimeFigureOut">
               <a:rPr lang="en-US" smtClean="0"/>
-              <a:t>2/11/2013</a:t>
+              <a:t>2/18/2013</a:t>
             </a:fld>
             <a:endParaRPr lang="en-US"/>
           </a:p>
@@ -1294,7 +1294,7 @@
           <a:p>
             <a:fld id="{46B0DD1D-ED37-4907-8AD7-C556D0397C4A}" type="datetimeFigureOut">
               <a:rPr lang="en-US" smtClean="0"/>
-              <a:t>2/11/2013</a:t>
+              <a:t>2/18/2013</a:t>
             </a:fld>
             <a:endParaRPr lang="en-US"/>
           </a:p>
@@ -2039,7 +2039,7 @@
           <a:p>
             <a:fld id="{46B0DD1D-ED37-4907-8AD7-C556D0397C4A}" type="datetimeFigureOut">
               <a:rPr lang="en-US" smtClean="0"/>
-              <a:t>2/11/2013</a:t>
+              <a:t>2/18/2013</a:t>
             </a:fld>
             <a:endParaRPr lang="en-US"/>
           </a:p>
@@ -2414,8 +2414,8 @@
         </p:nvCxnSpPr>
         <p:spPr>
           <a:xfrm>
-            <a:off x="3124200" y="3031331"/>
-            <a:ext cx="518160" cy="375920"/>
+            <a:off x="3138174" y="3124200"/>
+            <a:ext cx="504186" cy="283051"/>
           </a:xfrm>
           <a:prstGeom prst="line">
             <a:avLst/>
@@ -2449,7 +2449,7 @@
         <p:spPr>
           <a:xfrm>
             <a:off x="3642360" y="3407251"/>
-            <a:ext cx="510540" cy="361950"/>
+            <a:ext cx="510540" cy="326549"/>
           </a:xfrm>
           <a:prstGeom prst="line">
             <a:avLst/>
@@ -2481,9 +2481,9 @@
           <p:nvPr/>
         </p:nvCxnSpPr>
         <p:spPr>
-          <a:xfrm flipV="1">
-            <a:off x="4152900" y="3588226"/>
-            <a:ext cx="521970" cy="180975"/>
+          <a:xfrm>
+            <a:off x="4153654" y="3733800"/>
+            <a:ext cx="521216" cy="0"/>
           </a:xfrm>
           <a:prstGeom prst="line">
             <a:avLst/>
@@ -2517,8 +2517,8 @@
         </p:nvCxnSpPr>
         <p:spPr>
           <a:xfrm>
-            <a:off x="4674870" y="3588227"/>
-            <a:ext cx="529590" cy="180974"/>
+            <a:off x="4674870" y="3733800"/>
+            <a:ext cx="529590" cy="0"/>
           </a:xfrm>
           <a:prstGeom prst="line">
             <a:avLst/>
@@ -2553,7 +2553,7 @@
         <p:spPr>
           <a:xfrm flipV="1">
             <a:off x="5204460" y="3407251"/>
-            <a:ext cx="502741" cy="361950"/>
+            <a:ext cx="502741" cy="326549"/>
           </a:xfrm>
           <a:prstGeom prst="line">
             <a:avLst/>

--- a/HANDS/trunk/data/Design.pptx
+++ b/HANDS/trunk/data/Design.pptx
@@ -146,7 +146,7 @@
           <a:p>
             <a:fld id="{46B0DD1D-ED37-4907-8AD7-C556D0397C4A}" type="datetimeFigureOut">
               <a:rPr lang="en-US" smtClean="0"/>
-              <a:t>2/18/2013</a:t>
+              <a:t>2/25/2013</a:t>
             </a:fld>
             <a:endParaRPr lang="en-US"/>
           </a:p>
@@ -302,7 +302,7 @@
           <a:p>
             <a:fld id="{46B0DD1D-ED37-4907-8AD7-C556D0397C4A}" type="datetimeFigureOut">
               <a:rPr lang="en-US" smtClean="0"/>
-              <a:t>2/18/2013</a:t>
+              <a:t>2/25/2013</a:t>
             </a:fld>
             <a:endParaRPr lang="en-US"/>
           </a:p>
@@ -1294,7 +1294,7 @@
           <a:p>
             <a:fld id="{46B0DD1D-ED37-4907-8AD7-C556D0397C4A}" type="datetimeFigureOut">
               <a:rPr lang="en-US" smtClean="0"/>
-              <a:t>2/18/2013</a:t>
+              <a:t>2/25/2013</a:t>
             </a:fld>
             <a:endParaRPr lang="en-US"/>
           </a:p>
@@ -2039,7 +2039,7 @@
           <a:p>
             <a:fld id="{46B0DD1D-ED37-4907-8AD7-C556D0397C4A}" type="datetimeFigureOut">
               <a:rPr lang="en-US" smtClean="0"/>
-              <a:t>2/18/2013</a:t>
+              <a:t>2/25/2013</a:t>
             </a:fld>
             <a:endParaRPr lang="en-US"/>
           </a:p>
@@ -4067,6 +4067,13 @@
   <p:clrMapOvr>
     <a:masterClrMapping/>
   </p:clrMapOvr>
+  <p:timing>
+    <p:tnLst>
+      <p:par>
+        <p:cTn id="1" dur="indefinite" restart="never" nodeType="tmRoot"/>
+      </p:par>
+    </p:tnLst>
+  </p:timing>
 </p:sld>
 </file>
 
@@ -4152,10 +4159,7 @@
             <a:avLst/>
           </a:prstGeom>
           <a:solidFill>
-            <a:schemeClr val="tx1">
-              <a:lumMod val="75000"/>
-              <a:lumOff val="25000"/>
-            </a:schemeClr>
+            <a:srgbClr val="0D32CD"/>
           </a:solidFill>
           <a:ln>
             <a:noFill/>
@@ -4183,7 +4187,7 @@
           <a:p>
             <a:pPr algn="ctr"/>
             <a:r>
-              <a:rPr lang="en-US" sz="7200" b="1" dirty="0" err="1"/>
+              <a:rPr lang="en-US" sz="7200" b="1" dirty="0"/>
               <a:t>S</a:t>
             </a:r>
             <a:endParaRPr lang="en-US" b="1" dirty="0"/>
@@ -4205,7 +4209,10 @@
             <a:avLst/>
           </a:prstGeom>
           <a:solidFill>
-            <a:schemeClr val="bg1"/>
+            <a:schemeClr val="tx1">
+              <a:lumMod val="95000"/>
+              <a:lumOff val="5000"/>
+            </a:schemeClr>
           </a:solidFill>
           <a:ln w="57150">
             <a:solidFill>
@@ -4237,14 +4244,14 @@
             <a:r>
               <a:rPr lang="en-US" sz="7200" b="1" dirty="0" err="1">
                 <a:solidFill>
-                  <a:schemeClr val="tx1"/>
+                  <a:schemeClr val="bg1"/>
                 </a:solidFill>
               </a:rPr>
               <a:t>T</a:t>
             </a:r>
             <a:endParaRPr lang="en-US" b="1" dirty="0">
               <a:solidFill>
-                <a:schemeClr val="tx1"/>
+                <a:schemeClr val="bg1"/>
               </a:solidFill>
             </a:endParaRPr>
           </a:p>
@@ -4260,6 +4267,13 @@
   <p:clrMapOvr>
     <a:masterClrMapping/>
   </p:clrMapOvr>
+  <p:timing>
+    <p:tnLst>
+      <p:par>
+        <p:cTn id="1" dur="indefinite" restart="never" nodeType="tmRoot"/>
+      </p:par>
+    </p:tnLst>
+  </p:timing>
 </p:sld>
 </file>
 
@@ -5035,7 +5049,7 @@
           </p:cNvPicPr>
           <p:nvPr/>
         </p:nvPicPr>
-        <p:blipFill rotWithShape="1">
+        <p:blipFill>
           <a:blip r:embed="rId9" cstate="print">
             <a:extLst>
               <a:ext uri="{28A0092B-C50C-407E-A947-70E740481C1C}">
@@ -5043,13 +5057,14 @@
               </a:ext>
             </a:extLst>
           </a:blip>
-          <a:srcRect l="23223" t="23361" r="23719" b="34728"/>
-          <a:stretch/>
+          <a:stretch>
+            <a:fillRect/>
+          </a:stretch>
         </p:blipFill>
         <p:spPr bwMode="auto">
           <a:xfrm>
-            <a:off x="53166" y="676275"/>
-            <a:ext cx="522314" cy="517433"/>
+            <a:off x="53569" y="676275"/>
+            <a:ext cx="521507" cy="517433"/>
           </a:xfrm>
           <a:prstGeom prst="rect">
             <a:avLst/>
@@ -5097,7 +5112,7 @@
           </p:cNvPicPr>
           <p:nvPr/>
         </p:nvPicPr>
-        <p:blipFill rotWithShape="1">
+        <p:blipFill>
           <a:blip r:embed="rId10" cstate="print">
             <a:extLst>
               <a:ext uri="{28A0092B-C50C-407E-A947-70E740481C1C}">
@@ -5105,13 +5120,14 @@
               </a:ext>
             </a:extLst>
           </a:blip>
-          <a:srcRect l="23085" t="20321" r="22002" b="35074"/>
-          <a:stretch/>
+          <a:stretch>
+            <a:fillRect/>
+          </a:stretch>
         </p:blipFill>
         <p:spPr bwMode="auto">
           <a:xfrm>
-            <a:off x="69722" y="1242403"/>
-            <a:ext cx="508195" cy="510197"/>
+            <a:off x="69722" y="1246958"/>
+            <a:ext cx="508195" cy="501087"/>
           </a:xfrm>
           <a:prstGeom prst="rect">
             <a:avLst/>
@@ -5161,6 +5177,13 @@
   <p:clrMapOvr>
     <a:masterClrMapping/>
   </p:clrMapOvr>
+  <p:timing>
+    <p:tnLst>
+      <p:par>
+        <p:cTn id="1" dur="indefinite" restart="never" nodeType="tmRoot"/>
+      </p:par>
+    </p:tnLst>
+  </p:timing>
 </p:sld>
 </file>
 

--- a/HANDS/trunk/data/Design.pptx
+++ b/HANDS/trunk/data/Design.pptx
@@ -6,11 +6,13 @@
   </p:sldMasterIdLst>
   <p:sldIdLst>
     <p:sldId id="263" r:id="rId2"/>
-    <p:sldId id="267" r:id="rId3"/>
-    <p:sldId id="273" r:id="rId4"/>
-    <p:sldId id="268" r:id="rId5"/>
-    <p:sldId id="274" r:id="rId6"/>
-    <p:sldId id="275" r:id="rId7"/>
+    <p:sldId id="276" r:id="rId3"/>
+    <p:sldId id="278" r:id="rId4"/>
+    <p:sldId id="267" r:id="rId5"/>
+    <p:sldId id="273" r:id="rId6"/>
+    <p:sldId id="268" r:id="rId7"/>
+    <p:sldId id="274" r:id="rId8"/>
+    <p:sldId id="275" r:id="rId9"/>
   </p:sldIdLst>
   <p:sldSz cx="9144000" cy="6858000" type="screen4x3"/>
   <p:notesSz cx="6858000" cy="9144000"/>
@@ -146,7 +148,7 @@
           <a:p>
             <a:fld id="{46B0DD1D-ED37-4907-8AD7-C556D0397C4A}" type="datetimeFigureOut">
               <a:rPr lang="en-US" smtClean="0"/>
-              <a:t>2/25/2013</a:t>
+              <a:t>5/15/2013</a:t>
             </a:fld>
             <a:endParaRPr lang="en-US"/>
           </a:p>
@@ -302,7 +304,7 @@
           <a:p>
             <a:fld id="{46B0DD1D-ED37-4907-8AD7-C556D0397C4A}" type="datetimeFigureOut">
               <a:rPr lang="en-US" smtClean="0"/>
-              <a:t>2/25/2013</a:t>
+              <a:t>5/15/2013</a:t>
             </a:fld>
             <a:endParaRPr lang="en-US"/>
           </a:p>
@@ -880,8 +882,8 @@
         </p:nvSpPr>
         <p:spPr>
           <a:xfrm>
-            <a:off x="3928504" y="3804106"/>
-            <a:ext cx="410690" cy="215444"/>
+            <a:off x="3900453" y="3804106"/>
+            <a:ext cx="466794" cy="246221"/>
           </a:xfrm>
           <a:prstGeom prst="rect">
             <a:avLst/>
@@ -896,14 +898,14 @@
           <a:p>
             <a:pPr algn="ctr"/>
             <a:r>
-              <a:rPr lang="en-US" sz="800" b="1" dirty="0" smtClean="0">
+              <a:rPr lang="en-US" sz="1000" b="1" u="sng" dirty="0" smtClean="0">
                 <a:latin typeface="Segoe UI" pitchFamily="34" charset="0"/>
                 <a:ea typeface="Segoe UI" pitchFamily="34" charset="0"/>
                 <a:cs typeface="Segoe UI" pitchFamily="34" charset="0"/>
               </a:rPr>
               <a:t>Now</a:t>
             </a:r>
-            <a:endParaRPr lang="en-US" sz="800" b="1" dirty="0">
+            <a:endParaRPr lang="en-US" sz="1000" b="1" u="sng" dirty="0">
               <a:latin typeface="Segoe UI" pitchFamily="34" charset="0"/>
               <a:ea typeface="Segoe UI" pitchFamily="34" charset="0"/>
               <a:cs typeface="Segoe UI" pitchFamily="34" charset="0"/>
@@ -1261,6 +1263,2061 @@
 </file>
 
 <file path=ppt/slideLayouts/slideLayout3.xml><?xml version="1.0" encoding="utf-8"?>
+<p:sldLayout xmlns:a="http://schemas.openxmlformats.org/drawingml/2006/main" xmlns:r="http://schemas.openxmlformats.org/officeDocument/2006/relationships" xmlns:p="http://schemas.openxmlformats.org/presentationml/2006/main" type="blank" preserve="1">
+  <p:cSld name="3_Graph Base">
+    <p:spTree>
+      <p:nvGrpSpPr>
+        <p:cNvPr id="1" name=""/>
+        <p:cNvGrpSpPr/>
+        <p:nvPr/>
+      </p:nvGrpSpPr>
+      <p:grpSpPr>
+        <a:xfrm>
+          <a:off x="0" y="0"/>
+          <a:ext cx="0" cy="0"/>
+          <a:chOff x="0" y="0"/>
+          <a:chExt cx="0" cy="0"/>
+        </a:xfrm>
+      </p:grpSpPr>
+      <p:sp>
+        <p:nvSpPr>
+          <p:cNvPr id="29" name="Rectangle 28"/>
+          <p:cNvSpPr/>
+          <p:nvPr userDrawn="1"/>
+        </p:nvSpPr>
+        <p:spPr>
+          <a:xfrm>
+            <a:off x="3142365" y="2513469"/>
+            <a:ext cx="3128451" cy="1213078"/>
+          </a:xfrm>
+          <a:prstGeom prst="rect">
+            <a:avLst/>
+          </a:prstGeom>
+          <a:gradFill flip="none" rotWithShape="1">
+            <a:gsLst>
+              <a:gs pos="80000">
+                <a:schemeClr val="bg1"/>
+              </a:gs>
+              <a:gs pos="19000">
+                <a:schemeClr val="bg1"/>
+              </a:gs>
+              <a:gs pos="0">
+                <a:srgbClr val="92D050">
+                  <a:lumMod val="54000"/>
+                  <a:lumOff val="46000"/>
+                </a:srgbClr>
+              </a:gs>
+              <a:gs pos="100000">
+                <a:schemeClr val="accent2">
+                  <a:lumMod val="65000"/>
+                  <a:lumOff val="35000"/>
+                </a:schemeClr>
+              </a:gs>
+            </a:gsLst>
+            <a:lin ang="5400000" scaled="1"/>
+            <a:tileRect/>
+          </a:gradFill>
+          <a:ln>
+            <a:noFill/>
+          </a:ln>
+        </p:spPr>
+        <p:style>
+          <a:lnRef idx="2">
+            <a:schemeClr val="accent1">
+              <a:shade val="50000"/>
+            </a:schemeClr>
+          </a:lnRef>
+          <a:fillRef idx="1">
+            <a:schemeClr val="accent1"/>
+          </a:fillRef>
+          <a:effectRef idx="0">
+            <a:schemeClr val="accent1"/>
+          </a:effectRef>
+          <a:fontRef idx="minor">
+            <a:schemeClr val="lt1"/>
+          </a:fontRef>
+        </p:style>
+        <p:txBody>
+          <a:bodyPr rtlCol="0" anchor="ctr"/>
+          <a:lstStyle/>
+          <a:p>
+            <a:pPr algn="ctr"/>
+            <a:endParaRPr lang="en-US">
+              <a:latin typeface="Tahoma" pitchFamily="34" charset="0"/>
+              <a:ea typeface="Tahoma" pitchFamily="34" charset="0"/>
+              <a:cs typeface="Tahoma" pitchFamily="34" charset="0"/>
+            </a:endParaRPr>
+          </a:p>
+        </p:txBody>
+      </p:sp>
+      <p:sp>
+        <p:nvSpPr>
+          <p:cNvPr id="2" name="Date Placeholder 1"/>
+          <p:cNvSpPr>
+            <a:spLocks noGrp="1"/>
+          </p:cNvSpPr>
+          <p:nvPr>
+            <p:ph type="dt" sz="half" idx="10"/>
+          </p:nvPr>
+        </p:nvSpPr>
+        <p:spPr/>
+        <p:txBody>
+          <a:bodyPr/>
+          <a:lstStyle/>
+          <a:p>
+            <a:fld id="{46B0DD1D-ED37-4907-8AD7-C556D0397C4A}" type="datetimeFigureOut">
+              <a:rPr lang="en-US" smtClean="0"/>
+              <a:t>5/15/2013</a:t>
+            </a:fld>
+            <a:endParaRPr lang="en-US"/>
+          </a:p>
+        </p:txBody>
+      </p:sp>
+      <p:sp>
+        <p:nvSpPr>
+          <p:cNvPr id="3" name="Footer Placeholder 2"/>
+          <p:cNvSpPr>
+            <a:spLocks noGrp="1"/>
+          </p:cNvSpPr>
+          <p:nvPr>
+            <p:ph type="ftr" sz="quarter" idx="11"/>
+          </p:nvPr>
+        </p:nvSpPr>
+        <p:spPr/>
+        <p:txBody>
+          <a:bodyPr/>
+          <a:lstStyle/>
+          <a:p>
+            <a:endParaRPr lang="en-US"/>
+          </a:p>
+        </p:txBody>
+      </p:sp>
+      <p:sp>
+        <p:nvSpPr>
+          <p:cNvPr id="4" name="Slide Number Placeholder 3"/>
+          <p:cNvSpPr>
+            <a:spLocks noGrp="1"/>
+          </p:cNvSpPr>
+          <p:nvPr>
+            <p:ph type="sldNum" sz="quarter" idx="12"/>
+          </p:nvPr>
+        </p:nvSpPr>
+        <p:spPr/>
+        <p:txBody>
+          <a:bodyPr/>
+          <a:lstStyle/>
+          <a:p>
+            <a:fld id="{6390EF33-8F41-484D-8676-F5ACDD892E80}" type="slidenum">
+              <a:rPr lang="en-US" smtClean="0"/>
+              <a:t>‹#›</a:t>
+            </a:fld>
+            <a:endParaRPr lang="en-US"/>
+          </a:p>
+        </p:txBody>
+      </p:sp>
+      <p:cxnSp>
+        <p:nvCxnSpPr>
+          <p:cNvPr id="5" name="Straight Connector 4"/>
+          <p:cNvCxnSpPr/>
+          <p:nvPr userDrawn="1"/>
+        </p:nvCxnSpPr>
+        <p:spPr>
+          <a:xfrm>
+            <a:off x="3124200" y="2508706"/>
+            <a:ext cx="3147419" cy="0"/>
+          </a:xfrm>
+          <a:prstGeom prst="line">
+            <a:avLst/>
+          </a:prstGeom>
+          <a:ln>
+            <a:solidFill>
+              <a:schemeClr val="bg1">
+                <a:lumMod val="75000"/>
+              </a:schemeClr>
+            </a:solidFill>
+          </a:ln>
+        </p:spPr>
+        <p:style>
+          <a:lnRef idx="1">
+            <a:schemeClr val="accent1"/>
+          </a:lnRef>
+          <a:fillRef idx="0">
+            <a:schemeClr val="accent1"/>
+          </a:fillRef>
+          <a:effectRef idx="0">
+            <a:schemeClr val="accent1"/>
+          </a:effectRef>
+          <a:fontRef idx="minor">
+            <a:schemeClr val="tx1"/>
+          </a:fontRef>
+        </p:style>
+      </p:cxnSp>
+      <p:cxnSp>
+        <p:nvCxnSpPr>
+          <p:cNvPr id="6" name="Straight Connector 5"/>
+          <p:cNvCxnSpPr/>
+          <p:nvPr userDrawn="1"/>
+        </p:nvCxnSpPr>
+        <p:spPr>
+          <a:xfrm>
+            <a:off x="3124200" y="2813506"/>
+            <a:ext cx="3147418" cy="0"/>
+          </a:xfrm>
+          <a:prstGeom prst="line">
+            <a:avLst/>
+          </a:prstGeom>
+          <a:ln>
+            <a:solidFill>
+              <a:schemeClr val="bg1">
+                <a:lumMod val="75000"/>
+              </a:schemeClr>
+            </a:solidFill>
+          </a:ln>
+        </p:spPr>
+        <p:style>
+          <a:lnRef idx="1">
+            <a:schemeClr val="accent1"/>
+          </a:lnRef>
+          <a:fillRef idx="0">
+            <a:schemeClr val="accent1"/>
+          </a:fillRef>
+          <a:effectRef idx="0">
+            <a:schemeClr val="accent1"/>
+          </a:effectRef>
+          <a:fontRef idx="minor">
+            <a:schemeClr val="tx1"/>
+          </a:fontRef>
+        </p:style>
+      </p:cxnSp>
+      <p:cxnSp>
+        <p:nvCxnSpPr>
+          <p:cNvPr id="7" name="Straight Connector 6"/>
+          <p:cNvCxnSpPr/>
+          <p:nvPr userDrawn="1"/>
+        </p:nvCxnSpPr>
+        <p:spPr>
+          <a:xfrm>
+            <a:off x="3124200" y="3118306"/>
+            <a:ext cx="3147418" cy="0"/>
+          </a:xfrm>
+          <a:prstGeom prst="line">
+            <a:avLst/>
+          </a:prstGeom>
+          <a:ln>
+            <a:solidFill>
+              <a:schemeClr val="bg1">
+                <a:lumMod val="75000"/>
+              </a:schemeClr>
+            </a:solidFill>
+          </a:ln>
+        </p:spPr>
+        <p:style>
+          <a:lnRef idx="1">
+            <a:schemeClr val="accent1"/>
+          </a:lnRef>
+          <a:fillRef idx="0">
+            <a:schemeClr val="accent1"/>
+          </a:fillRef>
+          <a:effectRef idx="0">
+            <a:schemeClr val="accent1"/>
+          </a:effectRef>
+          <a:fontRef idx="minor">
+            <a:schemeClr val="tx1"/>
+          </a:fontRef>
+        </p:style>
+      </p:cxnSp>
+      <p:cxnSp>
+        <p:nvCxnSpPr>
+          <p:cNvPr id="8" name="Straight Connector 7"/>
+          <p:cNvCxnSpPr/>
+          <p:nvPr userDrawn="1"/>
+        </p:nvCxnSpPr>
+        <p:spPr>
+          <a:xfrm>
+            <a:off x="3124200" y="3423106"/>
+            <a:ext cx="3147418" cy="0"/>
+          </a:xfrm>
+          <a:prstGeom prst="line">
+            <a:avLst/>
+          </a:prstGeom>
+          <a:ln>
+            <a:solidFill>
+              <a:schemeClr val="bg1">
+                <a:lumMod val="75000"/>
+              </a:schemeClr>
+            </a:solidFill>
+          </a:ln>
+        </p:spPr>
+        <p:style>
+          <a:lnRef idx="1">
+            <a:schemeClr val="accent1"/>
+          </a:lnRef>
+          <a:fillRef idx="0">
+            <a:schemeClr val="accent1"/>
+          </a:fillRef>
+          <a:effectRef idx="0">
+            <a:schemeClr val="accent1"/>
+          </a:effectRef>
+          <a:fontRef idx="minor">
+            <a:schemeClr val="tx1"/>
+          </a:fontRef>
+        </p:style>
+      </p:cxnSp>
+      <p:cxnSp>
+        <p:nvCxnSpPr>
+          <p:cNvPr id="9" name="Straight Connector 8"/>
+          <p:cNvCxnSpPr/>
+          <p:nvPr userDrawn="1"/>
+        </p:nvCxnSpPr>
+        <p:spPr>
+          <a:xfrm>
+            <a:off x="3124200" y="3727906"/>
+            <a:ext cx="3147419" cy="0"/>
+          </a:xfrm>
+          <a:prstGeom prst="line">
+            <a:avLst/>
+          </a:prstGeom>
+          <a:ln>
+            <a:solidFill>
+              <a:schemeClr val="bg1">
+                <a:lumMod val="75000"/>
+              </a:schemeClr>
+            </a:solidFill>
+          </a:ln>
+        </p:spPr>
+        <p:style>
+          <a:lnRef idx="1">
+            <a:schemeClr val="accent1"/>
+          </a:lnRef>
+          <a:fillRef idx="0">
+            <a:schemeClr val="accent1"/>
+          </a:fillRef>
+          <a:effectRef idx="0">
+            <a:schemeClr val="accent1"/>
+          </a:effectRef>
+          <a:fontRef idx="minor">
+            <a:schemeClr val="tx1"/>
+          </a:fontRef>
+        </p:style>
+      </p:cxnSp>
+      <p:cxnSp>
+        <p:nvCxnSpPr>
+          <p:cNvPr id="10" name="Straight Connector 9"/>
+          <p:cNvCxnSpPr/>
+          <p:nvPr userDrawn="1"/>
+        </p:nvCxnSpPr>
+        <p:spPr>
+          <a:xfrm flipV="1">
+            <a:off x="3147419" y="2508706"/>
+            <a:ext cx="0" cy="1295400"/>
+          </a:xfrm>
+          <a:prstGeom prst="line">
+            <a:avLst/>
+          </a:prstGeom>
+          <a:ln>
+            <a:solidFill>
+              <a:schemeClr val="bg1">
+                <a:lumMod val="75000"/>
+              </a:schemeClr>
+            </a:solidFill>
+          </a:ln>
+        </p:spPr>
+        <p:style>
+          <a:lnRef idx="1">
+            <a:schemeClr val="accent1"/>
+          </a:lnRef>
+          <a:fillRef idx="0">
+            <a:schemeClr val="accent1"/>
+          </a:fillRef>
+          <a:effectRef idx="0">
+            <a:schemeClr val="accent1"/>
+          </a:effectRef>
+          <a:fontRef idx="minor">
+            <a:schemeClr val="tx1"/>
+          </a:fontRef>
+        </p:style>
+      </p:cxnSp>
+      <p:cxnSp>
+        <p:nvCxnSpPr>
+          <p:cNvPr id="11" name="Straight Connector 10"/>
+          <p:cNvCxnSpPr/>
+          <p:nvPr userDrawn="1"/>
+        </p:nvCxnSpPr>
+        <p:spPr>
+          <a:xfrm flipV="1">
+            <a:off x="3604619" y="3651706"/>
+            <a:ext cx="0" cy="152400"/>
+          </a:xfrm>
+          <a:prstGeom prst="line">
+            <a:avLst/>
+          </a:prstGeom>
+          <a:ln>
+            <a:solidFill>
+              <a:schemeClr val="bg1">
+                <a:lumMod val="75000"/>
+              </a:schemeClr>
+            </a:solidFill>
+          </a:ln>
+        </p:spPr>
+        <p:style>
+          <a:lnRef idx="1">
+            <a:schemeClr val="accent1"/>
+          </a:lnRef>
+          <a:fillRef idx="0">
+            <a:schemeClr val="accent1"/>
+          </a:fillRef>
+          <a:effectRef idx="0">
+            <a:schemeClr val="accent1"/>
+          </a:effectRef>
+          <a:fontRef idx="minor">
+            <a:schemeClr val="tx1"/>
+          </a:fontRef>
+        </p:style>
+      </p:cxnSp>
+      <p:cxnSp>
+        <p:nvCxnSpPr>
+          <p:cNvPr id="12" name="Straight Connector 11"/>
+          <p:cNvCxnSpPr/>
+          <p:nvPr userDrawn="1"/>
+        </p:nvCxnSpPr>
+        <p:spPr>
+          <a:xfrm flipV="1">
+            <a:off x="4138019" y="3651706"/>
+            <a:ext cx="0" cy="152400"/>
+          </a:xfrm>
+          <a:prstGeom prst="line">
+            <a:avLst/>
+          </a:prstGeom>
+          <a:ln>
+            <a:solidFill>
+              <a:schemeClr val="bg1">
+                <a:lumMod val="75000"/>
+              </a:schemeClr>
+            </a:solidFill>
+          </a:ln>
+        </p:spPr>
+        <p:style>
+          <a:lnRef idx="1">
+            <a:schemeClr val="accent1"/>
+          </a:lnRef>
+          <a:fillRef idx="0">
+            <a:schemeClr val="accent1"/>
+          </a:fillRef>
+          <a:effectRef idx="0">
+            <a:schemeClr val="accent1"/>
+          </a:effectRef>
+          <a:fontRef idx="minor">
+            <a:schemeClr val="tx1"/>
+          </a:fontRef>
+        </p:style>
+      </p:cxnSp>
+      <p:cxnSp>
+        <p:nvCxnSpPr>
+          <p:cNvPr id="13" name="Straight Connector 12"/>
+          <p:cNvCxnSpPr/>
+          <p:nvPr userDrawn="1"/>
+        </p:nvCxnSpPr>
+        <p:spPr>
+          <a:xfrm flipV="1">
+            <a:off x="4671419" y="3651706"/>
+            <a:ext cx="0" cy="152400"/>
+          </a:xfrm>
+          <a:prstGeom prst="line">
+            <a:avLst/>
+          </a:prstGeom>
+          <a:ln>
+            <a:solidFill>
+              <a:schemeClr val="bg1">
+                <a:lumMod val="75000"/>
+              </a:schemeClr>
+            </a:solidFill>
+          </a:ln>
+        </p:spPr>
+        <p:style>
+          <a:lnRef idx="1">
+            <a:schemeClr val="accent1"/>
+          </a:lnRef>
+          <a:fillRef idx="0">
+            <a:schemeClr val="accent1"/>
+          </a:fillRef>
+          <a:effectRef idx="0">
+            <a:schemeClr val="accent1"/>
+          </a:effectRef>
+          <a:fontRef idx="minor">
+            <a:schemeClr val="tx1"/>
+          </a:fontRef>
+        </p:style>
+      </p:cxnSp>
+      <p:cxnSp>
+        <p:nvCxnSpPr>
+          <p:cNvPr id="14" name="Straight Connector 13"/>
+          <p:cNvCxnSpPr/>
+          <p:nvPr userDrawn="1"/>
+        </p:nvCxnSpPr>
+        <p:spPr>
+          <a:xfrm flipV="1">
+            <a:off x="5204819" y="3651706"/>
+            <a:ext cx="0" cy="152400"/>
+          </a:xfrm>
+          <a:prstGeom prst="line">
+            <a:avLst/>
+          </a:prstGeom>
+          <a:ln>
+            <a:solidFill>
+              <a:schemeClr val="bg1">
+                <a:lumMod val="75000"/>
+              </a:schemeClr>
+            </a:solidFill>
+          </a:ln>
+        </p:spPr>
+        <p:style>
+          <a:lnRef idx="1">
+            <a:schemeClr val="accent1"/>
+          </a:lnRef>
+          <a:fillRef idx="0">
+            <a:schemeClr val="accent1"/>
+          </a:fillRef>
+          <a:effectRef idx="0">
+            <a:schemeClr val="accent1"/>
+          </a:effectRef>
+          <a:fontRef idx="minor">
+            <a:schemeClr val="tx1"/>
+          </a:fontRef>
+        </p:style>
+      </p:cxnSp>
+      <p:cxnSp>
+        <p:nvCxnSpPr>
+          <p:cNvPr id="15" name="Straight Connector 14"/>
+          <p:cNvCxnSpPr/>
+          <p:nvPr userDrawn="1"/>
+        </p:nvCxnSpPr>
+        <p:spPr>
+          <a:xfrm flipV="1">
+            <a:off x="5738219" y="3651706"/>
+            <a:ext cx="0" cy="152400"/>
+          </a:xfrm>
+          <a:prstGeom prst="line">
+            <a:avLst/>
+          </a:prstGeom>
+          <a:ln>
+            <a:solidFill>
+              <a:schemeClr val="bg1">
+                <a:lumMod val="75000"/>
+              </a:schemeClr>
+            </a:solidFill>
+          </a:ln>
+        </p:spPr>
+        <p:style>
+          <a:lnRef idx="1">
+            <a:schemeClr val="accent1"/>
+          </a:lnRef>
+          <a:fillRef idx="0">
+            <a:schemeClr val="accent1"/>
+          </a:fillRef>
+          <a:effectRef idx="0">
+            <a:schemeClr val="accent1"/>
+          </a:effectRef>
+          <a:fontRef idx="minor">
+            <a:schemeClr val="tx1"/>
+          </a:fontRef>
+        </p:style>
+      </p:cxnSp>
+      <p:cxnSp>
+        <p:nvCxnSpPr>
+          <p:cNvPr id="16" name="Straight Connector 15"/>
+          <p:cNvCxnSpPr/>
+          <p:nvPr userDrawn="1"/>
+        </p:nvCxnSpPr>
+        <p:spPr>
+          <a:xfrm flipV="1">
+            <a:off x="6271619" y="3651706"/>
+            <a:ext cx="0" cy="152400"/>
+          </a:xfrm>
+          <a:prstGeom prst="line">
+            <a:avLst/>
+          </a:prstGeom>
+          <a:ln>
+            <a:solidFill>
+              <a:schemeClr val="bg1">
+                <a:lumMod val="75000"/>
+              </a:schemeClr>
+            </a:solidFill>
+          </a:ln>
+        </p:spPr>
+        <p:style>
+          <a:lnRef idx="1">
+            <a:schemeClr val="accent1"/>
+          </a:lnRef>
+          <a:fillRef idx="0">
+            <a:schemeClr val="accent1"/>
+          </a:fillRef>
+          <a:effectRef idx="0">
+            <a:schemeClr val="accent1"/>
+          </a:effectRef>
+          <a:fontRef idx="minor">
+            <a:schemeClr val="tx1"/>
+          </a:fontRef>
+        </p:style>
+      </p:cxnSp>
+      <p:sp>
+        <p:nvSpPr>
+          <p:cNvPr id="17" name="TextBox 16"/>
+          <p:cNvSpPr txBox="1"/>
+          <p:nvPr userDrawn="1"/>
+        </p:nvSpPr>
+        <p:spPr>
+          <a:xfrm>
+            <a:off x="2790590" y="3804106"/>
+            <a:ext cx="713657" cy="215444"/>
+          </a:xfrm>
+          <a:prstGeom prst="rect">
+            <a:avLst/>
+          </a:prstGeom>
+          <a:noFill/>
+        </p:spPr>
+        <p:txBody>
+          <a:bodyPr wrap="none" rtlCol="0">
+            <a:spAutoFit/>
+          </a:bodyPr>
+          <a:lstStyle/>
+          <a:p>
+            <a:pPr algn="ctr"/>
+            <a:r>
+              <a:rPr lang="en-US" sz="800" b="1" dirty="0" smtClean="0">
+                <a:latin typeface="Tahoma" pitchFamily="34" charset="0"/>
+                <a:ea typeface="Tahoma" pitchFamily="34" charset="0"/>
+                <a:cs typeface="Tahoma" pitchFamily="34" charset="0"/>
+              </a:rPr>
+              <a:t>Admission</a:t>
+            </a:r>
+            <a:endParaRPr lang="en-US" sz="800" b="1" dirty="0">
+              <a:latin typeface="Tahoma" pitchFamily="34" charset="0"/>
+              <a:ea typeface="Tahoma" pitchFamily="34" charset="0"/>
+              <a:cs typeface="Tahoma" pitchFamily="34" charset="0"/>
+            </a:endParaRPr>
+          </a:p>
+        </p:txBody>
+      </p:sp>
+      <p:sp>
+        <p:nvSpPr>
+          <p:cNvPr id="18" name="TextBox 17"/>
+          <p:cNvSpPr txBox="1"/>
+          <p:nvPr userDrawn="1"/>
+        </p:nvSpPr>
+        <p:spPr>
+          <a:xfrm>
+            <a:off x="3446563" y="3804106"/>
+            <a:ext cx="316113" cy="215444"/>
+          </a:xfrm>
+          <a:prstGeom prst="rect">
+            <a:avLst/>
+          </a:prstGeom>
+          <a:noFill/>
+        </p:spPr>
+        <p:txBody>
+          <a:bodyPr wrap="none" rtlCol="0">
+            <a:spAutoFit/>
+          </a:bodyPr>
+          <a:lstStyle/>
+          <a:p>
+            <a:pPr algn="ctr"/>
+            <a:r>
+              <a:rPr lang="en-US" sz="800" b="1" dirty="0" smtClean="0">
+                <a:latin typeface="Tahoma" pitchFamily="34" charset="0"/>
+                <a:ea typeface="Tahoma" pitchFamily="34" charset="0"/>
+                <a:cs typeface="Tahoma" pitchFamily="34" charset="0"/>
+              </a:rPr>
+              <a:t>12</a:t>
+            </a:r>
+            <a:endParaRPr lang="en-US" sz="800" b="1" dirty="0">
+              <a:latin typeface="Tahoma" pitchFamily="34" charset="0"/>
+              <a:ea typeface="Tahoma" pitchFamily="34" charset="0"/>
+              <a:cs typeface="Tahoma" pitchFamily="34" charset="0"/>
+            </a:endParaRPr>
+          </a:p>
+        </p:txBody>
+      </p:sp>
+      <p:sp>
+        <p:nvSpPr>
+          <p:cNvPr id="19" name="TextBox 18"/>
+          <p:cNvSpPr txBox="1"/>
+          <p:nvPr userDrawn="1"/>
+        </p:nvSpPr>
+        <p:spPr>
+          <a:xfrm>
+            <a:off x="3895644" y="3804106"/>
+            <a:ext cx="476412" cy="246221"/>
+          </a:xfrm>
+          <a:prstGeom prst="rect">
+            <a:avLst/>
+          </a:prstGeom>
+          <a:noFill/>
+        </p:spPr>
+        <p:txBody>
+          <a:bodyPr wrap="none" rtlCol="0">
+            <a:spAutoFit/>
+          </a:bodyPr>
+          <a:lstStyle/>
+          <a:p>
+            <a:pPr algn="ctr"/>
+            <a:r>
+              <a:rPr lang="en-US" sz="1000" b="1" u="sng" dirty="0" smtClean="0">
+                <a:latin typeface="Tahoma" pitchFamily="34" charset="0"/>
+                <a:ea typeface="Tahoma" pitchFamily="34" charset="0"/>
+                <a:cs typeface="Tahoma" pitchFamily="34" charset="0"/>
+              </a:rPr>
+              <a:t>Now</a:t>
+            </a:r>
+            <a:endParaRPr lang="en-US" sz="1000" b="1" u="sng" dirty="0">
+              <a:latin typeface="Tahoma" pitchFamily="34" charset="0"/>
+              <a:ea typeface="Tahoma" pitchFamily="34" charset="0"/>
+              <a:cs typeface="Tahoma" pitchFamily="34" charset="0"/>
+            </a:endParaRPr>
+          </a:p>
+        </p:txBody>
+      </p:sp>
+      <p:sp>
+        <p:nvSpPr>
+          <p:cNvPr id="20" name="TextBox 19"/>
+          <p:cNvSpPr txBox="1"/>
+          <p:nvPr userDrawn="1"/>
+        </p:nvSpPr>
+        <p:spPr>
+          <a:xfrm>
+            <a:off x="4522528" y="3804106"/>
+            <a:ext cx="316113" cy="215444"/>
+          </a:xfrm>
+          <a:prstGeom prst="rect">
+            <a:avLst/>
+          </a:prstGeom>
+          <a:noFill/>
+        </p:spPr>
+        <p:txBody>
+          <a:bodyPr wrap="none" rtlCol="0">
+            <a:spAutoFit/>
+          </a:bodyPr>
+          <a:lstStyle/>
+          <a:p>
+            <a:pPr algn="ctr"/>
+            <a:r>
+              <a:rPr lang="en-US" sz="800" b="1" dirty="0" smtClean="0">
+                <a:latin typeface="Tahoma" pitchFamily="34" charset="0"/>
+                <a:ea typeface="Tahoma" pitchFamily="34" charset="0"/>
+                <a:cs typeface="Tahoma" pitchFamily="34" charset="0"/>
+              </a:rPr>
+              <a:t>36</a:t>
+            </a:r>
+            <a:endParaRPr lang="en-US" sz="800" b="1" dirty="0">
+              <a:latin typeface="Tahoma" pitchFamily="34" charset="0"/>
+              <a:ea typeface="Tahoma" pitchFamily="34" charset="0"/>
+              <a:cs typeface="Tahoma" pitchFamily="34" charset="0"/>
+            </a:endParaRPr>
+          </a:p>
+        </p:txBody>
+      </p:sp>
+      <p:sp>
+        <p:nvSpPr>
+          <p:cNvPr id="21" name="TextBox 20"/>
+          <p:cNvSpPr txBox="1"/>
+          <p:nvPr userDrawn="1"/>
+        </p:nvSpPr>
+        <p:spPr>
+          <a:xfrm>
+            <a:off x="5046762" y="3804106"/>
+            <a:ext cx="316113" cy="215444"/>
+          </a:xfrm>
+          <a:prstGeom prst="rect">
+            <a:avLst/>
+          </a:prstGeom>
+          <a:noFill/>
+        </p:spPr>
+        <p:txBody>
+          <a:bodyPr wrap="none" rtlCol="0">
+            <a:spAutoFit/>
+          </a:bodyPr>
+          <a:lstStyle/>
+          <a:p>
+            <a:pPr algn="ctr"/>
+            <a:r>
+              <a:rPr lang="en-US" sz="800" b="1" dirty="0" smtClean="0">
+                <a:latin typeface="Tahoma" pitchFamily="34" charset="0"/>
+                <a:ea typeface="Tahoma" pitchFamily="34" charset="0"/>
+                <a:cs typeface="Tahoma" pitchFamily="34" charset="0"/>
+              </a:rPr>
+              <a:t>48</a:t>
+            </a:r>
+            <a:endParaRPr lang="en-US" sz="800" b="1" dirty="0">
+              <a:latin typeface="Tahoma" pitchFamily="34" charset="0"/>
+              <a:ea typeface="Tahoma" pitchFamily="34" charset="0"/>
+              <a:cs typeface="Tahoma" pitchFamily="34" charset="0"/>
+            </a:endParaRPr>
+          </a:p>
+        </p:txBody>
+      </p:sp>
+      <p:sp>
+        <p:nvSpPr>
+          <p:cNvPr id="22" name="TextBox 21"/>
+          <p:cNvSpPr txBox="1"/>
+          <p:nvPr userDrawn="1"/>
+        </p:nvSpPr>
+        <p:spPr>
+          <a:xfrm>
+            <a:off x="5580162" y="3804106"/>
+            <a:ext cx="316113" cy="215444"/>
+          </a:xfrm>
+          <a:prstGeom prst="rect">
+            <a:avLst/>
+          </a:prstGeom>
+          <a:noFill/>
+        </p:spPr>
+        <p:txBody>
+          <a:bodyPr wrap="none" rtlCol="0">
+            <a:spAutoFit/>
+          </a:bodyPr>
+          <a:lstStyle/>
+          <a:p>
+            <a:pPr algn="ctr"/>
+            <a:r>
+              <a:rPr lang="en-US" sz="800" b="1" dirty="0" smtClean="0">
+                <a:latin typeface="Tahoma" pitchFamily="34" charset="0"/>
+                <a:ea typeface="Tahoma" pitchFamily="34" charset="0"/>
+                <a:cs typeface="Tahoma" pitchFamily="34" charset="0"/>
+              </a:rPr>
+              <a:t>60</a:t>
+            </a:r>
+            <a:endParaRPr lang="en-US" sz="800" b="1" dirty="0">
+              <a:latin typeface="Tahoma" pitchFamily="34" charset="0"/>
+              <a:ea typeface="Tahoma" pitchFamily="34" charset="0"/>
+              <a:cs typeface="Tahoma" pitchFamily="34" charset="0"/>
+            </a:endParaRPr>
+          </a:p>
+        </p:txBody>
+      </p:sp>
+      <p:sp>
+        <p:nvSpPr>
+          <p:cNvPr id="23" name="TextBox 22"/>
+          <p:cNvSpPr txBox="1"/>
+          <p:nvPr userDrawn="1"/>
+        </p:nvSpPr>
+        <p:spPr>
+          <a:xfrm>
+            <a:off x="6113562" y="3804106"/>
+            <a:ext cx="316113" cy="215444"/>
+          </a:xfrm>
+          <a:prstGeom prst="rect">
+            <a:avLst/>
+          </a:prstGeom>
+          <a:noFill/>
+        </p:spPr>
+        <p:txBody>
+          <a:bodyPr wrap="none" rtlCol="0">
+            <a:spAutoFit/>
+          </a:bodyPr>
+          <a:lstStyle/>
+          <a:p>
+            <a:pPr algn="ctr"/>
+            <a:r>
+              <a:rPr lang="en-US" sz="800" b="1" dirty="0" smtClean="0">
+                <a:latin typeface="Tahoma" pitchFamily="34" charset="0"/>
+                <a:ea typeface="Tahoma" pitchFamily="34" charset="0"/>
+                <a:cs typeface="Tahoma" pitchFamily="34" charset="0"/>
+              </a:rPr>
+              <a:t>72</a:t>
+            </a:r>
+            <a:endParaRPr lang="en-US" sz="800" b="1" dirty="0">
+              <a:latin typeface="Tahoma" pitchFamily="34" charset="0"/>
+              <a:ea typeface="Tahoma" pitchFamily="34" charset="0"/>
+              <a:cs typeface="Tahoma" pitchFamily="34" charset="0"/>
+            </a:endParaRPr>
+          </a:p>
+        </p:txBody>
+      </p:sp>
+      <p:sp>
+        <p:nvSpPr>
+          <p:cNvPr id="24" name="TextBox 23"/>
+          <p:cNvSpPr txBox="1"/>
+          <p:nvPr userDrawn="1"/>
+        </p:nvSpPr>
+        <p:spPr>
+          <a:xfrm>
+            <a:off x="2897029" y="3614062"/>
+            <a:ext cx="250390" cy="215444"/>
+          </a:xfrm>
+          <a:prstGeom prst="rect">
+            <a:avLst/>
+          </a:prstGeom>
+          <a:noFill/>
+        </p:spPr>
+        <p:txBody>
+          <a:bodyPr wrap="none" rtlCol="0">
+            <a:spAutoFit/>
+          </a:bodyPr>
+          <a:lstStyle/>
+          <a:p>
+            <a:pPr algn="r"/>
+            <a:r>
+              <a:rPr lang="en-US" sz="800" b="1" dirty="0">
+                <a:latin typeface="Tahoma" pitchFamily="34" charset="0"/>
+                <a:ea typeface="Tahoma" pitchFamily="34" charset="0"/>
+                <a:cs typeface="Tahoma" pitchFamily="34" charset="0"/>
+              </a:rPr>
+              <a:t>1</a:t>
+            </a:r>
+          </a:p>
+        </p:txBody>
+      </p:sp>
+      <p:sp>
+        <p:nvSpPr>
+          <p:cNvPr id="25" name="TextBox 24"/>
+          <p:cNvSpPr txBox="1"/>
+          <p:nvPr userDrawn="1"/>
+        </p:nvSpPr>
+        <p:spPr>
+          <a:xfrm flipH="1">
+            <a:off x="2894991" y="3315384"/>
+            <a:ext cx="252427" cy="215444"/>
+          </a:xfrm>
+          <a:prstGeom prst="rect">
+            <a:avLst/>
+          </a:prstGeom>
+          <a:noFill/>
+        </p:spPr>
+        <p:txBody>
+          <a:bodyPr wrap="square" rtlCol="0">
+            <a:spAutoFit/>
+          </a:bodyPr>
+          <a:lstStyle/>
+          <a:p>
+            <a:pPr algn="r"/>
+            <a:r>
+              <a:rPr lang="en-US" sz="800" b="1" dirty="0" smtClean="0">
+                <a:latin typeface="Tahoma" pitchFamily="34" charset="0"/>
+                <a:ea typeface="Tahoma" pitchFamily="34" charset="0"/>
+                <a:cs typeface="Tahoma" pitchFamily="34" charset="0"/>
+              </a:rPr>
+              <a:t>2</a:t>
+            </a:r>
+            <a:endParaRPr lang="en-US" sz="800" b="1" dirty="0">
+              <a:latin typeface="Tahoma" pitchFamily="34" charset="0"/>
+              <a:ea typeface="Tahoma" pitchFamily="34" charset="0"/>
+              <a:cs typeface="Tahoma" pitchFamily="34" charset="0"/>
+            </a:endParaRPr>
+          </a:p>
+        </p:txBody>
+      </p:sp>
+      <p:sp>
+        <p:nvSpPr>
+          <p:cNvPr id="26" name="TextBox 25"/>
+          <p:cNvSpPr txBox="1"/>
+          <p:nvPr userDrawn="1"/>
+        </p:nvSpPr>
+        <p:spPr>
+          <a:xfrm flipH="1">
+            <a:off x="2890741" y="3010584"/>
+            <a:ext cx="252427" cy="215444"/>
+          </a:xfrm>
+          <a:prstGeom prst="rect">
+            <a:avLst/>
+          </a:prstGeom>
+          <a:noFill/>
+        </p:spPr>
+        <p:txBody>
+          <a:bodyPr wrap="square" rtlCol="0">
+            <a:spAutoFit/>
+          </a:bodyPr>
+          <a:lstStyle/>
+          <a:p>
+            <a:pPr algn="r"/>
+            <a:r>
+              <a:rPr lang="en-US" sz="800" b="1" dirty="0">
+                <a:latin typeface="Tahoma" pitchFamily="34" charset="0"/>
+                <a:ea typeface="Tahoma" pitchFamily="34" charset="0"/>
+                <a:cs typeface="Tahoma" pitchFamily="34" charset="0"/>
+              </a:rPr>
+              <a:t>3</a:t>
+            </a:r>
+          </a:p>
+        </p:txBody>
+      </p:sp>
+      <p:sp>
+        <p:nvSpPr>
+          <p:cNvPr id="27" name="TextBox 26"/>
+          <p:cNvSpPr txBox="1"/>
+          <p:nvPr userDrawn="1"/>
+        </p:nvSpPr>
+        <p:spPr>
+          <a:xfrm flipH="1">
+            <a:off x="2890741" y="2705784"/>
+            <a:ext cx="252427" cy="215444"/>
+          </a:xfrm>
+          <a:prstGeom prst="rect">
+            <a:avLst/>
+          </a:prstGeom>
+          <a:noFill/>
+        </p:spPr>
+        <p:txBody>
+          <a:bodyPr wrap="square" rtlCol="0">
+            <a:spAutoFit/>
+          </a:bodyPr>
+          <a:lstStyle/>
+          <a:p>
+            <a:pPr algn="r"/>
+            <a:r>
+              <a:rPr lang="en-US" sz="800" b="1" dirty="0" smtClean="0">
+                <a:latin typeface="Tahoma" pitchFamily="34" charset="0"/>
+                <a:ea typeface="Tahoma" pitchFamily="34" charset="0"/>
+                <a:cs typeface="Tahoma" pitchFamily="34" charset="0"/>
+              </a:rPr>
+              <a:t>4</a:t>
+            </a:r>
+            <a:endParaRPr lang="en-US" sz="800" b="1" dirty="0">
+              <a:latin typeface="Tahoma" pitchFamily="34" charset="0"/>
+              <a:ea typeface="Tahoma" pitchFamily="34" charset="0"/>
+              <a:cs typeface="Tahoma" pitchFamily="34" charset="0"/>
+            </a:endParaRPr>
+          </a:p>
+        </p:txBody>
+      </p:sp>
+      <p:sp>
+        <p:nvSpPr>
+          <p:cNvPr id="28" name="TextBox 27"/>
+          <p:cNvSpPr txBox="1"/>
+          <p:nvPr userDrawn="1"/>
+        </p:nvSpPr>
+        <p:spPr>
+          <a:xfrm flipH="1">
+            <a:off x="2904227" y="2400984"/>
+            <a:ext cx="252427" cy="215444"/>
+          </a:xfrm>
+          <a:prstGeom prst="rect">
+            <a:avLst/>
+          </a:prstGeom>
+          <a:noFill/>
+        </p:spPr>
+        <p:txBody>
+          <a:bodyPr wrap="square" rtlCol="0">
+            <a:spAutoFit/>
+          </a:bodyPr>
+          <a:lstStyle/>
+          <a:p>
+            <a:pPr algn="r"/>
+            <a:r>
+              <a:rPr lang="en-US" sz="800" b="1" dirty="0">
+                <a:latin typeface="Tahoma" pitchFamily="34" charset="0"/>
+                <a:ea typeface="Tahoma" pitchFamily="34" charset="0"/>
+                <a:cs typeface="Tahoma" pitchFamily="34" charset="0"/>
+              </a:rPr>
+              <a:t>5</a:t>
+            </a:r>
+          </a:p>
+        </p:txBody>
+      </p:sp>
+    </p:spTree>
+    <p:extLst>
+      <p:ext uri="{BB962C8B-B14F-4D97-AF65-F5344CB8AC3E}">
+        <p14:creationId xmlns:p14="http://schemas.microsoft.com/office/powerpoint/2010/main" val="636836985"/>
+      </p:ext>
+    </p:extLst>
+  </p:cSld>
+  <p:clrMapOvr>
+    <a:masterClrMapping/>
+  </p:clrMapOvr>
+</p:sldLayout>
+</file>
+
+<file path=ppt/slideLayouts/slideLayout4.xml><?xml version="1.0" encoding="utf-8"?>
+<p:sldLayout xmlns:a="http://schemas.openxmlformats.org/drawingml/2006/main" xmlns:r="http://schemas.openxmlformats.org/officeDocument/2006/relationships" xmlns:p="http://schemas.openxmlformats.org/presentationml/2006/main" type="blank" preserve="1">
+  <p:cSld name="2_Graph Base">
+    <p:spTree>
+      <p:nvGrpSpPr>
+        <p:cNvPr id="1" name=""/>
+        <p:cNvGrpSpPr/>
+        <p:nvPr/>
+      </p:nvGrpSpPr>
+      <p:grpSpPr>
+        <a:xfrm>
+          <a:off x="0" y="0"/>
+          <a:ext cx="0" cy="0"/>
+          <a:chOff x="0" y="0"/>
+          <a:chExt cx="0" cy="0"/>
+        </a:xfrm>
+      </p:grpSpPr>
+      <p:sp>
+        <p:nvSpPr>
+          <p:cNvPr id="2" name="Date Placeholder 1"/>
+          <p:cNvSpPr>
+            <a:spLocks noGrp="1"/>
+          </p:cNvSpPr>
+          <p:nvPr>
+            <p:ph type="dt" sz="half" idx="10"/>
+          </p:nvPr>
+        </p:nvSpPr>
+        <p:spPr/>
+        <p:txBody>
+          <a:bodyPr/>
+          <a:lstStyle/>
+          <a:p>
+            <a:fld id="{46B0DD1D-ED37-4907-8AD7-C556D0397C4A}" type="datetimeFigureOut">
+              <a:rPr lang="en-US" smtClean="0"/>
+              <a:t>5/15/2013</a:t>
+            </a:fld>
+            <a:endParaRPr lang="en-US"/>
+          </a:p>
+        </p:txBody>
+      </p:sp>
+      <p:sp>
+        <p:nvSpPr>
+          <p:cNvPr id="3" name="Footer Placeholder 2"/>
+          <p:cNvSpPr>
+            <a:spLocks noGrp="1"/>
+          </p:cNvSpPr>
+          <p:nvPr>
+            <p:ph type="ftr" sz="quarter" idx="11"/>
+          </p:nvPr>
+        </p:nvSpPr>
+        <p:spPr/>
+        <p:txBody>
+          <a:bodyPr/>
+          <a:lstStyle/>
+          <a:p>
+            <a:endParaRPr lang="en-US"/>
+          </a:p>
+        </p:txBody>
+      </p:sp>
+      <p:sp>
+        <p:nvSpPr>
+          <p:cNvPr id="4" name="Slide Number Placeholder 3"/>
+          <p:cNvSpPr>
+            <a:spLocks noGrp="1"/>
+          </p:cNvSpPr>
+          <p:nvPr>
+            <p:ph type="sldNum" sz="quarter" idx="12"/>
+          </p:nvPr>
+        </p:nvSpPr>
+        <p:spPr/>
+        <p:txBody>
+          <a:bodyPr/>
+          <a:lstStyle/>
+          <a:p>
+            <a:fld id="{6390EF33-8F41-484D-8676-F5ACDD892E80}" type="slidenum">
+              <a:rPr lang="en-US" smtClean="0"/>
+              <a:t>‹#›</a:t>
+            </a:fld>
+            <a:endParaRPr lang="en-US"/>
+          </a:p>
+        </p:txBody>
+      </p:sp>
+      <p:cxnSp>
+        <p:nvCxnSpPr>
+          <p:cNvPr id="5" name="Straight Connector 4"/>
+          <p:cNvCxnSpPr/>
+          <p:nvPr userDrawn="1"/>
+        </p:nvCxnSpPr>
+        <p:spPr>
+          <a:xfrm>
+            <a:off x="3124200" y="2508706"/>
+            <a:ext cx="3147419" cy="0"/>
+          </a:xfrm>
+          <a:prstGeom prst="line">
+            <a:avLst/>
+          </a:prstGeom>
+          <a:ln>
+            <a:solidFill>
+              <a:schemeClr val="bg1">
+                <a:lumMod val="75000"/>
+              </a:schemeClr>
+            </a:solidFill>
+          </a:ln>
+        </p:spPr>
+        <p:style>
+          <a:lnRef idx="1">
+            <a:schemeClr val="accent1"/>
+          </a:lnRef>
+          <a:fillRef idx="0">
+            <a:schemeClr val="accent1"/>
+          </a:fillRef>
+          <a:effectRef idx="0">
+            <a:schemeClr val="accent1"/>
+          </a:effectRef>
+          <a:fontRef idx="minor">
+            <a:schemeClr val="tx1"/>
+          </a:fontRef>
+        </p:style>
+      </p:cxnSp>
+      <p:cxnSp>
+        <p:nvCxnSpPr>
+          <p:cNvPr id="6" name="Straight Connector 5"/>
+          <p:cNvCxnSpPr/>
+          <p:nvPr userDrawn="1"/>
+        </p:nvCxnSpPr>
+        <p:spPr>
+          <a:xfrm>
+            <a:off x="3124200" y="2813506"/>
+            <a:ext cx="3147418" cy="0"/>
+          </a:xfrm>
+          <a:prstGeom prst="line">
+            <a:avLst/>
+          </a:prstGeom>
+          <a:ln>
+            <a:solidFill>
+              <a:schemeClr val="bg1">
+                <a:lumMod val="75000"/>
+              </a:schemeClr>
+            </a:solidFill>
+          </a:ln>
+        </p:spPr>
+        <p:style>
+          <a:lnRef idx="1">
+            <a:schemeClr val="accent1"/>
+          </a:lnRef>
+          <a:fillRef idx="0">
+            <a:schemeClr val="accent1"/>
+          </a:fillRef>
+          <a:effectRef idx="0">
+            <a:schemeClr val="accent1"/>
+          </a:effectRef>
+          <a:fontRef idx="minor">
+            <a:schemeClr val="tx1"/>
+          </a:fontRef>
+        </p:style>
+      </p:cxnSp>
+      <p:cxnSp>
+        <p:nvCxnSpPr>
+          <p:cNvPr id="7" name="Straight Connector 6"/>
+          <p:cNvCxnSpPr/>
+          <p:nvPr userDrawn="1"/>
+        </p:nvCxnSpPr>
+        <p:spPr>
+          <a:xfrm>
+            <a:off x="3124200" y="3118306"/>
+            <a:ext cx="3147418" cy="0"/>
+          </a:xfrm>
+          <a:prstGeom prst="line">
+            <a:avLst/>
+          </a:prstGeom>
+          <a:ln>
+            <a:solidFill>
+              <a:schemeClr val="bg1">
+                <a:lumMod val="75000"/>
+              </a:schemeClr>
+            </a:solidFill>
+          </a:ln>
+        </p:spPr>
+        <p:style>
+          <a:lnRef idx="1">
+            <a:schemeClr val="accent1"/>
+          </a:lnRef>
+          <a:fillRef idx="0">
+            <a:schemeClr val="accent1"/>
+          </a:fillRef>
+          <a:effectRef idx="0">
+            <a:schemeClr val="accent1"/>
+          </a:effectRef>
+          <a:fontRef idx="minor">
+            <a:schemeClr val="tx1"/>
+          </a:fontRef>
+        </p:style>
+      </p:cxnSp>
+      <p:cxnSp>
+        <p:nvCxnSpPr>
+          <p:cNvPr id="8" name="Straight Connector 7"/>
+          <p:cNvCxnSpPr/>
+          <p:nvPr userDrawn="1"/>
+        </p:nvCxnSpPr>
+        <p:spPr>
+          <a:xfrm>
+            <a:off x="3124200" y="3423106"/>
+            <a:ext cx="3147418" cy="0"/>
+          </a:xfrm>
+          <a:prstGeom prst="line">
+            <a:avLst/>
+          </a:prstGeom>
+          <a:ln>
+            <a:solidFill>
+              <a:schemeClr val="bg1">
+                <a:lumMod val="75000"/>
+              </a:schemeClr>
+            </a:solidFill>
+          </a:ln>
+        </p:spPr>
+        <p:style>
+          <a:lnRef idx="1">
+            <a:schemeClr val="accent1"/>
+          </a:lnRef>
+          <a:fillRef idx="0">
+            <a:schemeClr val="accent1"/>
+          </a:fillRef>
+          <a:effectRef idx="0">
+            <a:schemeClr val="accent1"/>
+          </a:effectRef>
+          <a:fontRef idx="minor">
+            <a:schemeClr val="tx1"/>
+          </a:fontRef>
+        </p:style>
+      </p:cxnSp>
+      <p:cxnSp>
+        <p:nvCxnSpPr>
+          <p:cNvPr id="9" name="Straight Connector 8"/>
+          <p:cNvCxnSpPr/>
+          <p:nvPr userDrawn="1"/>
+        </p:nvCxnSpPr>
+        <p:spPr>
+          <a:xfrm>
+            <a:off x="3124200" y="3727906"/>
+            <a:ext cx="3147419" cy="0"/>
+          </a:xfrm>
+          <a:prstGeom prst="line">
+            <a:avLst/>
+          </a:prstGeom>
+          <a:ln>
+            <a:solidFill>
+              <a:schemeClr val="bg1">
+                <a:lumMod val="75000"/>
+              </a:schemeClr>
+            </a:solidFill>
+          </a:ln>
+        </p:spPr>
+        <p:style>
+          <a:lnRef idx="1">
+            <a:schemeClr val="accent1"/>
+          </a:lnRef>
+          <a:fillRef idx="0">
+            <a:schemeClr val="accent1"/>
+          </a:fillRef>
+          <a:effectRef idx="0">
+            <a:schemeClr val="accent1"/>
+          </a:effectRef>
+          <a:fontRef idx="minor">
+            <a:schemeClr val="tx1"/>
+          </a:fontRef>
+        </p:style>
+      </p:cxnSp>
+      <p:cxnSp>
+        <p:nvCxnSpPr>
+          <p:cNvPr id="10" name="Straight Connector 9"/>
+          <p:cNvCxnSpPr/>
+          <p:nvPr userDrawn="1"/>
+        </p:nvCxnSpPr>
+        <p:spPr>
+          <a:xfrm flipV="1">
+            <a:off x="3147419" y="2508706"/>
+            <a:ext cx="0" cy="1295400"/>
+          </a:xfrm>
+          <a:prstGeom prst="line">
+            <a:avLst/>
+          </a:prstGeom>
+          <a:ln>
+            <a:solidFill>
+              <a:schemeClr val="bg1">
+                <a:lumMod val="75000"/>
+              </a:schemeClr>
+            </a:solidFill>
+          </a:ln>
+        </p:spPr>
+        <p:style>
+          <a:lnRef idx="1">
+            <a:schemeClr val="accent1"/>
+          </a:lnRef>
+          <a:fillRef idx="0">
+            <a:schemeClr val="accent1"/>
+          </a:fillRef>
+          <a:effectRef idx="0">
+            <a:schemeClr val="accent1"/>
+          </a:effectRef>
+          <a:fontRef idx="minor">
+            <a:schemeClr val="tx1"/>
+          </a:fontRef>
+        </p:style>
+      </p:cxnSp>
+      <p:cxnSp>
+        <p:nvCxnSpPr>
+          <p:cNvPr id="11" name="Straight Connector 10"/>
+          <p:cNvCxnSpPr/>
+          <p:nvPr userDrawn="1"/>
+        </p:nvCxnSpPr>
+        <p:spPr>
+          <a:xfrm flipV="1">
+            <a:off x="3604619" y="3651706"/>
+            <a:ext cx="0" cy="152400"/>
+          </a:xfrm>
+          <a:prstGeom prst="line">
+            <a:avLst/>
+          </a:prstGeom>
+          <a:ln>
+            <a:solidFill>
+              <a:schemeClr val="bg1">
+                <a:lumMod val="75000"/>
+              </a:schemeClr>
+            </a:solidFill>
+          </a:ln>
+        </p:spPr>
+        <p:style>
+          <a:lnRef idx="1">
+            <a:schemeClr val="accent1"/>
+          </a:lnRef>
+          <a:fillRef idx="0">
+            <a:schemeClr val="accent1"/>
+          </a:fillRef>
+          <a:effectRef idx="0">
+            <a:schemeClr val="accent1"/>
+          </a:effectRef>
+          <a:fontRef idx="minor">
+            <a:schemeClr val="tx1"/>
+          </a:fontRef>
+        </p:style>
+      </p:cxnSp>
+      <p:cxnSp>
+        <p:nvCxnSpPr>
+          <p:cNvPr id="12" name="Straight Connector 11"/>
+          <p:cNvCxnSpPr/>
+          <p:nvPr userDrawn="1"/>
+        </p:nvCxnSpPr>
+        <p:spPr>
+          <a:xfrm flipV="1">
+            <a:off x="4138019" y="3651706"/>
+            <a:ext cx="0" cy="152400"/>
+          </a:xfrm>
+          <a:prstGeom prst="line">
+            <a:avLst/>
+          </a:prstGeom>
+          <a:ln>
+            <a:solidFill>
+              <a:schemeClr val="bg1">
+                <a:lumMod val="75000"/>
+              </a:schemeClr>
+            </a:solidFill>
+          </a:ln>
+        </p:spPr>
+        <p:style>
+          <a:lnRef idx="1">
+            <a:schemeClr val="accent1"/>
+          </a:lnRef>
+          <a:fillRef idx="0">
+            <a:schemeClr val="accent1"/>
+          </a:fillRef>
+          <a:effectRef idx="0">
+            <a:schemeClr val="accent1"/>
+          </a:effectRef>
+          <a:fontRef idx="minor">
+            <a:schemeClr val="tx1"/>
+          </a:fontRef>
+        </p:style>
+      </p:cxnSp>
+      <p:cxnSp>
+        <p:nvCxnSpPr>
+          <p:cNvPr id="13" name="Straight Connector 12"/>
+          <p:cNvCxnSpPr/>
+          <p:nvPr userDrawn="1"/>
+        </p:nvCxnSpPr>
+        <p:spPr>
+          <a:xfrm flipV="1">
+            <a:off x="4671419" y="3651706"/>
+            <a:ext cx="0" cy="152400"/>
+          </a:xfrm>
+          <a:prstGeom prst="line">
+            <a:avLst/>
+          </a:prstGeom>
+          <a:ln>
+            <a:solidFill>
+              <a:schemeClr val="bg1">
+                <a:lumMod val="75000"/>
+              </a:schemeClr>
+            </a:solidFill>
+          </a:ln>
+        </p:spPr>
+        <p:style>
+          <a:lnRef idx="1">
+            <a:schemeClr val="accent1"/>
+          </a:lnRef>
+          <a:fillRef idx="0">
+            <a:schemeClr val="accent1"/>
+          </a:fillRef>
+          <a:effectRef idx="0">
+            <a:schemeClr val="accent1"/>
+          </a:effectRef>
+          <a:fontRef idx="minor">
+            <a:schemeClr val="tx1"/>
+          </a:fontRef>
+        </p:style>
+      </p:cxnSp>
+      <p:cxnSp>
+        <p:nvCxnSpPr>
+          <p:cNvPr id="14" name="Straight Connector 13"/>
+          <p:cNvCxnSpPr/>
+          <p:nvPr userDrawn="1"/>
+        </p:nvCxnSpPr>
+        <p:spPr>
+          <a:xfrm flipV="1">
+            <a:off x="5204819" y="3651706"/>
+            <a:ext cx="0" cy="152400"/>
+          </a:xfrm>
+          <a:prstGeom prst="line">
+            <a:avLst/>
+          </a:prstGeom>
+          <a:ln>
+            <a:solidFill>
+              <a:schemeClr val="bg1">
+                <a:lumMod val="75000"/>
+              </a:schemeClr>
+            </a:solidFill>
+          </a:ln>
+        </p:spPr>
+        <p:style>
+          <a:lnRef idx="1">
+            <a:schemeClr val="accent1"/>
+          </a:lnRef>
+          <a:fillRef idx="0">
+            <a:schemeClr val="accent1"/>
+          </a:fillRef>
+          <a:effectRef idx="0">
+            <a:schemeClr val="accent1"/>
+          </a:effectRef>
+          <a:fontRef idx="minor">
+            <a:schemeClr val="tx1"/>
+          </a:fontRef>
+        </p:style>
+      </p:cxnSp>
+      <p:cxnSp>
+        <p:nvCxnSpPr>
+          <p:cNvPr id="15" name="Straight Connector 14"/>
+          <p:cNvCxnSpPr/>
+          <p:nvPr userDrawn="1"/>
+        </p:nvCxnSpPr>
+        <p:spPr>
+          <a:xfrm flipV="1">
+            <a:off x="5738219" y="3651706"/>
+            <a:ext cx="0" cy="152400"/>
+          </a:xfrm>
+          <a:prstGeom prst="line">
+            <a:avLst/>
+          </a:prstGeom>
+          <a:ln>
+            <a:solidFill>
+              <a:schemeClr val="bg1">
+                <a:lumMod val="75000"/>
+              </a:schemeClr>
+            </a:solidFill>
+          </a:ln>
+        </p:spPr>
+        <p:style>
+          <a:lnRef idx="1">
+            <a:schemeClr val="accent1"/>
+          </a:lnRef>
+          <a:fillRef idx="0">
+            <a:schemeClr val="accent1"/>
+          </a:fillRef>
+          <a:effectRef idx="0">
+            <a:schemeClr val="accent1"/>
+          </a:effectRef>
+          <a:fontRef idx="minor">
+            <a:schemeClr val="tx1"/>
+          </a:fontRef>
+        </p:style>
+      </p:cxnSp>
+      <p:cxnSp>
+        <p:nvCxnSpPr>
+          <p:cNvPr id="16" name="Straight Connector 15"/>
+          <p:cNvCxnSpPr/>
+          <p:nvPr userDrawn="1"/>
+        </p:nvCxnSpPr>
+        <p:spPr>
+          <a:xfrm flipV="1">
+            <a:off x="6271619" y="3651706"/>
+            <a:ext cx="0" cy="152400"/>
+          </a:xfrm>
+          <a:prstGeom prst="line">
+            <a:avLst/>
+          </a:prstGeom>
+          <a:ln>
+            <a:solidFill>
+              <a:schemeClr val="bg1">
+                <a:lumMod val="75000"/>
+              </a:schemeClr>
+            </a:solidFill>
+          </a:ln>
+        </p:spPr>
+        <p:style>
+          <a:lnRef idx="1">
+            <a:schemeClr val="accent1"/>
+          </a:lnRef>
+          <a:fillRef idx="0">
+            <a:schemeClr val="accent1"/>
+          </a:fillRef>
+          <a:effectRef idx="0">
+            <a:schemeClr val="accent1"/>
+          </a:effectRef>
+          <a:fontRef idx="minor">
+            <a:schemeClr val="tx1"/>
+          </a:fontRef>
+        </p:style>
+      </p:cxnSp>
+      <p:sp>
+        <p:nvSpPr>
+          <p:cNvPr id="17" name="TextBox 16"/>
+          <p:cNvSpPr txBox="1"/>
+          <p:nvPr userDrawn="1"/>
+        </p:nvSpPr>
+        <p:spPr>
+          <a:xfrm>
+            <a:off x="2803414" y="3804106"/>
+            <a:ext cx="688009" cy="215444"/>
+          </a:xfrm>
+          <a:prstGeom prst="rect">
+            <a:avLst/>
+          </a:prstGeom>
+          <a:noFill/>
+        </p:spPr>
+        <p:txBody>
+          <a:bodyPr wrap="none" rtlCol="0">
+            <a:spAutoFit/>
+          </a:bodyPr>
+          <a:lstStyle/>
+          <a:p>
+            <a:pPr algn="ctr"/>
+            <a:r>
+              <a:rPr lang="en-US" sz="800" b="1" dirty="0" smtClean="0">
+                <a:latin typeface="Segoe UI" pitchFamily="34" charset="0"/>
+                <a:ea typeface="Segoe UI" pitchFamily="34" charset="0"/>
+                <a:cs typeface="Segoe UI" pitchFamily="34" charset="0"/>
+              </a:rPr>
+              <a:t>Admission</a:t>
+            </a:r>
+            <a:endParaRPr lang="en-US" sz="800" b="1" dirty="0">
+              <a:latin typeface="Segoe UI" pitchFamily="34" charset="0"/>
+              <a:ea typeface="Segoe UI" pitchFamily="34" charset="0"/>
+              <a:cs typeface="Segoe UI" pitchFamily="34" charset="0"/>
+            </a:endParaRPr>
+          </a:p>
+        </p:txBody>
+      </p:sp>
+      <p:sp>
+        <p:nvSpPr>
+          <p:cNvPr id="18" name="TextBox 17"/>
+          <p:cNvSpPr txBox="1"/>
+          <p:nvPr userDrawn="1"/>
+        </p:nvSpPr>
+        <p:spPr>
+          <a:xfrm>
+            <a:off x="3452975" y="3804106"/>
+            <a:ext cx="303288" cy="215444"/>
+          </a:xfrm>
+          <a:prstGeom prst="rect">
+            <a:avLst/>
+          </a:prstGeom>
+          <a:noFill/>
+        </p:spPr>
+        <p:txBody>
+          <a:bodyPr wrap="none" rtlCol="0">
+            <a:spAutoFit/>
+          </a:bodyPr>
+          <a:lstStyle/>
+          <a:p>
+            <a:pPr algn="ctr"/>
+            <a:r>
+              <a:rPr lang="en-US" sz="800" b="1" dirty="0" smtClean="0">
+                <a:latin typeface="Segoe UI" pitchFamily="34" charset="0"/>
+                <a:ea typeface="Segoe UI" pitchFamily="34" charset="0"/>
+                <a:cs typeface="Segoe UI" pitchFamily="34" charset="0"/>
+              </a:rPr>
+              <a:t>12</a:t>
+            </a:r>
+            <a:endParaRPr lang="en-US" sz="800" b="1" dirty="0">
+              <a:latin typeface="Segoe UI" pitchFamily="34" charset="0"/>
+              <a:ea typeface="Segoe UI" pitchFamily="34" charset="0"/>
+              <a:cs typeface="Segoe UI" pitchFamily="34" charset="0"/>
+            </a:endParaRPr>
+          </a:p>
+        </p:txBody>
+      </p:sp>
+      <p:sp>
+        <p:nvSpPr>
+          <p:cNvPr id="19" name="TextBox 18"/>
+          <p:cNvSpPr txBox="1"/>
+          <p:nvPr userDrawn="1"/>
+        </p:nvSpPr>
+        <p:spPr>
+          <a:xfrm>
+            <a:off x="3900453" y="3804106"/>
+            <a:ext cx="466794" cy="246221"/>
+          </a:xfrm>
+          <a:prstGeom prst="rect">
+            <a:avLst/>
+          </a:prstGeom>
+          <a:noFill/>
+        </p:spPr>
+        <p:txBody>
+          <a:bodyPr wrap="none" rtlCol="0">
+            <a:spAutoFit/>
+          </a:bodyPr>
+          <a:lstStyle/>
+          <a:p>
+            <a:pPr algn="ctr"/>
+            <a:r>
+              <a:rPr lang="en-US" sz="1000" b="1" u="sng" dirty="0" smtClean="0">
+                <a:latin typeface="Segoe UI" pitchFamily="34" charset="0"/>
+                <a:ea typeface="Segoe UI" pitchFamily="34" charset="0"/>
+                <a:cs typeface="Segoe UI" pitchFamily="34" charset="0"/>
+              </a:rPr>
+              <a:t>Now</a:t>
+            </a:r>
+            <a:endParaRPr lang="en-US" sz="1000" b="1" u="sng" dirty="0">
+              <a:latin typeface="Segoe UI" pitchFamily="34" charset="0"/>
+              <a:ea typeface="Segoe UI" pitchFamily="34" charset="0"/>
+              <a:cs typeface="Segoe UI" pitchFamily="34" charset="0"/>
+            </a:endParaRPr>
+          </a:p>
+        </p:txBody>
+      </p:sp>
+      <p:sp>
+        <p:nvSpPr>
+          <p:cNvPr id="20" name="TextBox 19"/>
+          <p:cNvSpPr txBox="1"/>
+          <p:nvPr userDrawn="1"/>
+        </p:nvSpPr>
+        <p:spPr>
+          <a:xfrm>
+            <a:off x="4528940" y="3804106"/>
+            <a:ext cx="303288" cy="215444"/>
+          </a:xfrm>
+          <a:prstGeom prst="rect">
+            <a:avLst/>
+          </a:prstGeom>
+          <a:noFill/>
+        </p:spPr>
+        <p:txBody>
+          <a:bodyPr wrap="none" rtlCol="0">
+            <a:spAutoFit/>
+          </a:bodyPr>
+          <a:lstStyle/>
+          <a:p>
+            <a:pPr algn="ctr"/>
+            <a:r>
+              <a:rPr lang="en-US" sz="800" b="1" dirty="0" smtClean="0">
+                <a:latin typeface="Segoe UI" pitchFamily="34" charset="0"/>
+                <a:ea typeface="Segoe UI" pitchFamily="34" charset="0"/>
+                <a:cs typeface="Segoe UI" pitchFamily="34" charset="0"/>
+              </a:rPr>
+              <a:t>36</a:t>
+            </a:r>
+            <a:endParaRPr lang="en-US" sz="800" b="1" dirty="0">
+              <a:latin typeface="Segoe UI" pitchFamily="34" charset="0"/>
+              <a:ea typeface="Segoe UI" pitchFamily="34" charset="0"/>
+              <a:cs typeface="Segoe UI" pitchFamily="34" charset="0"/>
+            </a:endParaRPr>
+          </a:p>
+        </p:txBody>
+      </p:sp>
+      <p:sp>
+        <p:nvSpPr>
+          <p:cNvPr id="21" name="TextBox 20"/>
+          <p:cNvSpPr txBox="1"/>
+          <p:nvPr userDrawn="1"/>
+        </p:nvSpPr>
+        <p:spPr>
+          <a:xfrm>
+            <a:off x="5053174" y="3804106"/>
+            <a:ext cx="303288" cy="215444"/>
+          </a:xfrm>
+          <a:prstGeom prst="rect">
+            <a:avLst/>
+          </a:prstGeom>
+          <a:noFill/>
+        </p:spPr>
+        <p:txBody>
+          <a:bodyPr wrap="none" rtlCol="0">
+            <a:spAutoFit/>
+          </a:bodyPr>
+          <a:lstStyle/>
+          <a:p>
+            <a:pPr algn="ctr"/>
+            <a:r>
+              <a:rPr lang="en-US" sz="800" b="1" dirty="0" smtClean="0">
+                <a:latin typeface="Segoe UI" pitchFamily="34" charset="0"/>
+                <a:ea typeface="Segoe UI" pitchFamily="34" charset="0"/>
+                <a:cs typeface="Segoe UI" pitchFamily="34" charset="0"/>
+              </a:rPr>
+              <a:t>48</a:t>
+            </a:r>
+            <a:endParaRPr lang="en-US" sz="800" b="1" dirty="0">
+              <a:latin typeface="Segoe UI" pitchFamily="34" charset="0"/>
+              <a:ea typeface="Segoe UI" pitchFamily="34" charset="0"/>
+              <a:cs typeface="Segoe UI" pitchFamily="34" charset="0"/>
+            </a:endParaRPr>
+          </a:p>
+        </p:txBody>
+      </p:sp>
+      <p:sp>
+        <p:nvSpPr>
+          <p:cNvPr id="22" name="TextBox 21"/>
+          <p:cNvSpPr txBox="1"/>
+          <p:nvPr userDrawn="1"/>
+        </p:nvSpPr>
+        <p:spPr>
+          <a:xfrm>
+            <a:off x="5586574" y="3804106"/>
+            <a:ext cx="303288" cy="215444"/>
+          </a:xfrm>
+          <a:prstGeom prst="rect">
+            <a:avLst/>
+          </a:prstGeom>
+          <a:noFill/>
+        </p:spPr>
+        <p:txBody>
+          <a:bodyPr wrap="none" rtlCol="0">
+            <a:spAutoFit/>
+          </a:bodyPr>
+          <a:lstStyle/>
+          <a:p>
+            <a:pPr algn="ctr"/>
+            <a:r>
+              <a:rPr lang="en-US" sz="800" b="1" dirty="0" smtClean="0">
+                <a:latin typeface="Segoe UI" pitchFamily="34" charset="0"/>
+                <a:ea typeface="Segoe UI" pitchFamily="34" charset="0"/>
+                <a:cs typeface="Segoe UI" pitchFamily="34" charset="0"/>
+              </a:rPr>
+              <a:t>60</a:t>
+            </a:r>
+            <a:endParaRPr lang="en-US" sz="800" b="1" dirty="0">
+              <a:latin typeface="Segoe UI" pitchFamily="34" charset="0"/>
+              <a:ea typeface="Segoe UI" pitchFamily="34" charset="0"/>
+              <a:cs typeface="Segoe UI" pitchFamily="34" charset="0"/>
+            </a:endParaRPr>
+          </a:p>
+        </p:txBody>
+      </p:sp>
+      <p:sp>
+        <p:nvSpPr>
+          <p:cNvPr id="23" name="TextBox 22"/>
+          <p:cNvSpPr txBox="1"/>
+          <p:nvPr userDrawn="1"/>
+        </p:nvSpPr>
+        <p:spPr>
+          <a:xfrm>
+            <a:off x="6119974" y="3804106"/>
+            <a:ext cx="303288" cy="215444"/>
+          </a:xfrm>
+          <a:prstGeom prst="rect">
+            <a:avLst/>
+          </a:prstGeom>
+          <a:noFill/>
+        </p:spPr>
+        <p:txBody>
+          <a:bodyPr wrap="none" rtlCol="0">
+            <a:spAutoFit/>
+          </a:bodyPr>
+          <a:lstStyle/>
+          <a:p>
+            <a:pPr algn="ctr"/>
+            <a:r>
+              <a:rPr lang="en-US" sz="800" b="1" dirty="0" smtClean="0">
+                <a:latin typeface="Segoe UI" pitchFamily="34" charset="0"/>
+                <a:ea typeface="Segoe UI" pitchFamily="34" charset="0"/>
+                <a:cs typeface="Segoe UI" pitchFamily="34" charset="0"/>
+              </a:rPr>
+              <a:t>72</a:t>
+            </a:r>
+            <a:endParaRPr lang="en-US" sz="800" b="1" dirty="0">
+              <a:latin typeface="Segoe UI" pitchFamily="34" charset="0"/>
+              <a:ea typeface="Segoe UI" pitchFamily="34" charset="0"/>
+              <a:cs typeface="Segoe UI" pitchFamily="34" charset="0"/>
+            </a:endParaRPr>
+          </a:p>
+        </p:txBody>
+      </p:sp>
+      <p:sp>
+        <p:nvSpPr>
+          <p:cNvPr id="24" name="TextBox 23"/>
+          <p:cNvSpPr txBox="1"/>
+          <p:nvPr userDrawn="1"/>
+        </p:nvSpPr>
+        <p:spPr>
+          <a:xfrm>
+            <a:off x="2903441" y="3614062"/>
+            <a:ext cx="243978" cy="215444"/>
+          </a:xfrm>
+          <a:prstGeom prst="rect">
+            <a:avLst/>
+          </a:prstGeom>
+          <a:noFill/>
+        </p:spPr>
+        <p:txBody>
+          <a:bodyPr wrap="none" rtlCol="0">
+            <a:spAutoFit/>
+          </a:bodyPr>
+          <a:lstStyle/>
+          <a:p>
+            <a:pPr algn="r"/>
+            <a:r>
+              <a:rPr lang="en-US" sz="800" b="1" dirty="0">
+                <a:latin typeface="Segoe UI" pitchFamily="34" charset="0"/>
+                <a:ea typeface="Segoe UI" pitchFamily="34" charset="0"/>
+                <a:cs typeface="Segoe UI" pitchFamily="34" charset="0"/>
+              </a:rPr>
+              <a:t>1</a:t>
+            </a:r>
+          </a:p>
+        </p:txBody>
+      </p:sp>
+      <p:sp>
+        <p:nvSpPr>
+          <p:cNvPr id="25" name="TextBox 24"/>
+          <p:cNvSpPr txBox="1"/>
+          <p:nvPr userDrawn="1"/>
+        </p:nvSpPr>
+        <p:spPr>
+          <a:xfrm flipH="1">
+            <a:off x="2894991" y="3315384"/>
+            <a:ext cx="252427" cy="215444"/>
+          </a:xfrm>
+          <a:prstGeom prst="rect">
+            <a:avLst/>
+          </a:prstGeom>
+          <a:noFill/>
+        </p:spPr>
+        <p:txBody>
+          <a:bodyPr wrap="square" rtlCol="0">
+            <a:spAutoFit/>
+          </a:bodyPr>
+          <a:lstStyle/>
+          <a:p>
+            <a:pPr algn="r"/>
+            <a:r>
+              <a:rPr lang="en-US" sz="800" b="1" dirty="0" smtClean="0">
+                <a:latin typeface="Segoe UI" pitchFamily="34" charset="0"/>
+                <a:ea typeface="Segoe UI" pitchFamily="34" charset="0"/>
+                <a:cs typeface="Segoe UI" pitchFamily="34" charset="0"/>
+              </a:rPr>
+              <a:t>2</a:t>
+            </a:r>
+            <a:endParaRPr lang="en-US" sz="800" b="1" dirty="0">
+              <a:latin typeface="Segoe UI" pitchFamily="34" charset="0"/>
+              <a:ea typeface="Segoe UI" pitchFamily="34" charset="0"/>
+              <a:cs typeface="Segoe UI" pitchFamily="34" charset="0"/>
+            </a:endParaRPr>
+          </a:p>
+        </p:txBody>
+      </p:sp>
+      <p:sp>
+        <p:nvSpPr>
+          <p:cNvPr id="26" name="TextBox 25"/>
+          <p:cNvSpPr txBox="1"/>
+          <p:nvPr userDrawn="1"/>
+        </p:nvSpPr>
+        <p:spPr>
+          <a:xfrm flipH="1">
+            <a:off x="2890741" y="3010584"/>
+            <a:ext cx="252427" cy="215444"/>
+          </a:xfrm>
+          <a:prstGeom prst="rect">
+            <a:avLst/>
+          </a:prstGeom>
+          <a:noFill/>
+        </p:spPr>
+        <p:txBody>
+          <a:bodyPr wrap="square" rtlCol="0">
+            <a:spAutoFit/>
+          </a:bodyPr>
+          <a:lstStyle/>
+          <a:p>
+            <a:pPr algn="r"/>
+            <a:r>
+              <a:rPr lang="en-US" sz="800" b="1" dirty="0">
+                <a:latin typeface="Segoe UI" pitchFamily="34" charset="0"/>
+                <a:ea typeface="Segoe UI" pitchFamily="34" charset="0"/>
+                <a:cs typeface="Segoe UI" pitchFamily="34" charset="0"/>
+              </a:rPr>
+              <a:t>3</a:t>
+            </a:r>
+          </a:p>
+        </p:txBody>
+      </p:sp>
+      <p:sp>
+        <p:nvSpPr>
+          <p:cNvPr id="27" name="TextBox 26"/>
+          <p:cNvSpPr txBox="1"/>
+          <p:nvPr userDrawn="1"/>
+        </p:nvSpPr>
+        <p:spPr>
+          <a:xfrm flipH="1">
+            <a:off x="2890741" y="2705784"/>
+            <a:ext cx="252427" cy="215444"/>
+          </a:xfrm>
+          <a:prstGeom prst="rect">
+            <a:avLst/>
+          </a:prstGeom>
+          <a:noFill/>
+        </p:spPr>
+        <p:txBody>
+          <a:bodyPr wrap="square" rtlCol="0">
+            <a:spAutoFit/>
+          </a:bodyPr>
+          <a:lstStyle/>
+          <a:p>
+            <a:pPr algn="r"/>
+            <a:r>
+              <a:rPr lang="en-US" sz="800" b="1" dirty="0" smtClean="0">
+                <a:latin typeface="Segoe UI" pitchFamily="34" charset="0"/>
+                <a:ea typeface="Segoe UI" pitchFamily="34" charset="0"/>
+                <a:cs typeface="Segoe UI" pitchFamily="34" charset="0"/>
+              </a:rPr>
+              <a:t>4</a:t>
+            </a:r>
+            <a:endParaRPr lang="en-US" sz="800" b="1" dirty="0">
+              <a:latin typeface="Segoe UI" pitchFamily="34" charset="0"/>
+              <a:ea typeface="Segoe UI" pitchFamily="34" charset="0"/>
+              <a:cs typeface="Segoe UI" pitchFamily="34" charset="0"/>
+            </a:endParaRPr>
+          </a:p>
+        </p:txBody>
+      </p:sp>
+      <p:sp>
+        <p:nvSpPr>
+          <p:cNvPr id="28" name="TextBox 27"/>
+          <p:cNvSpPr txBox="1"/>
+          <p:nvPr userDrawn="1"/>
+        </p:nvSpPr>
+        <p:spPr>
+          <a:xfrm flipH="1">
+            <a:off x="2904227" y="2400984"/>
+            <a:ext cx="252427" cy="215444"/>
+          </a:xfrm>
+          <a:prstGeom prst="rect">
+            <a:avLst/>
+          </a:prstGeom>
+          <a:noFill/>
+        </p:spPr>
+        <p:txBody>
+          <a:bodyPr wrap="square" rtlCol="0">
+            <a:spAutoFit/>
+          </a:bodyPr>
+          <a:lstStyle/>
+          <a:p>
+            <a:pPr algn="r"/>
+            <a:r>
+              <a:rPr lang="en-US" sz="800" b="1" dirty="0">
+                <a:latin typeface="Segoe UI" pitchFamily="34" charset="0"/>
+                <a:ea typeface="Segoe UI" pitchFamily="34" charset="0"/>
+                <a:cs typeface="Segoe UI" pitchFamily="34" charset="0"/>
+              </a:rPr>
+              <a:t>5</a:t>
+            </a:r>
+          </a:p>
+        </p:txBody>
+      </p:sp>
+    </p:spTree>
+    <p:extLst>
+      <p:ext uri="{BB962C8B-B14F-4D97-AF65-F5344CB8AC3E}">
+        <p14:creationId xmlns:p14="http://schemas.microsoft.com/office/powerpoint/2010/main" val="601954741"/>
+      </p:ext>
+    </p:extLst>
+  </p:cSld>
+  <p:clrMapOvr>
+    <a:masterClrMapping/>
+  </p:clrMapOvr>
+</p:sldLayout>
+</file>
+
+<file path=ppt/slideLayouts/slideLayout5.xml><?xml version="1.0" encoding="utf-8"?>
 <p:sldLayout xmlns:a="http://schemas.openxmlformats.org/drawingml/2006/main" xmlns:r="http://schemas.openxmlformats.org/officeDocument/2006/relationships" xmlns:p="http://schemas.openxmlformats.org/presentationml/2006/main" type="blank" preserve="1">
   <p:cSld name="1_Graph Base">
     <p:spTree>
@@ -1294,7 +3351,7 @@
           <a:p>
             <a:fld id="{46B0DD1D-ED37-4907-8AD7-C556D0397C4A}" type="datetimeFigureOut">
               <a:rPr lang="en-US" smtClean="0"/>
-              <a:t>2/25/2013</a:t>
+              <a:t>5/15/2013</a:t>
             </a:fld>
             <a:endParaRPr lang="en-US"/>
           </a:p>
@@ -2039,7 +4096,7 @@
           <a:p>
             <a:fld id="{46B0DD1D-ED37-4907-8AD7-C556D0397C4A}" type="datetimeFigureOut">
               <a:rPr lang="en-US" smtClean="0"/>
-              <a:t>2/25/2013</a:t>
+              <a:t>5/15/2013</a:t>
             </a:fld>
             <a:endParaRPr lang="en-US"/>
           </a:p>
@@ -2134,7 +4191,9 @@
   <p:sldLayoutIdLst>
     <p:sldLayoutId id="2147483655" r:id="rId1"/>
     <p:sldLayoutId id="2147483656" r:id="rId2"/>
-    <p:sldLayoutId id="2147483657" r:id="rId3"/>
+    <p:sldLayoutId id="2147483659" r:id="rId3"/>
+    <p:sldLayoutId id="2147483658" r:id="rId4"/>
+    <p:sldLayoutId id="2147483657" r:id="rId5"/>
   </p:sldLayoutIdLst>
   <p:txStyles>
     <p:titleStyle>
@@ -3141,16 +5200,16 @@
           <p:nvPr/>
         </p:nvCxnSpPr>
         <p:spPr>
-          <a:xfrm flipV="1">
-            <a:off x="3124200" y="2819400"/>
-            <a:ext cx="457200" cy="306177"/>
+          <a:xfrm>
+            <a:off x="3138174" y="3124200"/>
+            <a:ext cx="504186" cy="283051"/>
           </a:xfrm>
           <a:prstGeom prst="line">
             <a:avLst/>
           </a:prstGeom>
           <a:ln>
-            <a:headEnd type="oval" w="med" len="med"/>
-            <a:tailEnd type="oval" w="med" len="med"/>
+            <a:headEnd type="oval"/>
+            <a:tailEnd type="oval"/>
           </a:ln>
         </p:spPr>
         <p:style>
@@ -3176,15 +5235,15 @@
         </p:nvCxnSpPr>
         <p:spPr>
           <a:xfrm>
-            <a:off x="3581400" y="2819400"/>
-            <a:ext cx="571500" cy="609600"/>
+            <a:off x="3642360" y="3407251"/>
+            <a:ext cx="510540" cy="326549"/>
           </a:xfrm>
           <a:prstGeom prst="line">
             <a:avLst/>
           </a:prstGeom>
           <a:ln>
-            <a:headEnd type="oval" w="med" len="med"/>
-            <a:tailEnd type="oval" w="med" len="med"/>
+            <a:headEnd type="oval"/>
+            <a:tailEnd type="oval"/>
           </a:ln>
         </p:spPr>
         <p:style>
@@ -3204,6 +5263,166 @@
       </p:cxnSp>
       <p:cxnSp>
         <p:nvCxnSpPr>
+          <p:cNvPr id="6" name="Straight Connector 5"/>
+          <p:cNvCxnSpPr/>
+          <p:nvPr/>
+        </p:nvCxnSpPr>
+        <p:spPr>
+          <a:xfrm>
+            <a:off x="4153654" y="3733800"/>
+            <a:ext cx="521216" cy="0"/>
+          </a:xfrm>
+          <a:prstGeom prst="line">
+            <a:avLst/>
+          </a:prstGeom>
+          <a:ln>
+            <a:solidFill>
+              <a:schemeClr val="accent2">
+                <a:lumMod val="75000"/>
+              </a:schemeClr>
+            </a:solidFill>
+            <a:prstDash val="sysDot"/>
+            <a:headEnd type="oval"/>
+            <a:tailEnd type="oval"/>
+          </a:ln>
+        </p:spPr>
+        <p:style>
+          <a:lnRef idx="3">
+            <a:schemeClr val="dk1"/>
+          </a:lnRef>
+          <a:fillRef idx="0">
+            <a:schemeClr val="dk1"/>
+          </a:fillRef>
+          <a:effectRef idx="2">
+            <a:schemeClr val="dk1"/>
+          </a:effectRef>
+          <a:fontRef idx="minor">
+            <a:schemeClr val="tx1"/>
+          </a:fontRef>
+        </p:style>
+      </p:cxnSp>
+      <p:cxnSp>
+        <p:nvCxnSpPr>
+          <p:cNvPr id="7" name="Straight Connector 6"/>
+          <p:cNvCxnSpPr/>
+          <p:nvPr/>
+        </p:nvCxnSpPr>
+        <p:spPr>
+          <a:xfrm>
+            <a:off x="4674870" y="3733800"/>
+            <a:ext cx="529590" cy="0"/>
+          </a:xfrm>
+          <a:prstGeom prst="line">
+            <a:avLst/>
+          </a:prstGeom>
+          <a:ln>
+            <a:solidFill>
+              <a:schemeClr val="accent2">
+                <a:lumMod val="75000"/>
+              </a:schemeClr>
+            </a:solidFill>
+            <a:prstDash val="sysDot"/>
+            <a:headEnd type="oval"/>
+            <a:tailEnd type="oval"/>
+          </a:ln>
+        </p:spPr>
+        <p:style>
+          <a:lnRef idx="3">
+            <a:schemeClr val="dk1"/>
+          </a:lnRef>
+          <a:fillRef idx="0">
+            <a:schemeClr val="dk1"/>
+          </a:fillRef>
+          <a:effectRef idx="2">
+            <a:schemeClr val="dk1"/>
+          </a:effectRef>
+          <a:fontRef idx="minor">
+            <a:schemeClr val="tx1"/>
+          </a:fontRef>
+        </p:style>
+      </p:cxnSp>
+      <p:cxnSp>
+        <p:nvCxnSpPr>
+          <p:cNvPr id="8" name="Straight Connector 7"/>
+          <p:cNvCxnSpPr/>
+          <p:nvPr/>
+        </p:nvCxnSpPr>
+        <p:spPr>
+          <a:xfrm flipV="1">
+            <a:off x="5204460" y="3407251"/>
+            <a:ext cx="502741" cy="326549"/>
+          </a:xfrm>
+          <a:prstGeom prst="line">
+            <a:avLst/>
+          </a:prstGeom>
+          <a:ln>
+            <a:solidFill>
+              <a:schemeClr val="accent2">
+                <a:lumMod val="75000"/>
+              </a:schemeClr>
+            </a:solidFill>
+            <a:prstDash val="sysDot"/>
+            <a:headEnd type="oval"/>
+            <a:tailEnd type="oval"/>
+          </a:ln>
+        </p:spPr>
+        <p:style>
+          <a:lnRef idx="3">
+            <a:schemeClr val="dk1"/>
+          </a:lnRef>
+          <a:fillRef idx="0">
+            <a:schemeClr val="dk1"/>
+          </a:fillRef>
+          <a:effectRef idx="2">
+            <a:schemeClr val="dk1"/>
+          </a:effectRef>
+          <a:fontRef idx="minor">
+            <a:schemeClr val="tx1"/>
+          </a:fontRef>
+        </p:style>
+      </p:cxnSp>
+      <p:cxnSp>
+        <p:nvCxnSpPr>
+          <p:cNvPr id="9" name="Straight Connector 8"/>
+          <p:cNvCxnSpPr/>
+          <p:nvPr/>
+        </p:nvCxnSpPr>
+        <p:spPr>
+          <a:xfrm flipV="1">
+            <a:off x="5707201" y="3214846"/>
+            <a:ext cx="561525" cy="192405"/>
+          </a:xfrm>
+          <a:prstGeom prst="line">
+            <a:avLst/>
+          </a:prstGeom>
+          <a:ln>
+            <a:solidFill>
+              <a:schemeClr val="accent2">
+                <a:lumMod val="75000"/>
+              </a:schemeClr>
+            </a:solidFill>
+            <a:prstDash val="sysDot"/>
+            <a:headEnd type="oval"/>
+            <a:tailEnd type="oval"/>
+          </a:ln>
+        </p:spPr>
+        <p:style>
+          <a:lnRef idx="3">
+            <a:schemeClr val="dk1"/>
+          </a:lnRef>
+          <a:fillRef idx="0">
+            <a:schemeClr val="dk1"/>
+          </a:fillRef>
+          <a:effectRef idx="2">
+            <a:schemeClr val="dk1"/>
+          </a:effectRef>
+          <a:fontRef idx="minor">
+            <a:schemeClr val="tx1"/>
+          </a:fontRef>
+        </p:style>
+      </p:cxnSp>
+      <p:cxnSp>
+        <p:nvCxnSpPr>
           <p:cNvPr id="10" name="Straight Connector 9"/>
           <p:cNvCxnSpPr/>
           <p:nvPr/>
@@ -3237,7 +5456,45 @@
       </p:cxnSp>
       <p:sp>
         <p:nvSpPr>
-          <p:cNvPr id="6" name="TextBox 5"/>
+          <p:cNvPr id="11" name="TextBox 10"/>
+          <p:cNvSpPr txBox="1"/>
+          <p:nvPr/>
+        </p:nvSpPr>
+        <p:spPr>
+          <a:xfrm>
+            <a:off x="4153654" y="2522097"/>
+            <a:ext cx="633761" cy="215444"/>
+          </a:xfrm>
+          <a:prstGeom prst="rect">
+            <a:avLst/>
+          </a:prstGeom>
+          <a:noFill/>
+        </p:spPr>
+        <p:txBody>
+          <a:bodyPr wrap="square" rtlCol="0">
+            <a:spAutoFit/>
+          </a:bodyPr>
+          <a:lstStyle/>
+          <a:p>
+            <a:r>
+              <a:rPr lang="en-US" sz="800" dirty="0" smtClean="0">
+                <a:latin typeface="Tahoma" pitchFamily="34" charset="0"/>
+                <a:ea typeface="Tahoma" pitchFamily="34" charset="0"/>
+                <a:cs typeface="Tahoma" pitchFamily="34" charset="0"/>
+              </a:rPr>
+              <a:t>Projected</a:t>
+            </a:r>
+            <a:endParaRPr lang="en-US" sz="800" dirty="0">
+              <a:latin typeface="Tahoma" pitchFamily="34" charset="0"/>
+              <a:ea typeface="Tahoma" pitchFamily="34" charset="0"/>
+              <a:cs typeface="Tahoma" pitchFamily="34" charset="0"/>
+            </a:endParaRPr>
+          </a:p>
+        </p:txBody>
+      </p:sp>
+      <p:sp>
+        <p:nvSpPr>
+          <p:cNvPr id="13" name="TextBox 12"/>
           <p:cNvSpPr txBox="1"/>
           <p:nvPr/>
         </p:nvSpPr>
@@ -3276,7 +5533,7 @@
       </p:sp>
       <p:sp>
         <p:nvSpPr>
-          <p:cNvPr id="7" name="TextBox 6"/>
+          <p:cNvPr id="14" name="TextBox 13"/>
           <p:cNvSpPr txBox="1"/>
           <p:nvPr/>
         </p:nvSpPr>
@@ -3315,7 +5572,7 @@
       </p:sp>
       <p:sp>
         <p:nvSpPr>
-          <p:cNvPr id="8" name="TextBox 7"/>
+          <p:cNvPr id="15" name="TextBox 14"/>
           <p:cNvSpPr txBox="1"/>
           <p:nvPr/>
         </p:nvSpPr>
@@ -3354,13 +5611,13 @@
       </p:sp>
       <p:cxnSp>
         <p:nvCxnSpPr>
-          <p:cNvPr id="9" name="Straight Connector 8"/>
+          <p:cNvPr id="16" name="Straight Connector 15"/>
           <p:cNvCxnSpPr/>
           <p:nvPr/>
         </p:nvCxnSpPr>
         <p:spPr>
           <a:xfrm>
-            <a:off x="3124200" y="3125578"/>
+            <a:off x="3138174" y="2514600"/>
             <a:ext cx="3150870" cy="0"/>
           </a:xfrm>
           <a:prstGeom prst="line">
@@ -3368,7 +5625,10 @@
           </a:prstGeom>
           <a:ln w="38100" cap="rnd">
             <a:solidFill>
-              <a:schemeClr val="tx1"/>
+              <a:schemeClr val="tx1">
+                <a:lumMod val="95000"/>
+                <a:lumOff val="5000"/>
+              </a:schemeClr>
             </a:solidFill>
             <a:prstDash val="dash"/>
           </a:ln>
@@ -3388,9 +5648,233 @@
           </a:fontRef>
         </p:style>
       </p:cxnSp>
-      <p:sp>
-        <p:nvSpPr>
-          <p:cNvPr id="11" name="TextBox 10"/>
+      <p:grpSp>
+        <p:nvGrpSpPr>
+          <p:cNvPr id="39" name="Group 38"/>
+          <p:cNvGrpSpPr/>
+          <p:nvPr/>
+        </p:nvGrpSpPr>
+        <p:grpSpPr>
+          <a:xfrm>
+            <a:off x="2694483" y="5105400"/>
+            <a:ext cx="559099" cy="228600"/>
+            <a:chOff x="2717501" y="4546743"/>
+            <a:chExt cx="3226099" cy="1320657"/>
+          </a:xfrm>
+        </p:grpSpPr>
+        <p:cxnSp>
+          <p:nvCxnSpPr>
+            <p:cNvPr id="27" name="Straight Connector 26"/>
+            <p:cNvCxnSpPr/>
+            <p:nvPr/>
+          </p:nvCxnSpPr>
+          <p:spPr>
+            <a:xfrm>
+              <a:off x="2731475" y="4546743"/>
+              <a:ext cx="3150870" cy="0"/>
+            </a:xfrm>
+            <a:prstGeom prst="line">
+              <a:avLst/>
+            </a:prstGeom>
+            <a:ln w="38100">
+              <a:solidFill>
+                <a:schemeClr val="tx1"/>
+              </a:solidFill>
+              <a:prstDash val="sysDot"/>
+            </a:ln>
+          </p:spPr>
+          <p:style>
+            <a:lnRef idx="1">
+              <a:schemeClr val="accent1"/>
+            </a:lnRef>
+            <a:fillRef idx="0">
+              <a:schemeClr val="accent1"/>
+            </a:fillRef>
+            <a:effectRef idx="0">
+              <a:schemeClr val="accent1"/>
+            </a:effectRef>
+            <a:fontRef idx="minor">
+              <a:schemeClr val="tx1"/>
+            </a:fontRef>
+          </p:style>
+        </p:cxnSp>
+        <p:cxnSp>
+          <p:nvCxnSpPr>
+            <p:cNvPr id="28" name="Straight Connector 27"/>
+            <p:cNvCxnSpPr/>
+            <p:nvPr/>
+          </p:nvCxnSpPr>
+          <p:spPr>
+            <a:xfrm>
+              <a:off x="2731475" y="4546743"/>
+              <a:ext cx="0" cy="1320657"/>
+            </a:xfrm>
+            <a:prstGeom prst="line">
+              <a:avLst/>
+            </a:prstGeom>
+            <a:ln w="19050">
+              <a:solidFill>
+                <a:schemeClr val="tx1"/>
+              </a:solidFill>
+              <a:prstDash val="solid"/>
+            </a:ln>
+          </p:spPr>
+          <p:style>
+            <a:lnRef idx="1">
+              <a:schemeClr val="accent1"/>
+            </a:lnRef>
+            <a:fillRef idx="0">
+              <a:schemeClr val="accent1"/>
+            </a:fillRef>
+            <a:effectRef idx="0">
+              <a:schemeClr val="accent1"/>
+            </a:effectRef>
+            <a:fontRef idx="minor">
+              <a:schemeClr val="tx1"/>
+            </a:fontRef>
+          </p:style>
+        </p:cxnSp>
+        <p:cxnSp>
+          <p:nvCxnSpPr>
+            <p:cNvPr id="31" name="Straight Connector 30"/>
+            <p:cNvCxnSpPr/>
+            <p:nvPr/>
+          </p:nvCxnSpPr>
+          <p:spPr>
+            <a:xfrm flipH="1">
+              <a:off x="2731475" y="5867400"/>
+              <a:ext cx="3212125" cy="0"/>
+            </a:xfrm>
+            <a:prstGeom prst="line">
+              <a:avLst/>
+            </a:prstGeom>
+            <a:ln w="19050">
+              <a:solidFill>
+                <a:schemeClr val="tx1"/>
+              </a:solidFill>
+              <a:prstDash val="solid"/>
+            </a:ln>
+          </p:spPr>
+          <p:style>
+            <a:lnRef idx="1">
+              <a:schemeClr val="accent1"/>
+            </a:lnRef>
+            <a:fillRef idx="0">
+              <a:schemeClr val="accent1"/>
+            </a:fillRef>
+            <a:effectRef idx="0">
+              <a:schemeClr val="accent1"/>
+            </a:effectRef>
+            <a:fontRef idx="minor">
+              <a:schemeClr val="tx1"/>
+            </a:fontRef>
+          </p:style>
+        </p:cxnSp>
+        <p:cxnSp>
+          <p:nvCxnSpPr>
+            <p:cNvPr id="19" name="Straight Connector 18"/>
+            <p:cNvCxnSpPr/>
+            <p:nvPr/>
+          </p:nvCxnSpPr>
+          <p:spPr>
+            <a:xfrm>
+              <a:off x="3235661" y="5439394"/>
+              <a:ext cx="510540" cy="361950"/>
+            </a:xfrm>
+            <a:prstGeom prst="line">
+              <a:avLst/>
+            </a:prstGeom>
+            <a:ln w="57150"/>
+          </p:spPr>
+          <p:style>
+            <a:lnRef idx="1">
+              <a:schemeClr val="accent1"/>
+            </a:lnRef>
+            <a:fillRef idx="0">
+              <a:schemeClr val="accent1"/>
+            </a:fillRef>
+            <a:effectRef idx="0">
+              <a:schemeClr val="accent1"/>
+            </a:effectRef>
+            <a:fontRef idx="minor">
+              <a:schemeClr val="tx1"/>
+            </a:fontRef>
+          </p:style>
+        </p:cxnSp>
+        <p:cxnSp>
+          <p:nvCxnSpPr>
+            <p:cNvPr id="18" name="Straight Connector 17"/>
+            <p:cNvCxnSpPr/>
+            <p:nvPr/>
+          </p:nvCxnSpPr>
+          <p:spPr>
+            <a:xfrm>
+              <a:off x="2717501" y="5063474"/>
+              <a:ext cx="518160" cy="375920"/>
+            </a:xfrm>
+            <a:prstGeom prst="line">
+              <a:avLst/>
+            </a:prstGeom>
+            <a:ln w="57150"/>
+          </p:spPr>
+          <p:style>
+            <a:lnRef idx="1">
+              <a:schemeClr val="accent1"/>
+            </a:lnRef>
+            <a:fillRef idx="0">
+              <a:schemeClr val="accent1"/>
+            </a:fillRef>
+            <a:effectRef idx="0">
+              <a:schemeClr val="accent1"/>
+            </a:effectRef>
+            <a:fontRef idx="minor">
+              <a:schemeClr val="tx1"/>
+            </a:fontRef>
+          </p:style>
+        </p:cxnSp>
+      </p:grpSp>
+      <p:sp>
+        <p:nvSpPr>
+          <p:cNvPr id="21" name="TextBox 20"/>
+          <p:cNvSpPr txBox="1"/>
+          <p:nvPr/>
+        </p:nvSpPr>
+        <p:spPr>
+          <a:xfrm>
+            <a:off x="3642360" y="2522097"/>
+            <a:ext cx="510540" cy="215444"/>
+          </a:xfrm>
+          <a:prstGeom prst="rect">
+            <a:avLst/>
+          </a:prstGeom>
+          <a:noFill/>
+        </p:spPr>
+        <p:txBody>
+          <a:bodyPr wrap="square" rtlCol="0">
+            <a:spAutoFit/>
+          </a:bodyPr>
+          <a:lstStyle/>
+          <a:p>
+            <a:pPr algn="r"/>
+            <a:r>
+              <a:rPr lang="en-US" sz="800" dirty="0" smtClean="0">
+                <a:latin typeface="Tahoma" pitchFamily="34" charset="0"/>
+                <a:ea typeface="Tahoma" pitchFamily="34" charset="0"/>
+                <a:cs typeface="Tahoma" pitchFamily="34" charset="0"/>
+              </a:rPr>
+              <a:t>Actual</a:t>
+            </a:r>
+            <a:endParaRPr lang="en-US" sz="800" dirty="0">
+              <a:latin typeface="Tahoma" pitchFamily="34" charset="0"/>
+              <a:ea typeface="Tahoma" pitchFamily="34" charset="0"/>
+              <a:cs typeface="Tahoma" pitchFamily="34" charset="0"/>
+            </a:endParaRPr>
+          </a:p>
+        </p:txBody>
+      </p:sp>
+      <p:sp>
+        <p:nvSpPr>
+          <p:cNvPr id="22" name="TextBox 21"/>
           <p:cNvSpPr txBox="1"/>
           <p:nvPr/>
         </p:nvSpPr>
@@ -3417,7 +5901,7 @@
                 <a:ea typeface="Tahoma" pitchFamily="34" charset="0"/>
                 <a:cs typeface="Tahoma" pitchFamily="34" charset="0"/>
               </a:rPr>
-              <a:t>Respiratory Status: Gas Exchange</a:t>
+              <a:t>Pain Level</a:t>
             </a:r>
             <a:endParaRPr lang="en-US" sz="1000" b="1" dirty="0">
               <a:latin typeface="Tahoma" pitchFamily="34" charset="0"/>
@@ -3427,10 +5911,242 @@
           </a:p>
         </p:txBody>
       </p:sp>
+      <p:cxnSp>
+        <p:nvCxnSpPr>
+          <p:cNvPr id="23" name="Straight Connector 22"/>
+          <p:cNvCxnSpPr/>
+          <p:nvPr/>
+        </p:nvCxnSpPr>
+        <p:spPr>
+          <a:xfrm flipV="1">
+            <a:off x="4152900" y="3147961"/>
+            <a:ext cx="560709" cy="585840"/>
+          </a:xfrm>
+          <a:prstGeom prst="line">
+            <a:avLst/>
+          </a:prstGeom>
+          <a:ln>
+            <a:solidFill>
+              <a:srgbClr val="00B050"/>
+            </a:solidFill>
+            <a:prstDash val="sysDot"/>
+            <a:headEnd type="oval"/>
+            <a:tailEnd type="oval"/>
+          </a:ln>
+        </p:spPr>
+        <p:style>
+          <a:lnRef idx="3">
+            <a:schemeClr val="dk1"/>
+          </a:lnRef>
+          <a:fillRef idx="0">
+            <a:schemeClr val="dk1"/>
+          </a:fillRef>
+          <a:effectRef idx="2">
+            <a:schemeClr val="dk1"/>
+          </a:effectRef>
+          <a:fontRef idx="minor">
+            <a:schemeClr val="tx1"/>
+          </a:fontRef>
+        </p:style>
+      </p:cxnSp>
+      <p:cxnSp>
+        <p:nvCxnSpPr>
+          <p:cNvPr id="25" name="Straight Connector 24"/>
+          <p:cNvCxnSpPr/>
+          <p:nvPr/>
+        </p:nvCxnSpPr>
+        <p:spPr>
+          <a:xfrm>
+            <a:off x="4713609" y="3141320"/>
+            <a:ext cx="529590" cy="0"/>
+          </a:xfrm>
+          <a:prstGeom prst="line">
+            <a:avLst/>
+          </a:prstGeom>
+          <a:ln>
+            <a:solidFill>
+              <a:srgbClr val="00B050"/>
+            </a:solidFill>
+            <a:prstDash val="sysDot"/>
+            <a:headEnd type="oval"/>
+            <a:tailEnd type="oval"/>
+          </a:ln>
+        </p:spPr>
+        <p:style>
+          <a:lnRef idx="3">
+            <a:schemeClr val="dk1"/>
+          </a:lnRef>
+          <a:fillRef idx="0">
+            <a:schemeClr val="dk1"/>
+          </a:fillRef>
+          <a:effectRef idx="2">
+            <a:schemeClr val="dk1"/>
+          </a:effectRef>
+          <a:fontRef idx="minor">
+            <a:schemeClr val="tx1"/>
+          </a:fontRef>
+        </p:style>
+      </p:cxnSp>
+      <p:cxnSp>
+        <p:nvCxnSpPr>
+          <p:cNvPr id="29" name="Straight Connector 28"/>
+          <p:cNvCxnSpPr/>
+          <p:nvPr/>
+        </p:nvCxnSpPr>
+        <p:spPr>
+          <a:xfrm flipV="1">
+            <a:off x="5250180" y="2819401"/>
+            <a:ext cx="394245" cy="312419"/>
+          </a:xfrm>
+          <a:prstGeom prst="line">
+            <a:avLst/>
+          </a:prstGeom>
+          <a:ln>
+            <a:solidFill>
+              <a:srgbClr val="00B050"/>
+            </a:solidFill>
+            <a:prstDash val="sysDot"/>
+            <a:headEnd type="oval"/>
+            <a:tailEnd type="oval"/>
+          </a:ln>
+        </p:spPr>
+        <p:style>
+          <a:lnRef idx="3">
+            <a:schemeClr val="dk1"/>
+          </a:lnRef>
+          <a:fillRef idx="0">
+            <a:schemeClr val="dk1"/>
+          </a:fillRef>
+          <a:effectRef idx="2">
+            <a:schemeClr val="dk1"/>
+          </a:effectRef>
+          <a:fontRef idx="minor">
+            <a:schemeClr val="tx1"/>
+          </a:fontRef>
+        </p:style>
+      </p:cxnSp>
+      <p:cxnSp>
+        <p:nvCxnSpPr>
+          <p:cNvPr id="33" name="Straight Connector 32"/>
+          <p:cNvCxnSpPr/>
+          <p:nvPr/>
+        </p:nvCxnSpPr>
+        <p:spPr>
+          <a:xfrm flipV="1">
+            <a:off x="5644425" y="2522098"/>
+            <a:ext cx="624301" cy="297303"/>
+          </a:xfrm>
+          <a:prstGeom prst="line">
+            <a:avLst/>
+          </a:prstGeom>
+          <a:ln>
+            <a:solidFill>
+              <a:srgbClr val="00B050"/>
+            </a:solidFill>
+            <a:prstDash val="sysDot"/>
+            <a:headEnd type="oval"/>
+            <a:tailEnd type="oval"/>
+          </a:ln>
+        </p:spPr>
+        <p:style>
+          <a:lnRef idx="3">
+            <a:schemeClr val="dk1"/>
+          </a:lnRef>
+          <a:fillRef idx="0">
+            <a:schemeClr val="dk1"/>
+          </a:fillRef>
+          <a:effectRef idx="2">
+            <a:schemeClr val="dk1"/>
+          </a:effectRef>
+          <a:fontRef idx="minor">
+            <a:schemeClr val="tx1"/>
+          </a:fontRef>
+        </p:style>
+      </p:cxnSp>
+      <p:sp>
+        <p:nvSpPr>
+          <p:cNvPr id="36" name="TextBox 35"/>
+          <p:cNvSpPr txBox="1"/>
+          <p:nvPr/>
+        </p:nvSpPr>
+        <p:spPr>
+          <a:xfrm>
+            <a:off x="6248400" y="3091190"/>
+            <a:ext cx="785793" cy="261610"/>
+          </a:xfrm>
+          <a:prstGeom prst="rect">
+            <a:avLst/>
+          </a:prstGeom>
+          <a:noFill/>
+        </p:spPr>
+        <p:txBody>
+          <a:bodyPr wrap="none" rtlCol="0">
+            <a:spAutoFit/>
+          </a:bodyPr>
+          <a:lstStyle/>
+          <a:p>
+            <a:r>
+              <a:rPr lang="en-US" sz="1100" b="1" dirty="0" smtClean="0">
+                <a:solidFill>
+                  <a:schemeClr val="accent2">
+                    <a:lumMod val="50000"/>
+                  </a:schemeClr>
+                </a:solidFill>
+              </a:rPr>
+              <a:t>Untreated</a:t>
+            </a:r>
+            <a:endParaRPr lang="en-US" sz="1100" b="1" dirty="0">
+              <a:solidFill>
+                <a:schemeClr val="accent2">
+                  <a:lumMod val="50000"/>
+                </a:schemeClr>
+              </a:solidFill>
+            </a:endParaRPr>
+          </a:p>
+        </p:txBody>
+      </p:sp>
+      <p:sp>
+        <p:nvSpPr>
+          <p:cNvPr id="38" name="TextBox 37"/>
+          <p:cNvSpPr txBox="1"/>
+          <p:nvPr/>
+        </p:nvSpPr>
+        <p:spPr>
+          <a:xfrm>
+            <a:off x="6294281" y="2405390"/>
+            <a:ext cx="639919" cy="261610"/>
+          </a:xfrm>
+          <a:prstGeom prst="rect">
+            <a:avLst/>
+          </a:prstGeom>
+          <a:noFill/>
+        </p:spPr>
+        <p:txBody>
+          <a:bodyPr wrap="none" rtlCol="0">
+            <a:spAutoFit/>
+          </a:bodyPr>
+          <a:lstStyle/>
+          <a:p>
+            <a:r>
+              <a:rPr lang="en-US" sz="1100" b="1" dirty="0" smtClean="0">
+                <a:solidFill>
+                  <a:srgbClr val="00B050"/>
+                </a:solidFill>
+              </a:rPr>
+              <a:t>Treated</a:t>
+            </a:r>
+            <a:endParaRPr lang="en-US" sz="1100" b="1" dirty="0">
+              <a:solidFill>
+                <a:srgbClr val="00B050"/>
+              </a:solidFill>
+            </a:endParaRPr>
+          </a:p>
+        </p:txBody>
+      </p:sp>
     </p:spTree>
     <p:extLst>
       <p:ext uri="{BB962C8B-B14F-4D97-AF65-F5344CB8AC3E}">
-        <p14:creationId xmlns:p14="http://schemas.microsoft.com/office/powerpoint/2010/main" val="3154584293"/>
+        <p14:creationId xmlns:p14="http://schemas.microsoft.com/office/powerpoint/2010/main" val="3487158055"/>
       </p:ext>
     </p:extLst>
   </p:cSld>
@@ -3459,47 +6175,290 @@
       </p:grpSpPr>
       <p:cxnSp>
         <p:nvCxnSpPr>
-          <p:cNvPr id="10" name="Straight Connector 9"/>
+          <p:cNvPr id="4" name="Straight Connector 3"/>
           <p:cNvCxnSpPr/>
           <p:nvPr/>
         </p:nvCxnSpPr>
         <p:spPr>
-          <a:xfrm flipV="1">
-            <a:off x="4152900" y="2521641"/>
-            <a:ext cx="0" cy="1252640"/>
+          <a:xfrm>
+            <a:off x="3138174" y="3124200"/>
+            <a:ext cx="504186" cy="283051"/>
           </a:xfrm>
           <a:prstGeom prst="line">
             <a:avLst/>
           </a:prstGeom>
-          <a:ln>
-            <a:headEnd type="diamond" w="lg" len="lg"/>
+          <a:ln cap="flat">
+            <a:bevel/>
+            <a:headEnd type="oval"/>
+            <a:tailEnd type="oval"/>
           </a:ln>
+          <a:effectLst>
+            <a:outerShdw blurRad="12700" dist="23000" dir="4980000" rotWithShape="0">
+              <a:srgbClr val="000000">
+                <a:alpha val="62000"/>
+              </a:srgbClr>
+            </a:outerShdw>
+          </a:effectLst>
         </p:spPr>
         <p:style>
-          <a:lnRef idx="2">
-            <a:schemeClr val="accent1"/>
+          <a:lnRef idx="3">
+            <a:schemeClr val="dk1"/>
           </a:lnRef>
           <a:fillRef idx="0">
-            <a:schemeClr val="accent1"/>
+            <a:schemeClr val="dk1"/>
           </a:fillRef>
-          <a:effectRef idx="1">
-            <a:schemeClr val="accent1"/>
+          <a:effectRef idx="2">
+            <a:schemeClr val="dk1"/>
           </a:effectRef>
           <a:fontRef idx="minor">
             <a:schemeClr val="tx1"/>
           </a:fontRef>
         </p:style>
       </p:cxnSp>
-      <p:sp>
-        <p:nvSpPr>
-          <p:cNvPr id="6" name="TextBox 5"/>
+      <p:cxnSp>
+        <p:nvCxnSpPr>
+          <p:cNvPr id="5" name="Straight Connector 4"/>
+          <p:cNvCxnSpPr/>
+          <p:nvPr/>
+        </p:nvCxnSpPr>
+        <p:spPr>
+          <a:xfrm>
+            <a:off x="3642360" y="3407251"/>
+            <a:ext cx="510540" cy="326549"/>
+          </a:xfrm>
+          <a:prstGeom prst="line">
+            <a:avLst/>
+          </a:prstGeom>
+          <a:ln>
+            <a:bevel/>
+            <a:headEnd type="oval"/>
+            <a:tailEnd type="oval"/>
+          </a:ln>
+          <a:effectLst>
+            <a:outerShdw blurRad="12700" dist="23000" dir="4980000" rotWithShape="0">
+              <a:srgbClr val="000000">
+                <a:alpha val="62000"/>
+              </a:srgbClr>
+            </a:outerShdw>
+          </a:effectLst>
+        </p:spPr>
+        <p:style>
+          <a:lnRef idx="3">
+            <a:schemeClr val="dk1"/>
+          </a:lnRef>
+          <a:fillRef idx="0">
+            <a:schemeClr val="dk1"/>
+          </a:fillRef>
+          <a:effectRef idx="2">
+            <a:schemeClr val="dk1"/>
+          </a:effectRef>
+          <a:fontRef idx="minor">
+            <a:schemeClr val="tx1"/>
+          </a:fontRef>
+        </p:style>
+      </p:cxnSp>
+      <p:cxnSp>
+        <p:nvCxnSpPr>
+          <p:cNvPr id="6" name="Straight Connector 5"/>
+          <p:cNvCxnSpPr/>
+          <p:nvPr/>
+        </p:nvCxnSpPr>
+        <p:spPr>
+          <a:xfrm>
+            <a:off x="4153654" y="3733800"/>
+            <a:ext cx="521216" cy="0"/>
+          </a:xfrm>
+          <a:prstGeom prst="line">
+            <a:avLst/>
+          </a:prstGeom>
+          <a:ln w="38100">
+            <a:solidFill>
+              <a:schemeClr val="accent2">
+                <a:lumMod val="75000"/>
+              </a:schemeClr>
+            </a:solidFill>
+            <a:prstDash val="solid"/>
+            <a:bevel/>
+            <a:headEnd type="oval"/>
+            <a:tailEnd type="oval"/>
+          </a:ln>
+          <a:effectLst>
+            <a:outerShdw blurRad="12700" dist="12700" dir="2520000" rotWithShape="0">
+              <a:srgbClr val="000000">
+                <a:alpha val="75000"/>
+              </a:srgbClr>
+            </a:outerShdw>
+          </a:effectLst>
+        </p:spPr>
+        <p:style>
+          <a:lnRef idx="3">
+            <a:schemeClr val="dk1"/>
+          </a:lnRef>
+          <a:fillRef idx="0">
+            <a:schemeClr val="dk1"/>
+          </a:fillRef>
+          <a:effectRef idx="2">
+            <a:schemeClr val="dk1"/>
+          </a:effectRef>
+          <a:fontRef idx="minor">
+            <a:schemeClr val="tx1"/>
+          </a:fontRef>
+        </p:style>
+      </p:cxnSp>
+      <p:cxnSp>
+        <p:nvCxnSpPr>
+          <p:cNvPr id="7" name="Straight Connector 6"/>
+          <p:cNvCxnSpPr/>
+          <p:nvPr/>
+        </p:nvCxnSpPr>
+        <p:spPr>
+          <a:xfrm flipV="1">
+            <a:off x="4674870" y="3429000"/>
+            <a:ext cx="529590" cy="304800"/>
+          </a:xfrm>
+          <a:prstGeom prst="line">
+            <a:avLst/>
+          </a:prstGeom>
+          <a:ln w="38100">
+            <a:solidFill>
+              <a:schemeClr val="accent2">
+                <a:lumMod val="75000"/>
+              </a:schemeClr>
+            </a:solidFill>
+            <a:prstDash val="solid"/>
+            <a:bevel/>
+            <a:headEnd type="oval"/>
+            <a:tailEnd type="oval"/>
+          </a:ln>
+          <a:effectLst>
+            <a:outerShdw blurRad="12700" dist="12700" dir="2520000" rotWithShape="0">
+              <a:srgbClr val="000000">
+                <a:alpha val="75000"/>
+              </a:srgbClr>
+            </a:outerShdw>
+          </a:effectLst>
+        </p:spPr>
+        <p:style>
+          <a:lnRef idx="3">
+            <a:schemeClr val="dk1"/>
+          </a:lnRef>
+          <a:fillRef idx="0">
+            <a:schemeClr val="dk1"/>
+          </a:fillRef>
+          <a:effectRef idx="2">
+            <a:schemeClr val="dk1"/>
+          </a:effectRef>
+          <a:fontRef idx="minor">
+            <a:schemeClr val="tx1"/>
+          </a:fontRef>
+        </p:style>
+      </p:cxnSp>
+      <p:cxnSp>
+        <p:nvCxnSpPr>
+          <p:cNvPr id="8" name="Straight Connector 7"/>
+          <p:cNvCxnSpPr/>
+          <p:nvPr/>
+        </p:nvCxnSpPr>
+        <p:spPr>
+          <a:xfrm>
+            <a:off x="5204459" y="3429000"/>
+            <a:ext cx="502742" cy="304800"/>
+          </a:xfrm>
+          <a:prstGeom prst="line">
+            <a:avLst/>
+          </a:prstGeom>
+          <a:ln w="38100">
+            <a:solidFill>
+              <a:schemeClr val="accent2">
+                <a:lumMod val="75000"/>
+              </a:schemeClr>
+            </a:solidFill>
+            <a:prstDash val="solid"/>
+            <a:bevel/>
+            <a:headEnd type="oval"/>
+            <a:tailEnd type="oval"/>
+          </a:ln>
+          <a:effectLst>
+            <a:outerShdw blurRad="12700" dist="25400" dir="1920000" rotWithShape="0">
+              <a:srgbClr val="000000">
+                <a:alpha val="75000"/>
+              </a:srgbClr>
+            </a:outerShdw>
+          </a:effectLst>
+        </p:spPr>
+        <p:style>
+          <a:lnRef idx="3">
+            <a:schemeClr val="dk1"/>
+          </a:lnRef>
+          <a:fillRef idx="0">
+            <a:schemeClr val="dk1"/>
+          </a:fillRef>
+          <a:effectRef idx="2">
+            <a:schemeClr val="dk1"/>
+          </a:effectRef>
+          <a:fontRef idx="minor">
+            <a:schemeClr val="tx1"/>
+          </a:fontRef>
+        </p:style>
+      </p:cxnSp>
+      <p:cxnSp>
+        <p:nvCxnSpPr>
+          <p:cNvPr id="9" name="Straight Connector 8"/>
+          <p:cNvCxnSpPr/>
+          <p:nvPr/>
+        </p:nvCxnSpPr>
+        <p:spPr>
+          <a:xfrm flipV="1">
+            <a:off x="5707201" y="3407251"/>
+            <a:ext cx="561524" cy="326549"/>
+          </a:xfrm>
+          <a:prstGeom prst="line">
+            <a:avLst/>
+          </a:prstGeom>
+          <a:ln w="38100">
+            <a:solidFill>
+              <a:schemeClr val="accent2">
+                <a:lumMod val="75000"/>
+              </a:schemeClr>
+            </a:solidFill>
+            <a:prstDash val="solid"/>
+            <a:bevel/>
+            <a:headEnd type="oval"/>
+            <a:tailEnd type="oval"/>
+          </a:ln>
+          <a:effectLst>
+            <a:outerShdw blurRad="12700" dist="12700" dir="2520000" rotWithShape="0">
+              <a:srgbClr val="000000">
+                <a:alpha val="75000"/>
+              </a:srgbClr>
+            </a:outerShdw>
+          </a:effectLst>
+        </p:spPr>
+        <p:style>
+          <a:lnRef idx="3">
+            <a:schemeClr val="dk1"/>
+          </a:lnRef>
+          <a:fillRef idx="0">
+            <a:schemeClr val="dk1"/>
+          </a:fillRef>
+          <a:effectRef idx="2">
+            <a:schemeClr val="dk1"/>
+          </a:effectRef>
+          <a:fontRef idx="minor">
+            <a:schemeClr val="tx1"/>
+          </a:fontRef>
+        </p:style>
+      </p:cxnSp>
+      <p:sp>
+        <p:nvSpPr>
+          <p:cNvPr id="11" name="TextBox 10"/>
           <p:cNvSpPr txBox="1"/>
           <p:nvPr/>
         </p:nvSpPr>
         <p:spPr>
           <a:xfrm>
-            <a:off x="3124200" y="3944779"/>
-            <a:ext cx="3150870" cy="246221"/>
+            <a:off x="4153654" y="2522097"/>
+            <a:ext cx="633761" cy="215444"/>
           </a:xfrm>
           <a:prstGeom prst="rect">
             <a:avLst/>
@@ -3512,16 +6471,54 @@
           </a:bodyPr>
           <a:lstStyle/>
           <a:p>
+            <a:r>
+              <a:rPr lang="en-US" sz="800" dirty="0" smtClean="0">
+                <a:latin typeface="Tahoma" pitchFamily="34" charset="0"/>
+                <a:ea typeface="Tahoma" pitchFamily="34" charset="0"/>
+                <a:cs typeface="Tahoma" pitchFamily="34" charset="0"/>
+              </a:rPr>
+              <a:t>Projected</a:t>
+            </a:r>
+            <a:endParaRPr lang="en-US" sz="800" dirty="0">
+              <a:latin typeface="Tahoma" pitchFamily="34" charset="0"/>
+              <a:ea typeface="Tahoma" pitchFamily="34" charset="0"/>
+              <a:cs typeface="Tahoma" pitchFamily="34" charset="0"/>
+            </a:endParaRPr>
+          </a:p>
+        </p:txBody>
+      </p:sp>
+      <p:sp>
+        <p:nvSpPr>
+          <p:cNvPr id="13" name="TextBox 12"/>
+          <p:cNvSpPr txBox="1"/>
+          <p:nvPr/>
+        </p:nvSpPr>
+        <p:spPr>
+          <a:xfrm>
+            <a:off x="3124200" y="4066401"/>
+            <a:ext cx="3150870" cy="276999"/>
+          </a:xfrm>
+          <a:prstGeom prst="rect">
+            <a:avLst/>
+          </a:prstGeom>
+          <a:noFill/>
+        </p:spPr>
+        <p:txBody>
+          <a:bodyPr wrap="square" rtlCol="0">
+            <a:spAutoFit/>
+          </a:bodyPr>
+          <a:lstStyle/>
+          <a:p>
             <a:pPr algn="ctr"/>
             <a:r>
-              <a:rPr lang="en-US" sz="1000" dirty="0" smtClean="0">
+              <a:rPr lang="en-US" sz="1200" dirty="0" smtClean="0">
                 <a:latin typeface="Tahoma" pitchFamily="34" charset="0"/>
                 <a:ea typeface="Tahoma" pitchFamily="34" charset="0"/>
                 <a:cs typeface="Tahoma" pitchFamily="34" charset="0"/>
               </a:rPr>
               <a:t>Hours since admission</a:t>
             </a:r>
-            <a:endParaRPr lang="en-US" sz="1000" dirty="0">
+            <a:endParaRPr lang="en-US" sz="1200" dirty="0">
               <a:latin typeface="Tahoma" pitchFamily="34" charset="0"/>
               <a:ea typeface="Tahoma" pitchFamily="34" charset="0"/>
               <a:cs typeface="Tahoma" pitchFamily="34" charset="0"/>
@@ -3531,14 +6528,14 @@
       </p:sp>
       <p:sp>
         <p:nvSpPr>
-          <p:cNvPr id="7" name="TextBox 6"/>
+          <p:cNvPr id="14" name="TextBox 13"/>
           <p:cNvSpPr txBox="1"/>
           <p:nvPr/>
         </p:nvSpPr>
         <p:spPr>
-          <a:xfrm rot="16200000">
-            <a:off x="2202244" y="3040169"/>
-            <a:ext cx="1297357" cy="246221"/>
+          <a:xfrm>
+            <a:off x="2209800" y="2813447"/>
+            <a:ext cx="802696" cy="600164"/>
           </a:xfrm>
           <a:prstGeom prst="rect">
             <a:avLst/>
@@ -3553,14 +6550,36 @@
           <a:p>
             <a:pPr algn="ctr"/>
             <a:r>
-              <a:rPr lang="en-US" sz="1000" dirty="0" smtClean="0">
+              <a:rPr lang="en-US" sz="1200" dirty="0" smtClean="0">
                 <a:latin typeface="Tahoma" pitchFamily="34" charset="0"/>
                 <a:ea typeface="Tahoma" pitchFamily="34" charset="0"/>
                 <a:cs typeface="Tahoma" pitchFamily="34" charset="0"/>
               </a:rPr>
-              <a:t>NOC Rating</a:t>
-            </a:r>
-            <a:endParaRPr lang="en-US" sz="1000" dirty="0">
+              <a:t>NOC</a:t>
+            </a:r>
+          </a:p>
+          <a:p>
+            <a:pPr algn="ctr"/>
+            <a:r>
+              <a:rPr lang="en-US" sz="1200" dirty="0" smtClean="0">
+                <a:latin typeface="Tahoma" pitchFamily="34" charset="0"/>
+                <a:ea typeface="Tahoma" pitchFamily="34" charset="0"/>
+                <a:cs typeface="Tahoma" pitchFamily="34" charset="0"/>
+              </a:rPr>
+              <a:t> Rating</a:t>
+            </a:r>
+          </a:p>
+          <a:p>
+            <a:pPr algn="ctr"/>
+            <a:r>
+              <a:rPr lang="en-US" sz="900" dirty="0" smtClean="0">
+                <a:latin typeface="Tahoma" pitchFamily="34" charset="0"/>
+                <a:ea typeface="Tahoma" pitchFamily="34" charset="0"/>
+                <a:cs typeface="Tahoma" pitchFamily="34" charset="0"/>
+              </a:rPr>
+              <a:t>(goal is 5)</a:t>
+            </a:r>
+            <a:endParaRPr lang="en-US" sz="900" dirty="0">
               <a:latin typeface="Tahoma" pitchFamily="34" charset="0"/>
               <a:ea typeface="Tahoma" pitchFamily="34" charset="0"/>
               <a:cs typeface="Tahoma" pitchFamily="34" charset="0"/>
@@ -3568,16 +6587,201 @@
           </a:p>
         </p:txBody>
       </p:sp>
-      <p:sp>
-        <p:nvSpPr>
-          <p:cNvPr id="8" name="TextBox 7"/>
+      <p:grpSp>
+        <p:nvGrpSpPr>
+          <p:cNvPr id="39" name="Group 38"/>
+          <p:cNvGrpSpPr/>
+          <p:nvPr/>
+        </p:nvGrpSpPr>
+        <p:grpSpPr>
+          <a:xfrm>
+            <a:off x="2694483" y="5105400"/>
+            <a:ext cx="559099" cy="228600"/>
+            <a:chOff x="2717501" y="4546743"/>
+            <a:chExt cx="3226099" cy="1320657"/>
+          </a:xfrm>
+        </p:grpSpPr>
+        <p:cxnSp>
+          <p:nvCxnSpPr>
+            <p:cNvPr id="27" name="Straight Connector 26"/>
+            <p:cNvCxnSpPr/>
+            <p:nvPr/>
+          </p:nvCxnSpPr>
+          <p:spPr>
+            <a:xfrm>
+              <a:off x="2731475" y="4546743"/>
+              <a:ext cx="3150870" cy="0"/>
+            </a:xfrm>
+            <a:prstGeom prst="line">
+              <a:avLst/>
+            </a:prstGeom>
+            <a:ln w="38100">
+              <a:solidFill>
+                <a:schemeClr val="tx1"/>
+              </a:solidFill>
+              <a:prstDash val="sysDot"/>
+            </a:ln>
+          </p:spPr>
+          <p:style>
+            <a:lnRef idx="1">
+              <a:schemeClr val="accent1"/>
+            </a:lnRef>
+            <a:fillRef idx="0">
+              <a:schemeClr val="accent1"/>
+            </a:fillRef>
+            <a:effectRef idx="0">
+              <a:schemeClr val="accent1"/>
+            </a:effectRef>
+            <a:fontRef idx="minor">
+              <a:schemeClr val="tx1"/>
+            </a:fontRef>
+          </p:style>
+        </p:cxnSp>
+        <p:cxnSp>
+          <p:nvCxnSpPr>
+            <p:cNvPr id="28" name="Straight Connector 27"/>
+            <p:cNvCxnSpPr/>
+            <p:nvPr/>
+          </p:nvCxnSpPr>
+          <p:spPr>
+            <a:xfrm>
+              <a:off x="2731475" y="4546743"/>
+              <a:ext cx="0" cy="1320657"/>
+            </a:xfrm>
+            <a:prstGeom prst="line">
+              <a:avLst/>
+            </a:prstGeom>
+            <a:ln w="19050">
+              <a:solidFill>
+                <a:schemeClr val="tx1"/>
+              </a:solidFill>
+              <a:prstDash val="solid"/>
+            </a:ln>
+          </p:spPr>
+          <p:style>
+            <a:lnRef idx="1">
+              <a:schemeClr val="accent1"/>
+            </a:lnRef>
+            <a:fillRef idx="0">
+              <a:schemeClr val="accent1"/>
+            </a:fillRef>
+            <a:effectRef idx="0">
+              <a:schemeClr val="accent1"/>
+            </a:effectRef>
+            <a:fontRef idx="minor">
+              <a:schemeClr val="tx1"/>
+            </a:fontRef>
+          </p:style>
+        </p:cxnSp>
+        <p:cxnSp>
+          <p:nvCxnSpPr>
+            <p:cNvPr id="31" name="Straight Connector 30"/>
+            <p:cNvCxnSpPr/>
+            <p:nvPr/>
+          </p:nvCxnSpPr>
+          <p:spPr>
+            <a:xfrm flipH="1">
+              <a:off x="2731475" y="5867400"/>
+              <a:ext cx="3212125" cy="0"/>
+            </a:xfrm>
+            <a:prstGeom prst="line">
+              <a:avLst/>
+            </a:prstGeom>
+            <a:ln w="19050">
+              <a:solidFill>
+                <a:schemeClr val="tx1"/>
+              </a:solidFill>
+              <a:prstDash val="solid"/>
+            </a:ln>
+          </p:spPr>
+          <p:style>
+            <a:lnRef idx="1">
+              <a:schemeClr val="accent1"/>
+            </a:lnRef>
+            <a:fillRef idx="0">
+              <a:schemeClr val="accent1"/>
+            </a:fillRef>
+            <a:effectRef idx="0">
+              <a:schemeClr val="accent1"/>
+            </a:effectRef>
+            <a:fontRef idx="minor">
+              <a:schemeClr val="tx1"/>
+            </a:fontRef>
+          </p:style>
+        </p:cxnSp>
+        <p:cxnSp>
+          <p:nvCxnSpPr>
+            <p:cNvPr id="19" name="Straight Connector 18"/>
+            <p:cNvCxnSpPr/>
+            <p:nvPr/>
+          </p:nvCxnSpPr>
+          <p:spPr>
+            <a:xfrm>
+              <a:off x="3235661" y="5439394"/>
+              <a:ext cx="510540" cy="361950"/>
+            </a:xfrm>
+            <a:prstGeom prst="line">
+              <a:avLst/>
+            </a:prstGeom>
+            <a:ln w="57150"/>
+          </p:spPr>
+          <p:style>
+            <a:lnRef idx="1">
+              <a:schemeClr val="accent1"/>
+            </a:lnRef>
+            <a:fillRef idx="0">
+              <a:schemeClr val="accent1"/>
+            </a:fillRef>
+            <a:effectRef idx="0">
+              <a:schemeClr val="accent1"/>
+            </a:effectRef>
+            <a:fontRef idx="minor">
+              <a:schemeClr val="tx1"/>
+            </a:fontRef>
+          </p:style>
+        </p:cxnSp>
+        <p:cxnSp>
+          <p:nvCxnSpPr>
+            <p:cNvPr id="18" name="Straight Connector 17"/>
+            <p:cNvCxnSpPr/>
+            <p:nvPr/>
+          </p:nvCxnSpPr>
+          <p:spPr>
+            <a:xfrm>
+              <a:off x="2717501" y="5063474"/>
+              <a:ext cx="518160" cy="375920"/>
+            </a:xfrm>
+            <a:prstGeom prst="line">
+              <a:avLst/>
+            </a:prstGeom>
+            <a:ln w="57150"/>
+          </p:spPr>
+          <p:style>
+            <a:lnRef idx="1">
+              <a:schemeClr val="accent1"/>
+            </a:lnRef>
+            <a:fillRef idx="0">
+              <a:schemeClr val="accent1"/>
+            </a:fillRef>
+            <a:effectRef idx="0">
+              <a:schemeClr val="accent1"/>
+            </a:effectRef>
+            <a:fontRef idx="minor">
+              <a:schemeClr val="tx1"/>
+            </a:fontRef>
+          </p:style>
+        </p:cxnSp>
+      </p:grpSp>
+      <p:sp>
+        <p:nvSpPr>
+          <p:cNvPr id="21" name="TextBox 20"/>
           <p:cNvSpPr txBox="1"/>
           <p:nvPr/>
         </p:nvSpPr>
         <p:spPr>
           <a:xfrm>
-            <a:off x="2588567" y="2390745"/>
-            <a:ext cx="459433" cy="200055"/>
+            <a:off x="3642360" y="2522097"/>
+            <a:ext cx="510540" cy="215444"/>
           </a:xfrm>
           <a:prstGeom prst="rect">
             <a:avLst/>
@@ -3590,16 +6794,16 @@
           </a:bodyPr>
           <a:lstStyle/>
           <a:p>
-            <a:pPr algn="ctr"/>
-            <a:r>
-              <a:rPr lang="en-US" sz="700" b="1" dirty="0" smtClean="0">
+            <a:pPr algn="r"/>
+            <a:r>
+              <a:rPr lang="en-US" sz="800" dirty="0" smtClean="0">
                 <a:latin typeface="Tahoma" pitchFamily="34" charset="0"/>
                 <a:ea typeface="Tahoma" pitchFamily="34" charset="0"/>
                 <a:cs typeface="Tahoma" pitchFamily="34" charset="0"/>
               </a:rPr>
-              <a:t>Better</a:t>
-            </a:r>
-            <a:endParaRPr lang="en-US" sz="700" b="1" dirty="0">
+              <a:t>Actual</a:t>
+            </a:r>
+            <a:endParaRPr lang="en-US" sz="800" dirty="0">
               <a:latin typeface="Tahoma" pitchFamily="34" charset="0"/>
               <a:ea typeface="Tahoma" pitchFamily="34" charset="0"/>
               <a:cs typeface="Tahoma" pitchFamily="34" charset="0"/>
@@ -3607,25 +6811,337 @@
           </a:p>
         </p:txBody>
       </p:sp>
+      <p:sp>
+        <p:nvSpPr>
+          <p:cNvPr id="22" name="TextBox 21"/>
+          <p:cNvSpPr txBox="1"/>
+          <p:nvPr/>
+        </p:nvSpPr>
+        <p:spPr>
+          <a:xfrm>
+            <a:off x="3117855" y="2133600"/>
+            <a:ext cx="3150870" cy="307777"/>
+          </a:xfrm>
+          <a:prstGeom prst="rect">
+            <a:avLst/>
+          </a:prstGeom>
+          <a:noFill/>
+        </p:spPr>
+        <p:txBody>
+          <a:bodyPr wrap="square" rtlCol="0">
+            <a:spAutoFit/>
+          </a:bodyPr>
+          <a:lstStyle/>
+          <a:p>
+            <a:pPr algn="ctr"/>
+            <a:r>
+              <a:rPr lang="en-US" sz="1400" b="1" dirty="0" smtClean="0">
+                <a:latin typeface="Tahoma" pitchFamily="34" charset="0"/>
+                <a:ea typeface="Tahoma" pitchFamily="34" charset="0"/>
+                <a:cs typeface="Tahoma" pitchFamily="34" charset="0"/>
+              </a:rPr>
+              <a:t>Pain Level</a:t>
+            </a:r>
+            <a:endParaRPr lang="en-US" sz="1400" b="1" dirty="0">
+              <a:latin typeface="Tahoma" pitchFamily="34" charset="0"/>
+              <a:ea typeface="Tahoma" pitchFamily="34" charset="0"/>
+              <a:cs typeface="Tahoma" pitchFamily="34" charset="0"/>
+            </a:endParaRPr>
+          </a:p>
+        </p:txBody>
+      </p:sp>
+      <p:sp>
+        <p:nvSpPr>
+          <p:cNvPr id="36" name="TextBox 35"/>
+          <p:cNvSpPr txBox="1"/>
+          <p:nvPr/>
+        </p:nvSpPr>
+        <p:spPr>
+          <a:xfrm>
+            <a:off x="6293525" y="3196479"/>
+            <a:ext cx="1501588" cy="430887"/>
+          </a:xfrm>
+          <a:prstGeom prst="rect">
+            <a:avLst/>
+          </a:prstGeom>
+          <a:noFill/>
+        </p:spPr>
+        <p:txBody>
+          <a:bodyPr wrap="square" rtlCol="0">
+            <a:spAutoFit/>
+          </a:bodyPr>
+          <a:lstStyle/>
+          <a:p>
+            <a:r>
+              <a:rPr lang="en-US" sz="1100" dirty="0" smtClean="0">
+                <a:solidFill>
+                  <a:schemeClr val="accent2">
+                    <a:lumMod val="50000"/>
+                  </a:schemeClr>
+                </a:solidFill>
+                <a:latin typeface="Tahoma" pitchFamily="34" charset="0"/>
+                <a:ea typeface="Tahoma" pitchFamily="34" charset="0"/>
+                <a:cs typeface="Tahoma" pitchFamily="34" charset="0"/>
+              </a:rPr>
+              <a:t>If no plan </a:t>
+            </a:r>
+            <a:endParaRPr lang="en-US" sz="1100" dirty="0" smtClean="0">
+              <a:solidFill>
+                <a:schemeClr val="accent2">
+                  <a:lumMod val="50000"/>
+                </a:schemeClr>
+              </a:solidFill>
+              <a:latin typeface="Tahoma" pitchFamily="34" charset="0"/>
+              <a:ea typeface="Tahoma" pitchFamily="34" charset="0"/>
+              <a:cs typeface="Tahoma" pitchFamily="34" charset="0"/>
+            </a:endParaRPr>
+          </a:p>
+          <a:p>
+            <a:r>
+              <a:rPr lang="en-US" sz="1100" dirty="0" smtClean="0">
+                <a:solidFill>
+                  <a:schemeClr val="accent2">
+                    <a:lumMod val="50000"/>
+                  </a:schemeClr>
+                </a:solidFill>
+                <a:latin typeface="Tahoma" pitchFamily="34" charset="0"/>
+                <a:ea typeface="Tahoma" pitchFamily="34" charset="0"/>
+                <a:cs typeface="Tahoma" pitchFamily="34" charset="0"/>
+              </a:rPr>
+              <a:t>changes</a:t>
+            </a:r>
+            <a:endParaRPr lang="en-US" sz="1100" dirty="0">
+              <a:solidFill>
+                <a:schemeClr val="accent2">
+                  <a:lumMod val="50000"/>
+                </a:schemeClr>
+              </a:solidFill>
+              <a:latin typeface="Tahoma" pitchFamily="34" charset="0"/>
+              <a:ea typeface="Tahoma" pitchFamily="34" charset="0"/>
+              <a:cs typeface="Tahoma" pitchFamily="34" charset="0"/>
+            </a:endParaRPr>
+          </a:p>
+        </p:txBody>
+      </p:sp>
+      <p:sp>
+        <p:nvSpPr>
+          <p:cNvPr id="29" name="TextBox 28"/>
+          <p:cNvSpPr txBox="1"/>
+          <p:nvPr/>
+        </p:nvSpPr>
+        <p:spPr>
+          <a:xfrm>
+            <a:off x="6293525" y="2302980"/>
+            <a:ext cx="1550592" cy="415498"/>
+          </a:xfrm>
+          <a:prstGeom prst="rect">
+            <a:avLst/>
+          </a:prstGeom>
+          <a:noFill/>
+        </p:spPr>
+        <p:txBody>
+          <a:bodyPr wrap="square" rtlCol="0">
+            <a:spAutoFit/>
+          </a:bodyPr>
+          <a:lstStyle/>
+          <a:p>
+            <a:r>
+              <a:rPr lang="en-US" sz="1050" dirty="0" smtClean="0">
+                <a:solidFill>
+                  <a:srgbClr val="007434"/>
+                </a:solidFill>
+                <a:latin typeface="Tahoma" pitchFamily="34" charset="0"/>
+                <a:ea typeface="Tahoma" pitchFamily="34" charset="0"/>
+                <a:cs typeface="Tahoma" pitchFamily="34" charset="0"/>
+              </a:rPr>
+              <a:t>If treated </a:t>
+            </a:r>
+            <a:endParaRPr lang="en-US" sz="1050" dirty="0" smtClean="0">
+              <a:solidFill>
+                <a:srgbClr val="007434"/>
+              </a:solidFill>
+              <a:latin typeface="Tahoma" pitchFamily="34" charset="0"/>
+              <a:ea typeface="Tahoma" pitchFamily="34" charset="0"/>
+              <a:cs typeface="Tahoma" pitchFamily="34" charset="0"/>
+            </a:endParaRPr>
+          </a:p>
+          <a:p>
+            <a:r>
+              <a:rPr lang="en-US" sz="1050" dirty="0" smtClean="0">
+                <a:solidFill>
+                  <a:srgbClr val="007434"/>
+                </a:solidFill>
+                <a:latin typeface="Tahoma" pitchFamily="34" charset="0"/>
+                <a:ea typeface="Tahoma" pitchFamily="34" charset="0"/>
+                <a:cs typeface="Tahoma" pitchFamily="34" charset="0"/>
+              </a:rPr>
+              <a:t>aggressively</a:t>
+            </a:r>
+            <a:endParaRPr lang="en-US" sz="1050" dirty="0">
+              <a:solidFill>
+                <a:srgbClr val="007434"/>
+              </a:solidFill>
+              <a:latin typeface="Tahoma" pitchFamily="34" charset="0"/>
+              <a:ea typeface="Tahoma" pitchFamily="34" charset="0"/>
+              <a:cs typeface="Tahoma" pitchFamily="34" charset="0"/>
+            </a:endParaRPr>
+          </a:p>
+        </p:txBody>
+      </p:sp>
       <p:cxnSp>
         <p:nvCxnSpPr>
-          <p:cNvPr id="9" name="Straight Connector 8"/>
+          <p:cNvPr id="23" name="Straight Connector 22"/>
           <p:cNvCxnSpPr/>
           <p:nvPr/>
         </p:nvCxnSpPr>
         <p:spPr>
-          <a:xfrm>
-            <a:off x="3124200" y="3125578"/>
+          <a:xfrm flipV="1">
+            <a:off x="4152899" y="2819403"/>
+            <a:ext cx="634515" cy="914398"/>
+          </a:xfrm>
+          <a:prstGeom prst="line">
+            <a:avLst/>
+          </a:prstGeom>
+          <a:ln>
+            <a:solidFill>
+              <a:srgbClr val="007635"/>
+            </a:solidFill>
+            <a:prstDash val="solid"/>
+            <a:bevel/>
+            <a:headEnd type="oval"/>
+            <a:tailEnd type="oval"/>
+          </a:ln>
+          <a:effectLst>
+            <a:outerShdw blurRad="12700" dist="12700" dir="2520000" rotWithShape="0">
+              <a:srgbClr val="000000">
+                <a:alpha val="75000"/>
+              </a:srgbClr>
+            </a:outerShdw>
+          </a:effectLst>
+        </p:spPr>
+        <p:style>
+          <a:lnRef idx="3">
+            <a:schemeClr val="dk1"/>
+          </a:lnRef>
+          <a:fillRef idx="0">
+            <a:schemeClr val="dk1"/>
+          </a:fillRef>
+          <a:effectRef idx="2">
+            <a:schemeClr val="dk1"/>
+          </a:effectRef>
+          <a:fontRef idx="minor">
+            <a:schemeClr val="tx1"/>
+          </a:fontRef>
+        </p:style>
+      </p:cxnSp>
+      <p:cxnSp>
+        <p:nvCxnSpPr>
+          <p:cNvPr id="10" name="Straight Connector 9"/>
+          <p:cNvCxnSpPr/>
+          <p:nvPr/>
+        </p:nvCxnSpPr>
+        <p:spPr>
+          <a:xfrm flipV="1">
+            <a:off x="4152900" y="2481160"/>
+            <a:ext cx="0" cy="1252640"/>
+          </a:xfrm>
+          <a:prstGeom prst="line">
+            <a:avLst/>
+          </a:prstGeom>
+          <a:ln w="38100">
+            <a:headEnd type="diamond" w="lg" len="lg"/>
+          </a:ln>
+        </p:spPr>
+        <p:style>
+          <a:lnRef idx="2">
+            <a:schemeClr val="accent1"/>
+          </a:lnRef>
+          <a:fillRef idx="0">
+            <a:schemeClr val="accent1"/>
+          </a:fillRef>
+          <a:effectRef idx="1">
+            <a:schemeClr val="accent1"/>
+          </a:effectRef>
+          <a:fontRef idx="minor">
+            <a:schemeClr val="tx1"/>
+          </a:fontRef>
+        </p:style>
+      </p:cxnSp>
+      <p:sp>
+        <p:nvSpPr>
+          <p:cNvPr id="74" name="Isosceles Triangle 73"/>
+          <p:cNvSpPr/>
+          <p:nvPr/>
+        </p:nvSpPr>
+        <p:spPr>
+          <a:xfrm rot="5400000">
+            <a:off x="3008069" y="1492623"/>
+            <a:ext cx="152989" cy="112059"/>
+          </a:xfrm>
+          <a:prstGeom prst="triangle">
+            <a:avLst>
+              <a:gd name="adj" fmla="val 50000"/>
+            </a:avLst>
+          </a:prstGeom>
+          <a:solidFill>
+            <a:schemeClr val="accent1">
+              <a:lumMod val="75000"/>
+            </a:schemeClr>
+          </a:solidFill>
+          <a:ln>
+            <a:solidFill>
+              <a:schemeClr val="bg1"/>
+            </a:solidFill>
+          </a:ln>
+        </p:spPr>
+        <p:style>
+          <a:lnRef idx="2">
+            <a:schemeClr val="accent1">
+              <a:shade val="50000"/>
+            </a:schemeClr>
+          </a:lnRef>
+          <a:fillRef idx="1">
+            <a:schemeClr val="accent1"/>
+          </a:fillRef>
+          <a:effectRef idx="0">
+            <a:schemeClr val="accent1"/>
+          </a:effectRef>
+          <a:fontRef idx="minor">
+            <a:schemeClr val="lt1"/>
+          </a:fontRef>
+        </p:style>
+        <p:txBody>
+          <a:bodyPr rtlCol="0" anchor="ctr"/>
+          <a:lstStyle/>
+          <a:p>
+            <a:pPr algn="ctr"/>
+            <a:endParaRPr lang="en-US"/>
+          </a:p>
+        </p:txBody>
+      </p:sp>
+      <p:cxnSp>
+        <p:nvCxnSpPr>
+          <p:cNvPr id="75" name="Straight Connector 74"/>
+          <p:cNvCxnSpPr/>
+          <p:nvPr/>
+        </p:nvCxnSpPr>
+        <p:spPr>
+          <a:xfrm>
+            <a:off x="3138174" y="2514600"/>
             <a:ext cx="3150870" cy="0"/>
           </a:xfrm>
           <a:prstGeom prst="line">
             <a:avLst/>
           </a:prstGeom>
-          <a:ln w="38100" cap="rnd">
+          <a:ln w="76200" cap="rnd" cmpd="sng">
             <a:solidFill>
-              <a:schemeClr val="tx1"/>
+              <a:schemeClr val="tx1">
+                <a:lumMod val="65000"/>
+                <a:lumOff val="35000"/>
+              </a:schemeClr>
             </a:solidFill>
-            <a:prstDash val="dash"/>
+            <a:prstDash val="sysDash"/>
+            <a:round/>
           </a:ln>
         </p:spPr>
         <p:style>
@@ -3637,6 +7153,144 @@
           </a:fillRef>
           <a:effectRef idx="0">
             <a:schemeClr val="accent1"/>
+          </a:effectRef>
+          <a:fontRef idx="minor">
+            <a:schemeClr val="tx1"/>
+          </a:fontRef>
+        </p:style>
+      </p:cxnSp>
+      <p:cxnSp>
+        <p:nvCxnSpPr>
+          <p:cNvPr id="25" name="Straight Connector 24"/>
+          <p:cNvCxnSpPr/>
+          <p:nvPr/>
+        </p:nvCxnSpPr>
+        <p:spPr>
+          <a:xfrm>
+            <a:off x="5204459" y="2509303"/>
+            <a:ext cx="439965" cy="0"/>
+          </a:xfrm>
+          <a:prstGeom prst="line">
+            <a:avLst/>
+          </a:prstGeom>
+          <a:ln>
+            <a:solidFill>
+              <a:srgbClr val="007635"/>
+            </a:solidFill>
+            <a:prstDash val="solid"/>
+            <a:bevel/>
+            <a:headEnd type="oval"/>
+            <a:tailEnd type="oval"/>
+          </a:ln>
+          <a:effectLst>
+            <a:outerShdw blurRad="12700" dist="12700" dir="2520000" rotWithShape="0">
+              <a:srgbClr val="000000">
+                <a:alpha val="75000"/>
+              </a:srgbClr>
+            </a:outerShdw>
+          </a:effectLst>
+        </p:spPr>
+        <p:style>
+          <a:lnRef idx="3">
+            <a:schemeClr val="dk1"/>
+          </a:lnRef>
+          <a:fillRef idx="0">
+            <a:schemeClr val="dk1"/>
+          </a:fillRef>
+          <a:effectRef idx="2">
+            <a:schemeClr val="dk1"/>
+          </a:effectRef>
+          <a:fontRef idx="minor">
+            <a:schemeClr val="tx1"/>
+          </a:fontRef>
+        </p:style>
+      </p:cxnSp>
+      <p:cxnSp>
+        <p:nvCxnSpPr>
+          <p:cNvPr id="26" name="Straight Connector 25"/>
+          <p:cNvCxnSpPr/>
+          <p:nvPr/>
+        </p:nvCxnSpPr>
+        <p:spPr>
+          <a:xfrm flipV="1">
+            <a:off x="5644424" y="2508653"/>
+            <a:ext cx="624301" cy="7047"/>
+          </a:xfrm>
+          <a:prstGeom prst="line">
+            <a:avLst/>
+          </a:prstGeom>
+          <a:ln>
+            <a:solidFill>
+              <a:srgbClr val="007635"/>
+            </a:solidFill>
+            <a:prstDash val="solid"/>
+            <a:bevel/>
+            <a:headEnd type="oval"/>
+            <a:tailEnd type="oval"/>
+          </a:ln>
+          <a:effectLst>
+            <a:outerShdw blurRad="12700" dist="12700" dir="2520000" rotWithShape="0">
+              <a:srgbClr val="000000">
+                <a:alpha val="75000"/>
+              </a:srgbClr>
+            </a:outerShdw>
+          </a:effectLst>
+        </p:spPr>
+        <p:style>
+          <a:lnRef idx="3">
+            <a:schemeClr val="dk1"/>
+          </a:lnRef>
+          <a:fillRef idx="0">
+            <a:schemeClr val="dk1"/>
+          </a:fillRef>
+          <a:effectRef idx="2">
+            <a:schemeClr val="dk1"/>
+          </a:effectRef>
+          <a:fontRef idx="minor">
+            <a:schemeClr val="tx1"/>
+          </a:fontRef>
+        </p:style>
+      </p:cxnSp>
+      <p:cxnSp>
+        <p:nvCxnSpPr>
+          <p:cNvPr id="24" name="Straight Connector 23"/>
+          <p:cNvCxnSpPr/>
+          <p:nvPr/>
+        </p:nvCxnSpPr>
+        <p:spPr>
+          <a:xfrm flipV="1">
+            <a:off x="4787414" y="2514601"/>
+            <a:ext cx="417045" cy="304800"/>
+          </a:xfrm>
+          <a:prstGeom prst="line">
+            <a:avLst/>
+          </a:prstGeom>
+          <a:ln>
+            <a:solidFill>
+              <a:srgbClr val="007635"/>
+            </a:solidFill>
+            <a:prstDash val="solid"/>
+            <a:bevel/>
+            <a:headEnd type="oval"/>
+            <a:tailEnd type="oval"/>
+          </a:ln>
+          <a:effectLst>
+            <a:outerShdw blurRad="12700" dist="12700" dir="2520000" rotWithShape="0">
+              <a:srgbClr val="000000">
+                <a:alpha val="75000"/>
+              </a:srgbClr>
+            </a:outerShdw>
+          </a:effectLst>
+        </p:spPr>
+        <p:style>
+          <a:lnRef idx="3">
+            <a:schemeClr val="dk1"/>
+          </a:lnRef>
+          <a:fillRef idx="0">
+            <a:schemeClr val="dk1"/>
+          </a:fillRef>
+          <a:effectRef idx="2">
+            <a:schemeClr val="dk1"/>
           </a:effectRef>
           <a:fontRef idx="minor">
             <a:schemeClr val="tx1"/>
@@ -3646,7 +7300,7 @@
     </p:spTree>
     <p:extLst>
       <p:ext uri="{BB962C8B-B14F-4D97-AF65-F5344CB8AC3E}">
-        <p14:creationId xmlns:p14="http://schemas.microsoft.com/office/powerpoint/2010/main" val="3285608515"/>
+        <p14:creationId xmlns:p14="http://schemas.microsoft.com/office/powerpoint/2010/main" val="3429147833"/>
       </p:ext>
     </p:extLst>
   </p:cSld>
@@ -3673,55 +7327,56 @@
           <a:chExt cx="0" cy="0"/>
         </a:xfrm>
       </p:grpSpPr>
-      <p:sp>
-        <p:nvSpPr>
-          <p:cNvPr id="2" name="TextBox 1"/>
-          <p:cNvSpPr txBox="1"/>
-          <p:nvPr/>
-        </p:nvSpPr>
-        <p:spPr>
-          <a:xfrm>
-            <a:off x="3124200" y="3944779"/>
-            <a:ext cx="3150870" cy="246221"/>
-          </a:xfrm>
-          <a:prstGeom prst="rect">
-            <a:avLst/>
-          </a:prstGeom>
-          <a:noFill/>
-        </p:spPr>
-        <p:txBody>
-          <a:bodyPr wrap="square" rtlCol="0">
-            <a:spAutoFit/>
-          </a:bodyPr>
-          <a:lstStyle/>
-          <a:p>
-            <a:pPr algn="ctr"/>
-            <a:r>
-              <a:rPr lang="en-US" sz="1000" dirty="0" smtClean="0">
-                <a:latin typeface="Tahoma" pitchFamily="34" charset="0"/>
-                <a:ea typeface="Tahoma" pitchFamily="34" charset="0"/>
-                <a:cs typeface="Tahoma" pitchFamily="34" charset="0"/>
-              </a:rPr>
-              <a:t>Hours since admission</a:t>
-            </a:r>
-            <a:endParaRPr lang="en-US" sz="1000" dirty="0">
-              <a:latin typeface="Tahoma" pitchFamily="34" charset="0"/>
-              <a:ea typeface="Tahoma" pitchFamily="34" charset="0"/>
-              <a:cs typeface="Tahoma" pitchFamily="34" charset="0"/>
-            </a:endParaRPr>
-          </a:p>
-        </p:txBody>
-      </p:sp>
       <p:cxnSp>
         <p:nvCxnSpPr>
-          <p:cNvPr id="4" name="Straight Connector 3"/>
+          <p:cNvPr id="15" name="Straight Connector 14"/>
           <p:cNvCxnSpPr/>
           <p:nvPr/>
         </p:nvCxnSpPr>
         <p:spPr>
           <a:xfrm>
-            <a:off x="3124200" y="3147961"/>
-            <a:ext cx="457200" cy="271514"/>
+            <a:off x="3138174" y="3114040"/>
+            <a:ext cx="3150870" cy="0"/>
+          </a:xfrm>
+          <a:prstGeom prst="line">
+            <a:avLst/>
+          </a:prstGeom>
+          <a:ln w="76200" cap="rnd" cmpd="sng">
+            <a:solidFill>
+              <a:schemeClr val="tx1">
+                <a:lumMod val="65000"/>
+                <a:lumOff val="35000"/>
+              </a:schemeClr>
+            </a:solidFill>
+            <a:prstDash val="sysDash"/>
+            <a:round/>
+          </a:ln>
+        </p:spPr>
+        <p:style>
+          <a:lnRef idx="1">
+            <a:schemeClr val="accent1"/>
+          </a:lnRef>
+          <a:fillRef idx="0">
+            <a:schemeClr val="accent1"/>
+          </a:fillRef>
+          <a:effectRef idx="0">
+            <a:schemeClr val="accent1"/>
+          </a:effectRef>
+          <a:fontRef idx="minor">
+            <a:schemeClr val="tx1"/>
+          </a:fontRef>
+        </p:style>
+      </p:cxnSp>
+      <p:cxnSp>
+        <p:nvCxnSpPr>
+          <p:cNvPr id="5" name="Straight Connector 4"/>
+          <p:cNvCxnSpPr/>
+          <p:nvPr/>
+        </p:nvCxnSpPr>
+        <p:spPr>
+          <a:xfrm>
+            <a:off x="3581400" y="2819400"/>
+            <a:ext cx="571500" cy="609600"/>
           </a:xfrm>
           <a:prstGeom prst="line">
             <a:avLst/>
@@ -3748,19 +7403,19 @@
       </p:cxnSp>
       <p:cxnSp>
         <p:nvCxnSpPr>
-          <p:cNvPr id="10" name="Straight Connector 9"/>
+          <p:cNvPr id="14" name="Straight Connector 13"/>
           <p:cNvCxnSpPr/>
           <p:nvPr/>
         </p:nvCxnSpPr>
         <p:spPr>
           <a:xfrm flipV="1">
-            <a:off x="4152900" y="2521641"/>
+            <a:off x="4152900" y="2481160"/>
             <a:ext cx="0" cy="1252640"/>
           </a:xfrm>
           <a:prstGeom prst="line">
             <a:avLst/>
           </a:prstGeom>
-          <a:ln>
+          <a:ln w="38100">
             <a:headEnd type="diamond" w="lg" len="lg"/>
           </a:ln>
         </p:spPr>
@@ -3772,123 +7427,6 @@
             <a:schemeClr val="accent1"/>
           </a:fillRef>
           <a:effectRef idx="1">
-            <a:schemeClr val="accent1"/>
-          </a:effectRef>
-          <a:fontRef idx="minor">
-            <a:schemeClr val="tx1"/>
-          </a:fontRef>
-        </p:style>
-      </p:cxnSp>
-      <p:sp>
-        <p:nvSpPr>
-          <p:cNvPr id="6" name="TextBox 5"/>
-          <p:cNvSpPr txBox="1"/>
-          <p:nvPr/>
-        </p:nvSpPr>
-        <p:spPr>
-          <a:xfrm rot="16200000">
-            <a:off x="2202244" y="3040169"/>
-            <a:ext cx="1297357" cy="246221"/>
-          </a:xfrm>
-          <a:prstGeom prst="rect">
-            <a:avLst/>
-          </a:prstGeom>
-          <a:noFill/>
-        </p:spPr>
-        <p:txBody>
-          <a:bodyPr wrap="square" rtlCol="0">
-            <a:spAutoFit/>
-          </a:bodyPr>
-          <a:lstStyle/>
-          <a:p>
-            <a:pPr algn="ctr"/>
-            <a:r>
-              <a:rPr lang="en-US" sz="1000" dirty="0" smtClean="0">
-                <a:latin typeface="Tahoma" pitchFamily="34" charset="0"/>
-                <a:ea typeface="Tahoma" pitchFamily="34" charset="0"/>
-                <a:cs typeface="Tahoma" pitchFamily="34" charset="0"/>
-              </a:rPr>
-              <a:t>NOC Rating</a:t>
-            </a:r>
-            <a:endParaRPr lang="en-US" sz="1000" dirty="0">
-              <a:latin typeface="Tahoma" pitchFamily="34" charset="0"/>
-              <a:ea typeface="Tahoma" pitchFamily="34" charset="0"/>
-              <a:cs typeface="Tahoma" pitchFamily="34" charset="0"/>
-            </a:endParaRPr>
-          </a:p>
-        </p:txBody>
-      </p:sp>
-      <p:sp>
-        <p:nvSpPr>
-          <p:cNvPr id="7" name="TextBox 6"/>
-          <p:cNvSpPr txBox="1"/>
-          <p:nvPr/>
-        </p:nvSpPr>
-        <p:spPr>
-          <a:xfrm>
-            <a:off x="2588567" y="2390745"/>
-            <a:ext cx="459433" cy="200055"/>
-          </a:xfrm>
-          <a:prstGeom prst="rect">
-            <a:avLst/>
-          </a:prstGeom>
-          <a:noFill/>
-        </p:spPr>
-        <p:txBody>
-          <a:bodyPr wrap="square" rtlCol="0">
-            <a:spAutoFit/>
-          </a:bodyPr>
-          <a:lstStyle/>
-          <a:p>
-            <a:pPr algn="ctr"/>
-            <a:r>
-              <a:rPr lang="en-US" sz="700" b="1" dirty="0" smtClean="0">
-                <a:latin typeface="Tahoma" pitchFamily="34" charset="0"/>
-                <a:ea typeface="Tahoma" pitchFamily="34" charset="0"/>
-                <a:cs typeface="Tahoma" pitchFamily="34" charset="0"/>
-              </a:rPr>
-              <a:t>Better</a:t>
-            </a:r>
-            <a:endParaRPr lang="en-US" sz="700" b="1" dirty="0">
-              <a:latin typeface="Tahoma" pitchFamily="34" charset="0"/>
-              <a:ea typeface="Tahoma" pitchFamily="34" charset="0"/>
-              <a:cs typeface="Tahoma" pitchFamily="34" charset="0"/>
-            </a:endParaRPr>
-          </a:p>
-        </p:txBody>
-      </p:sp>
-      <p:cxnSp>
-        <p:nvCxnSpPr>
-          <p:cNvPr id="12" name="Straight Connector 11"/>
-          <p:cNvCxnSpPr/>
-          <p:nvPr/>
-        </p:nvCxnSpPr>
-        <p:spPr>
-          <a:xfrm>
-            <a:off x="3124200" y="2514600"/>
-            <a:ext cx="3150870" cy="0"/>
-          </a:xfrm>
-          <a:prstGeom prst="line">
-            <a:avLst/>
-          </a:prstGeom>
-          <a:ln w="38100" cap="rnd">
-            <a:solidFill>
-              <a:schemeClr val="tx1">
-                <a:lumMod val="95000"/>
-                <a:lumOff val="5000"/>
-              </a:schemeClr>
-            </a:solidFill>
-            <a:prstDash val="dash"/>
-          </a:ln>
-        </p:spPr>
-        <p:style>
-          <a:lnRef idx="1">
-            <a:schemeClr val="accent1"/>
-          </a:lnRef>
-          <a:fillRef idx="0">
-            <a:schemeClr val="accent1"/>
-          </a:fillRef>
-          <a:effectRef idx="0">
             <a:schemeClr val="accent1"/>
           </a:effectRef>
           <a:fontRef idx="minor">
@@ -3898,14 +7436,14 @@
       </p:cxnSp>
       <p:cxnSp>
         <p:nvCxnSpPr>
-          <p:cNvPr id="5" name="Straight Connector 4"/>
+          <p:cNvPr id="4" name="Straight Connector 3"/>
           <p:cNvCxnSpPr/>
           <p:nvPr/>
         </p:nvCxnSpPr>
         <p:spPr>
-          <a:xfrm>
-            <a:off x="3581400" y="3419019"/>
-            <a:ext cx="571500" cy="456"/>
+          <a:xfrm flipV="1">
+            <a:off x="3124200" y="2819400"/>
+            <a:ext cx="457200" cy="306177"/>
           </a:xfrm>
           <a:prstGeom prst="line">
             <a:avLst/>
@@ -3930,36 +7468,241 @@
           </a:fontRef>
         </p:style>
       </p:cxnSp>
+      <p:sp>
+        <p:nvSpPr>
+          <p:cNvPr id="8" name="TextBox 7"/>
+          <p:cNvSpPr txBox="1"/>
+          <p:nvPr/>
+        </p:nvSpPr>
+        <p:spPr>
+          <a:xfrm>
+            <a:off x="2588567" y="2390745"/>
+            <a:ext cx="459433" cy="200055"/>
+          </a:xfrm>
+          <a:prstGeom prst="rect">
+            <a:avLst/>
+          </a:prstGeom>
+          <a:noFill/>
+        </p:spPr>
+        <p:txBody>
+          <a:bodyPr wrap="square" rtlCol="0">
+            <a:spAutoFit/>
+          </a:bodyPr>
+          <a:lstStyle/>
+          <a:p>
+            <a:pPr algn="ctr"/>
+            <a:r>
+              <a:rPr lang="en-US" sz="700" b="1" dirty="0" smtClean="0">
+                <a:latin typeface="Tahoma" pitchFamily="34" charset="0"/>
+                <a:ea typeface="Tahoma" pitchFamily="34" charset="0"/>
+                <a:cs typeface="Tahoma" pitchFamily="34" charset="0"/>
+              </a:rPr>
+              <a:t>Better</a:t>
+            </a:r>
+            <a:endParaRPr lang="en-US" sz="700" b="1" dirty="0">
+              <a:latin typeface="Tahoma" pitchFamily="34" charset="0"/>
+              <a:ea typeface="Tahoma" pitchFamily="34" charset="0"/>
+              <a:cs typeface="Tahoma" pitchFamily="34" charset="0"/>
+            </a:endParaRPr>
+          </a:p>
+        </p:txBody>
+      </p:sp>
+      <p:sp>
+        <p:nvSpPr>
+          <p:cNvPr id="11" name="TextBox 10"/>
+          <p:cNvSpPr txBox="1"/>
+          <p:nvPr/>
+        </p:nvSpPr>
+        <p:spPr>
+          <a:xfrm>
+            <a:off x="2966720" y="2163266"/>
+            <a:ext cx="3444240" cy="307777"/>
+          </a:xfrm>
+          <a:prstGeom prst="rect">
+            <a:avLst/>
+          </a:prstGeom>
+          <a:noFill/>
+        </p:spPr>
+        <p:txBody>
+          <a:bodyPr wrap="square" rtlCol="0">
+            <a:spAutoFit/>
+          </a:bodyPr>
+          <a:lstStyle/>
+          <a:p>
+            <a:pPr algn="ctr"/>
+            <a:r>
+              <a:rPr lang="en-US" sz="1400" b="1" dirty="0" smtClean="0">
+                <a:latin typeface="Tahoma" pitchFamily="34" charset="0"/>
+                <a:ea typeface="Tahoma" pitchFamily="34" charset="0"/>
+                <a:cs typeface="Tahoma" pitchFamily="34" charset="0"/>
+              </a:rPr>
+              <a:t>Respiratory Status: Gas Exchange</a:t>
+            </a:r>
+            <a:endParaRPr lang="en-US" sz="1400" b="1" dirty="0">
+              <a:latin typeface="Tahoma" pitchFamily="34" charset="0"/>
+              <a:ea typeface="Tahoma" pitchFamily="34" charset="0"/>
+              <a:cs typeface="Tahoma" pitchFamily="34" charset="0"/>
+            </a:endParaRPr>
+          </a:p>
+        </p:txBody>
+      </p:sp>
+      <p:sp>
+        <p:nvSpPr>
+          <p:cNvPr id="12" name="TextBox 11"/>
+          <p:cNvSpPr txBox="1"/>
+          <p:nvPr/>
+        </p:nvSpPr>
+        <p:spPr>
+          <a:xfrm>
+            <a:off x="2209800" y="2813447"/>
+            <a:ext cx="802696" cy="600164"/>
+          </a:xfrm>
+          <a:prstGeom prst="rect">
+            <a:avLst/>
+          </a:prstGeom>
+          <a:noFill/>
+        </p:spPr>
+        <p:txBody>
+          <a:bodyPr wrap="square" rtlCol="0">
+            <a:spAutoFit/>
+          </a:bodyPr>
+          <a:lstStyle/>
+          <a:p>
+            <a:pPr algn="ctr"/>
+            <a:r>
+              <a:rPr lang="en-US" sz="1200" dirty="0" smtClean="0">
+                <a:latin typeface="Tahoma" pitchFamily="34" charset="0"/>
+                <a:ea typeface="Tahoma" pitchFamily="34" charset="0"/>
+                <a:cs typeface="Tahoma" pitchFamily="34" charset="0"/>
+              </a:rPr>
+              <a:t>NOC</a:t>
+            </a:r>
+          </a:p>
+          <a:p>
+            <a:pPr algn="ctr"/>
+            <a:r>
+              <a:rPr lang="en-US" sz="1200" dirty="0" smtClean="0">
+                <a:latin typeface="Tahoma" pitchFamily="34" charset="0"/>
+                <a:ea typeface="Tahoma" pitchFamily="34" charset="0"/>
+                <a:cs typeface="Tahoma" pitchFamily="34" charset="0"/>
+              </a:rPr>
+              <a:t> Rating</a:t>
+            </a:r>
+          </a:p>
+          <a:p>
+            <a:pPr algn="ctr"/>
+            <a:r>
+              <a:rPr lang="en-US" sz="900" dirty="0" smtClean="0">
+                <a:latin typeface="Tahoma" pitchFamily="34" charset="0"/>
+                <a:ea typeface="Tahoma" pitchFamily="34" charset="0"/>
+                <a:cs typeface="Tahoma" pitchFamily="34" charset="0"/>
+              </a:rPr>
+              <a:t>(goal is 5)</a:t>
+            </a:r>
+            <a:endParaRPr lang="en-US" sz="900" dirty="0">
+              <a:latin typeface="Tahoma" pitchFamily="34" charset="0"/>
+              <a:ea typeface="Tahoma" pitchFamily="34" charset="0"/>
+              <a:cs typeface="Tahoma" pitchFamily="34" charset="0"/>
+            </a:endParaRPr>
+          </a:p>
+        </p:txBody>
+      </p:sp>
+      <p:sp>
+        <p:nvSpPr>
+          <p:cNvPr id="16" name="TextBox 15"/>
+          <p:cNvSpPr txBox="1"/>
+          <p:nvPr/>
+        </p:nvSpPr>
+        <p:spPr>
+          <a:xfrm>
+            <a:off x="3124200" y="4066401"/>
+            <a:ext cx="3150870" cy="276999"/>
+          </a:xfrm>
+          <a:prstGeom prst="rect">
+            <a:avLst/>
+          </a:prstGeom>
+          <a:noFill/>
+        </p:spPr>
+        <p:txBody>
+          <a:bodyPr wrap="square" rtlCol="0">
+            <a:spAutoFit/>
+          </a:bodyPr>
+          <a:lstStyle/>
+          <a:p>
+            <a:pPr algn="ctr"/>
+            <a:r>
+              <a:rPr lang="en-US" sz="1200" dirty="0" smtClean="0">
+                <a:latin typeface="Tahoma" pitchFamily="34" charset="0"/>
+                <a:ea typeface="Tahoma" pitchFamily="34" charset="0"/>
+                <a:cs typeface="Tahoma" pitchFamily="34" charset="0"/>
+              </a:rPr>
+              <a:t>Hours since admission</a:t>
+            </a:r>
+            <a:endParaRPr lang="en-US" sz="1200" dirty="0">
+              <a:latin typeface="Tahoma" pitchFamily="34" charset="0"/>
+              <a:ea typeface="Tahoma" pitchFamily="34" charset="0"/>
+              <a:cs typeface="Tahoma" pitchFamily="34" charset="0"/>
+            </a:endParaRPr>
+          </a:p>
+        </p:txBody>
+      </p:sp>
+    </p:spTree>
+    <p:extLst>
+      <p:ext uri="{BB962C8B-B14F-4D97-AF65-F5344CB8AC3E}">
+        <p14:creationId xmlns:p14="http://schemas.microsoft.com/office/powerpoint/2010/main" val="3154584293"/>
+      </p:ext>
+    </p:extLst>
+  </p:cSld>
+  <p:clrMapOvr>
+    <a:masterClrMapping/>
+  </p:clrMapOvr>
+</p:sld>
+</file>
+
+<file path=ppt/slides/slide5.xml><?xml version="1.0" encoding="utf-8"?>
+<p:sld xmlns:a="http://schemas.openxmlformats.org/drawingml/2006/main" xmlns:r="http://schemas.openxmlformats.org/officeDocument/2006/relationships" xmlns:p="http://schemas.openxmlformats.org/presentationml/2006/main">
+  <p:cSld>
+    <p:spTree>
+      <p:nvGrpSpPr>
+        <p:cNvPr id="1" name=""/>
+        <p:cNvGrpSpPr/>
+        <p:nvPr/>
+      </p:nvGrpSpPr>
+      <p:grpSpPr>
+        <a:xfrm>
+          <a:off x="0" y="0"/>
+          <a:ext cx="0" cy="0"/>
+          <a:chOff x="0" y="0"/>
+          <a:chExt cx="0" cy="0"/>
+        </a:xfrm>
+      </p:grpSpPr>
       <p:cxnSp>
         <p:nvCxnSpPr>
-          <p:cNvPr id="9" name="Straight Connector 8"/>
+          <p:cNvPr id="10" name="Straight Connector 9"/>
           <p:cNvCxnSpPr/>
           <p:nvPr/>
         </p:nvCxnSpPr>
         <p:spPr>
           <a:xfrm flipV="1">
-            <a:off x="6265545" y="2824163"/>
-            <a:ext cx="0" cy="919249"/>
+            <a:off x="4152900" y="2521641"/>
+            <a:ext cx="0" cy="1252640"/>
           </a:xfrm>
           <a:prstGeom prst="line">
             <a:avLst/>
           </a:prstGeom>
           <a:ln>
-            <a:solidFill>
-              <a:srgbClr val="FF0000"/>
-            </a:solidFill>
             <a:headEnd type="diamond" w="lg" len="lg"/>
           </a:ln>
         </p:spPr>
         <p:style>
-          <a:lnRef idx="3">
-            <a:schemeClr val="accent6"/>
+          <a:lnRef idx="2">
+            <a:schemeClr val="accent1"/>
           </a:lnRef>
           <a:fillRef idx="0">
-            <a:schemeClr val="accent6"/>
+            <a:schemeClr val="accent1"/>
           </a:fillRef>
-          <a:effectRef idx="2">
-            <a:schemeClr val="accent6"/>
+          <a:effectRef idx="1">
+            <a:schemeClr val="accent1"/>
           </a:effectRef>
           <a:fontRef idx="minor">
             <a:schemeClr val="tx1"/>
@@ -3968,13 +7711,211 @@
       </p:cxnSp>
       <p:sp>
         <p:nvSpPr>
+          <p:cNvPr id="11" name="TextBox 10"/>
+          <p:cNvSpPr txBox="1"/>
+          <p:nvPr/>
+        </p:nvSpPr>
+        <p:spPr>
+          <a:xfrm>
+            <a:off x="2209800" y="2813447"/>
+            <a:ext cx="802696" cy="600164"/>
+          </a:xfrm>
+          <a:prstGeom prst="rect">
+            <a:avLst/>
+          </a:prstGeom>
+          <a:noFill/>
+        </p:spPr>
+        <p:txBody>
+          <a:bodyPr wrap="square" rtlCol="0">
+            <a:spAutoFit/>
+          </a:bodyPr>
+          <a:lstStyle/>
+          <a:p>
+            <a:pPr algn="ctr"/>
+            <a:r>
+              <a:rPr lang="en-US" sz="1200" dirty="0" smtClean="0">
+                <a:latin typeface="Tahoma" pitchFamily="34" charset="0"/>
+                <a:ea typeface="Tahoma" pitchFamily="34" charset="0"/>
+                <a:cs typeface="Tahoma" pitchFamily="34" charset="0"/>
+              </a:rPr>
+              <a:t>NOC</a:t>
+            </a:r>
+          </a:p>
+          <a:p>
+            <a:pPr algn="ctr"/>
+            <a:r>
+              <a:rPr lang="en-US" sz="1200" dirty="0" smtClean="0">
+                <a:latin typeface="Tahoma" pitchFamily="34" charset="0"/>
+                <a:ea typeface="Tahoma" pitchFamily="34" charset="0"/>
+                <a:cs typeface="Tahoma" pitchFamily="34" charset="0"/>
+              </a:rPr>
+              <a:t> Rating</a:t>
+            </a:r>
+          </a:p>
+          <a:p>
+            <a:pPr algn="ctr"/>
+            <a:r>
+              <a:rPr lang="en-US" sz="900" dirty="0" smtClean="0">
+                <a:latin typeface="Tahoma" pitchFamily="34" charset="0"/>
+                <a:ea typeface="Tahoma" pitchFamily="34" charset="0"/>
+                <a:cs typeface="Tahoma" pitchFamily="34" charset="0"/>
+              </a:rPr>
+              <a:t>(goal is 5)</a:t>
+            </a:r>
+            <a:endParaRPr lang="en-US" sz="900" dirty="0">
+              <a:latin typeface="Tahoma" pitchFamily="34" charset="0"/>
+              <a:ea typeface="Tahoma" pitchFamily="34" charset="0"/>
+              <a:cs typeface="Tahoma" pitchFamily="34" charset="0"/>
+            </a:endParaRPr>
+          </a:p>
+        </p:txBody>
+      </p:sp>
+      <p:sp>
+        <p:nvSpPr>
+          <p:cNvPr id="12" name="TextBox 11"/>
+          <p:cNvSpPr txBox="1"/>
+          <p:nvPr/>
+        </p:nvSpPr>
+        <p:spPr>
+          <a:xfrm>
+            <a:off x="3124200" y="4066401"/>
+            <a:ext cx="3150870" cy="276999"/>
+          </a:xfrm>
+          <a:prstGeom prst="rect">
+            <a:avLst/>
+          </a:prstGeom>
+          <a:noFill/>
+        </p:spPr>
+        <p:txBody>
+          <a:bodyPr wrap="square" rtlCol="0">
+            <a:spAutoFit/>
+          </a:bodyPr>
+          <a:lstStyle/>
+          <a:p>
+            <a:pPr algn="ctr"/>
+            <a:r>
+              <a:rPr lang="en-US" sz="1200" dirty="0" smtClean="0">
+                <a:latin typeface="Tahoma" pitchFamily="34" charset="0"/>
+                <a:ea typeface="Tahoma" pitchFamily="34" charset="0"/>
+                <a:cs typeface="Tahoma" pitchFamily="34" charset="0"/>
+              </a:rPr>
+              <a:t>Hours since admission</a:t>
+            </a:r>
+            <a:endParaRPr lang="en-US" sz="1200" dirty="0">
+              <a:latin typeface="Tahoma" pitchFamily="34" charset="0"/>
+              <a:ea typeface="Tahoma" pitchFamily="34" charset="0"/>
+              <a:cs typeface="Tahoma" pitchFamily="34" charset="0"/>
+            </a:endParaRPr>
+          </a:p>
+        </p:txBody>
+      </p:sp>
+    </p:spTree>
+    <p:extLst>
+      <p:ext uri="{BB962C8B-B14F-4D97-AF65-F5344CB8AC3E}">
+        <p14:creationId xmlns:p14="http://schemas.microsoft.com/office/powerpoint/2010/main" val="3285608515"/>
+      </p:ext>
+    </p:extLst>
+  </p:cSld>
+  <p:clrMapOvr>
+    <a:masterClrMapping/>
+  </p:clrMapOvr>
+</p:sld>
+</file>
+
+<file path=ppt/slides/slide6.xml><?xml version="1.0" encoding="utf-8"?>
+<p:sld xmlns:a="http://schemas.openxmlformats.org/drawingml/2006/main" xmlns:r="http://schemas.openxmlformats.org/officeDocument/2006/relationships" xmlns:p="http://schemas.openxmlformats.org/presentationml/2006/main">
+  <p:cSld>
+    <p:spTree>
+      <p:nvGrpSpPr>
+        <p:cNvPr id="1" name=""/>
+        <p:cNvGrpSpPr/>
+        <p:nvPr/>
+      </p:nvGrpSpPr>
+      <p:grpSpPr>
+        <a:xfrm>
+          <a:off x="0" y="0"/>
+          <a:ext cx="0" cy="0"/>
+          <a:chOff x="0" y="0"/>
+          <a:chExt cx="0" cy="0"/>
+        </a:xfrm>
+      </p:grpSpPr>
+      <p:cxnSp>
+        <p:nvCxnSpPr>
+          <p:cNvPr id="4" name="Straight Connector 3"/>
+          <p:cNvCxnSpPr/>
+          <p:nvPr/>
+        </p:nvCxnSpPr>
+        <p:spPr>
+          <a:xfrm>
+            <a:off x="3124200" y="3147961"/>
+            <a:ext cx="457200" cy="271514"/>
+          </a:xfrm>
+          <a:prstGeom prst="line">
+            <a:avLst/>
+          </a:prstGeom>
+          <a:ln>
+            <a:headEnd type="oval" w="med" len="med"/>
+            <a:tailEnd type="oval" w="med" len="med"/>
+          </a:ln>
+        </p:spPr>
+        <p:style>
+          <a:lnRef idx="3">
+            <a:schemeClr val="dk1"/>
+          </a:lnRef>
+          <a:fillRef idx="0">
+            <a:schemeClr val="dk1"/>
+          </a:fillRef>
+          <a:effectRef idx="2">
+            <a:schemeClr val="dk1"/>
+          </a:effectRef>
+          <a:fontRef idx="minor">
+            <a:schemeClr val="tx1"/>
+          </a:fontRef>
+        </p:style>
+      </p:cxnSp>
+      <p:cxnSp>
+        <p:nvCxnSpPr>
+          <p:cNvPr id="5" name="Straight Connector 4"/>
+          <p:cNvCxnSpPr/>
+          <p:nvPr/>
+        </p:nvCxnSpPr>
+        <p:spPr>
+          <a:xfrm>
+            <a:off x="3581400" y="3419019"/>
+            <a:ext cx="571500" cy="456"/>
+          </a:xfrm>
+          <a:prstGeom prst="line">
+            <a:avLst/>
+          </a:prstGeom>
+          <a:ln>
+            <a:headEnd type="oval" w="med" len="med"/>
+            <a:tailEnd type="oval" w="med" len="med"/>
+          </a:ln>
+        </p:spPr>
+        <p:style>
+          <a:lnRef idx="3">
+            <a:schemeClr val="dk1"/>
+          </a:lnRef>
+          <a:fillRef idx="0">
+            <a:schemeClr val="dk1"/>
+          </a:fillRef>
+          <a:effectRef idx="2">
+            <a:schemeClr val="dk1"/>
+          </a:effectRef>
+          <a:fontRef idx="minor">
+            <a:schemeClr val="tx1"/>
+          </a:fontRef>
+        </p:style>
+      </p:cxnSp>
+      <p:sp>
+        <p:nvSpPr>
           <p:cNvPr id="8" name="Rectangle 7"/>
           <p:cNvSpPr/>
           <p:nvPr/>
         </p:nvSpPr>
         <p:spPr>
           <a:xfrm>
-            <a:off x="4699635" y="2590800"/>
+            <a:off x="4689475" y="2590800"/>
             <a:ext cx="1575435" cy="828219"/>
           </a:xfrm>
           <a:prstGeom prst="rect">
@@ -4031,8 +7972,8 @@
         </p:nvSpPr>
         <p:spPr>
           <a:xfrm>
-            <a:off x="3138174" y="2244546"/>
-            <a:ext cx="3150870" cy="246221"/>
+            <a:off x="3138174" y="2137866"/>
+            <a:ext cx="3150870" cy="307777"/>
           </a:xfrm>
           <a:prstGeom prst="rect">
             <a:avLst/>
@@ -4047,7 +7988,7 @@
           <a:p>
             <a:pPr algn="ctr"/>
             <a:r>
-              <a:rPr lang="en-US" sz="1000" b="1" dirty="0" smtClean="0">
+              <a:rPr lang="en-US" sz="1400" b="1" dirty="0" smtClean="0">
                 <a:latin typeface="Tahoma" pitchFamily="34" charset="0"/>
                 <a:ea typeface="Tahoma" pitchFamily="34" charset="0"/>
                 <a:cs typeface="Tahoma" pitchFamily="34" charset="0"/>
@@ -4057,6 +7998,215 @@
           </a:p>
         </p:txBody>
       </p:sp>
+      <p:sp>
+        <p:nvSpPr>
+          <p:cNvPr id="14" name="TextBox 13"/>
+          <p:cNvSpPr txBox="1"/>
+          <p:nvPr/>
+        </p:nvSpPr>
+        <p:spPr>
+          <a:xfrm>
+            <a:off x="3124200" y="4066401"/>
+            <a:ext cx="3150870" cy="276999"/>
+          </a:xfrm>
+          <a:prstGeom prst="rect">
+            <a:avLst/>
+          </a:prstGeom>
+          <a:noFill/>
+        </p:spPr>
+        <p:txBody>
+          <a:bodyPr wrap="square" rtlCol="0">
+            <a:spAutoFit/>
+          </a:bodyPr>
+          <a:lstStyle/>
+          <a:p>
+            <a:pPr algn="ctr"/>
+            <a:r>
+              <a:rPr lang="en-US" sz="1200" dirty="0" smtClean="0">
+                <a:latin typeface="Tahoma" pitchFamily="34" charset="0"/>
+                <a:ea typeface="Tahoma" pitchFamily="34" charset="0"/>
+                <a:cs typeface="Tahoma" pitchFamily="34" charset="0"/>
+              </a:rPr>
+              <a:t>Hours since admission</a:t>
+            </a:r>
+            <a:endParaRPr lang="en-US" sz="1200" dirty="0">
+              <a:latin typeface="Tahoma" pitchFamily="34" charset="0"/>
+              <a:ea typeface="Tahoma" pitchFamily="34" charset="0"/>
+              <a:cs typeface="Tahoma" pitchFamily="34" charset="0"/>
+            </a:endParaRPr>
+          </a:p>
+        </p:txBody>
+      </p:sp>
+      <p:sp>
+        <p:nvSpPr>
+          <p:cNvPr id="15" name="TextBox 14"/>
+          <p:cNvSpPr txBox="1"/>
+          <p:nvPr/>
+        </p:nvSpPr>
+        <p:spPr>
+          <a:xfrm>
+            <a:off x="2209800" y="2813447"/>
+            <a:ext cx="802696" cy="600164"/>
+          </a:xfrm>
+          <a:prstGeom prst="rect">
+            <a:avLst/>
+          </a:prstGeom>
+          <a:noFill/>
+        </p:spPr>
+        <p:txBody>
+          <a:bodyPr wrap="square" rtlCol="0">
+            <a:spAutoFit/>
+          </a:bodyPr>
+          <a:lstStyle/>
+          <a:p>
+            <a:pPr algn="ctr"/>
+            <a:r>
+              <a:rPr lang="en-US" sz="1200" dirty="0" smtClean="0">
+                <a:latin typeface="Tahoma" pitchFamily="34" charset="0"/>
+                <a:ea typeface="Tahoma" pitchFamily="34" charset="0"/>
+                <a:cs typeface="Tahoma" pitchFamily="34" charset="0"/>
+              </a:rPr>
+              <a:t>NOC</a:t>
+            </a:r>
+          </a:p>
+          <a:p>
+            <a:pPr algn="ctr"/>
+            <a:r>
+              <a:rPr lang="en-US" sz="1200" dirty="0" smtClean="0">
+                <a:latin typeface="Tahoma" pitchFamily="34" charset="0"/>
+                <a:ea typeface="Tahoma" pitchFamily="34" charset="0"/>
+                <a:cs typeface="Tahoma" pitchFamily="34" charset="0"/>
+              </a:rPr>
+              <a:t> Rating</a:t>
+            </a:r>
+          </a:p>
+          <a:p>
+            <a:pPr algn="ctr"/>
+            <a:r>
+              <a:rPr lang="en-US" sz="900" dirty="0" smtClean="0">
+                <a:latin typeface="Tahoma" pitchFamily="34" charset="0"/>
+                <a:ea typeface="Tahoma" pitchFamily="34" charset="0"/>
+                <a:cs typeface="Tahoma" pitchFamily="34" charset="0"/>
+              </a:rPr>
+              <a:t>(goal is 5)</a:t>
+            </a:r>
+            <a:endParaRPr lang="en-US" sz="900" dirty="0">
+              <a:latin typeface="Tahoma" pitchFamily="34" charset="0"/>
+              <a:ea typeface="Tahoma" pitchFamily="34" charset="0"/>
+              <a:cs typeface="Tahoma" pitchFamily="34" charset="0"/>
+            </a:endParaRPr>
+          </a:p>
+        </p:txBody>
+      </p:sp>
+      <p:cxnSp>
+        <p:nvCxnSpPr>
+          <p:cNvPr id="17" name="Straight Connector 16"/>
+          <p:cNvCxnSpPr/>
+          <p:nvPr/>
+        </p:nvCxnSpPr>
+        <p:spPr>
+          <a:xfrm flipV="1">
+            <a:off x="4152900" y="2481160"/>
+            <a:ext cx="0" cy="1252640"/>
+          </a:xfrm>
+          <a:prstGeom prst="line">
+            <a:avLst/>
+          </a:prstGeom>
+          <a:ln w="38100">
+            <a:headEnd type="diamond" w="lg" len="lg"/>
+          </a:ln>
+        </p:spPr>
+        <p:style>
+          <a:lnRef idx="2">
+            <a:schemeClr val="accent1"/>
+          </a:lnRef>
+          <a:fillRef idx="0">
+            <a:schemeClr val="accent1"/>
+          </a:fillRef>
+          <a:effectRef idx="1">
+            <a:schemeClr val="accent1"/>
+          </a:effectRef>
+          <a:fontRef idx="minor">
+            <a:schemeClr val="tx1"/>
+          </a:fontRef>
+        </p:style>
+      </p:cxnSp>
+      <p:cxnSp>
+        <p:nvCxnSpPr>
+          <p:cNvPr id="16" name="Straight Connector 15"/>
+          <p:cNvCxnSpPr/>
+          <p:nvPr/>
+        </p:nvCxnSpPr>
+        <p:spPr>
+          <a:xfrm>
+            <a:off x="3138174" y="2514600"/>
+            <a:ext cx="3150870" cy="0"/>
+          </a:xfrm>
+          <a:prstGeom prst="line">
+            <a:avLst/>
+          </a:prstGeom>
+          <a:ln w="76200" cap="rnd" cmpd="sng">
+            <a:solidFill>
+              <a:schemeClr val="tx1">
+                <a:lumMod val="65000"/>
+                <a:lumOff val="35000"/>
+              </a:schemeClr>
+            </a:solidFill>
+            <a:prstDash val="sysDash"/>
+            <a:round/>
+          </a:ln>
+        </p:spPr>
+        <p:style>
+          <a:lnRef idx="1">
+            <a:schemeClr val="accent1"/>
+          </a:lnRef>
+          <a:fillRef idx="0">
+            <a:schemeClr val="accent1"/>
+          </a:fillRef>
+          <a:effectRef idx="0">
+            <a:schemeClr val="accent1"/>
+          </a:effectRef>
+          <a:fontRef idx="minor">
+            <a:schemeClr val="tx1"/>
+          </a:fontRef>
+        </p:style>
+      </p:cxnSp>
+      <p:cxnSp>
+        <p:nvCxnSpPr>
+          <p:cNvPr id="9" name="Straight Connector 8"/>
+          <p:cNvCxnSpPr/>
+          <p:nvPr/>
+        </p:nvCxnSpPr>
+        <p:spPr>
+          <a:xfrm flipH="1" flipV="1">
+            <a:off x="6264910" y="2590800"/>
+            <a:ext cx="635" cy="1152613"/>
+          </a:xfrm>
+          <a:prstGeom prst="line">
+            <a:avLst/>
+          </a:prstGeom>
+          <a:ln>
+            <a:solidFill>
+              <a:srgbClr val="FF0000"/>
+            </a:solidFill>
+            <a:headEnd type="diamond" w="lg" len="lg"/>
+          </a:ln>
+        </p:spPr>
+        <p:style>
+          <a:lnRef idx="3">
+            <a:schemeClr val="accent6"/>
+          </a:lnRef>
+          <a:fillRef idx="0">
+            <a:schemeClr val="accent6"/>
+          </a:fillRef>
+          <a:effectRef idx="2">
+            <a:schemeClr val="accent6"/>
+          </a:effectRef>
+          <a:fontRef idx="minor">
+            <a:schemeClr val="tx1"/>
+          </a:fontRef>
+        </p:style>
+      </p:cxnSp>
     </p:spTree>
     <p:extLst>
       <p:ext uri="{BB962C8B-B14F-4D97-AF65-F5344CB8AC3E}">
@@ -4077,7 +8227,7 @@
 </p:sld>
 </file>
 
-<file path=ppt/slides/slide5.xml><?xml version="1.0" encoding="utf-8"?>
+<file path=ppt/slides/slide7.xml><?xml version="1.0" encoding="utf-8"?>
 <p:sld xmlns:a="http://schemas.openxmlformats.org/drawingml/2006/main" xmlns:r="http://schemas.openxmlformats.org/officeDocument/2006/relationships" xmlns:p="http://schemas.openxmlformats.org/presentationml/2006/main">
   <p:cSld>
     <p:spTree>
@@ -4277,7 +8427,7 @@
 </p:sld>
 </file>
 
-<file path=ppt/slides/slide6.xml><?xml version="1.0" encoding="utf-8"?>
+<file path=ppt/slides/slide8.xml><?xml version="1.0" encoding="utf-8"?>
 <p:sld xmlns:a="http://schemas.openxmlformats.org/drawingml/2006/main" xmlns:r="http://schemas.openxmlformats.org/officeDocument/2006/relationships" xmlns:p="http://schemas.openxmlformats.org/presentationml/2006/main">
   <p:cSld>
     <p:spTree>

--- a/HANDS/trunk/data/Design.pptx
+++ b/HANDS/trunk/data/Design.pptx
@@ -111,6 +111,22 @@
       </a:defRPr>
     </a:lvl9pPr>
   </p:defaultTextStyle>
+  <p:extLst>
+    <p:ext uri="{EFAFB233-063F-42B5-8137-9DF3F51BA10A}">
+      <p15:sldGuideLst xmlns:p15="http://schemas.microsoft.com/office/powerpoint/2012/main">
+        <p15:guide id="1" orient="horz" pos="2160">
+          <p15:clr>
+            <a:srgbClr val="A4A3A4"/>
+          </p15:clr>
+        </p15:guide>
+        <p15:guide id="2" pos="2880">
+          <p15:clr>
+            <a:srgbClr val="A4A3A4"/>
+          </p15:clr>
+        </p15:guide>
+      </p15:sldGuideLst>
+    </p:ext>
+  </p:extLst>
 </p:presentation>
 </file>
 
@@ -148,7 +164,7 @@
           <a:p>
             <a:fld id="{46B0DD1D-ED37-4907-8AD7-C556D0397C4A}" type="datetimeFigureOut">
               <a:rPr lang="en-US" smtClean="0"/>
-              <a:t>5/15/2013</a:t>
+              <a:t>3/3/2014</a:t>
             </a:fld>
             <a:endParaRPr lang="en-US"/>
           </a:p>
@@ -304,7 +320,7 @@
           <a:p>
             <a:fld id="{46B0DD1D-ED37-4907-8AD7-C556D0397C4A}" type="datetimeFigureOut">
               <a:rPr lang="en-US" smtClean="0"/>
-              <a:t>5/15/2013</a:t>
+              <a:t>3/3/2014</a:t>
             </a:fld>
             <a:endParaRPr lang="en-US"/>
           </a:p>
@@ -1367,7 +1383,7 @@
           <a:p>
             <a:fld id="{46B0DD1D-ED37-4907-8AD7-C556D0397C4A}" type="datetimeFigureOut">
               <a:rPr lang="en-US" smtClean="0"/>
-              <a:t>5/15/2013</a:t>
+              <a:t>3/3/2014</a:t>
             </a:fld>
             <a:endParaRPr lang="en-US"/>
           </a:p>
@@ -1945,8 +1961,8 @@
         </p:nvSpPr>
         <p:spPr>
           <a:xfrm>
-            <a:off x="3895644" y="3804106"/>
-            <a:ext cx="476412" cy="246221"/>
+            <a:off x="3975794" y="3804106"/>
+            <a:ext cx="316112" cy="215444"/>
           </a:xfrm>
           <a:prstGeom prst="rect">
             <a:avLst/>
@@ -1961,14 +1977,14 @@
           <a:p>
             <a:pPr algn="ctr"/>
             <a:r>
-              <a:rPr lang="en-US" sz="1000" b="1" u="sng" dirty="0" smtClean="0">
+              <a:rPr lang="en-US" sz="800" b="1" u="none" dirty="0" smtClean="0">
                 <a:latin typeface="Tahoma" pitchFamily="34" charset="0"/>
                 <a:ea typeface="Tahoma" pitchFamily="34" charset="0"/>
                 <a:cs typeface="Tahoma" pitchFamily="34" charset="0"/>
               </a:rPr>
-              <a:t>Now</a:t>
-            </a:r>
-            <a:endParaRPr lang="en-US" sz="1000" b="1" u="sng" dirty="0">
+              <a:t>24</a:t>
+            </a:r>
+            <a:endParaRPr lang="en-US" sz="800" b="1" u="none" dirty="0">
               <a:latin typeface="Tahoma" pitchFamily="34" charset="0"/>
               <a:ea typeface="Tahoma" pitchFamily="34" charset="0"/>
               <a:cs typeface="Tahoma" pitchFamily="34" charset="0"/>
@@ -2359,7 +2375,7 @@
           <a:p>
             <a:fld id="{46B0DD1D-ED37-4907-8AD7-C556D0397C4A}" type="datetimeFigureOut">
               <a:rPr lang="en-US" smtClean="0"/>
-              <a:t>5/15/2013</a:t>
+              <a:t>3/3/2014</a:t>
             </a:fld>
             <a:endParaRPr lang="en-US"/>
           </a:p>
@@ -3351,7 +3367,7 @@
           <a:p>
             <a:fld id="{46B0DD1D-ED37-4907-8AD7-C556D0397C4A}" type="datetimeFigureOut">
               <a:rPr lang="en-US" smtClean="0"/>
-              <a:t>5/15/2013</a:t>
+              <a:t>3/3/2014</a:t>
             </a:fld>
             <a:endParaRPr lang="en-US"/>
           </a:p>
@@ -4096,7 +4112,7 @@
           <a:p>
             <a:fld id="{46B0DD1D-ED37-4907-8AD7-C556D0397C4A}" type="datetimeFigureOut">
               <a:rPr lang="en-US" smtClean="0"/>
-              <a:t>5/15/2013</a:t>
+              <a:t>3/3/2014</a:t>
             </a:fld>
             <a:endParaRPr lang="en-US"/>
           </a:p>
@@ -6885,16 +6901,6 @@
               </a:rPr>
               <a:t>If no plan </a:t>
             </a:r>
-            <a:endParaRPr lang="en-US" sz="1100" dirty="0" smtClean="0">
-              <a:solidFill>
-                <a:schemeClr val="accent2">
-                  <a:lumMod val="50000"/>
-                </a:schemeClr>
-              </a:solidFill>
-              <a:latin typeface="Tahoma" pitchFamily="34" charset="0"/>
-              <a:ea typeface="Tahoma" pitchFamily="34" charset="0"/>
-              <a:cs typeface="Tahoma" pitchFamily="34" charset="0"/>
-            </a:endParaRPr>
           </a:p>
           <a:p>
             <a:r>
@@ -6956,14 +6962,6 @@
               </a:rPr>
               <a:t>If treated </a:t>
             </a:r>
-            <a:endParaRPr lang="en-US" sz="1050" dirty="0" smtClean="0">
-              <a:solidFill>
-                <a:srgbClr val="007434"/>
-              </a:solidFill>
-              <a:latin typeface="Tahoma" pitchFamily="34" charset="0"/>
-              <a:ea typeface="Tahoma" pitchFamily="34" charset="0"/>
-              <a:cs typeface="Tahoma" pitchFamily="34" charset="0"/>
-            </a:endParaRPr>
           </a:p>
           <a:p>
             <a:r>
@@ -7684,7 +7682,7 @@
         </p:nvCxnSpPr>
         <p:spPr>
           <a:xfrm flipV="1">
-            <a:off x="4152900" y="2521641"/>
+            <a:off x="8072893" y="1662900"/>
             <a:ext cx="0" cy="1252640"/>
           </a:xfrm>
           <a:prstGeom prst="line">
@@ -7718,7 +7716,7 @@
         <p:spPr>
           <a:xfrm>
             <a:off x="2209800" y="2813447"/>
-            <a:ext cx="802696" cy="600164"/>
+            <a:ext cx="802696" cy="461665"/>
           </a:xfrm>
           <a:prstGeom prst="rect">
             <a:avLst/>
@@ -7749,20 +7747,17 @@
                 <a:ea typeface="Tahoma" pitchFamily="34" charset="0"/>
                 <a:cs typeface="Tahoma" pitchFamily="34" charset="0"/>
               </a:rPr>
-              <a:t> Rating</a:t>
-            </a:r>
-          </a:p>
-          <a:p>
-            <a:pPr algn="ctr"/>
-            <a:r>
-              <a:rPr lang="en-US" sz="900" dirty="0" smtClean="0">
+              <a:t> </a:t>
+            </a:r>
+            <a:r>
+              <a:rPr lang="en-US" sz="1200" dirty="0" smtClean="0">
                 <a:latin typeface="Tahoma" pitchFamily="34" charset="0"/>
                 <a:ea typeface="Tahoma" pitchFamily="34" charset="0"/>
                 <a:cs typeface="Tahoma" pitchFamily="34" charset="0"/>
               </a:rPr>
-              <a:t>(goal is 5)</a:t>
-            </a:r>
-            <a:endParaRPr lang="en-US" sz="900" dirty="0">
+              <a:t>Rating</a:t>
+            </a:r>
+            <a:endParaRPr lang="en-US" sz="1200" dirty="0" smtClean="0">
               <a:latin typeface="Tahoma" pitchFamily="34" charset="0"/>
               <a:ea typeface="Tahoma" pitchFamily="34" charset="0"/>
               <a:cs typeface="Tahoma" pitchFamily="34" charset="0"/>
@@ -7806,6 +7801,195 @@
               <a:ea typeface="Tahoma" pitchFamily="34" charset="0"/>
               <a:cs typeface="Tahoma" pitchFamily="34" charset="0"/>
             </a:endParaRPr>
+          </a:p>
+        </p:txBody>
+      </p:sp>
+      <p:sp>
+        <p:nvSpPr>
+          <p:cNvPr id="2" name="Rectangle 1"/>
+          <p:cNvSpPr/>
+          <p:nvPr/>
+        </p:nvSpPr>
+        <p:spPr>
+          <a:xfrm>
+            <a:off x="7776176" y="2915540"/>
+            <a:ext cx="593432" cy="307777"/>
+          </a:xfrm>
+          <a:prstGeom prst="rect">
+            <a:avLst/>
+          </a:prstGeom>
+        </p:spPr>
+        <p:txBody>
+          <a:bodyPr wrap="none">
+            <a:spAutoFit/>
+          </a:bodyPr>
+          <a:lstStyle/>
+          <a:p>
+            <a:pPr algn="ctr"/>
+            <a:r>
+              <a:rPr lang="en-US" sz="1400" b="1" u="sng" dirty="0">
+                <a:latin typeface="Tahoma" pitchFamily="34" charset="0"/>
+                <a:ea typeface="Tahoma" pitchFamily="34" charset="0"/>
+                <a:cs typeface="Tahoma" pitchFamily="34" charset="0"/>
+              </a:rPr>
+              <a:t>Now</a:t>
+            </a:r>
+            <a:endParaRPr lang="en-US" sz="1400" b="1" u="sng" dirty="0">
+              <a:latin typeface="Tahoma" pitchFamily="34" charset="0"/>
+              <a:ea typeface="Tahoma" pitchFamily="34" charset="0"/>
+              <a:cs typeface="Tahoma" pitchFamily="34" charset="0"/>
+            </a:endParaRPr>
+          </a:p>
+        </p:txBody>
+      </p:sp>
+      <p:sp>
+        <p:nvSpPr>
+          <p:cNvPr id="3" name="Oval 2"/>
+          <p:cNvSpPr/>
+          <p:nvPr/>
+        </p:nvSpPr>
+        <p:spPr>
+          <a:xfrm>
+            <a:off x="5181600" y="1767840"/>
+            <a:ext cx="81280" cy="81280"/>
+          </a:xfrm>
+          <a:prstGeom prst="ellipse">
+            <a:avLst/>
+          </a:prstGeom>
+          <a:effectLst>
+            <a:outerShdw blurRad="25400" dist="12700" dir="5400000" algn="t" rotWithShape="0">
+              <a:prstClr val="black"/>
+            </a:outerShdw>
+          </a:effectLst>
+        </p:spPr>
+        <p:style>
+          <a:lnRef idx="2">
+            <a:schemeClr val="dk1">
+              <a:shade val="50000"/>
+            </a:schemeClr>
+          </a:lnRef>
+          <a:fillRef idx="1">
+            <a:schemeClr val="dk1"/>
+          </a:fillRef>
+          <a:effectRef idx="0">
+            <a:schemeClr val="dk1"/>
+          </a:effectRef>
+          <a:fontRef idx="minor">
+            <a:schemeClr val="lt1"/>
+          </a:fontRef>
+        </p:style>
+        <p:txBody>
+          <a:bodyPr rtlCol="0" anchor="ctr"/>
+          <a:lstStyle/>
+          <a:p>
+            <a:pPr algn="ctr"/>
+            <a:endParaRPr lang="en-US"/>
+          </a:p>
+        </p:txBody>
+      </p:sp>
+      <p:sp>
+        <p:nvSpPr>
+          <p:cNvPr id="7" name="Oval 6"/>
+          <p:cNvSpPr/>
+          <p:nvPr/>
+        </p:nvSpPr>
+        <p:spPr>
+          <a:xfrm>
+            <a:off x="5481320" y="1767840"/>
+            <a:ext cx="81280" cy="81280"/>
+          </a:xfrm>
+          <a:prstGeom prst="ellipse">
+            <a:avLst/>
+          </a:prstGeom>
+          <a:solidFill>
+            <a:srgbClr val="007434"/>
+          </a:solidFill>
+          <a:ln>
+            <a:solidFill>
+              <a:srgbClr val="007635"/>
+            </a:solidFill>
+          </a:ln>
+          <a:effectLst>
+            <a:outerShdw blurRad="25400" dist="12700" dir="5400000" algn="t" rotWithShape="0">
+              <a:prstClr val="black"/>
+            </a:outerShdw>
+          </a:effectLst>
+        </p:spPr>
+        <p:style>
+          <a:lnRef idx="2">
+            <a:schemeClr val="dk1">
+              <a:shade val="50000"/>
+            </a:schemeClr>
+          </a:lnRef>
+          <a:fillRef idx="1">
+            <a:schemeClr val="dk1"/>
+          </a:fillRef>
+          <a:effectRef idx="0">
+            <a:schemeClr val="dk1"/>
+          </a:effectRef>
+          <a:fontRef idx="minor">
+            <a:schemeClr val="lt1"/>
+          </a:fontRef>
+        </p:style>
+        <p:txBody>
+          <a:bodyPr rtlCol="0" anchor="ctr"/>
+          <a:lstStyle/>
+          <a:p>
+            <a:pPr algn="ctr"/>
+            <a:endParaRPr lang="en-US"/>
+          </a:p>
+        </p:txBody>
+      </p:sp>
+      <p:sp>
+        <p:nvSpPr>
+          <p:cNvPr id="8" name="Oval 7"/>
+          <p:cNvSpPr/>
+          <p:nvPr/>
+        </p:nvSpPr>
+        <p:spPr>
+          <a:xfrm>
+            <a:off x="5781040" y="1767840"/>
+            <a:ext cx="81280" cy="81280"/>
+          </a:xfrm>
+          <a:prstGeom prst="ellipse">
+            <a:avLst/>
+          </a:prstGeom>
+          <a:solidFill>
+            <a:srgbClr val="C00000"/>
+          </a:solidFill>
+          <a:ln>
+            <a:solidFill>
+              <a:srgbClr val="C00000"/>
+            </a:solidFill>
+          </a:ln>
+          <a:effectLst>
+            <a:outerShdw blurRad="25400" dist="12700" dir="5400000" algn="t" rotWithShape="0">
+              <a:prstClr val="black"/>
+            </a:outerShdw>
+          </a:effectLst>
+        </p:spPr>
+        <p:style>
+          <a:lnRef idx="2">
+            <a:schemeClr val="dk1">
+              <a:shade val="50000"/>
+            </a:schemeClr>
+          </a:lnRef>
+          <a:fillRef idx="1">
+            <a:schemeClr val="dk1"/>
+          </a:fillRef>
+          <a:effectRef idx="0">
+            <a:schemeClr val="dk1"/>
+          </a:effectRef>
+          <a:fontRef idx="minor">
+            <a:schemeClr val="lt1"/>
+          </a:fontRef>
+        </p:style>
+        <p:txBody>
+          <a:bodyPr rtlCol="0" anchor="ctr"/>
+          <a:lstStyle/>
+          <a:p>
+            <a:pPr algn="ctr"/>
+            <a:endParaRPr lang="en-US"/>
           </a:p>
         </p:txBody>
       </p:sp>
